--- a/slides.pptx
+++ b/slides.pptx
@@ -21,9 +21,13 @@
     <p:sldId id="271" r:id="rId15"/>
     <p:sldId id="272" r:id="rId16"/>
     <p:sldId id="273" r:id="rId17"/>
-    <p:sldId id="274" r:id="rId18"/>
-    <p:sldId id="260" r:id="rId19"/>
-    <p:sldId id="275" r:id="rId20"/>
+    <p:sldId id="260" r:id="rId18"/>
+    <p:sldId id="277" r:id="rId19"/>
+    <p:sldId id="278" r:id="rId20"/>
+    <p:sldId id="275" r:id="rId21"/>
+    <p:sldId id="276" r:id="rId22"/>
+    <p:sldId id="279" r:id="rId23"/>
+    <p:sldId id="280" r:id="rId24"/>
   </p:sldIdLst>
   <p:sldSz cx="12192000" cy="6858000"/>
   <p:notesSz cx="6858000" cy="9144000"/>
@@ -122,7 +126,63 @@
       </a:defRPr>
     </a:lvl9pPr>
   </p:defaultTextStyle>
+  <p:extLst>
+    <p:ext uri="{521415D9-36F7-43E2-AB2F-B90AF26B5E84}">
+      <p14:sectionLst xmlns:p14="http://schemas.microsoft.com/office/powerpoint/2010/main">
+        <p14:section name="Introduction" id="{C8C40372-3EEB-4FB7-8401-186E57413F3E}">
+          <p14:sldIdLst>
+            <p14:sldId id="256"/>
+            <p14:sldId id="257"/>
+          </p14:sldIdLst>
+        </p14:section>
+        <p14:section name="What is GraphQL? How does GraphQL work?" id="{3A9BAB97-EACE-4CE3-A94F-7834B6F28F5D}">
+          <p14:sldIdLst>
+            <p14:sldId id="262"/>
+            <p14:sldId id="258"/>
+            <p14:sldId id="259"/>
+            <p14:sldId id="263"/>
+            <p14:sldId id="264"/>
+            <p14:sldId id="267"/>
+            <p14:sldId id="265"/>
+            <p14:sldId id="266"/>
+            <p14:sldId id="268"/>
+            <p14:sldId id="269"/>
+            <p14:sldId id="270"/>
+            <p14:sldId id="271"/>
+            <p14:sldId id="272"/>
+            <p14:sldId id="273"/>
+          </p14:sldIdLst>
+        </p14:section>
+        <p14:section name="How can one use GraphQL?" id="{5397299B-DF50-49DA-9B12-81D15DC0B95F}">
+          <p14:sldIdLst>
+            <p14:sldId id="260"/>
+            <p14:sldId id="277"/>
+            <p14:sldId id="278"/>
+          </p14:sldIdLst>
+        </p14:section>
+        <p14:section name="Working with GraphQL and NodeJS" id="{4A2DDD48-7256-4565-AB59-4ACEC36AB148}">
+          <p14:sldIdLst>
+            <p14:sldId id="275"/>
+            <p14:sldId id="276"/>
+          </p14:sldIdLst>
+        </p14:section>
+        <p14:section name="Finish" id="{BCB4D72D-9F61-47BD-8A6E-5B0C6C9F3712}">
+          <p14:sldIdLst>
+            <p14:sldId id="279"/>
+            <p14:sldId id="280"/>
+          </p14:sldIdLst>
+        </p14:section>
+      </p14:sectionLst>
+    </p:ext>
+    <p:ext uri="{EFAFB233-063F-42B5-8137-9DF3F51BA10A}">
+      <p15:sldGuideLst xmlns:p15="http://schemas.microsoft.com/office/powerpoint/2012/main"/>
+    </p:ext>
+  </p:extLst>
 </p:presentation>
+</file>
+
+<file path=ppt/revisionInfo.xml><?xml version="1.0" encoding="utf-8"?>
+<p1510:revInfo xmlns:a="http://schemas.openxmlformats.org/drawingml/2006/main" xmlns:r="http://schemas.openxmlformats.org/officeDocument/2006/relationships" xmlns:p1510="http://schemas.microsoft.com/office/powerpoint/2015/10/main"/>
 </file>
 
 <file path=ppt/slideLayouts/slideLayout1.xml><?xml version="1.0" encoding="utf-8"?>
@@ -274,7 +334,7 @@
           <a:p>
             <a:fld id="{1CD59365-9390-448B-903E-53945CFD64CE}" type="datetimeFigureOut">
               <a:rPr lang="de-DE" smtClean="0"/>
-              <a:t>30.04.2018</a:t>
+              <a:t>03.05.2018</a:t>
             </a:fld>
             <a:endParaRPr lang="de-DE"/>
           </a:p>
@@ -486,7 +546,7 @@
           <a:p>
             <a:fld id="{D7791AF5-2225-4A4D-834B-215359DFD297}" type="datetimeFigureOut">
               <a:rPr lang="de-DE" smtClean="0"/>
-              <a:t>30.04.2018</a:t>
+              <a:t>03.05.2018</a:t>
             </a:fld>
             <a:endParaRPr lang="de-DE"/>
           </a:p>
@@ -708,7 +768,7 @@
           <a:p>
             <a:fld id="{D7791AF5-2225-4A4D-834B-215359DFD297}" type="datetimeFigureOut">
               <a:rPr lang="de-DE" smtClean="0"/>
-              <a:t>30.04.2018</a:t>
+              <a:t>03.05.2018</a:t>
             </a:fld>
             <a:endParaRPr lang="de-DE"/>
           </a:p>
@@ -920,7 +980,7 @@
           <a:p>
             <a:fld id="{D7791AF5-2225-4A4D-834B-215359DFD297}" type="datetimeFigureOut">
               <a:rPr lang="de-DE" smtClean="0"/>
-              <a:t>30.04.2018</a:t>
+              <a:t>03.05.2018</a:t>
             </a:fld>
             <a:endParaRPr lang="de-DE"/>
           </a:p>
@@ -1208,7 +1268,7 @@
           <a:p>
             <a:fld id="{D7791AF5-2225-4A4D-834B-215359DFD297}" type="datetimeFigureOut">
               <a:rPr lang="de-DE" smtClean="0"/>
-              <a:t>30.04.2018</a:t>
+              <a:t>03.05.2018</a:t>
             </a:fld>
             <a:endParaRPr lang="de-DE"/>
           </a:p>
@@ -1488,7 +1548,7 @@
           <a:p>
             <a:fld id="{D7791AF5-2225-4A4D-834B-215359DFD297}" type="datetimeFigureOut">
               <a:rPr lang="de-DE" smtClean="0"/>
-              <a:t>30.04.2018</a:t>
+              <a:t>03.05.2018</a:t>
             </a:fld>
             <a:endParaRPr lang="de-DE"/>
           </a:p>
@@ -1915,7 +1975,7 @@
           <a:p>
             <a:fld id="{D7791AF5-2225-4A4D-834B-215359DFD297}" type="datetimeFigureOut">
               <a:rPr lang="de-DE" smtClean="0"/>
-              <a:t>30.04.2018</a:t>
+              <a:t>03.05.2018</a:t>
             </a:fld>
             <a:endParaRPr lang="de-DE"/>
           </a:p>
@@ -2069,7 +2129,7 @@
           <a:p>
             <a:fld id="{D7791AF5-2225-4A4D-834B-215359DFD297}" type="datetimeFigureOut">
               <a:rPr lang="de-DE" smtClean="0"/>
-              <a:t>30.04.2018</a:t>
+              <a:t>03.05.2018</a:t>
             </a:fld>
             <a:endParaRPr lang="de-DE"/>
           </a:p>
@@ -2194,7 +2254,7 @@
           <a:p>
             <a:fld id="{D7791AF5-2225-4A4D-834B-215359DFD297}" type="datetimeFigureOut">
               <a:rPr lang="de-DE" smtClean="0"/>
-              <a:t>30.04.2018</a:t>
+              <a:t>03.05.2018</a:t>
             </a:fld>
             <a:endParaRPr lang="de-DE"/>
           </a:p>
@@ -2519,7 +2579,7 @@
           <a:p>
             <a:fld id="{D7791AF5-2225-4A4D-834B-215359DFD297}" type="datetimeFigureOut">
               <a:rPr lang="de-DE" smtClean="0"/>
-              <a:t>30.04.2018</a:t>
+              <a:t>03.05.2018</a:t>
             </a:fld>
             <a:endParaRPr lang="de-DE"/>
           </a:p>
@@ -2820,7 +2880,7 @@
           <a:p>
             <a:fld id="{D7791AF5-2225-4A4D-834B-215359DFD297}" type="datetimeFigureOut">
               <a:rPr lang="de-DE" smtClean="0"/>
-              <a:t>30.04.2018</a:t>
+              <a:t>03.05.2018</a:t>
             </a:fld>
             <a:endParaRPr lang="de-DE"/>
           </a:p>
@@ -3074,7 +3134,7 @@
             <a:fld id="{D7791AF5-2225-4A4D-834B-215359DFD297}" type="datetimeFigureOut">
               <a:rPr lang="de-DE" smtClean="0"/>
               <a:pPr/>
-              <a:t>30.04.2018</a:t>
+              <a:t>03.05.2018</a:t>
             </a:fld>
             <a:endParaRPr lang="de-DE"/>
           </a:p>
@@ -3545,16 +3605,12 @@
   <p:clrMapOvr>
     <a:masterClrMapping/>
   </p:clrMapOvr>
-  <mc:AlternateContent xmlns:mc="http://schemas.openxmlformats.org/markup-compatibility/2006" xmlns:p14="http://schemas.microsoft.com/office/powerpoint/2010/main">
-    <mc:Choice Requires="p14">
-      <p:transition spd="med" p14:dur="700">
-        <p:fade/>
-      </p:transition>
+  <mc:AlternateContent xmlns:mc="http://schemas.openxmlformats.org/markup-compatibility/2006">
+    <mc:Choice xmlns:p14="http://schemas.microsoft.com/office/powerpoint/2010/main" Requires="p14">
+      <p:transition p14:dur="0"/>
     </mc:Choice>
-    <mc:Fallback xmlns="">
-      <p:transition spd="med">
-        <p:fade/>
-      </p:transition>
+    <mc:Fallback>
+      <p:transition/>
     </mc:Fallback>
   </mc:AlternateContent>
 </p:sld>
@@ -3878,18 +3934,9 @@
   <p:clrMapOvr>
     <a:masterClrMapping/>
   </p:clrMapOvr>
-  <mc:AlternateContent xmlns:mc="http://schemas.openxmlformats.org/markup-compatibility/2006" xmlns:p14="http://schemas.microsoft.com/office/powerpoint/2010/main">
-    <mc:Choice Requires="p14">
-      <p:transition spd="med" p14:dur="700">
-        <p:fade/>
-      </p:transition>
-    </mc:Choice>
-    <mc:Fallback xmlns="">
-      <p:transition spd="med">
-        <p:fade/>
-      </p:transition>
-    </mc:Fallback>
-  </mc:AlternateContent>
+  <p:transition spd="slow">
+    <p:cover/>
+  </p:transition>
 </p:sld>
 </file>
 
@@ -4177,6 +4224,2892 @@
     <p:extLst>
       <p:ext uri="{BB962C8B-B14F-4D97-AF65-F5344CB8AC3E}">
         <p14:creationId xmlns:p14="http://schemas.microsoft.com/office/powerpoint/2010/main" val="4147685494"/>
+      </p:ext>
+    </p:extLst>
+  </p:cSld>
+  <p:clrMapOvr>
+    <a:masterClrMapping/>
+  </p:clrMapOvr>
+  <p:transition spd="slow">
+    <p:cover/>
+  </p:transition>
+</p:sld>
+</file>
+
+<file path=ppt/slides/slide12.xml><?xml version="1.0" encoding="utf-8"?>
+<p:sld xmlns:a="http://schemas.openxmlformats.org/drawingml/2006/main" xmlns:r="http://schemas.openxmlformats.org/officeDocument/2006/relationships" xmlns:p="http://schemas.openxmlformats.org/presentationml/2006/main">
+  <p:cSld>
+    <p:spTree>
+      <p:nvGrpSpPr>
+        <p:cNvPr id="1" name=""/>
+        <p:cNvGrpSpPr/>
+        <p:nvPr/>
+      </p:nvGrpSpPr>
+      <p:grpSpPr>
+        <a:xfrm>
+          <a:off x="0" y="0"/>
+          <a:ext cx="0" cy="0"/>
+          <a:chOff x="0" y="0"/>
+          <a:chExt cx="0" cy="0"/>
+        </a:xfrm>
+      </p:grpSpPr>
+      <p:sp>
+        <p:nvSpPr>
+          <p:cNvPr id="2" name="Title 1">
+            <a:extLst>
+              <a:ext uri="{FF2B5EF4-FFF2-40B4-BE49-F238E27FC236}">
+                <a16:creationId xmlns:a16="http://schemas.microsoft.com/office/drawing/2014/main" id="{7C9F8954-FB24-4B5E-84FD-69E3CB2CE37B}"/>
+              </a:ext>
+            </a:extLst>
+          </p:cNvPr>
+          <p:cNvSpPr>
+            <a:spLocks noGrp="1"/>
+          </p:cNvSpPr>
+          <p:nvPr>
+            <p:ph type="title"/>
+          </p:nvPr>
+        </p:nvSpPr>
+        <p:spPr/>
+        <p:txBody>
+          <a:bodyPr/>
+          <a:lstStyle/>
+          <a:p>
+            <a:r>
+              <a:rPr lang="de-DE" dirty="0"/>
+              <a:t>The Query</a:t>
+            </a:r>
+          </a:p>
+        </p:txBody>
+      </p:sp>
+      <p:sp>
+        <p:nvSpPr>
+          <p:cNvPr id="3" name="Content Placeholder 2">
+            <a:extLst>
+              <a:ext uri="{FF2B5EF4-FFF2-40B4-BE49-F238E27FC236}">
+                <a16:creationId xmlns:a16="http://schemas.microsoft.com/office/drawing/2014/main" id="{40143099-974A-401A-893F-FD9FC4526921}"/>
+              </a:ext>
+            </a:extLst>
+          </p:cNvPr>
+          <p:cNvSpPr>
+            <a:spLocks noGrp="1"/>
+          </p:cNvSpPr>
+          <p:nvPr>
+            <p:ph idx="1"/>
+          </p:nvPr>
+        </p:nvSpPr>
+        <p:spPr/>
+        <p:txBody>
+          <a:bodyPr/>
+          <a:lstStyle/>
+          <a:p>
+            <a:r>
+              <a:rPr lang="de-DE" dirty="0"/>
+              <a:t>A </a:t>
+            </a:r>
+            <a:r>
+              <a:rPr lang="de-DE" dirty="0" err="1"/>
+              <a:t>query</a:t>
+            </a:r>
+            <a:r>
+              <a:rPr lang="de-DE" dirty="0"/>
+              <a:t> </a:t>
+            </a:r>
+            <a:r>
+              <a:rPr lang="de-DE" dirty="0" err="1"/>
+              <a:t>is</a:t>
+            </a:r>
+            <a:r>
+              <a:rPr lang="de-DE" dirty="0"/>
+              <a:t> </a:t>
+            </a:r>
+            <a:r>
+              <a:rPr lang="de-DE" dirty="0" err="1"/>
+              <a:t>formed</a:t>
+            </a:r>
+            <a:r>
+              <a:rPr lang="de-DE" dirty="0"/>
+              <a:t> </a:t>
+            </a:r>
+            <a:r>
+              <a:rPr lang="de-DE" dirty="0" err="1"/>
+              <a:t>based</a:t>
+            </a:r>
+            <a:r>
+              <a:rPr lang="de-DE" dirty="0"/>
+              <a:t> on </a:t>
+            </a:r>
+            <a:r>
+              <a:rPr lang="de-DE" dirty="0" err="1"/>
+              <a:t>the</a:t>
+            </a:r>
+            <a:r>
+              <a:rPr lang="de-DE" dirty="0"/>
+              <a:t> </a:t>
+            </a:r>
+            <a:r>
+              <a:rPr lang="de-DE" dirty="0" err="1"/>
+              <a:t>schema</a:t>
+            </a:r>
+            <a:r>
+              <a:rPr lang="de-DE" dirty="0"/>
+              <a:t> and </a:t>
+            </a:r>
+            <a:r>
+              <a:rPr lang="de-DE" dirty="0" err="1"/>
+              <a:t>the</a:t>
+            </a:r>
+            <a:r>
+              <a:rPr lang="de-DE" dirty="0"/>
+              <a:t> GraphQL-Syntax</a:t>
+            </a:r>
+          </a:p>
+          <a:p>
+            <a:r>
+              <a:rPr lang="de-DE" dirty="0"/>
+              <a:t>The Client </a:t>
+            </a:r>
+            <a:r>
+              <a:rPr lang="de-DE" dirty="0" err="1"/>
+              <a:t>can</a:t>
+            </a:r>
+            <a:r>
+              <a:rPr lang="de-DE" dirty="0"/>
+              <a:t> </a:t>
+            </a:r>
+            <a:r>
+              <a:rPr lang="de-DE" dirty="0" err="1"/>
+              <a:t>specify</a:t>
+            </a:r>
+            <a:r>
+              <a:rPr lang="de-DE" dirty="0"/>
+              <a:t> </a:t>
+            </a:r>
+            <a:r>
+              <a:rPr lang="de-DE" dirty="0" err="1"/>
+              <a:t>various</a:t>
+            </a:r>
+            <a:r>
+              <a:rPr lang="de-DE" dirty="0"/>
+              <a:t> </a:t>
+            </a:r>
+            <a:r>
+              <a:rPr lang="de-DE" dirty="0" err="1"/>
+              <a:t>queries</a:t>
+            </a:r>
+            <a:r>
+              <a:rPr lang="de-DE" dirty="0"/>
+              <a:t> in </a:t>
+            </a:r>
+            <a:r>
+              <a:rPr lang="de-DE" dirty="0" err="1"/>
+              <a:t>one</a:t>
+            </a:r>
+            <a:r>
+              <a:rPr lang="de-DE" dirty="0"/>
+              <a:t> </a:t>
+            </a:r>
+            <a:r>
+              <a:rPr lang="de-DE" dirty="0" err="1"/>
+              <a:t>call</a:t>
+            </a:r>
+            <a:r>
+              <a:rPr lang="de-DE" dirty="0"/>
+              <a:t> and </a:t>
+            </a:r>
+            <a:r>
+              <a:rPr lang="de-DE" dirty="0" err="1"/>
+              <a:t>which</a:t>
+            </a:r>
+            <a:r>
+              <a:rPr lang="de-DE" dirty="0"/>
+              <a:t> </a:t>
+            </a:r>
+            <a:r>
+              <a:rPr lang="de-DE" dirty="0" err="1"/>
+              <a:t>data</a:t>
+            </a:r>
+            <a:r>
+              <a:rPr lang="de-DE" dirty="0"/>
+              <a:t> </a:t>
+            </a:r>
+            <a:r>
+              <a:rPr lang="de-DE" dirty="0" err="1"/>
+              <a:t>they</a:t>
+            </a:r>
+            <a:r>
+              <a:rPr lang="de-DE" dirty="0"/>
+              <a:t> </a:t>
+            </a:r>
+            <a:r>
+              <a:rPr lang="de-DE" dirty="0" err="1"/>
+              <a:t>should</a:t>
+            </a:r>
+            <a:r>
+              <a:rPr lang="de-DE" dirty="0"/>
+              <a:t> </a:t>
+            </a:r>
+            <a:r>
+              <a:rPr lang="de-DE" dirty="0" err="1"/>
+              <a:t>return</a:t>
+            </a:r>
+            <a:endParaRPr lang="de-DE" dirty="0"/>
+          </a:p>
+        </p:txBody>
+      </p:sp>
+    </p:spTree>
+    <p:extLst>
+      <p:ext uri="{BB962C8B-B14F-4D97-AF65-F5344CB8AC3E}">
+        <p14:creationId xmlns:p14="http://schemas.microsoft.com/office/powerpoint/2010/main" val="2595987514"/>
+      </p:ext>
+    </p:extLst>
+  </p:cSld>
+  <p:clrMapOvr>
+    <a:masterClrMapping/>
+  </p:clrMapOvr>
+  <p:transition spd="slow">
+    <p:cover/>
+  </p:transition>
+</p:sld>
+</file>
+
+<file path=ppt/slides/slide13.xml><?xml version="1.0" encoding="utf-8"?>
+<p:sld xmlns:a="http://schemas.openxmlformats.org/drawingml/2006/main" xmlns:r="http://schemas.openxmlformats.org/officeDocument/2006/relationships" xmlns:p="http://schemas.openxmlformats.org/presentationml/2006/main">
+  <p:cSld>
+    <p:spTree>
+      <p:nvGrpSpPr>
+        <p:cNvPr id="1" name=""/>
+        <p:cNvGrpSpPr/>
+        <p:nvPr/>
+      </p:nvGrpSpPr>
+      <p:grpSpPr>
+        <a:xfrm>
+          <a:off x="0" y="0"/>
+          <a:ext cx="0" cy="0"/>
+          <a:chOff x="0" y="0"/>
+          <a:chExt cx="0" cy="0"/>
+        </a:xfrm>
+      </p:grpSpPr>
+      <p:sp>
+        <p:nvSpPr>
+          <p:cNvPr id="2" name="Title 1">
+            <a:extLst>
+              <a:ext uri="{FF2B5EF4-FFF2-40B4-BE49-F238E27FC236}">
+                <a16:creationId xmlns:a16="http://schemas.microsoft.com/office/drawing/2014/main" id="{B58106D9-20CD-4182-B99F-1AEDBFA03D64}"/>
+              </a:ext>
+            </a:extLst>
+          </p:cNvPr>
+          <p:cNvSpPr>
+            <a:spLocks noGrp="1"/>
+          </p:cNvSpPr>
+          <p:nvPr>
+            <p:ph type="title"/>
+          </p:nvPr>
+        </p:nvSpPr>
+        <p:spPr/>
+        <p:txBody>
+          <a:bodyPr/>
+          <a:lstStyle/>
+          <a:p>
+            <a:r>
+              <a:rPr lang="de-DE" dirty="0"/>
+              <a:t>The Query – </a:t>
+            </a:r>
+            <a:r>
+              <a:rPr lang="de-DE" dirty="0" err="1"/>
+              <a:t>Example</a:t>
+            </a:r>
+            <a:r>
+              <a:rPr lang="de-DE" dirty="0"/>
+              <a:t> Query</a:t>
+            </a:r>
+          </a:p>
+        </p:txBody>
+      </p:sp>
+      <p:sp>
+        <p:nvSpPr>
+          <p:cNvPr id="3" name="Content Placeholder 2">
+            <a:extLst>
+              <a:ext uri="{FF2B5EF4-FFF2-40B4-BE49-F238E27FC236}">
+                <a16:creationId xmlns:a16="http://schemas.microsoft.com/office/drawing/2014/main" id="{12CA9E5D-2943-4796-B5E8-4BF60BF32A8D}"/>
+              </a:ext>
+            </a:extLst>
+          </p:cNvPr>
+          <p:cNvSpPr>
+            <a:spLocks noGrp="1"/>
+          </p:cNvSpPr>
+          <p:nvPr>
+            <p:ph idx="1"/>
+          </p:nvPr>
+        </p:nvSpPr>
+        <p:spPr/>
+        <p:txBody>
+          <a:bodyPr>
+            <a:normAutofit/>
+          </a:bodyPr>
+          <a:lstStyle/>
+          <a:p>
+            <a:pPr marL="0" indent="0">
+              <a:buNone/>
+            </a:pPr>
+            <a:r>
+              <a:rPr lang="en-US" sz="1800" b="0" dirty="0">
+                <a:solidFill>
+                  <a:schemeClr val="tx1">
+                    <a:lumMod val="65000"/>
+                    <a:lumOff val="35000"/>
+                  </a:schemeClr>
+                </a:solidFill>
+                <a:effectLst/>
+                <a:latin typeface="Consolas" panose="020B0609020204030204" pitchFamily="49" charset="0"/>
+              </a:rPr>
+              <a:t>{</a:t>
+            </a:r>
+          </a:p>
+          <a:p>
+            <a:pPr marL="0" indent="0">
+              <a:buNone/>
+            </a:pPr>
+            <a:r>
+              <a:rPr lang="en-US" sz="1800" dirty="0">
+                <a:solidFill>
+                  <a:schemeClr val="tx1">
+                    <a:lumMod val="65000"/>
+                    <a:lumOff val="35000"/>
+                  </a:schemeClr>
+                </a:solidFill>
+                <a:latin typeface="Consolas" panose="020B0609020204030204" pitchFamily="49" charset="0"/>
+              </a:rPr>
+              <a:t>   </a:t>
+            </a:r>
+            <a:r>
+              <a:rPr lang="en-US" sz="1800" b="0" dirty="0" err="1">
+                <a:solidFill>
+                  <a:schemeClr val="tx1">
+                    <a:lumMod val="65000"/>
+                    <a:lumOff val="35000"/>
+                  </a:schemeClr>
+                </a:solidFill>
+                <a:effectLst/>
+                <a:latin typeface="Consolas" panose="020B0609020204030204" pitchFamily="49" charset="0"/>
+              </a:rPr>
+              <a:t>getAuthor</a:t>
+            </a:r>
+            <a:r>
+              <a:rPr lang="en-US" sz="1800" b="0" dirty="0">
+                <a:solidFill>
+                  <a:schemeClr val="tx1">
+                    <a:lumMod val="65000"/>
+                    <a:lumOff val="35000"/>
+                  </a:schemeClr>
+                </a:solidFill>
+                <a:effectLst/>
+                <a:latin typeface="Consolas" panose="020B0609020204030204" pitchFamily="49" charset="0"/>
+              </a:rPr>
+              <a:t>(id: 5){</a:t>
+            </a:r>
+          </a:p>
+          <a:p>
+            <a:pPr marL="0" indent="0">
+              <a:buNone/>
+            </a:pPr>
+            <a:r>
+              <a:rPr lang="en-US" sz="1800" b="0" dirty="0">
+                <a:solidFill>
+                  <a:schemeClr val="tx1">
+                    <a:lumMod val="65000"/>
+                    <a:lumOff val="35000"/>
+                  </a:schemeClr>
+                </a:solidFill>
+                <a:effectLst/>
+                <a:latin typeface="Consolas" panose="020B0609020204030204" pitchFamily="49" charset="0"/>
+              </a:rPr>
+              <a:t>      name</a:t>
+            </a:r>
+          </a:p>
+          <a:p>
+            <a:pPr marL="0" indent="0">
+              <a:buNone/>
+            </a:pPr>
+            <a:r>
+              <a:rPr lang="en-US" sz="1800" b="0" dirty="0">
+                <a:solidFill>
+                  <a:schemeClr val="tx1">
+                    <a:lumMod val="65000"/>
+                    <a:lumOff val="35000"/>
+                  </a:schemeClr>
+                </a:solidFill>
+                <a:effectLst/>
+                <a:latin typeface="Consolas" panose="020B0609020204030204" pitchFamily="49" charset="0"/>
+              </a:rPr>
+              <a:t>      posts {</a:t>
+            </a:r>
+          </a:p>
+          <a:p>
+            <a:pPr marL="0" indent="0">
+              <a:buNone/>
+            </a:pPr>
+            <a:r>
+              <a:rPr lang="en-US" sz="1800" b="0" dirty="0">
+                <a:solidFill>
+                  <a:schemeClr val="tx1">
+                    <a:lumMod val="65000"/>
+                    <a:lumOff val="35000"/>
+                  </a:schemeClr>
+                </a:solidFill>
+                <a:effectLst/>
+                <a:latin typeface="Consolas" panose="020B0609020204030204" pitchFamily="49" charset="0"/>
+              </a:rPr>
+              <a:t>         title</a:t>
+            </a:r>
+          </a:p>
+          <a:p>
+            <a:pPr marL="0" indent="0">
+              <a:buNone/>
+            </a:pPr>
+            <a:r>
+              <a:rPr lang="en-US" sz="1800" b="0" dirty="0">
+                <a:solidFill>
+                  <a:schemeClr val="tx1">
+                    <a:lumMod val="65000"/>
+                    <a:lumOff val="35000"/>
+                  </a:schemeClr>
+                </a:solidFill>
+                <a:effectLst/>
+                <a:latin typeface="Consolas" panose="020B0609020204030204" pitchFamily="49" charset="0"/>
+              </a:rPr>
+              <a:t>         author {</a:t>
+            </a:r>
+          </a:p>
+          <a:p>
+            <a:pPr marL="0" indent="0">
+              <a:buNone/>
+            </a:pPr>
+            <a:r>
+              <a:rPr lang="en-US" sz="1800" b="0" dirty="0">
+                <a:solidFill>
+                  <a:schemeClr val="tx1">
+                    <a:lumMod val="65000"/>
+                    <a:lumOff val="35000"/>
+                  </a:schemeClr>
+                </a:solidFill>
+                <a:effectLst/>
+                <a:latin typeface="Consolas" panose="020B0609020204030204" pitchFamily="49" charset="0"/>
+              </a:rPr>
+              <a:t>            name </a:t>
+            </a:r>
+            <a:r>
+              <a:rPr lang="en-US" sz="1800" b="0" dirty="0">
+                <a:solidFill>
+                  <a:schemeClr val="accent6">
+                    <a:lumMod val="75000"/>
+                  </a:schemeClr>
+                </a:solidFill>
+                <a:effectLst/>
+                <a:latin typeface="Consolas" panose="020B0609020204030204" pitchFamily="49" charset="0"/>
+              </a:rPr>
+              <a:t># Just the name is queried</a:t>
+            </a:r>
+            <a:r>
+              <a:rPr lang="en-US" sz="1800" b="0" dirty="0">
+                <a:solidFill>
+                  <a:schemeClr val="tx1">
+                    <a:lumMod val="65000"/>
+                    <a:lumOff val="35000"/>
+                  </a:schemeClr>
+                </a:solidFill>
+                <a:effectLst/>
+                <a:latin typeface="Consolas" panose="020B0609020204030204" pitchFamily="49" charset="0"/>
+              </a:rPr>
+              <a:t>              	  }</a:t>
+            </a:r>
+          </a:p>
+          <a:p>
+            <a:pPr marL="0" indent="0">
+              <a:buNone/>
+            </a:pPr>
+            <a:r>
+              <a:rPr lang="en-US" sz="1800" b="0" dirty="0">
+                <a:solidFill>
+                  <a:schemeClr val="tx1">
+                    <a:lumMod val="65000"/>
+                    <a:lumOff val="35000"/>
+                  </a:schemeClr>
+                </a:solidFill>
+                <a:effectLst/>
+                <a:latin typeface="Consolas" panose="020B0609020204030204" pitchFamily="49" charset="0"/>
+              </a:rPr>
+              <a:t>      }</a:t>
+            </a:r>
+          </a:p>
+          <a:p>
+            <a:pPr marL="0" indent="0">
+              <a:buNone/>
+            </a:pPr>
+            <a:r>
+              <a:rPr lang="en-US" sz="1800" b="0" dirty="0">
+                <a:solidFill>
+                  <a:schemeClr val="tx1">
+                    <a:lumMod val="65000"/>
+                    <a:lumOff val="35000"/>
+                  </a:schemeClr>
+                </a:solidFill>
+                <a:effectLst/>
+                <a:latin typeface="Consolas" panose="020B0609020204030204" pitchFamily="49" charset="0"/>
+              </a:rPr>
+              <a:t>   }</a:t>
+            </a:r>
+          </a:p>
+          <a:p>
+            <a:pPr marL="0" indent="0">
+              <a:buNone/>
+            </a:pPr>
+            <a:r>
+              <a:rPr lang="en-US" sz="1800" b="0" dirty="0">
+                <a:solidFill>
+                  <a:schemeClr val="tx1">
+                    <a:lumMod val="65000"/>
+                    <a:lumOff val="35000"/>
+                  </a:schemeClr>
+                </a:solidFill>
+                <a:effectLst/>
+                <a:latin typeface="Consolas" panose="020B0609020204030204" pitchFamily="49" charset="0"/>
+              </a:rPr>
+              <a:t>}</a:t>
+            </a:r>
+          </a:p>
+          <a:p>
+            <a:pPr marL="0" indent="0">
+              <a:buNone/>
+            </a:pPr>
+            <a:endParaRPr lang="de-DE" dirty="0"/>
+          </a:p>
+        </p:txBody>
+      </p:sp>
+      <p:sp>
+        <p:nvSpPr>
+          <p:cNvPr id="4" name="Text Placeholder 3">
+            <a:extLst>
+              <a:ext uri="{FF2B5EF4-FFF2-40B4-BE49-F238E27FC236}">
+                <a16:creationId xmlns:a16="http://schemas.microsoft.com/office/drawing/2014/main" id="{54FBECF2-D6BC-4DAB-BF74-C26ED7D4F111}"/>
+              </a:ext>
+            </a:extLst>
+          </p:cNvPr>
+          <p:cNvSpPr>
+            <a:spLocks noGrp="1"/>
+          </p:cNvSpPr>
+          <p:nvPr>
+            <p:ph type="body" sz="half" idx="2"/>
+          </p:nvPr>
+        </p:nvSpPr>
+        <p:spPr/>
+        <p:txBody>
+          <a:bodyPr/>
+          <a:lstStyle/>
+          <a:p>
+            <a:endParaRPr lang="de-DE"/>
+          </a:p>
+        </p:txBody>
+      </p:sp>
+    </p:spTree>
+    <p:extLst>
+      <p:ext uri="{BB962C8B-B14F-4D97-AF65-F5344CB8AC3E}">
+        <p14:creationId xmlns:p14="http://schemas.microsoft.com/office/powerpoint/2010/main" val="408980979"/>
+      </p:ext>
+    </p:extLst>
+  </p:cSld>
+  <p:clrMapOvr>
+    <a:masterClrMapping/>
+  </p:clrMapOvr>
+  <p:transition spd="slow">
+    <p:cover/>
+  </p:transition>
+</p:sld>
+</file>
+
+<file path=ppt/slides/slide14.xml><?xml version="1.0" encoding="utf-8"?>
+<p:sld xmlns:a="http://schemas.openxmlformats.org/drawingml/2006/main" xmlns:r="http://schemas.openxmlformats.org/officeDocument/2006/relationships" xmlns:p="http://schemas.openxmlformats.org/presentationml/2006/main">
+  <p:cSld>
+    <p:spTree>
+      <p:nvGrpSpPr>
+        <p:cNvPr id="1" name=""/>
+        <p:cNvGrpSpPr/>
+        <p:nvPr/>
+      </p:nvGrpSpPr>
+      <p:grpSpPr>
+        <a:xfrm>
+          <a:off x="0" y="0"/>
+          <a:ext cx="0" cy="0"/>
+          <a:chOff x="0" y="0"/>
+          <a:chExt cx="0" cy="0"/>
+        </a:xfrm>
+      </p:grpSpPr>
+      <p:sp>
+        <p:nvSpPr>
+          <p:cNvPr id="2" name="Title 1">
+            <a:extLst>
+              <a:ext uri="{FF2B5EF4-FFF2-40B4-BE49-F238E27FC236}">
+                <a16:creationId xmlns:a16="http://schemas.microsoft.com/office/drawing/2014/main" id="{2150E2F0-1FD7-4667-9E9A-31AB3BCEF06B}"/>
+              </a:ext>
+            </a:extLst>
+          </p:cNvPr>
+          <p:cNvSpPr>
+            <a:spLocks noGrp="1"/>
+          </p:cNvSpPr>
+          <p:nvPr>
+            <p:ph type="title"/>
+          </p:nvPr>
+        </p:nvSpPr>
+        <p:spPr/>
+        <p:txBody>
+          <a:bodyPr/>
+          <a:lstStyle/>
+          <a:p>
+            <a:r>
+              <a:rPr lang="de-DE" dirty="0"/>
+              <a:t>The Query – </a:t>
+            </a:r>
+            <a:r>
+              <a:rPr lang="de-DE" dirty="0" err="1"/>
+              <a:t>Example</a:t>
+            </a:r>
+            <a:r>
+              <a:rPr lang="de-DE" dirty="0"/>
+              <a:t> Response</a:t>
+            </a:r>
+          </a:p>
+        </p:txBody>
+      </p:sp>
+      <p:sp>
+        <p:nvSpPr>
+          <p:cNvPr id="3" name="Content Placeholder 2">
+            <a:extLst>
+              <a:ext uri="{FF2B5EF4-FFF2-40B4-BE49-F238E27FC236}">
+                <a16:creationId xmlns:a16="http://schemas.microsoft.com/office/drawing/2014/main" id="{69103EA0-5B78-49A4-BCFF-8798962EFC93}"/>
+              </a:ext>
+            </a:extLst>
+          </p:cNvPr>
+          <p:cNvSpPr>
+            <a:spLocks noGrp="1"/>
+          </p:cNvSpPr>
+          <p:nvPr>
+            <p:ph idx="1"/>
+          </p:nvPr>
+        </p:nvSpPr>
+        <p:spPr/>
+        <p:txBody>
+          <a:bodyPr>
+            <a:normAutofit fontScale="85000" lnSpcReduction="20000"/>
+          </a:bodyPr>
+          <a:lstStyle/>
+          <a:p>
+            <a:pPr marL="0" indent="0">
+              <a:buNone/>
+            </a:pPr>
+            <a:r>
+              <a:rPr lang="en-US" sz="1400" dirty="0">
+                <a:solidFill>
+                  <a:schemeClr val="tx1">
+                    <a:lumMod val="65000"/>
+                    <a:lumOff val="35000"/>
+                  </a:schemeClr>
+                </a:solidFill>
+                <a:latin typeface="Consolas" panose="020B0609020204030204" pitchFamily="49" charset="0"/>
+              </a:rPr>
+              <a:t>{</a:t>
+            </a:r>
+          </a:p>
+          <a:p>
+            <a:pPr marL="0" indent="0">
+              <a:buNone/>
+            </a:pPr>
+            <a:r>
+              <a:rPr lang="en-US" sz="1400" dirty="0">
+                <a:solidFill>
+                  <a:schemeClr val="tx1">
+                    <a:lumMod val="65000"/>
+                    <a:lumOff val="35000"/>
+                  </a:schemeClr>
+                </a:solidFill>
+                <a:latin typeface="Consolas" panose="020B0609020204030204" pitchFamily="49" charset="0"/>
+              </a:rPr>
+              <a:t>   “</a:t>
+            </a:r>
+            <a:r>
+              <a:rPr lang="en-US" sz="1400" dirty="0" err="1">
+                <a:solidFill>
+                  <a:schemeClr val="tx1">
+                    <a:lumMod val="65000"/>
+                    <a:lumOff val="35000"/>
+                  </a:schemeClr>
+                </a:solidFill>
+                <a:latin typeface="Consolas" panose="020B0609020204030204" pitchFamily="49" charset="0"/>
+              </a:rPr>
+              <a:t>getAuthor</a:t>
+            </a:r>
+            <a:r>
+              <a:rPr lang="en-US" sz="1400" dirty="0">
+                <a:solidFill>
+                  <a:schemeClr val="tx1">
+                    <a:lumMod val="65000"/>
+                    <a:lumOff val="35000"/>
+                  </a:schemeClr>
+                </a:solidFill>
+                <a:latin typeface="Consolas" panose="020B0609020204030204" pitchFamily="49" charset="0"/>
+              </a:rPr>
+              <a:t>”: {</a:t>
+            </a:r>
+          </a:p>
+          <a:p>
+            <a:pPr marL="0" indent="0">
+              <a:buNone/>
+            </a:pPr>
+            <a:r>
+              <a:rPr lang="en-US" sz="1400" dirty="0">
+                <a:solidFill>
+                  <a:schemeClr val="tx1">
+                    <a:lumMod val="65000"/>
+                    <a:lumOff val="35000"/>
+                  </a:schemeClr>
+                </a:solidFill>
+                <a:latin typeface="Consolas" panose="020B0609020204030204" pitchFamily="49" charset="0"/>
+              </a:rPr>
+              <a:t>      “name”: “Johann Wolfgang von Goethe”,</a:t>
+            </a:r>
+          </a:p>
+          <a:p>
+            <a:pPr marL="0" indent="0">
+              <a:buNone/>
+            </a:pPr>
+            <a:r>
+              <a:rPr lang="en-US" sz="1400" dirty="0">
+                <a:solidFill>
+                  <a:schemeClr val="tx1">
+                    <a:lumMod val="65000"/>
+                    <a:lumOff val="35000"/>
+                  </a:schemeClr>
+                </a:solidFill>
+                <a:latin typeface="Consolas" panose="020B0609020204030204" pitchFamily="49" charset="0"/>
+              </a:rPr>
+              <a:t>      “posts”: [</a:t>
+            </a:r>
+          </a:p>
+          <a:p>
+            <a:pPr marL="0" indent="0">
+              <a:buNone/>
+            </a:pPr>
+            <a:r>
+              <a:rPr lang="en-US" sz="1400" dirty="0">
+                <a:solidFill>
+                  <a:schemeClr val="tx1">
+                    <a:lumMod val="65000"/>
+                    <a:lumOff val="35000"/>
+                  </a:schemeClr>
+                </a:solidFill>
+                <a:latin typeface="Consolas" panose="020B0609020204030204" pitchFamily="49" charset="0"/>
+              </a:rPr>
+              <a:t>         {</a:t>
+            </a:r>
+          </a:p>
+          <a:p>
+            <a:pPr marL="0" indent="0">
+              <a:buNone/>
+            </a:pPr>
+            <a:r>
+              <a:rPr lang="en-US" sz="1400" dirty="0">
+                <a:solidFill>
+                  <a:schemeClr val="tx1">
+                    <a:lumMod val="65000"/>
+                    <a:lumOff val="35000"/>
+                  </a:schemeClr>
+                </a:solidFill>
+                <a:latin typeface="Consolas" panose="020B0609020204030204" pitchFamily="49" charset="0"/>
+              </a:rPr>
+              <a:t>            “title”: “Faust. Eine </a:t>
+            </a:r>
+            <a:r>
+              <a:rPr lang="en-US" sz="1400" dirty="0" err="1">
+                <a:solidFill>
+                  <a:schemeClr val="tx1">
+                    <a:lumMod val="65000"/>
+                    <a:lumOff val="35000"/>
+                  </a:schemeClr>
+                </a:solidFill>
+                <a:latin typeface="Consolas" panose="020B0609020204030204" pitchFamily="49" charset="0"/>
+              </a:rPr>
+              <a:t>Tragödie</a:t>
+            </a:r>
+            <a:r>
+              <a:rPr lang="en-US" sz="1400" dirty="0">
+                <a:solidFill>
+                  <a:schemeClr val="tx1">
+                    <a:lumMod val="65000"/>
+                    <a:lumOff val="35000"/>
+                  </a:schemeClr>
+                </a:solidFill>
+                <a:latin typeface="Consolas" panose="020B0609020204030204" pitchFamily="49" charset="0"/>
+              </a:rPr>
+              <a:t>.”,</a:t>
+            </a:r>
+          </a:p>
+          <a:p>
+            <a:pPr marL="0" indent="0">
+              <a:buNone/>
+            </a:pPr>
+            <a:r>
+              <a:rPr lang="en-US" sz="1400" dirty="0">
+                <a:solidFill>
+                  <a:schemeClr val="tx1">
+                    <a:lumMod val="65000"/>
+                    <a:lumOff val="35000"/>
+                  </a:schemeClr>
+                </a:solidFill>
+                <a:latin typeface="Consolas" panose="020B0609020204030204" pitchFamily="49" charset="0"/>
+              </a:rPr>
+              <a:t>            “author”: {</a:t>
+            </a:r>
+          </a:p>
+          <a:p>
+            <a:pPr marL="0" indent="0">
+              <a:buNone/>
+            </a:pPr>
+            <a:r>
+              <a:rPr lang="en-US" sz="1400" dirty="0">
+                <a:solidFill>
+                  <a:schemeClr val="tx1">
+                    <a:lumMod val="65000"/>
+                    <a:lumOff val="35000"/>
+                  </a:schemeClr>
+                </a:solidFill>
+                <a:latin typeface="Consolas" panose="020B0609020204030204" pitchFamily="49" charset="0"/>
+              </a:rPr>
+              <a:t>               “name”: “Johann Wolfgang von Goethe”</a:t>
+            </a:r>
+            <a:endParaRPr lang="en-US" sz="1400" dirty="0">
+              <a:solidFill>
+                <a:schemeClr val="accent6">
+                  <a:lumMod val="75000"/>
+                </a:schemeClr>
+              </a:solidFill>
+              <a:latin typeface="Consolas" panose="020B0609020204030204" pitchFamily="49" charset="0"/>
+            </a:endParaRPr>
+          </a:p>
+          <a:p>
+            <a:pPr marL="0" indent="0">
+              <a:buNone/>
+            </a:pPr>
+            <a:r>
+              <a:rPr lang="en-US" sz="1400" dirty="0">
+                <a:solidFill>
+                  <a:schemeClr val="tx1">
+                    <a:lumMod val="65000"/>
+                    <a:lumOff val="35000"/>
+                  </a:schemeClr>
+                </a:solidFill>
+                <a:latin typeface="Consolas" panose="020B0609020204030204" pitchFamily="49" charset="0"/>
+              </a:rPr>
+              <a:t>            }</a:t>
+            </a:r>
+          </a:p>
+          <a:p>
+            <a:pPr marL="0" indent="0">
+              <a:buNone/>
+            </a:pPr>
+            <a:r>
+              <a:rPr lang="en-US" sz="1400" dirty="0">
+                <a:solidFill>
+                  <a:schemeClr val="tx1">
+                    <a:lumMod val="65000"/>
+                    <a:lumOff val="35000"/>
+                  </a:schemeClr>
+                </a:solidFill>
+                <a:latin typeface="Consolas" panose="020B0609020204030204" pitchFamily="49" charset="0"/>
+              </a:rPr>
+              <a:t>         },</a:t>
+            </a:r>
+          </a:p>
+          <a:p>
+            <a:pPr marL="0" indent="0">
+              <a:buNone/>
+            </a:pPr>
+            <a:r>
+              <a:rPr lang="en-US" sz="1400" dirty="0">
+                <a:solidFill>
+                  <a:schemeClr val="tx1">
+                    <a:lumMod val="65000"/>
+                    <a:lumOff val="35000"/>
+                  </a:schemeClr>
+                </a:solidFill>
+                <a:latin typeface="Consolas" panose="020B0609020204030204" pitchFamily="49" charset="0"/>
+              </a:rPr>
+              <a:t>         {</a:t>
+            </a:r>
+          </a:p>
+          <a:p>
+            <a:pPr marL="0" indent="0">
+              <a:buNone/>
+            </a:pPr>
+            <a:r>
+              <a:rPr lang="en-US" sz="1400" dirty="0">
+                <a:solidFill>
+                  <a:schemeClr val="tx1">
+                    <a:lumMod val="65000"/>
+                    <a:lumOff val="35000"/>
+                  </a:schemeClr>
+                </a:solidFill>
+                <a:latin typeface="Consolas" panose="020B0609020204030204" pitchFamily="49" charset="0"/>
+              </a:rPr>
+              <a:t>            “title”: “</a:t>
+            </a:r>
+            <a:r>
+              <a:rPr lang="de-DE" sz="1400" dirty="0">
+                <a:solidFill>
+                  <a:schemeClr val="tx1">
+                    <a:lumMod val="65000"/>
+                    <a:lumOff val="35000"/>
+                  </a:schemeClr>
+                </a:solidFill>
+                <a:latin typeface="Consolas" panose="020B0609020204030204" pitchFamily="49" charset="0"/>
+              </a:rPr>
+              <a:t>Faust. Der Tragödie zweiter Teil“,</a:t>
+            </a:r>
+          </a:p>
+          <a:p>
+            <a:pPr marL="0" indent="0">
+              <a:buNone/>
+            </a:pPr>
+            <a:r>
+              <a:rPr lang="en-US" sz="1400" dirty="0">
+                <a:solidFill>
+                  <a:schemeClr val="tx1">
+                    <a:lumMod val="65000"/>
+                    <a:lumOff val="35000"/>
+                  </a:schemeClr>
+                </a:solidFill>
+                <a:latin typeface="Consolas" panose="020B0609020204030204" pitchFamily="49" charset="0"/>
+              </a:rPr>
+              <a:t>            “author”: {</a:t>
+            </a:r>
+          </a:p>
+          <a:p>
+            <a:pPr marL="0" indent="0">
+              <a:buNone/>
+            </a:pPr>
+            <a:r>
+              <a:rPr lang="en-US" sz="1400" dirty="0">
+                <a:solidFill>
+                  <a:schemeClr val="tx1">
+                    <a:lumMod val="65000"/>
+                    <a:lumOff val="35000"/>
+                  </a:schemeClr>
+                </a:solidFill>
+                <a:latin typeface="Consolas" panose="020B0609020204030204" pitchFamily="49" charset="0"/>
+              </a:rPr>
+              <a:t>               “name”: “Johann Wolfgang von Goethe”</a:t>
+            </a:r>
+          </a:p>
+          <a:p>
+            <a:pPr marL="0" indent="0">
+              <a:buNone/>
+            </a:pPr>
+            <a:r>
+              <a:rPr lang="en-US" sz="1400" dirty="0">
+                <a:solidFill>
+                  <a:schemeClr val="tx1">
+                    <a:lumMod val="65000"/>
+                    <a:lumOff val="35000"/>
+                  </a:schemeClr>
+                </a:solidFill>
+                <a:latin typeface="Consolas" panose="020B0609020204030204" pitchFamily="49" charset="0"/>
+              </a:rPr>
+              <a:t>            }</a:t>
+            </a:r>
+          </a:p>
+          <a:p>
+            <a:pPr marL="0" indent="0">
+              <a:buNone/>
+            </a:pPr>
+            <a:r>
+              <a:rPr lang="en-US" sz="1400" dirty="0">
+                <a:solidFill>
+                  <a:schemeClr val="tx1">
+                    <a:lumMod val="65000"/>
+                    <a:lumOff val="35000"/>
+                  </a:schemeClr>
+                </a:solidFill>
+                <a:latin typeface="Consolas" panose="020B0609020204030204" pitchFamily="49" charset="0"/>
+              </a:rPr>
+              <a:t>         }</a:t>
+            </a:r>
+          </a:p>
+          <a:p>
+            <a:pPr marL="0" indent="0">
+              <a:buNone/>
+            </a:pPr>
+            <a:r>
+              <a:rPr lang="en-US" sz="1400" dirty="0">
+                <a:solidFill>
+                  <a:schemeClr val="tx1">
+                    <a:lumMod val="65000"/>
+                    <a:lumOff val="35000"/>
+                  </a:schemeClr>
+                </a:solidFill>
+                <a:latin typeface="Consolas" panose="020B0609020204030204" pitchFamily="49" charset="0"/>
+              </a:rPr>
+              <a:t>      ]</a:t>
+            </a:r>
+          </a:p>
+          <a:p>
+            <a:pPr marL="0" indent="0">
+              <a:buNone/>
+            </a:pPr>
+            <a:r>
+              <a:rPr lang="en-US" sz="1400" dirty="0">
+                <a:solidFill>
+                  <a:schemeClr val="tx1">
+                    <a:lumMod val="65000"/>
+                    <a:lumOff val="35000"/>
+                  </a:schemeClr>
+                </a:solidFill>
+                <a:latin typeface="Consolas" panose="020B0609020204030204" pitchFamily="49" charset="0"/>
+              </a:rPr>
+              <a:t>   }</a:t>
+            </a:r>
+          </a:p>
+          <a:p>
+            <a:pPr marL="0" indent="0">
+              <a:buNone/>
+            </a:pPr>
+            <a:r>
+              <a:rPr lang="en-US" sz="1400" dirty="0">
+                <a:solidFill>
+                  <a:schemeClr val="tx1">
+                    <a:lumMod val="65000"/>
+                    <a:lumOff val="35000"/>
+                  </a:schemeClr>
+                </a:solidFill>
+                <a:latin typeface="Consolas" panose="020B0609020204030204" pitchFamily="49" charset="0"/>
+              </a:rPr>
+              <a:t>}</a:t>
+            </a:r>
+          </a:p>
+          <a:p>
+            <a:pPr marL="0" indent="0">
+              <a:buNone/>
+            </a:pPr>
+            <a:endParaRPr lang="de-DE" sz="1100" dirty="0"/>
+          </a:p>
+        </p:txBody>
+      </p:sp>
+      <p:sp>
+        <p:nvSpPr>
+          <p:cNvPr id="4" name="Text Placeholder 3">
+            <a:extLst>
+              <a:ext uri="{FF2B5EF4-FFF2-40B4-BE49-F238E27FC236}">
+                <a16:creationId xmlns:a16="http://schemas.microsoft.com/office/drawing/2014/main" id="{89DD1C8B-98DD-49DD-8746-57C58CD6FD83}"/>
+              </a:ext>
+            </a:extLst>
+          </p:cNvPr>
+          <p:cNvSpPr>
+            <a:spLocks noGrp="1"/>
+          </p:cNvSpPr>
+          <p:nvPr>
+            <p:ph type="body" sz="half" idx="2"/>
+          </p:nvPr>
+        </p:nvSpPr>
+        <p:spPr/>
+        <p:txBody>
+          <a:bodyPr/>
+          <a:lstStyle/>
+          <a:p>
+            <a:endParaRPr lang="de-DE"/>
+          </a:p>
+        </p:txBody>
+      </p:sp>
+    </p:spTree>
+    <p:extLst>
+      <p:ext uri="{BB962C8B-B14F-4D97-AF65-F5344CB8AC3E}">
+        <p14:creationId xmlns:p14="http://schemas.microsoft.com/office/powerpoint/2010/main" val="2739111071"/>
+      </p:ext>
+    </p:extLst>
+  </p:cSld>
+  <p:clrMapOvr>
+    <a:masterClrMapping/>
+  </p:clrMapOvr>
+  <p:transition spd="slow">
+    <p:cover/>
+  </p:transition>
+</p:sld>
+</file>
+
+<file path=ppt/slides/slide15.xml><?xml version="1.0" encoding="utf-8"?>
+<p:sld xmlns:a="http://schemas.openxmlformats.org/drawingml/2006/main" xmlns:r="http://schemas.openxmlformats.org/officeDocument/2006/relationships" xmlns:p="http://schemas.openxmlformats.org/presentationml/2006/main">
+  <p:cSld>
+    <p:spTree>
+      <p:nvGrpSpPr>
+        <p:cNvPr id="1" name=""/>
+        <p:cNvGrpSpPr/>
+        <p:nvPr/>
+      </p:nvGrpSpPr>
+      <p:grpSpPr>
+        <a:xfrm>
+          <a:off x="0" y="0"/>
+          <a:ext cx="0" cy="0"/>
+          <a:chOff x="0" y="0"/>
+          <a:chExt cx="0" cy="0"/>
+        </a:xfrm>
+      </p:grpSpPr>
+      <p:sp>
+        <p:nvSpPr>
+          <p:cNvPr id="5" name="Title 4">
+            <a:extLst>
+              <a:ext uri="{FF2B5EF4-FFF2-40B4-BE49-F238E27FC236}">
+                <a16:creationId xmlns:a16="http://schemas.microsoft.com/office/drawing/2014/main" id="{530EB04D-EBC5-4C76-89DE-97FB0DC73D48}"/>
+              </a:ext>
+            </a:extLst>
+          </p:cNvPr>
+          <p:cNvSpPr>
+            <a:spLocks noGrp="1"/>
+          </p:cNvSpPr>
+          <p:nvPr>
+            <p:ph type="title"/>
+          </p:nvPr>
+        </p:nvSpPr>
+        <p:spPr/>
+        <p:txBody>
+          <a:bodyPr/>
+          <a:lstStyle/>
+          <a:p>
+            <a:r>
+              <a:rPr lang="de-DE" dirty="0"/>
+              <a:t>The </a:t>
+            </a:r>
+            <a:r>
+              <a:rPr lang="de-DE" dirty="0" err="1"/>
+              <a:t>Execution</a:t>
+            </a:r>
+            <a:endParaRPr lang="de-DE" dirty="0"/>
+          </a:p>
+        </p:txBody>
+      </p:sp>
+      <p:sp>
+        <p:nvSpPr>
+          <p:cNvPr id="6" name="Content Placeholder 5">
+            <a:extLst>
+              <a:ext uri="{FF2B5EF4-FFF2-40B4-BE49-F238E27FC236}">
+                <a16:creationId xmlns:a16="http://schemas.microsoft.com/office/drawing/2014/main" id="{D7717451-9C13-4749-9817-7A69942A57A6}"/>
+              </a:ext>
+            </a:extLst>
+          </p:cNvPr>
+          <p:cNvSpPr>
+            <a:spLocks noGrp="1"/>
+          </p:cNvSpPr>
+          <p:nvPr>
+            <p:ph idx="1"/>
+          </p:nvPr>
+        </p:nvSpPr>
+        <p:spPr/>
+        <p:txBody>
+          <a:bodyPr/>
+          <a:lstStyle/>
+          <a:p>
+            <a:r>
+              <a:rPr lang="de-DE" dirty="0"/>
+              <a:t>The Query-</a:t>
+            </a:r>
+            <a:r>
+              <a:rPr lang="de-DE" dirty="0" err="1"/>
+              <a:t>Execution</a:t>
+            </a:r>
+            <a:r>
+              <a:rPr lang="de-DE" dirty="0"/>
+              <a:t> </a:t>
+            </a:r>
+            <a:r>
+              <a:rPr lang="de-DE" dirty="0" err="1"/>
+              <a:t>happens</a:t>
+            </a:r>
+            <a:r>
+              <a:rPr lang="de-DE" dirty="0"/>
+              <a:t> in </a:t>
+            </a:r>
+            <a:r>
+              <a:rPr lang="de-DE" dirty="0" err="1"/>
+              <a:t>three</a:t>
+            </a:r>
+            <a:r>
+              <a:rPr lang="de-DE" dirty="0"/>
+              <a:t> </a:t>
+            </a:r>
+            <a:r>
+              <a:rPr lang="de-DE" dirty="0" err="1"/>
+              <a:t>steps</a:t>
+            </a:r>
+            <a:r>
+              <a:rPr lang="de-DE" dirty="0"/>
+              <a:t>:</a:t>
+            </a:r>
+          </a:p>
+          <a:p>
+            <a:pPr lvl="1"/>
+            <a:r>
+              <a:rPr lang="de-DE" dirty="0"/>
+              <a:t>Parse</a:t>
+            </a:r>
+          </a:p>
+          <a:p>
+            <a:pPr lvl="1"/>
+            <a:r>
+              <a:rPr lang="de-DE" dirty="0" err="1"/>
+              <a:t>Validate</a:t>
+            </a:r>
+            <a:endParaRPr lang="de-DE" dirty="0"/>
+          </a:p>
+          <a:p>
+            <a:pPr lvl="1"/>
+            <a:r>
+              <a:rPr lang="de-DE" dirty="0"/>
+              <a:t>Execute</a:t>
+            </a:r>
+          </a:p>
+          <a:p>
+            <a:r>
+              <a:rPr lang="de-DE" dirty="0" err="1"/>
+              <a:t>For</a:t>
+            </a:r>
+            <a:r>
+              <a:rPr lang="de-DE" dirty="0"/>
+              <a:t> </a:t>
+            </a:r>
+            <a:r>
+              <a:rPr lang="de-DE" dirty="0" err="1"/>
+              <a:t>every</a:t>
+            </a:r>
+            <a:r>
+              <a:rPr lang="de-DE" dirty="0"/>
+              <a:t> </a:t>
+            </a:r>
+            <a:r>
+              <a:rPr lang="de-DE" dirty="0" err="1"/>
+              <a:t>query</a:t>
+            </a:r>
+            <a:r>
+              <a:rPr lang="de-DE" dirty="0"/>
+              <a:t> an </a:t>
+            </a:r>
+            <a:r>
+              <a:rPr lang="de-DE" dirty="0" err="1"/>
+              <a:t>abstract</a:t>
+            </a:r>
+            <a:r>
+              <a:rPr lang="de-DE" dirty="0"/>
+              <a:t> </a:t>
+            </a:r>
+            <a:r>
+              <a:rPr lang="de-DE" dirty="0" err="1"/>
+              <a:t>syntax</a:t>
+            </a:r>
+            <a:r>
+              <a:rPr lang="de-DE" dirty="0"/>
+              <a:t> </a:t>
+            </a:r>
+            <a:r>
+              <a:rPr lang="de-DE" dirty="0" err="1"/>
+              <a:t>tree</a:t>
+            </a:r>
+            <a:r>
+              <a:rPr lang="de-DE" dirty="0"/>
+              <a:t> </a:t>
+            </a:r>
+            <a:r>
+              <a:rPr lang="de-DE" dirty="0" err="1"/>
+              <a:t>is</a:t>
+            </a:r>
+            <a:r>
+              <a:rPr lang="de-DE" dirty="0"/>
+              <a:t> </a:t>
+            </a:r>
+            <a:r>
+              <a:rPr lang="de-DE" dirty="0" err="1"/>
+              <a:t>built</a:t>
+            </a:r>
+            <a:r>
+              <a:rPr lang="de-DE" dirty="0"/>
+              <a:t> (Parse)</a:t>
+            </a:r>
+          </a:p>
+          <a:p>
+            <a:r>
+              <a:rPr lang="de-DE" dirty="0"/>
+              <a:t>The </a:t>
+            </a:r>
+            <a:r>
+              <a:rPr lang="de-DE" dirty="0" err="1"/>
+              <a:t>executor</a:t>
+            </a:r>
+            <a:r>
+              <a:rPr lang="de-DE" dirty="0"/>
+              <a:t> </a:t>
+            </a:r>
+            <a:r>
+              <a:rPr lang="de-DE" dirty="0" err="1"/>
+              <a:t>then</a:t>
+            </a:r>
+            <a:r>
+              <a:rPr lang="de-DE" dirty="0"/>
+              <a:t> </a:t>
+            </a:r>
+            <a:r>
+              <a:rPr lang="de-DE" dirty="0" err="1"/>
+              <a:t>calls</a:t>
+            </a:r>
+            <a:r>
+              <a:rPr lang="de-DE" dirty="0"/>
+              <a:t> </a:t>
+            </a:r>
+            <a:r>
+              <a:rPr lang="de-DE" dirty="0" err="1"/>
+              <a:t>every</a:t>
+            </a:r>
+            <a:r>
+              <a:rPr lang="de-DE" dirty="0"/>
+              <a:t> </a:t>
+            </a:r>
+            <a:r>
+              <a:rPr lang="de-DE" dirty="0" err="1"/>
+              <a:t>node‘s</a:t>
+            </a:r>
+            <a:r>
+              <a:rPr lang="de-DE" dirty="0"/>
+              <a:t> </a:t>
+            </a:r>
+            <a:r>
+              <a:rPr lang="de-DE" dirty="0" err="1"/>
+              <a:t>resolve</a:t>
+            </a:r>
+            <a:r>
+              <a:rPr lang="de-DE" dirty="0"/>
+              <a:t> </a:t>
+            </a:r>
+            <a:r>
+              <a:rPr lang="de-DE" dirty="0" err="1"/>
+              <a:t>function</a:t>
+            </a:r>
+            <a:r>
+              <a:rPr lang="de-DE" dirty="0"/>
+              <a:t> </a:t>
+            </a:r>
+            <a:r>
+              <a:rPr lang="de-DE" dirty="0" err="1"/>
+              <a:t>from</a:t>
+            </a:r>
+            <a:r>
+              <a:rPr lang="de-DE" dirty="0"/>
+              <a:t> </a:t>
+            </a:r>
+            <a:r>
+              <a:rPr lang="de-DE" dirty="0" err="1"/>
+              <a:t>the</a:t>
+            </a:r>
+            <a:r>
+              <a:rPr lang="de-DE" dirty="0"/>
+              <a:t> top </a:t>
+            </a:r>
+            <a:r>
+              <a:rPr lang="de-DE" dirty="0" err="1"/>
+              <a:t>to</a:t>
+            </a:r>
+            <a:r>
+              <a:rPr lang="de-DE" dirty="0"/>
+              <a:t> </a:t>
+            </a:r>
+            <a:r>
+              <a:rPr lang="de-DE" dirty="0" err="1"/>
+              <a:t>the</a:t>
+            </a:r>
+            <a:r>
+              <a:rPr lang="de-DE" dirty="0"/>
+              <a:t> </a:t>
+            </a:r>
+            <a:r>
+              <a:rPr lang="de-DE" dirty="0" err="1"/>
+              <a:t>bottom</a:t>
+            </a:r>
+            <a:r>
+              <a:rPr lang="de-DE" dirty="0"/>
+              <a:t> </a:t>
+            </a:r>
+            <a:r>
+              <a:rPr lang="de-DE" dirty="0" err="1"/>
+              <a:t>until</a:t>
+            </a:r>
+            <a:r>
+              <a:rPr lang="de-DE" dirty="0"/>
+              <a:t> all </a:t>
+            </a:r>
+            <a:r>
+              <a:rPr lang="de-DE" dirty="0" err="1"/>
+              <a:t>types</a:t>
+            </a:r>
+            <a:r>
+              <a:rPr lang="de-DE" dirty="0"/>
+              <a:t> </a:t>
+            </a:r>
+            <a:r>
+              <a:rPr lang="de-DE" dirty="0" err="1"/>
+              <a:t>are</a:t>
+            </a:r>
+            <a:r>
+              <a:rPr lang="de-DE" dirty="0"/>
+              <a:t> </a:t>
+            </a:r>
+            <a:r>
+              <a:rPr lang="de-DE" dirty="0" err="1"/>
+              <a:t>resolved</a:t>
+            </a:r>
+            <a:r>
+              <a:rPr lang="de-DE" dirty="0"/>
+              <a:t> </a:t>
+            </a:r>
+            <a:r>
+              <a:rPr lang="de-DE" dirty="0" err="1"/>
+              <a:t>into</a:t>
+            </a:r>
+            <a:r>
+              <a:rPr lang="de-DE" dirty="0"/>
+              <a:t> </a:t>
+            </a:r>
+            <a:r>
+              <a:rPr lang="de-DE" dirty="0" err="1"/>
+              <a:t>scalar</a:t>
+            </a:r>
+            <a:r>
+              <a:rPr lang="de-DE" dirty="0"/>
+              <a:t> </a:t>
+            </a:r>
+            <a:r>
+              <a:rPr lang="de-DE" dirty="0" err="1"/>
+              <a:t>types</a:t>
+            </a:r>
+            <a:endParaRPr lang="de-DE" dirty="0"/>
+          </a:p>
+        </p:txBody>
+      </p:sp>
+    </p:spTree>
+    <p:extLst>
+      <p:ext uri="{BB962C8B-B14F-4D97-AF65-F5344CB8AC3E}">
+        <p14:creationId xmlns:p14="http://schemas.microsoft.com/office/powerpoint/2010/main" val="2879331559"/>
+      </p:ext>
+    </p:extLst>
+  </p:cSld>
+  <p:clrMapOvr>
+    <a:masterClrMapping/>
+  </p:clrMapOvr>
+  <p:transition spd="slow">
+    <p:cover/>
+  </p:transition>
+</p:sld>
+</file>
+
+<file path=ppt/slides/slide16.xml><?xml version="1.0" encoding="utf-8"?>
+<p:sld xmlns:a="http://schemas.openxmlformats.org/drawingml/2006/main" xmlns:r="http://schemas.openxmlformats.org/officeDocument/2006/relationships" xmlns:p="http://schemas.openxmlformats.org/presentationml/2006/main">
+  <p:cSld>
+    <p:spTree>
+      <p:nvGrpSpPr>
+        <p:cNvPr id="1" name=""/>
+        <p:cNvGrpSpPr/>
+        <p:nvPr/>
+      </p:nvGrpSpPr>
+      <p:grpSpPr>
+        <a:xfrm>
+          <a:off x="0" y="0"/>
+          <a:ext cx="0" cy="0"/>
+          <a:chOff x="0" y="0"/>
+          <a:chExt cx="0" cy="0"/>
+        </a:xfrm>
+      </p:grpSpPr>
+      <p:sp>
+        <p:nvSpPr>
+          <p:cNvPr id="4" name="Title 3">
+            <a:extLst>
+              <a:ext uri="{FF2B5EF4-FFF2-40B4-BE49-F238E27FC236}">
+                <a16:creationId xmlns:a16="http://schemas.microsoft.com/office/drawing/2014/main" id="{58992B7D-1D2E-4892-A0CA-57CCEA3D4928}"/>
+              </a:ext>
+            </a:extLst>
+          </p:cNvPr>
+          <p:cNvSpPr>
+            <a:spLocks noGrp="1"/>
+          </p:cNvSpPr>
+          <p:nvPr>
+            <p:ph type="title"/>
+          </p:nvPr>
+        </p:nvSpPr>
+        <p:spPr/>
+        <p:txBody>
+          <a:bodyPr/>
+          <a:lstStyle/>
+          <a:p>
+            <a:r>
+              <a:rPr lang="de-DE" dirty="0"/>
+              <a:t>The </a:t>
+            </a:r>
+            <a:r>
+              <a:rPr lang="de-DE" dirty="0" err="1"/>
+              <a:t>Execution</a:t>
+            </a:r>
+            <a:r>
+              <a:rPr lang="de-DE" dirty="0"/>
+              <a:t> – </a:t>
+            </a:r>
+            <a:r>
+              <a:rPr lang="de-DE" dirty="0" err="1"/>
+              <a:t>Example</a:t>
+            </a:r>
+            <a:endParaRPr lang="de-DE" dirty="0"/>
+          </a:p>
+        </p:txBody>
+      </p:sp>
+      <p:pic>
+        <p:nvPicPr>
+          <p:cNvPr id="8" name="Content Placeholder 7">
+            <a:extLst>
+              <a:ext uri="{FF2B5EF4-FFF2-40B4-BE49-F238E27FC236}">
+                <a16:creationId xmlns:a16="http://schemas.microsoft.com/office/drawing/2014/main" id="{0D6CC119-FA9A-4D88-B65A-5941D956E131}"/>
+              </a:ext>
+            </a:extLst>
+          </p:cNvPr>
+          <p:cNvPicPr>
+            <a:picLocks noGrp="1" noChangeAspect="1"/>
+          </p:cNvPicPr>
+          <p:nvPr>
+            <p:ph idx="1"/>
+          </p:nvPr>
+        </p:nvPicPr>
+        <p:blipFill>
+          <a:blip r:embed="rId2"/>
+          <a:stretch>
+            <a:fillRect/>
+          </a:stretch>
+        </p:blipFill>
+        <p:spPr>
+          <a:xfrm>
+            <a:off x="5183188" y="1280458"/>
+            <a:ext cx="6172200" cy="4287558"/>
+          </a:xfrm>
+        </p:spPr>
+      </p:pic>
+      <p:sp>
+        <p:nvSpPr>
+          <p:cNvPr id="6" name="Text Placeholder 5">
+            <a:extLst>
+              <a:ext uri="{FF2B5EF4-FFF2-40B4-BE49-F238E27FC236}">
+                <a16:creationId xmlns:a16="http://schemas.microsoft.com/office/drawing/2014/main" id="{0701242D-4A8F-4D67-A555-8BCEA393AB85}"/>
+              </a:ext>
+            </a:extLst>
+          </p:cNvPr>
+          <p:cNvSpPr>
+            <a:spLocks noGrp="1"/>
+          </p:cNvSpPr>
+          <p:nvPr>
+            <p:ph type="body" sz="half" idx="2"/>
+          </p:nvPr>
+        </p:nvSpPr>
+        <p:spPr/>
+        <p:txBody>
+          <a:bodyPr/>
+          <a:lstStyle/>
+          <a:p>
+            <a:endParaRPr lang="de-DE"/>
+          </a:p>
+        </p:txBody>
+      </p:sp>
+      <p:sp>
+        <p:nvSpPr>
+          <p:cNvPr id="5" name="TextBox 4">
+            <a:extLst>
+              <a:ext uri="{FF2B5EF4-FFF2-40B4-BE49-F238E27FC236}">
+                <a16:creationId xmlns:a16="http://schemas.microsoft.com/office/drawing/2014/main" id="{CBD834A8-F295-4BDD-A5DA-D10300050AD2}"/>
+              </a:ext>
+            </a:extLst>
+          </p:cNvPr>
+          <p:cNvSpPr txBox="1"/>
+          <p:nvPr/>
+        </p:nvSpPr>
+        <p:spPr>
+          <a:xfrm>
+            <a:off x="5183188" y="5568016"/>
+            <a:ext cx="6172200" cy="261610"/>
+          </a:xfrm>
+          <a:prstGeom prst="rect">
+            <a:avLst/>
+          </a:prstGeom>
+          <a:noFill/>
+        </p:spPr>
+        <p:txBody>
+          <a:bodyPr wrap="square" rtlCol="0">
+            <a:spAutoFit/>
+          </a:bodyPr>
+          <a:lstStyle/>
+          <a:p>
+            <a:pPr algn="r"/>
+            <a:r>
+              <a:rPr lang="de-DE" sz="1100" dirty="0"/>
+              <a:t>https://cdn-images-1.medium.com/max/800/1*tSO8TeQ9mYNWRzA2FqYlsQ.png</a:t>
+            </a:r>
+          </a:p>
+        </p:txBody>
+      </p:sp>
+    </p:spTree>
+    <p:extLst>
+      <p:ext uri="{BB962C8B-B14F-4D97-AF65-F5344CB8AC3E}">
+        <p14:creationId xmlns:p14="http://schemas.microsoft.com/office/powerpoint/2010/main" val="1319813637"/>
+      </p:ext>
+    </p:extLst>
+  </p:cSld>
+  <p:clrMapOvr>
+    <a:masterClrMapping/>
+  </p:clrMapOvr>
+  <p:transition spd="slow">
+    <p:cover/>
+  </p:transition>
+</p:sld>
+</file>
+
+<file path=ppt/slides/slide17.xml><?xml version="1.0" encoding="utf-8"?>
+<p:sld xmlns:a="http://schemas.openxmlformats.org/drawingml/2006/main" xmlns:r="http://schemas.openxmlformats.org/officeDocument/2006/relationships" xmlns:p="http://schemas.openxmlformats.org/presentationml/2006/main">
+  <p:cSld>
+    <p:spTree>
+      <p:nvGrpSpPr>
+        <p:cNvPr id="1" name=""/>
+        <p:cNvGrpSpPr/>
+        <p:nvPr/>
+      </p:nvGrpSpPr>
+      <p:grpSpPr>
+        <a:xfrm>
+          <a:off x="0" y="0"/>
+          <a:ext cx="0" cy="0"/>
+          <a:chOff x="0" y="0"/>
+          <a:chExt cx="0" cy="0"/>
+        </a:xfrm>
+      </p:grpSpPr>
+      <p:sp>
+        <p:nvSpPr>
+          <p:cNvPr id="2" name="Title 1">
+            <a:extLst>
+              <a:ext uri="{FF2B5EF4-FFF2-40B4-BE49-F238E27FC236}">
+                <a16:creationId xmlns:a16="http://schemas.microsoft.com/office/drawing/2014/main" id="{05338554-B2AD-4890-B3C9-3315D0316063}"/>
+              </a:ext>
+            </a:extLst>
+          </p:cNvPr>
+          <p:cNvSpPr>
+            <a:spLocks noGrp="1"/>
+          </p:cNvSpPr>
+          <p:nvPr>
+            <p:ph type="title"/>
+          </p:nvPr>
+        </p:nvSpPr>
+        <p:spPr/>
+        <p:txBody>
+          <a:bodyPr/>
+          <a:lstStyle/>
+          <a:p>
+            <a:r>
+              <a:rPr lang="de-DE" dirty="0" err="1"/>
+              <a:t>How</a:t>
+            </a:r>
+            <a:r>
+              <a:rPr lang="de-DE" dirty="0"/>
+              <a:t> </a:t>
+            </a:r>
+            <a:r>
+              <a:rPr lang="de-DE" dirty="0" err="1"/>
+              <a:t>can</a:t>
+            </a:r>
+            <a:r>
+              <a:rPr lang="de-DE" dirty="0"/>
+              <a:t> </a:t>
+            </a:r>
+            <a:r>
+              <a:rPr lang="de-DE" dirty="0" err="1"/>
+              <a:t>one</a:t>
+            </a:r>
+            <a:r>
+              <a:rPr lang="de-DE" dirty="0"/>
+              <a:t> </a:t>
+            </a:r>
+            <a:r>
+              <a:rPr lang="de-DE" dirty="0" err="1"/>
+              <a:t>use</a:t>
+            </a:r>
+            <a:r>
+              <a:rPr lang="de-DE" dirty="0"/>
+              <a:t> GraphQL?</a:t>
+            </a:r>
+          </a:p>
+        </p:txBody>
+      </p:sp>
+      <p:sp>
+        <p:nvSpPr>
+          <p:cNvPr id="4" name="Text Placeholder 3">
+            <a:extLst>
+              <a:ext uri="{FF2B5EF4-FFF2-40B4-BE49-F238E27FC236}">
+                <a16:creationId xmlns:a16="http://schemas.microsoft.com/office/drawing/2014/main" id="{9457A7B8-1B07-4186-AF1F-F7A9B6B68D92}"/>
+              </a:ext>
+            </a:extLst>
+          </p:cNvPr>
+          <p:cNvSpPr>
+            <a:spLocks noGrp="1"/>
+          </p:cNvSpPr>
+          <p:nvPr>
+            <p:ph type="body" idx="1"/>
+          </p:nvPr>
+        </p:nvSpPr>
+        <p:spPr/>
+        <p:txBody>
+          <a:bodyPr/>
+          <a:lstStyle/>
+          <a:p>
+            <a:endParaRPr lang="de-DE"/>
+          </a:p>
+        </p:txBody>
+      </p:sp>
+    </p:spTree>
+    <p:extLst>
+      <p:ext uri="{BB962C8B-B14F-4D97-AF65-F5344CB8AC3E}">
+        <p14:creationId xmlns:p14="http://schemas.microsoft.com/office/powerpoint/2010/main" val="1408370654"/>
+      </p:ext>
+    </p:extLst>
+  </p:cSld>
+  <p:clrMapOvr>
+    <a:masterClrMapping/>
+  </p:clrMapOvr>
+  <p:transition spd="slow">
+    <p:cover/>
+  </p:transition>
+</p:sld>
+</file>
+
+<file path=ppt/slides/slide18.xml><?xml version="1.0" encoding="utf-8"?>
+<p:sld xmlns:a="http://schemas.openxmlformats.org/drawingml/2006/main" xmlns:r="http://schemas.openxmlformats.org/officeDocument/2006/relationships" xmlns:p="http://schemas.openxmlformats.org/presentationml/2006/main">
+  <p:cSld>
+    <p:spTree>
+      <p:nvGrpSpPr>
+        <p:cNvPr id="1" name=""/>
+        <p:cNvGrpSpPr/>
+        <p:nvPr/>
+      </p:nvGrpSpPr>
+      <p:grpSpPr>
+        <a:xfrm>
+          <a:off x="0" y="0"/>
+          <a:ext cx="0" cy="0"/>
+          <a:chOff x="0" y="0"/>
+          <a:chExt cx="0" cy="0"/>
+        </a:xfrm>
+      </p:grpSpPr>
+      <p:sp>
+        <p:nvSpPr>
+          <p:cNvPr id="4" name="Title 3">
+            <a:extLst>
+              <a:ext uri="{FF2B5EF4-FFF2-40B4-BE49-F238E27FC236}">
+                <a16:creationId xmlns:a16="http://schemas.microsoft.com/office/drawing/2014/main" id="{4A434731-63C1-4440-95ED-2591CE595CD2}"/>
+              </a:ext>
+            </a:extLst>
+          </p:cNvPr>
+          <p:cNvSpPr>
+            <a:spLocks noGrp="1"/>
+          </p:cNvSpPr>
+          <p:nvPr>
+            <p:ph type="title"/>
+          </p:nvPr>
+        </p:nvSpPr>
+        <p:spPr/>
+        <p:txBody>
+          <a:bodyPr/>
+          <a:lstStyle/>
+          <a:p>
+            <a:r>
+              <a:rPr lang="de-DE" dirty="0"/>
+              <a:t>GraphQL Server Libraries</a:t>
+            </a:r>
+          </a:p>
+        </p:txBody>
+      </p:sp>
+      <p:sp>
+        <p:nvSpPr>
+          <p:cNvPr id="6" name="Content Placeholder 5">
+            <a:extLst>
+              <a:ext uri="{FF2B5EF4-FFF2-40B4-BE49-F238E27FC236}">
+                <a16:creationId xmlns:a16="http://schemas.microsoft.com/office/drawing/2014/main" id="{106B9FAB-82C3-4254-B9C5-FEBEA93A9446}"/>
+              </a:ext>
+            </a:extLst>
+          </p:cNvPr>
+          <p:cNvSpPr>
+            <a:spLocks noGrp="1"/>
+          </p:cNvSpPr>
+          <p:nvPr>
+            <p:ph sz="half" idx="1"/>
+          </p:nvPr>
+        </p:nvSpPr>
+        <p:spPr/>
+        <p:txBody>
+          <a:bodyPr>
+            <a:normAutofit lnSpcReduction="10000"/>
+          </a:bodyPr>
+          <a:lstStyle/>
+          <a:p>
+            <a:r>
+              <a:rPr lang="de-DE" dirty="0"/>
+              <a:t>Java</a:t>
+            </a:r>
+          </a:p>
+          <a:p>
+            <a:r>
+              <a:rPr lang="de-DE" dirty="0"/>
+              <a:t>JavaScript</a:t>
+            </a:r>
+          </a:p>
+          <a:p>
+            <a:r>
+              <a:rPr lang="de-DE" dirty="0"/>
+              <a:t>PHP</a:t>
+            </a:r>
+          </a:p>
+          <a:p>
+            <a:r>
+              <a:rPr lang="de-DE" dirty="0"/>
+              <a:t>Go</a:t>
+            </a:r>
+          </a:p>
+          <a:p>
+            <a:r>
+              <a:rPr lang="de-DE" dirty="0"/>
+              <a:t>Scala</a:t>
+            </a:r>
+          </a:p>
+          <a:p>
+            <a:r>
+              <a:rPr lang="de-DE" dirty="0"/>
+              <a:t>C# / .NET</a:t>
+            </a:r>
+          </a:p>
+          <a:p>
+            <a:r>
+              <a:rPr lang="de-DE" dirty="0"/>
+              <a:t>Python</a:t>
+            </a:r>
+          </a:p>
+          <a:p>
+            <a:r>
+              <a:rPr lang="de-DE" dirty="0"/>
+              <a:t>Groovy</a:t>
+            </a:r>
+          </a:p>
+          <a:p>
+            <a:r>
+              <a:rPr lang="de-DE" dirty="0"/>
+              <a:t>…</a:t>
+            </a:r>
+          </a:p>
+        </p:txBody>
+      </p:sp>
+      <p:sp>
+        <p:nvSpPr>
+          <p:cNvPr id="7" name="Content Placeholder 6">
+            <a:extLst>
+              <a:ext uri="{FF2B5EF4-FFF2-40B4-BE49-F238E27FC236}">
+                <a16:creationId xmlns:a16="http://schemas.microsoft.com/office/drawing/2014/main" id="{50195C00-2B85-4242-B705-DFB80FE4F92B}"/>
+              </a:ext>
+            </a:extLst>
+          </p:cNvPr>
+          <p:cNvSpPr>
+            <a:spLocks noGrp="1"/>
+          </p:cNvSpPr>
+          <p:nvPr>
+            <p:ph sz="half" idx="2"/>
+          </p:nvPr>
+        </p:nvSpPr>
+        <p:spPr/>
+        <p:txBody>
+          <a:bodyPr>
+            <a:normAutofit lnSpcReduction="10000"/>
+          </a:bodyPr>
+          <a:lstStyle/>
+          <a:p>
+            <a:pPr marL="0" indent="0">
+              <a:buNone/>
+            </a:pPr>
+            <a:r>
+              <a:rPr lang="de-DE" dirty="0" err="1"/>
+              <a:t>You</a:t>
+            </a:r>
+            <a:r>
+              <a:rPr lang="de-DE" dirty="0"/>
+              <a:t> </a:t>
+            </a:r>
+            <a:r>
+              <a:rPr lang="de-DE" dirty="0" err="1"/>
+              <a:t>can</a:t>
+            </a:r>
+            <a:r>
+              <a:rPr lang="de-DE" dirty="0"/>
+              <a:t> find a </a:t>
+            </a:r>
+            <a:r>
+              <a:rPr lang="de-DE" dirty="0" err="1"/>
+              <a:t>list</a:t>
+            </a:r>
+            <a:r>
+              <a:rPr lang="de-DE" dirty="0"/>
+              <a:t> </a:t>
+            </a:r>
+            <a:r>
+              <a:rPr lang="de-DE" dirty="0" err="1"/>
+              <a:t>of</a:t>
+            </a:r>
+            <a:r>
+              <a:rPr lang="de-DE" dirty="0"/>
+              <a:t> </a:t>
+            </a:r>
+            <a:r>
+              <a:rPr lang="de-DE" dirty="0" err="1"/>
+              <a:t>implementations</a:t>
+            </a:r>
+            <a:r>
+              <a:rPr lang="de-DE" dirty="0"/>
+              <a:t> at:</a:t>
+            </a:r>
+            <a:br>
+              <a:rPr lang="de-DE" dirty="0"/>
+            </a:br>
+            <a:br>
+              <a:rPr lang="de-DE" dirty="0"/>
+            </a:br>
+            <a:r>
+              <a:rPr lang="de-DE" dirty="0"/>
+              <a:t>http://graphql.org/code/</a:t>
+            </a:r>
+          </a:p>
+        </p:txBody>
+      </p:sp>
+    </p:spTree>
+    <p:extLst>
+      <p:ext uri="{BB962C8B-B14F-4D97-AF65-F5344CB8AC3E}">
+        <p14:creationId xmlns:p14="http://schemas.microsoft.com/office/powerpoint/2010/main" val="940681753"/>
+      </p:ext>
+    </p:extLst>
+  </p:cSld>
+  <p:clrMapOvr>
+    <a:masterClrMapping/>
+  </p:clrMapOvr>
+  <p:transition spd="slow">
+    <p:cover/>
+  </p:transition>
+</p:sld>
+</file>
+
+<file path=ppt/slides/slide19.xml><?xml version="1.0" encoding="utf-8"?>
+<p:sld xmlns:a="http://schemas.openxmlformats.org/drawingml/2006/main" xmlns:r="http://schemas.openxmlformats.org/officeDocument/2006/relationships" xmlns:p="http://schemas.openxmlformats.org/presentationml/2006/main">
+  <p:cSld>
+    <p:spTree>
+      <p:nvGrpSpPr>
+        <p:cNvPr id="1" name=""/>
+        <p:cNvGrpSpPr/>
+        <p:nvPr/>
+      </p:nvGrpSpPr>
+      <p:grpSpPr>
+        <a:xfrm>
+          <a:off x="0" y="0"/>
+          <a:ext cx="0" cy="0"/>
+          <a:chOff x="0" y="0"/>
+          <a:chExt cx="0" cy="0"/>
+        </a:xfrm>
+      </p:grpSpPr>
+      <p:sp>
+        <p:nvSpPr>
+          <p:cNvPr id="2" name="Title 1">
+            <a:extLst>
+              <a:ext uri="{FF2B5EF4-FFF2-40B4-BE49-F238E27FC236}">
+                <a16:creationId xmlns:a16="http://schemas.microsoft.com/office/drawing/2014/main" id="{5C306D2C-D77E-4442-B682-D8760DC0CD9F}"/>
+              </a:ext>
+            </a:extLst>
+          </p:cNvPr>
+          <p:cNvSpPr>
+            <a:spLocks noGrp="1"/>
+          </p:cNvSpPr>
+          <p:nvPr>
+            <p:ph type="title"/>
+          </p:nvPr>
+        </p:nvSpPr>
+        <p:spPr/>
+        <p:txBody>
+          <a:bodyPr/>
+          <a:lstStyle/>
+          <a:p>
+            <a:r>
+              <a:rPr lang="de-DE" dirty="0"/>
+              <a:t>GraphQL Client Libraries</a:t>
+            </a:r>
+          </a:p>
+        </p:txBody>
+      </p:sp>
+      <p:sp>
+        <p:nvSpPr>
+          <p:cNvPr id="3" name="Content Placeholder 2">
+            <a:extLst>
+              <a:ext uri="{FF2B5EF4-FFF2-40B4-BE49-F238E27FC236}">
+                <a16:creationId xmlns:a16="http://schemas.microsoft.com/office/drawing/2014/main" id="{B235623D-133C-4680-9DCC-E6057EF85C16}"/>
+              </a:ext>
+            </a:extLst>
+          </p:cNvPr>
+          <p:cNvSpPr>
+            <a:spLocks noGrp="1"/>
+          </p:cNvSpPr>
+          <p:nvPr>
+            <p:ph sz="half" idx="1"/>
+          </p:nvPr>
+        </p:nvSpPr>
+        <p:spPr/>
+        <p:txBody>
+          <a:bodyPr/>
+          <a:lstStyle/>
+          <a:p>
+            <a:r>
+              <a:rPr lang="de-DE" dirty="0"/>
+              <a:t>Java / Android</a:t>
+            </a:r>
+          </a:p>
+          <a:p>
+            <a:r>
+              <a:rPr lang="de-DE" dirty="0"/>
+              <a:t>JavaScript</a:t>
+            </a:r>
+          </a:p>
+          <a:p>
+            <a:r>
+              <a:rPr lang="de-DE" dirty="0"/>
+              <a:t>Swift / </a:t>
+            </a:r>
+            <a:r>
+              <a:rPr lang="de-DE" dirty="0" err="1"/>
+              <a:t>Objective</a:t>
+            </a:r>
+            <a:r>
+              <a:rPr lang="de-DE" dirty="0"/>
+              <a:t>-C iOS</a:t>
+            </a:r>
+          </a:p>
+          <a:p>
+            <a:r>
+              <a:rPr lang="de-DE" dirty="0"/>
+              <a:t>Go</a:t>
+            </a:r>
+          </a:p>
+          <a:p>
+            <a:r>
+              <a:rPr lang="de-DE" dirty="0"/>
+              <a:t>C# / .NET</a:t>
+            </a:r>
+          </a:p>
+          <a:p>
+            <a:r>
+              <a:rPr lang="de-DE" dirty="0"/>
+              <a:t>Python</a:t>
+            </a:r>
+          </a:p>
+          <a:p>
+            <a:r>
+              <a:rPr lang="de-DE" dirty="0"/>
+              <a:t>…</a:t>
+            </a:r>
+          </a:p>
+        </p:txBody>
+      </p:sp>
+      <p:sp>
+        <p:nvSpPr>
+          <p:cNvPr id="4" name="Content Placeholder 3">
+            <a:extLst>
+              <a:ext uri="{FF2B5EF4-FFF2-40B4-BE49-F238E27FC236}">
+                <a16:creationId xmlns:a16="http://schemas.microsoft.com/office/drawing/2014/main" id="{B7680660-CBCB-4F66-BC9B-8D50CF2FAB4E}"/>
+              </a:ext>
+            </a:extLst>
+          </p:cNvPr>
+          <p:cNvSpPr>
+            <a:spLocks noGrp="1"/>
+          </p:cNvSpPr>
+          <p:nvPr>
+            <p:ph sz="half" idx="2"/>
+          </p:nvPr>
+        </p:nvSpPr>
+        <p:spPr/>
+        <p:txBody>
+          <a:bodyPr/>
+          <a:lstStyle/>
+          <a:p>
+            <a:pPr marL="0" indent="0">
+              <a:buNone/>
+            </a:pPr>
+            <a:r>
+              <a:rPr lang="de-DE" dirty="0" err="1"/>
+              <a:t>You</a:t>
+            </a:r>
+            <a:r>
+              <a:rPr lang="de-DE" dirty="0"/>
+              <a:t> </a:t>
+            </a:r>
+            <a:r>
+              <a:rPr lang="de-DE" dirty="0" err="1"/>
+              <a:t>can</a:t>
+            </a:r>
+            <a:r>
+              <a:rPr lang="de-DE" dirty="0"/>
+              <a:t> find a </a:t>
+            </a:r>
+            <a:r>
+              <a:rPr lang="de-DE" dirty="0" err="1"/>
+              <a:t>list</a:t>
+            </a:r>
+            <a:r>
+              <a:rPr lang="de-DE" dirty="0"/>
+              <a:t> </a:t>
+            </a:r>
+            <a:r>
+              <a:rPr lang="de-DE" dirty="0" err="1"/>
+              <a:t>of</a:t>
+            </a:r>
+            <a:r>
+              <a:rPr lang="de-DE" dirty="0"/>
+              <a:t> </a:t>
+            </a:r>
+            <a:r>
+              <a:rPr lang="de-DE" dirty="0" err="1"/>
+              <a:t>implementations</a:t>
+            </a:r>
+            <a:r>
+              <a:rPr lang="de-DE" dirty="0"/>
+              <a:t> at:</a:t>
+            </a:r>
+            <a:br>
+              <a:rPr lang="de-DE" dirty="0"/>
+            </a:br>
+            <a:br>
+              <a:rPr lang="de-DE" dirty="0"/>
+            </a:br>
+            <a:r>
+              <a:rPr lang="de-DE" dirty="0"/>
+              <a:t>http://graphql.org/code/</a:t>
+            </a:r>
+          </a:p>
+        </p:txBody>
+      </p:sp>
+    </p:spTree>
+    <p:extLst>
+      <p:ext uri="{BB962C8B-B14F-4D97-AF65-F5344CB8AC3E}">
+        <p14:creationId xmlns:p14="http://schemas.microsoft.com/office/powerpoint/2010/main" val="3194194145"/>
+      </p:ext>
+    </p:extLst>
+  </p:cSld>
+  <p:clrMapOvr>
+    <a:masterClrMapping/>
+  </p:clrMapOvr>
+  <p:transition spd="slow">
+    <p:cover/>
+  </p:transition>
+</p:sld>
+</file>
+
+<file path=ppt/slides/slide2.xml><?xml version="1.0" encoding="utf-8"?>
+<p:sld xmlns:a="http://schemas.openxmlformats.org/drawingml/2006/main" xmlns:r="http://schemas.openxmlformats.org/officeDocument/2006/relationships" xmlns:p="http://schemas.openxmlformats.org/presentationml/2006/main">
+  <p:cSld>
+    <p:spTree>
+      <p:nvGrpSpPr>
+        <p:cNvPr id="1" name=""/>
+        <p:cNvGrpSpPr/>
+        <p:nvPr/>
+      </p:nvGrpSpPr>
+      <p:grpSpPr>
+        <a:xfrm>
+          <a:off x="0" y="0"/>
+          <a:ext cx="0" cy="0"/>
+          <a:chOff x="0" y="0"/>
+          <a:chExt cx="0" cy="0"/>
+        </a:xfrm>
+      </p:grpSpPr>
+      <p:sp>
+        <p:nvSpPr>
+          <p:cNvPr id="2" name="Title 1">
+            <a:extLst>
+              <a:ext uri="{FF2B5EF4-FFF2-40B4-BE49-F238E27FC236}">
+                <a16:creationId xmlns:a16="http://schemas.microsoft.com/office/drawing/2014/main" id="{F76EA308-47D9-40F9-9E1B-434064712F26}"/>
+              </a:ext>
+            </a:extLst>
+          </p:cNvPr>
+          <p:cNvSpPr>
+            <a:spLocks noGrp="1"/>
+          </p:cNvSpPr>
+          <p:nvPr>
+            <p:ph type="title"/>
+          </p:nvPr>
+        </p:nvSpPr>
+        <p:spPr/>
+        <p:txBody>
+          <a:bodyPr/>
+          <a:lstStyle/>
+          <a:p>
+            <a:r>
+              <a:rPr lang="de-DE" dirty="0" err="1">
+                <a:solidFill>
+                  <a:srgbClr val="E10098"/>
+                </a:solidFill>
+              </a:rPr>
+              <a:t>Procedure</a:t>
+            </a:r>
+            <a:endParaRPr lang="de-DE" dirty="0">
+              <a:solidFill>
+                <a:srgbClr val="E10098"/>
+              </a:solidFill>
+            </a:endParaRPr>
+          </a:p>
+        </p:txBody>
+      </p:sp>
+      <p:sp>
+        <p:nvSpPr>
+          <p:cNvPr id="3" name="Content Placeholder 2">
+            <a:extLst>
+              <a:ext uri="{FF2B5EF4-FFF2-40B4-BE49-F238E27FC236}">
+                <a16:creationId xmlns:a16="http://schemas.microsoft.com/office/drawing/2014/main" id="{B49C6763-BC42-4438-B34F-552EC13D8AED}"/>
+              </a:ext>
+            </a:extLst>
+          </p:cNvPr>
+          <p:cNvSpPr>
+            <a:spLocks noGrp="1"/>
+          </p:cNvSpPr>
+          <p:nvPr>
+            <p:ph idx="1"/>
+          </p:nvPr>
+        </p:nvSpPr>
+        <p:spPr/>
+        <p:txBody>
+          <a:bodyPr/>
+          <a:lstStyle/>
+          <a:p>
+            <a:r>
+              <a:rPr lang="de-DE" dirty="0" err="1">
+                <a:solidFill>
+                  <a:srgbClr val="E10098"/>
+                </a:solidFill>
+              </a:rPr>
+              <a:t>What</a:t>
+            </a:r>
+            <a:r>
+              <a:rPr lang="de-DE" dirty="0">
+                <a:solidFill>
+                  <a:srgbClr val="E10098"/>
+                </a:solidFill>
+              </a:rPr>
+              <a:t> </a:t>
+            </a:r>
+            <a:r>
+              <a:rPr lang="de-DE" dirty="0" err="1">
+                <a:solidFill>
+                  <a:srgbClr val="E10098"/>
+                </a:solidFill>
+              </a:rPr>
+              <a:t>is</a:t>
+            </a:r>
+            <a:r>
+              <a:rPr lang="de-DE" dirty="0">
+                <a:solidFill>
+                  <a:srgbClr val="E10098"/>
+                </a:solidFill>
+              </a:rPr>
+              <a:t> GraphQL? </a:t>
+            </a:r>
+            <a:br>
+              <a:rPr lang="de-DE" dirty="0">
+                <a:solidFill>
+                  <a:srgbClr val="E10098"/>
+                </a:solidFill>
+              </a:rPr>
+            </a:br>
+            <a:r>
+              <a:rPr lang="de-DE" dirty="0" err="1">
+                <a:solidFill>
+                  <a:srgbClr val="E10098"/>
+                </a:solidFill>
+              </a:rPr>
+              <a:t>How</a:t>
+            </a:r>
+            <a:r>
+              <a:rPr lang="de-DE" dirty="0">
+                <a:solidFill>
+                  <a:srgbClr val="E10098"/>
+                </a:solidFill>
+              </a:rPr>
+              <a:t> </a:t>
+            </a:r>
+            <a:r>
+              <a:rPr lang="de-DE" dirty="0" err="1">
+                <a:solidFill>
+                  <a:srgbClr val="E10098"/>
+                </a:solidFill>
+              </a:rPr>
+              <a:t>does</a:t>
+            </a:r>
+            <a:r>
+              <a:rPr lang="de-DE" dirty="0">
+                <a:solidFill>
+                  <a:srgbClr val="E10098"/>
+                </a:solidFill>
+              </a:rPr>
+              <a:t> GraphQL </a:t>
+            </a:r>
+            <a:r>
+              <a:rPr lang="de-DE" dirty="0" err="1">
+                <a:solidFill>
+                  <a:srgbClr val="E10098"/>
+                </a:solidFill>
+              </a:rPr>
+              <a:t>work</a:t>
+            </a:r>
+            <a:r>
+              <a:rPr lang="de-DE" dirty="0">
+                <a:solidFill>
+                  <a:srgbClr val="E10098"/>
+                </a:solidFill>
+              </a:rPr>
+              <a:t>?</a:t>
+            </a:r>
+          </a:p>
+          <a:p>
+            <a:r>
+              <a:rPr lang="de-DE" dirty="0" err="1">
+                <a:solidFill>
+                  <a:srgbClr val="E10098"/>
+                </a:solidFill>
+              </a:rPr>
+              <a:t>How</a:t>
+            </a:r>
+            <a:r>
+              <a:rPr lang="de-DE" dirty="0">
+                <a:solidFill>
+                  <a:srgbClr val="E10098"/>
+                </a:solidFill>
+              </a:rPr>
+              <a:t> </a:t>
+            </a:r>
+            <a:r>
+              <a:rPr lang="de-DE" dirty="0" err="1">
+                <a:solidFill>
+                  <a:srgbClr val="E10098"/>
+                </a:solidFill>
+              </a:rPr>
+              <a:t>can</a:t>
+            </a:r>
+            <a:r>
+              <a:rPr lang="de-DE" dirty="0">
+                <a:solidFill>
+                  <a:srgbClr val="E10098"/>
+                </a:solidFill>
+              </a:rPr>
+              <a:t> </a:t>
+            </a:r>
+            <a:r>
+              <a:rPr lang="de-DE" dirty="0" err="1">
+                <a:solidFill>
+                  <a:srgbClr val="E10098"/>
+                </a:solidFill>
+              </a:rPr>
+              <a:t>one</a:t>
+            </a:r>
+            <a:r>
+              <a:rPr lang="de-DE" dirty="0">
+                <a:solidFill>
+                  <a:srgbClr val="E10098"/>
+                </a:solidFill>
+              </a:rPr>
+              <a:t> </a:t>
+            </a:r>
+            <a:r>
+              <a:rPr lang="de-DE" dirty="0" err="1">
+                <a:solidFill>
+                  <a:srgbClr val="E10098"/>
+                </a:solidFill>
+              </a:rPr>
+              <a:t>use</a:t>
+            </a:r>
+            <a:r>
+              <a:rPr lang="de-DE" dirty="0">
+                <a:solidFill>
+                  <a:srgbClr val="E10098"/>
+                </a:solidFill>
+              </a:rPr>
+              <a:t> GraphQL?</a:t>
+            </a:r>
+          </a:p>
+          <a:p>
+            <a:r>
+              <a:rPr lang="de-DE" dirty="0">
+                <a:solidFill>
+                  <a:srgbClr val="E10098"/>
+                </a:solidFill>
+              </a:rPr>
+              <a:t>Working </a:t>
+            </a:r>
+            <a:r>
+              <a:rPr lang="de-DE" dirty="0" err="1">
+                <a:solidFill>
+                  <a:srgbClr val="E10098"/>
+                </a:solidFill>
+              </a:rPr>
+              <a:t>with</a:t>
+            </a:r>
+            <a:r>
+              <a:rPr lang="de-DE" dirty="0">
+                <a:solidFill>
+                  <a:srgbClr val="E10098"/>
+                </a:solidFill>
+              </a:rPr>
+              <a:t> GraphQL and </a:t>
+            </a:r>
+            <a:r>
+              <a:rPr lang="de-DE" dirty="0" err="1">
+                <a:solidFill>
+                  <a:srgbClr val="E10098"/>
+                </a:solidFill>
+              </a:rPr>
+              <a:t>NodeJS</a:t>
+            </a:r>
+            <a:endParaRPr lang="de-DE" dirty="0">
+              <a:solidFill>
+                <a:srgbClr val="E10098"/>
+              </a:solidFill>
+            </a:endParaRPr>
+          </a:p>
+          <a:p>
+            <a:endParaRPr lang="de-DE" dirty="0">
+              <a:solidFill>
+                <a:srgbClr val="E10098"/>
+              </a:solidFill>
+            </a:endParaRPr>
+          </a:p>
+        </p:txBody>
+      </p:sp>
+    </p:spTree>
+    <p:extLst>
+      <p:ext uri="{BB962C8B-B14F-4D97-AF65-F5344CB8AC3E}">
+        <p14:creationId xmlns:p14="http://schemas.microsoft.com/office/powerpoint/2010/main" val="1239966656"/>
+      </p:ext>
+    </p:extLst>
+  </p:cSld>
+  <p:clrMapOvr>
+    <a:masterClrMapping/>
+  </p:clrMapOvr>
+  <p:transition spd="slow">
+    <p:cover/>
+  </p:transition>
+</p:sld>
+</file>
+
+<file path=ppt/slides/slide20.xml><?xml version="1.0" encoding="utf-8"?>
+<p:sld xmlns:a="http://schemas.openxmlformats.org/drawingml/2006/main" xmlns:r="http://schemas.openxmlformats.org/officeDocument/2006/relationships" xmlns:p="http://schemas.openxmlformats.org/presentationml/2006/main">
+  <p:cSld>
+    <p:spTree>
+      <p:nvGrpSpPr>
+        <p:cNvPr id="1" name=""/>
+        <p:cNvGrpSpPr/>
+        <p:nvPr/>
+      </p:nvGrpSpPr>
+      <p:grpSpPr>
+        <a:xfrm>
+          <a:off x="0" y="0"/>
+          <a:ext cx="0" cy="0"/>
+          <a:chOff x="0" y="0"/>
+          <a:chExt cx="0" cy="0"/>
+        </a:xfrm>
+      </p:grpSpPr>
+      <p:sp>
+        <p:nvSpPr>
+          <p:cNvPr id="2" name="Title 1">
+            <a:extLst>
+              <a:ext uri="{FF2B5EF4-FFF2-40B4-BE49-F238E27FC236}">
+                <a16:creationId xmlns:a16="http://schemas.microsoft.com/office/drawing/2014/main" id="{24F1B6FB-9166-4AD3-98B9-75760AFE358A}"/>
+              </a:ext>
+            </a:extLst>
+          </p:cNvPr>
+          <p:cNvSpPr>
+            <a:spLocks noGrp="1"/>
+          </p:cNvSpPr>
+          <p:nvPr>
+            <p:ph type="title"/>
+          </p:nvPr>
+        </p:nvSpPr>
+        <p:spPr/>
+        <p:txBody>
+          <a:bodyPr/>
+          <a:lstStyle/>
+          <a:p>
+            <a:r>
+              <a:rPr lang="de-DE" dirty="0"/>
+              <a:t>Working </a:t>
+            </a:r>
+            <a:r>
+              <a:rPr lang="de-DE" dirty="0" err="1"/>
+              <a:t>with</a:t>
+            </a:r>
+            <a:r>
+              <a:rPr lang="de-DE" dirty="0"/>
+              <a:t> GraphQL and </a:t>
+            </a:r>
+            <a:r>
+              <a:rPr lang="de-DE" dirty="0" err="1"/>
+              <a:t>NodeJS</a:t>
+            </a:r>
+            <a:endParaRPr lang="de-DE" dirty="0"/>
+          </a:p>
+        </p:txBody>
+      </p:sp>
+      <p:sp>
+        <p:nvSpPr>
+          <p:cNvPr id="3" name="Text Placeholder 2">
+            <a:extLst>
+              <a:ext uri="{FF2B5EF4-FFF2-40B4-BE49-F238E27FC236}">
+                <a16:creationId xmlns:a16="http://schemas.microsoft.com/office/drawing/2014/main" id="{86337096-A0A0-4060-B933-1267E4984765}"/>
+              </a:ext>
+            </a:extLst>
+          </p:cNvPr>
+          <p:cNvSpPr>
+            <a:spLocks noGrp="1"/>
+          </p:cNvSpPr>
+          <p:nvPr>
+            <p:ph type="body" idx="1"/>
+          </p:nvPr>
+        </p:nvSpPr>
+        <p:spPr/>
+        <p:txBody>
+          <a:bodyPr/>
+          <a:lstStyle/>
+          <a:p>
+            <a:endParaRPr lang="de-DE"/>
+          </a:p>
+        </p:txBody>
+      </p:sp>
+    </p:spTree>
+    <p:extLst>
+      <p:ext uri="{BB962C8B-B14F-4D97-AF65-F5344CB8AC3E}">
+        <p14:creationId xmlns:p14="http://schemas.microsoft.com/office/powerpoint/2010/main" val="2339177575"/>
+      </p:ext>
+    </p:extLst>
+  </p:cSld>
+  <p:clrMapOvr>
+    <a:masterClrMapping/>
+  </p:clrMapOvr>
+  <p:transition spd="slow">
+    <p:cover/>
+  </p:transition>
+</p:sld>
+</file>
+
+<file path=ppt/slides/slide21.xml><?xml version="1.0" encoding="utf-8"?>
+<p:sld xmlns:a="http://schemas.openxmlformats.org/drawingml/2006/main" xmlns:r="http://schemas.openxmlformats.org/officeDocument/2006/relationships" xmlns:p="http://schemas.openxmlformats.org/presentationml/2006/main">
+  <p:cSld>
+    <p:spTree>
+      <p:nvGrpSpPr>
+        <p:cNvPr id="1" name=""/>
+        <p:cNvGrpSpPr/>
+        <p:nvPr/>
+      </p:nvGrpSpPr>
+      <p:grpSpPr>
+        <a:xfrm>
+          <a:off x="0" y="0"/>
+          <a:ext cx="0" cy="0"/>
+          <a:chOff x="0" y="0"/>
+          <a:chExt cx="0" cy="0"/>
+        </a:xfrm>
+      </p:grpSpPr>
+      <p:sp>
+        <p:nvSpPr>
+          <p:cNvPr id="4" name="Title 3">
+            <a:extLst>
+              <a:ext uri="{FF2B5EF4-FFF2-40B4-BE49-F238E27FC236}">
+                <a16:creationId xmlns:a16="http://schemas.microsoft.com/office/drawing/2014/main" id="{51975A0D-D537-414B-B97E-52D06528D7C3}"/>
+              </a:ext>
+            </a:extLst>
+          </p:cNvPr>
+          <p:cNvSpPr>
+            <a:spLocks noGrp="1"/>
+          </p:cNvSpPr>
+          <p:nvPr>
+            <p:ph type="title"/>
+          </p:nvPr>
+        </p:nvSpPr>
+        <p:spPr/>
+        <p:txBody>
+          <a:bodyPr/>
+          <a:lstStyle/>
+          <a:p>
+            <a:r>
+              <a:rPr lang="de-DE" dirty="0" err="1"/>
+              <a:t>Please</a:t>
+            </a:r>
+            <a:r>
+              <a:rPr lang="de-DE" dirty="0"/>
+              <a:t> </a:t>
+            </a:r>
+            <a:r>
+              <a:rPr lang="de-DE" dirty="0" err="1"/>
+              <a:t>visit</a:t>
+            </a:r>
+            <a:r>
+              <a:rPr lang="de-DE" dirty="0"/>
+              <a:t>:</a:t>
+            </a:r>
+          </a:p>
+        </p:txBody>
+      </p:sp>
+      <p:sp>
+        <p:nvSpPr>
+          <p:cNvPr id="5" name="Content Placeholder 4">
+            <a:extLst>
+              <a:ext uri="{FF2B5EF4-FFF2-40B4-BE49-F238E27FC236}">
+                <a16:creationId xmlns:a16="http://schemas.microsoft.com/office/drawing/2014/main" id="{4A125340-0BE6-4469-9F65-FFF9E075A40E}"/>
+              </a:ext>
+            </a:extLst>
+          </p:cNvPr>
+          <p:cNvSpPr>
+            <a:spLocks noGrp="1"/>
+          </p:cNvSpPr>
+          <p:nvPr>
+            <p:ph idx="1"/>
+          </p:nvPr>
+        </p:nvSpPr>
+        <p:spPr/>
+        <p:txBody>
+          <a:bodyPr/>
+          <a:lstStyle/>
+          <a:p>
+            <a:pPr marL="0" indent="0">
+              <a:buNone/>
+            </a:pPr>
+            <a:r>
+              <a:rPr lang="de-DE" dirty="0">
+                <a:hlinkClick r:id="rId2"/>
+              </a:rPr>
+              <a:t>https://launchpad.graphql.com/new</a:t>
+            </a:r>
+            <a:br>
+              <a:rPr lang="de-DE" dirty="0"/>
+            </a:br>
+            <a:br>
+              <a:rPr lang="de-DE" dirty="0"/>
+            </a:br>
+            <a:r>
+              <a:rPr lang="de-DE" dirty="0" err="1"/>
+              <a:t>You</a:t>
+            </a:r>
+            <a:r>
+              <a:rPr lang="de-DE" dirty="0"/>
+              <a:t> </a:t>
+            </a:r>
+            <a:r>
+              <a:rPr lang="de-DE" dirty="0" err="1"/>
+              <a:t>can</a:t>
+            </a:r>
+            <a:r>
+              <a:rPr lang="de-DE" dirty="0"/>
+              <a:t> find </a:t>
+            </a:r>
+            <a:r>
+              <a:rPr lang="de-DE" dirty="0" err="1"/>
+              <a:t>the</a:t>
+            </a:r>
+            <a:r>
+              <a:rPr lang="de-DE" dirty="0"/>
+              <a:t> link in </a:t>
+            </a:r>
+            <a:r>
+              <a:rPr lang="de-DE" dirty="0" err="1"/>
+              <a:t>my</a:t>
+            </a:r>
+            <a:r>
+              <a:rPr lang="de-DE" dirty="0"/>
+              <a:t> </a:t>
+            </a:r>
+            <a:r>
+              <a:rPr lang="de-DE" dirty="0" err="1"/>
+              <a:t>information</a:t>
+            </a:r>
+            <a:r>
+              <a:rPr lang="de-DE" dirty="0"/>
+              <a:t> email </a:t>
+            </a:r>
+            <a:r>
+              <a:rPr lang="de-DE" dirty="0" err="1"/>
+              <a:t>or</a:t>
+            </a:r>
+            <a:r>
+              <a:rPr lang="de-DE" dirty="0"/>
+              <a:t> </a:t>
+            </a:r>
+            <a:r>
+              <a:rPr lang="de-DE" dirty="0" err="1"/>
+              <a:t>the</a:t>
+            </a:r>
+            <a:r>
+              <a:rPr lang="de-DE" dirty="0"/>
+              <a:t> </a:t>
+            </a:r>
+            <a:r>
+              <a:rPr lang="de-DE" dirty="0" err="1"/>
+              <a:t>forum</a:t>
+            </a:r>
+            <a:r>
+              <a:rPr lang="de-DE" dirty="0"/>
+              <a:t> </a:t>
+            </a:r>
+            <a:r>
+              <a:rPr lang="de-DE" dirty="0" err="1"/>
+              <a:t>calendar</a:t>
+            </a:r>
+            <a:r>
+              <a:rPr lang="de-DE" dirty="0"/>
+              <a:t> </a:t>
+            </a:r>
+            <a:r>
+              <a:rPr lang="de-DE" dirty="0" err="1"/>
+              <a:t>entry</a:t>
+            </a:r>
+            <a:r>
+              <a:rPr lang="de-DE" dirty="0"/>
+              <a:t>.</a:t>
+            </a:r>
+          </a:p>
+        </p:txBody>
+      </p:sp>
+    </p:spTree>
+    <p:extLst>
+      <p:ext uri="{BB962C8B-B14F-4D97-AF65-F5344CB8AC3E}">
+        <p14:creationId xmlns:p14="http://schemas.microsoft.com/office/powerpoint/2010/main" val="2109044681"/>
+      </p:ext>
+    </p:extLst>
+  </p:cSld>
+  <p:clrMapOvr>
+    <a:masterClrMapping/>
+  </p:clrMapOvr>
+  <p:transition spd="slow">
+    <p:cover/>
+  </p:transition>
+</p:sld>
+</file>
+
+<file path=ppt/slides/slide22.xml><?xml version="1.0" encoding="utf-8"?>
+<p:sld xmlns:a="http://schemas.openxmlformats.org/drawingml/2006/main" xmlns:r="http://schemas.openxmlformats.org/officeDocument/2006/relationships" xmlns:p="http://schemas.openxmlformats.org/presentationml/2006/main">
+  <p:cSld>
+    <p:spTree>
+      <p:nvGrpSpPr>
+        <p:cNvPr id="1" name=""/>
+        <p:cNvGrpSpPr/>
+        <p:nvPr/>
+      </p:nvGrpSpPr>
+      <p:grpSpPr>
+        <a:xfrm>
+          <a:off x="0" y="0"/>
+          <a:ext cx="0" cy="0"/>
+          <a:chOff x="0" y="0"/>
+          <a:chExt cx="0" cy="0"/>
+        </a:xfrm>
+      </p:grpSpPr>
+      <p:sp>
+        <p:nvSpPr>
+          <p:cNvPr id="4" name="Title 3">
+            <a:extLst>
+              <a:ext uri="{FF2B5EF4-FFF2-40B4-BE49-F238E27FC236}">
+                <a16:creationId xmlns:a16="http://schemas.microsoft.com/office/drawing/2014/main" id="{B8DB7AD3-0282-45E1-8720-2A8216C2778D}"/>
+              </a:ext>
+            </a:extLst>
+          </p:cNvPr>
+          <p:cNvSpPr>
+            <a:spLocks noGrp="1"/>
+          </p:cNvSpPr>
+          <p:nvPr>
+            <p:ph type="title"/>
+          </p:nvPr>
+        </p:nvSpPr>
+        <p:spPr/>
+        <p:txBody>
+          <a:bodyPr/>
+          <a:lstStyle/>
+          <a:p>
+            <a:r>
+              <a:rPr lang="de-DE" dirty="0" err="1"/>
+              <a:t>Thank</a:t>
+            </a:r>
+            <a:r>
+              <a:rPr lang="de-DE" dirty="0"/>
+              <a:t> </a:t>
+            </a:r>
+            <a:r>
+              <a:rPr lang="de-DE" dirty="0" err="1"/>
+              <a:t>you</a:t>
+            </a:r>
+            <a:r>
+              <a:rPr lang="de-DE" dirty="0"/>
+              <a:t> </a:t>
+            </a:r>
+            <a:r>
+              <a:rPr lang="de-DE" dirty="0" err="1"/>
+              <a:t>for</a:t>
+            </a:r>
+            <a:r>
+              <a:rPr lang="de-DE" dirty="0"/>
+              <a:t> </a:t>
+            </a:r>
+            <a:r>
+              <a:rPr lang="de-DE" dirty="0" err="1"/>
+              <a:t>your</a:t>
+            </a:r>
+            <a:r>
+              <a:rPr lang="de-DE" dirty="0"/>
+              <a:t> </a:t>
+            </a:r>
+            <a:r>
+              <a:rPr lang="de-DE" dirty="0" err="1"/>
+              <a:t>attention</a:t>
+            </a:r>
+            <a:r>
+              <a:rPr lang="de-DE" dirty="0"/>
+              <a:t>!</a:t>
+            </a:r>
+          </a:p>
+        </p:txBody>
+      </p:sp>
+      <p:sp>
+        <p:nvSpPr>
+          <p:cNvPr id="5" name="Text Placeholder 4">
+            <a:extLst>
+              <a:ext uri="{FF2B5EF4-FFF2-40B4-BE49-F238E27FC236}">
+                <a16:creationId xmlns:a16="http://schemas.microsoft.com/office/drawing/2014/main" id="{0090AA99-AB98-40D2-9C5B-0ADD665CB3A0}"/>
+              </a:ext>
+            </a:extLst>
+          </p:cNvPr>
+          <p:cNvSpPr>
+            <a:spLocks noGrp="1"/>
+          </p:cNvSpPr>
+          <p:nvPr>
+            <p:ph type="body" idx="1"/>
+          </p:nvPr>
+        </p:nvSpPr>
+        <p:spPr/>
+        <p:txBody>
+          <a:bodyPr/>
+          <a:lstStyle/>
+          <a:p>
+            <a:endParaRPr lang="de-DE"/>
+          </a:p>
+        </p:txBody>
+      </p:sp>
+    </p:spTree>
+    <p:extLst>
+      <p:ext uri="{BB962C8B-B14F-4D97-AF65-F5344CB8AC3E}">
+        <p14:creationId xmlns:p14="http://schemas.microsoft.com/office/powerpoint/2010/main" val="2434181145"/>
       </p:ext>
     </p:extLst>
   </p:cSld>
@@ -4198,7 +7131,7 @@
 </p:sld>
 </file>
 
-<file path=ppt/slides/slide12.xml><?xml version="1.0" encoding="utf-8"?>
+<file path=ppt/slides/slide23.xml><?xml version="1.0" encoding="utf-8"?>
 <p:sld xmlns:a="http://schemas.openxmlformats.org/drawingml/2006/main" xmlns:r="http://schemas.openxmlformats.org/officeDocument/2006/relationships" xmlns:p="http://schemas.openxmlformats.org/presentationml/2006/main">
   <p:cSld>
     <p:spTree>
@@ -4217,10 +7150,10 @@
       </p:grpSpPr>
       <p:sp>
         <p:nvSpPr>
-          <p:cNvPr id="2" name="Title 1">
-            <a:extLst>
-              <a:ext uri="{FF2B5EF4-FFF2-40B4-BE49-F238E27FC236}">
-                <a16:creationId xmlns:a16="http://schemas.microsoft.com/office/drawing/2014/main" id="{7C9F8954-FB24-4B5E-84FD-69E3CB2CE37B}"/>
+          <p:cNvPr id="4" name="Title 3">
+            <a:extLst>
+              <a:ext uri="{FF2B5EF4-FFF2-40B4-BE49-F238E27FC236}">
+                <a16:creationId xmlns:a16="http://schemas.microsoft.com/office/drawing/2014/main" id="{36FC0058-FA68-4D40-8B43-9BF31BF783BB}"/>
               </a:ext>
             </a:extLst>
           </p:cNvPr>
@@ -4238,17 +7171,17 @@
           <a:p>
             <a:r>
               <a:rPr lang="de-DE" dirty="0"/>
-              <a:t>The Query</a:t>
-            </a:r>
-          </a:p>
-        </p:txBody>
-      </p:sp>
-      <p:sp>
-        <p:nvSpPr>
-          <p:cNvPr id="3" name="Content Placeholder 2">
-            <a:extLst>
-              <a:ext uri="{FF2B5EF4-FFF2-40B4-BE49-F238E27FC236}">
-                <a16:creationId xmlns:a16="http://schemas.microsoft.com/office/drawing/2014/main" id="{40143099-974A-401A-893F-FD9FC4526921}"/>
+              <a:t>References</a:t>
+            </a:r>
+          </a:p>
+        </p:txBody>
+      </p:sp>
+      <p:sp>
+        <p:nvSpPr>
+          <p:cNvPr id="5" name="Content Placeholder 4">
+            <a:extLst>
+              <a:ext uri="{FF2B5EF4-FFF2-40B4-BE49-F238E27FC236}">
+                <a16:creationId xmlns:a16="http://schemas.microsoft.com/office/drawing/2014/main" id="{573C8D33-8781-4272-BCA3-CE6C5F359FF2}"/>
               </a:ext>
             </a:extLst>
           </p:cNvPr>
@@ -4265,155 +7198,23 @@
           <a:lstStyle/>
           <a:p>
             <a:r>
-              <a:rPr lang="de-DE" dirty="0"/>
-              <a:t>A </a:t>
-            </a:r>
-            <a:r>
-              <a:rPr lang="de-DE" dirty="0" err="1"/>
-              <a:t>query</a:t>
-            </a:r>
-            <a:r>
-              <a:rPr lang="de-DE" dirty="0"/>
-              <a:t> </a:t>
-            </a:r>
-            <a:r>
-              <a:rPr lang="de-DE" dirty="0" err="1"/>
-              <a:t>is</a:t>
-            </a:r>
-            <a:r>
-              <a:rPr lang="de-DE" dirty="0"/>
-              <a:t> </a:t>
-            </a:r>
-            <a:r>
-              <a:rPr lang="de-DE" dirty="0" err="1"/>
-              <a:t>formed</a:t>
-            </a:r>
-            <a:r>
-              <a:rPr lang="de-DE" dirty="0"/>
-              <a:t> </a:t>
-            </a:r>
-            <a:r>
-              <a:rPr lang="de-DE" dirty="0" err="1"/>
-              <a:t>based</a:t>
-            </a:r>
-            <a:r>
-              <a:rPr lang="de-DE" dirty="0"/>
-              <a:t> on </a:t>
-            </a:r>
-            <a:r>
-              <a:rPr lang="de-DE" dirty="0" err="1"/>
-              <a:t>the</a:t>
-            </a:r>
-            <a:r>
-              <a:rPr lang="de-DE" dirty="0"/>
-              <a:t> </a:t>
-            </a:r>
-            <a:r>
-              <a:rPr lang="de-DE" dirty="0" err="1"/>
-              <a:t>schema</a:t>
-            </a:r>
-            <a:r>
-              <a:rPr lang="de-DE" dirty="0"/>
-              <a:t> and </a:t>
-            </a:r>
-            <a:r>
-              <a:rPr lang="de-DE" dirty="0" err="1"/>
-              <a:t>the</a:t>
-            </a:r>
-            <a:r>
-              <a:rPr lang="de-DE" dirty="0"/>
-              <a:t> GraphQL-Syntax</a:t>
-            </a:r>
-          </a:p>
-          <a:p>
-            <a:r>
-              <a:rPr lang="de-DE" dirty="0"/>
-              <a:t>The Client </a:t>
-            </a:r>
-            <a:r>
-              <a:rPr lang="de-DE" dirty="0" err="1"/>
-              <a:t>can</a:t>
-            </a:r>
-            <a:r>
-              <a:rPr lang="de-DE" dirty="0"/>
-              <a:t> </a:t>
-            </a:r>
-            <a:r>
-              <a:rPr lang="de-DE" dirty="0" err="1"/>
-              <a:t>specify</a:t>
-            </a:r>
-            <a:r>
-              <a:rPr lang="de-DE" dirty="0"/>
-              <a:t> </a:t>
-            </a:r>
-            <a:r>
-              <a:rPr lang="de-DE" dirty="0" err="1"/>
-              <a:t>various</a:t>
-            </a:r>
-            <a:r>
-              <a:rPr lang="de-DE" dirty="0"/>
-              <a:t> </a:t>
-            </a:r>
-            <a:r>
-              <a:rPr lang="de-DE" dirty="0" err="1"/>
-              <a:t>queries</a:t>
-            </a:r>
-            <a:r>
-              <a:rPr lang="de-DE" dirty="0"/>
-              <a:t> in </a:t>
-            </a:r>
-            <a:r>
-              <a:rPr lang="de-DE" dirty="0" err="1"/>
-              <a:t>one</a:t>
-            </a:r>
-            <a:r>
-              <a:rPr lang="de-DE" dirty="0"/>
-              <a:t> </a:t>
-            </a:r>
-            <a:r>
-              <a:rPr lang="de-DE" dirty="0" err="1"/>
-              <a:t>call</a:t>
-            </a:r>
-            <a:r>
-              <a:rPr lang="de-DE" dirty="0"/>
-              <a:t> and </a:t>
-            </a:r>
-            <a:r>
-              <a:rPr lang="de-DE" dirty="0" err="1"/>
-              <a:t>which</a:t>
-            </a:r>
-            <a:r>
-              <a:rPr lang="de-DE" dirty="0"/>
-              <a:t> </a:t>
-            </a:r>
-            <a:r>
-              <a:rPr lang="de-DE" dirty="0" err="1"/>
-              <a:t>data</a:t>
-            </a:r>
-            <a:r>
-              <a:rPr lang="de-DE" dirty="0"/>
-              <a:t> </a:t>
-            </a:r>
-            <a:r>
-              <a:rPr lang="de-DE" dirty="0" err="1"/>
-              <a:t>they</a:t>
-            </a:r>
-            <a:r>
-              <a:rPr lang="de-DE" dirty="0"/>
-              <a:t> </a:t>
-            </a:r>
-            <a:r>
-              <a:rPr lang="de-DE" dirty="0" err="1"/>
-              <a:t>should</a:t>
-            </a:r>
-            <a:r>
-              <a:rPr lang="de-DE" dirty="0"/>
-              <a:t> </a:t>
-            </a:r>
-            <a:r>
-              <a:rPr lang="de-DE" dirty="0" err="1"/>
-              <a:t>return</a:t>
-            </a:r>
+              <a:rPr lang="de-DE" dirty="0">
+                <a:hlinkClick r:id="rId2"/>
+              </a:rPr>
+              <a:t>http://graphql.org/learn/</a:t>
+            </a:r>
+            <a:endParaRPr lang="de-DE" dirty="0"/>
+          </a:p>
+          <a:p>
+            <a:r>
+              <a:rPr lang="de-DE" dirty="0">
+                <a:hlinkClick r:id="rId3"/>
+              </a:rPr>
+              <a:t>https://dev-blog.apollodata.com/graphql-explained-5844742f195e</a:t>
+            </a:r>
+            <a:endParaRPr lang="de-DE" dirty="0"/>
+          </a:p>
+          <a:p>
             <a:endParaRPr lang="de-DE" dirty="0"/>
           </a:p>
         </p:txBody>
@@ -4421,2343 +7222,7 @@
     </p:spTree>
     <p:extLst>
       <p:ext uri="{BB962C8B-B14F-4D97-AF65-F5344CB8AC3E}">
-        <p14:creationId xmlns:p14="http://schemas.microsoft.com/office/powerpoint/2010/main" val="2595987514"/>
-      </p:ext>
-    </p:extLst>
-  </p:cSld>
-  <p:clrMapOvr>
-    <a:masterClrMapping/>
-  </p:clrMapOvr>
-  <mc:AlternateContent xmlns:mc="http://schemas.openxmlformats.org/markup-compatibility/2006" xmlns:p14="http://schemas.microsoft.com/office/powerpoint/2010/main">
-    <mc:Choice Requires="p14">
-      <p:transition spd="med" p14:dur="700">
-        <p:fade/>
-      </p:transition>
-    </mc:Choice>
-    <mc:Fallback xmlns="">
-      <p:transition spd="med">
-        <p:fade/>
-      </p:transition>
-    </mc:Fallback>
-  </mc:AlternateContent>
-</p:sld>
-</file>
-
-<file path=ppt/slides/slide13.xml><?xml version="1.0" encoding="utf-8"?>
-<p:sld xmlns:a="http://schemas.openxmlformats.org/drawingml/2006/main" xmlns:r="http://schemas.openxmlformats.org/officeDocument/2006/relationships" xmlns:p="http://schemas.openxmlformats.org/presentationml/2006/main">
-  <p:cSld>
-    <p:spTree>
-      <p:nvGrpSpPr>
-        <p:cNvPr id="1" name=""/>
-        <p:cNvGrpSpPr/>
-        <p:nvPr/>
-      </p:nvGrpSpPr>
-      <p:grpSpPr>
-        <a:xfrm>
-          <a:off x="0" y="0"/>
-          <a:ext cx="0" cy="0"/>
-          <a:chOff x="0" y="0"/>
-          <a:chExt cx="0" cy="0"/>
-        </a:xfrm>
-      </p:grpSpPr>
-      <p:sp>
-        <p:nvSpPr>
-          <p:cNvPr id="2" name="Title 1">
-            <a:extLst>
-              <a:ext uri="{FF2B5EF4-FFF2-40B4-BE49-F238E27FC236}">
-                <a16:creationId xmlns:a16="http://schemas.microsoft.com/office/drawing/2014/main" id="{B58106D9-20CD-4182-B99F-1AEDBFA03D64}"/>
-              </a:ext>
-            </a:extLst>
-          </p:cNvPr>
-          <p:cNvSpPr>
-            <a:spLocks noGrp="1"/>
-          </p:cNvSpPr>
-          <p:nvPr>
-            <p:ph type="title"/>
-          </p:nvPr>
-        </p:nvSpPr>
-        <p:spPr/>
-        <p:txBody>
-          <a:bodyPr/>
-          <a:lstStyle/>
-          <a:p>
-            <a:r>
-              <a:rPr lang="de-DE" dirty="0"/>
-              <a:t>The Query – </a:t>
-            </a:r>
-            <a:r>
-              <a:rPr lang="de-DE" dirty="0" err="1"/>
-              <a:t>Example</a:t>
-            </a:r>
-            <a:r>
-              <a:rPr lang="de-DE" dirty="0"/>
-              <a:t> Query</a:t>
-            </a:r>
-          </a:p>
-        </p:txBody>
-      </p:sp>
-      <p:sp>
-        <p:nvSpPr>
-          <p:cNvPr id="3" name="Content Placeholder 2">
-            <a:extLst>
-              <a:ext uri="{FF2B5EF4-FFF2-40B4-BE49-F238E27FC236}">
-                <a16:creationId xmlns:a16="http://schemas.microsoft.com/office/drawing/2014/main" id="{12CA9E5D-2943-4796-B5E8-4BF60BF32A8D}"/>
-              </a:ext>
-            </a:extLst>
-          </p:cNvPr>
-          <p:cNvSpPr>
-            <a:spLocks noGrp="1"/>
-          </p:cNvSpPr>
-          <p:nvPr>
-            <p:ph idx="1"/>
-          </p:nvPr>
-        </p:nvSpPr>
-        <p:spPr/>
-        <p:txBody>
-          <a:bodyPr>
-            <a:normAutofit/>
-          </a:bodyPr>
-          <a:lstStyle/>
-          <a:p>
-            <a:pPr marL="0" indent="0">
-              <a:buNone/>
-            </a:pPr>
-            <a:r>
-              <a:rPr lang="en-US" sz="1800" b="0" dirty="0">
-                <a:solidFill>
-                  <a:schemeClr val="tx1">
-                    <a:lumMod val="65000"/>
-                    <a:lumOff val="35000"/>
-                  </a:schemeClr>
-                </a:solidFill>
-                <a:effectLst/>
-                <a:latin typeface="Consolas" panose="020B0609020204030204" pitchFamily="49" charset="0"/>
-              </a:rPr>
-              <a:t>{</a:t>
-            </a:r>
-          </a:p>
-          <a:p>
-            <a:pPr marL="0" indent="0">
-              <a:buNone/>
-            </a:pPr>
-            <a:r>
-              <a:rPr lang="en-US" sz="1800" dirty="0">
-                <a:solidFill>
-                  <a:schemeClr val="tx1">
-                    <a:lumMod val="65000"/>
-                    <a:lumOff val="35000"/>
-                  </a:schemeClr>
-                </a:solidFill>
-                <a:latin typeface="Consolas" panose="020B0609020204030204" pitchFamily="49" charset="0"/>
-              </a:rPr>
-              <a:t>   </a:t>
-            </a:r>
-            <a:r>
-              <a:rPr lang="en-US" sz="1800" b="0" dirty="0" err="1">
-                <a:solidFill>
-                  <a:schemeClr val="tx1">
-                    <a:lumMod val="65000"/>
-                    <a:lumOff val="35000"/>
-                  </a:schemeClr>
-                </a:solidFill>
-                <a:effectLst/>
-                <a:latin typeface="Consolas" panose="020B0609020204030204" pitchFamily="49" charset="0"/>
-              </a:rPr>
-              <a:t>getAuthor</a:t>
-            </a:r>
-            <a:r>
-              <a:rPr lang="en-US" sz="1800" b="0" dirty="0">
-                <a:solidFill>
-                  <a:schemeClr val="tx1">
-                    <a:lumMod val="65000"/>
-                    <a:lumOff val="35000"/>
-                  </a:schemeClr>
-                </a:solidFill>
-                <a:effectLst/>
-                <a:latin typeface="Consolas" panose="020B0609020204030204" pitchFamily="49" charset="0"/>
-              </a:rPr>
-              <a:t>(id: 5){</a:t>
-            </a:r>
-          </a:p>
-          <a:p>
-            <a:pPr marL="0" indent="0">
-              <a:buNone/>
-            </a:pPr>
-            <a:r>
-              <a:rPr lang="en-US" sz="1800" b="0" dirty="0">
-                <a:solidFill>
-                  <a:schemeClr val="tx1">
-                    <a:lumMod val="65000"/>
-                    <a:lumOff val="35000"/>
-                  </a:schemeClr>
-                </a:solidFill>
-                <a:effectLst/>
-                <a:latin typeface="Consolas" panose="020B0609020204030204" pitchFamily="49" charset="0"/>
-              </a:rPr>
-              <a:t>      name</a:t>
-            </a:r>
-          </a:p>
-          <a:p>
-            <a:pPr marL="0" indent="0">
-              <a:buNone/>
-            </a:pPr>
-            <a:r>
-              <a:rPr lang="en-US" sz="1800" b="0" dirty="0">
-                <a:solidFill>
-                  <a:schemeClr val="tx1">
-                    <a:lumMod val="65000"/>
-                    <a:lumOff val="35000"/>
-                  </a:schemeClr>
-                </a:solidFill>
-                <a:effectLst/>
-                <a:latin typeface="Consolas" panose="020B0609020204030204" pitchFamily="49" charset="0"/>
-              </a:rPr>
-              <a:t>      posts {</a:t>
-            </a:r>
-          </a:p>
-          <a:p>
-            <a:pPr marL="0" indent="0">
-              <a:buNone/>
-            </a:pPr>
-            <a:r>
-              <a:rPr lang="en-US" sz="1800" b="0" dirty="0">
-                <a:solidFill>
-                  <a:schemeClr val="tx1">
-                    <a:lumMod val="65000"/>
-                    <a:lumOff val="35000"/>
-                  </a:schemeClr>
-                </a:solidFill>
-                <a:effectLst/>
-                <a:latin typeface="Consolas" panose="020B0609020204030204" pitchFamily="49" charset="0"/>
-              </a:rPr>
-              <a:t>         title</a:t>
-            </a:r>
-          </a:p>
-          <a:p>
-            <a:pPr marL="0" indent="0">
-              <a:buNone/>
-            </a:pPr>
-            <a:r>
-              <a:rPr lang="en-US" sz="1800" b="0" dirty="0">
-                <a:solidFill>
-                  <a:schemeClr val="tx1">
-                    <a:lumMod val="65000"/>
-                    <a:lumOff val="35000"/>
-                  </a:schemeClr>
-                </a:solidFill>
-                <a:effectLst/>
-                <a:latin typeface="Consolas" panose="020B0609020204030204" pitchFamily="49" charset="0"/>
-              </a:rPr>
-              <a:t>         author {</a:t>
-            </a:r>
-          </a:p>
-          <a:p>
-            <a:pPr marL="0" indent="0">
-              <a:buNone/>
-            </a:pPr>
-            <a:r>
-              <a:rPr lang="en-US" sz="1800" b="0" dirty="0">
-                <a:solidFill>
-                  <a:schemeClr val="tx1">
-                    <a:lumMod val="65000"/>
-                    <a:lumOff val="35000"/>
-                  </a:schemeClr>
-                </a:solidFill>
-                <a:effectLst/>
-                <a:latin typeface="Consolas" panose="020B0609020204030204" pitchFamily="49" charset="0"/>
-              </a:rPr>
-              <a:t>            name </a:t>
-            </a:r>
-            <a:r>
-              <a:rPr lang="en-US" sz="1800" b="0" dirty="0">
-                <a:solidFill>
-                  <a:schemeClr val="accent6">
-                    <a:lumMod val="75000"/>
-                  </a:schemeClr>
-                </a:solidFill>
-                <a:effectLst/>
-                <a:latin typeface="Consolas" panose="020B0609020204030204" pitchFamily="49" charset="0"/>
-              </a:rPr>
-              <a:t># Just the name is queried</a:t>
-            </a:r>
-            <a:r>
-              <a:rPr lang="en-US" sz="1800" b="0" dirty="0">
-                <a:solidFill>
-                  <a:schemeClr val="tx1">
-                    <a:lumMod val="65000"/>
-                    <a:lumOff val="35000"/>
-                  </a:schemeClr>
-                </a:solidFill>
-                <a:effectLst/>
-                <a:latin typeface="Consolas" panose="020B0609020204030204" pitchFamily="49" charset="0"/>
-              </a:rPr>
-              <a:t>              	  }</a:t>
-            </a:r>
-          </a:p>
-          <a:p>
-            <a:pPr marL="0" indent="0">
-              <a:buNone/>
-            </a:pPr>
-            <a:r>
-              <a:rPr lang="en-US" sz="1800" b="0" dirty="0">
-                <a:solidFill>
-                  <a:schemeClr val="tx1">
-                    <a:lumMod val="65000"/>
-                    <a:lumOff val="35000"/>
-                  </a:schemeClr>
-                </a:solidFill>
-                <a:effectLst/>
-                <a:latin typeface="Consolas" panose="020B0609020204030204" pitchFamily="49" charset="0"/>
-              </a:rPr>
-              <a:t>      }</a:t>
-            </a:r>
-          </a:p>
-          <a:p>
-            <a:pPr marL="0" indent="0">
-              <a:buNone/>
-            </a:pPr>
-            <a:r>
-              <a:rPr lang="en-US" sz="1800" b="0" dirty="0">
-                <a:solidFill>
-                  <a:schemeClr val="tx1">
-                    <a:lumMod val="65000"/>
-                    <a:lumOff val="35000"/>
-                  </a:schemeClr>
-                </a:solidFill>
-                <a:effectLst/>
-                <a:latin typeface="Consolas" panose="020B0609020204030204" pitchFamily="49" charset="0"/>
-              </a:rPr>
-              <a:t>   }</a:t>
-            </a:r>
-          </a:p>
-          <a:p>
-            <a:pPr marL="0" indent="0">
-              <a:buNone/>
-            </a:pPr>
-            <a:r>
-              <a:rPr lang="en-US" sz="1800" b="0" dirty="0">
-                <a:solidFill>
-                  <a:schemeClr val="tx1">
-                    <a:lumMod val="65000"/>
-                    <a:lumOff val="35000"/>
-                  </a:schemeClr>
-                </a:solidFill>
-                <a:effectLst/>
-                <a:latin typeface="Consolas" panose="020B0609020204030204" pitchFamily="49" charset="0"/>
-              </a:rPr>
-              <a:t>}</a:t>
-            </a:r>
-          </a:p>
-          <a:p>
-            <a:pPr marL="0" indent="0">
-              <a:buNone/>
-            </a:pPr>
-            <a:endParaRPr lang="de-DE" dirty="0"/>
-          </a:p>
-        </p:txBody>
-      </p:sp>
-      <p:sp>
-        <p:nvSpPr>
-          <p:cNvPr id="4" name="Text Placeholder 3">
-            <a:extLst>
-              <a:ext uri="{FF2B5EF4-FFF2-40B4-BE49-F238E27FC236}">
-                <a16:creationId xmlns:a16="http://schemas.microsoft.com/office/drawing/2014/main" id="{54FBECF2-D6BC-4DAB-BF74-C26ED7D4F111}"/>
-              </a:ext>
-            </a:extLst>
-          </p:cNvPr>
-          <p:cNvSpPr>
-            <a:spLocks noGrp="1"/>
-          </p:cNvSpPr>
-          <p:nvPr>
-            <p:ph type="body" sz="half" idx="2"/>
-          </p:nvPr>
-        </p:nvSpPr>
-        <p:spPr/>
-        <p:txBody>
-          <a:bodyPr/>
-          <a:lstStyle/>
-          <a:p>
-            <a:endParaRPr lang="de-DE"/>
-          </a:p>
-        </p:txBody>
-      </p:sp>
-    </p:spTree>
-    <p:extLst>
-      <p:ext uri="{BB962C8B-B14F-4D97-AF65-F5344CB8AC3E}">
-        <p14:creationId xmlns:p14="http://schemas.microsoft.com/office/powerpoint/2010/main" val="408980979"/>
-      </p:ext>
-    </p:extLst>
-  </p:cSld>
-  <p:clrMapOvr>
-    <a:masterClrMapping/>
-  </p:clrMapOvr>
-  <mc:AlternateContent xmlns:mc="http://schemas.openxmlformats.org/markup-compatibility/2006" xmlns:p14="http://schemas.microsoft.com/office/powerpoint/2010/main">
-    <mc:Choice Requires="p14">
-      <p:transition spd="med" p14:dur="700">
-        <p:fade/>
-      </p:transition>
-    </mc:Choice>
-    <mc:Fallback xmlns="">
-      <p:transition spd="med">
-        <p:fade/>
-      </p:transition>
-    </mc:Fallback>
-  </mc:AlternateContent>
-</p:sld>
-</file>
-
-<file path=ppt/slides/slide14.xml><?xml version="1.0" encoding="utf-8"?>
-<p:sld xmlns:a="http://schemas.openxmlformats.org/drawingml/2006/main" xmlns:r="http://schemas.openxmlformats.org/officeDocument/2006/relationships" xmlns:p="http://schemas.openxmlformats.org/presentationml/2006/main">
-  <p:cSld>
-    <p:spTree>
-      <p:nvGrpSpPr>
-        <p:cNvPr id="1" name=""/>
-        <p:cNvGrpSpPr/>
-        <p:nvPr/>
-      </p:nvGrpSpPr>
-      <p:grpSpPr>
-        <a:xfrm>
-          <a:off x="0" y="0"/>
-          <a:ext cx="0" cy="0"/>
-          <a:chOff x="0" y="0"/>
-          <a:chExt cx="0" cy="0"/>
-        </a:xfrm>
-      </p:grpSpPr>
-      <p:sp>
-        <p:nvSpPr>
-          <p:cNvPr id="2" name="Title 1">
-            <a:extLst>
-              <a:ext uri="{FF2B5EF4-FFF2-40B4-BE49-F238E27FC236}">
-                <a16:creationId xmlns:a16="http://schemas.microsoft.com/office/drawing/2014/main" id="{2150E2F0-1FD7-4667-9E9A-31AB3BCEF06B}"/>
-              </a:ext>
-            </a:extLst>
-          </p:cNvPr>
-          <p:cNvSpPr>
-            <a:spLocks noGrp="1"/>
-          </p:cNvSpPr>
-          <p:nvPr>
-            <p:ph type="title"/>
-          </p:nvPr>
-        </p:nvSpPr>
-        <p:spPr/>
-        <p:txBody>
-          <a:bodyPr/>
-          <a:lstStyle/>
-          <a:p>
-            <a:r>
-              <a:rPr lang="de-DE" dirty="0"/>
-              <a:t>The Query – </a:t>
-            </a:r>
-            <a:r>
-              <a:rPr lang="de-DE" dirty="0" err="1"/>
-              <a:t>Example</a:t>
-            </a:r>
-            <a:r>
-              <a:rPr lang="de-DE" dirty="0"/>
-              <a:t> Response</a:t>
-            </a:r>
-          </a:p>
-        </p:txBody>
-      </p:sp>
-      <p:sp>
-        <p:nvSpPr>
-          <p:cNvPr id="3" name="Content Placeholder 2">
-            <a:extLst>
-              <a:ext uri="{FF2B5EF4-FFF2-40B4-BE49-F238E27FC236}">
-                <a16:creationId xmlns:a16="http://schemas.microsoft.com/office/drawing/2014/main" id="{69103EA0-5B78-49A4-BCFF-8798962EFC93}"/>
-              </a:ext>
-            </a:extLst>
-          </p:cNvPr>
-          <p:cNvSpPr>
-            <a:spLocks noGrp="1"/>
-          </p:cNvSpPr>
-          <p:nvPr>
-            <p:ph idx="1"/>
-          </p:nvPr>
-        </p:nvSpPr>
-        <p:spPr/>
-        <p:txBody>
-          <a:bodyPr>
-            <a:normAutofit fontScale="85000" lnSpcReduction="20000"/>
-          </a:bodyPr>
-          <a:lstStyle/>
-          <a:p>
-            <a:pPr marL="0" indent="0">
-              <a:buNone/>
-            </a:pPr>
-            <a:r>
-              <a:rPr lang="en-US" sz="1400" dirty="0">
-                <a:solidFill>
-                  <a:schemeClr val="tx1">
-                    <a:lumMod val="65000"/>
-                    <a:lumOff val="35000"/>
-                  </a:schemeClr>
-                </a:solidFill>
-                <a:latin typeface="Consolas" panose="020B0609020204030204" pitchFamily="49" charset="0"/>
-              </a:rPr>
-              <a:t>{</a:t>
-            </a:r>
-          </a:p>
-          <a:p>
-            <a:pPr marL="0" indent="0">
-              <a:buNone/>
-            </a:pPr>
-            <a:r>
-              <a:rPr lang="en-US" sz="1400" dirty="0">
-                <a:solidFill>
-                  <a:schemeClr val="tx1">
-                    <a:lumMod val="65000"/>
-                    <a:lumOff val="35000"/>
-                  </a:schemeClr>
-                </a:solidFill>
-                <a:latin typeface="Consolas" panose="020B0609020204030204" pitchFamily="49" charset="0"/>
-              </a:rPr>
-              <a:t>   “</a:t>
-            </a:r>
-            <a:r>
-              <a:rPr lang="en-US" sz="1400" dirty="0" err="1">
-                <a:solidFill>
-                  <a:schemeClr val="tx1">
-                    <a:lumMod val="65000"/>
-                    <a:lumOff val="35000"/>
-                  </a:schemeClr>
-                </a:solidFill>
-                <a:latin typeface="Consolas" panose="020B0609020204030204" pitchFamily="49" charset="0"/>
-              </a:rPr>
-              <a:t>getAuthor</a:t>
-            </a:r>
-            <a:r>
-              <a:rPr lang="en-US" sz="1400" dirty="0">
-                <a:solidFill>
-                  <a:schemeClr val="tx1">
-                    <a:lumMod val="65000"/>
-                    <a:lumOff val="35000"/>
-                  </a:schemeClr>
-                </a:solidFill>
-                <a:latin typeface="Consolas" panose="020B0609020204030204" pitchFamily="49" charset="0"/>
-              </a:rPr>
-              <a:t>”: {</a:t>
-            </a:r>
-          </a:p>
-          <a:p>
-            <a:pPr marL="0" indent="0">
-              <a:buNone/>
-            </a:pPr>
-            <a:r>
-              <a:rPr lang="en-US" sz="1400" dirty="0">
-                <a:solidFill>
-                  <a:schemeClr val="tx1">
-                    <a:lumMod val="65000"/>
-                    <a:lumOff val="35000"/>
-                  </a:schemeClr>
-                </a:solidFill>
-                <a:latin typeface="Consolas" panose="020B0609020204030204" pitchFamily="49" charset="0"/>
-              </a:rPr>
-              <a:t>      “name”: “Johann Wolfgang von Goethe”,</a:t>
-            </a:r>
-          </a:p>
-          <a:p>
-            <a:pPr marL="0" indent="0">
-              <a:buNone/>
-            </a:pPr>
-            <a:r>
-              <a:rPr lang="en-US" sz="1400" dirty="0">
-                <a:solidFill>
-                  <a:schemeClr val="tx1">
-                    <a:lumMod val="65000"/>
-                    <a:lumOff val="35000"/>
-                  </a:schemeClr>
-                </a:solidFill>
-                <a:latin typeface="Consolas" panose="020B0609020204030204" pitchFamily="49" charset="0"/>
-              </a:rPr>
-              <a:t>      “posts”: [</a:t>
-            </a:r>
-          </a:p>
-          <a:p>
-            <a:pPr marL="0" indent="0">
-              <a:buNone/>
-            </a:pPr>
-            <a:r>
-              <a:rPr lang="en-US" sz="1400" dirty="0">
-                <a:solidFill>
-                  <a:schemeClr val="tx1">
-                    <a:lumMod val="65000"/>
-                    <a:lumOff val="35000"/>
-                  </a:schemeClr>
-                </a:solidFill>
-                <a:latin typeface="Consolas" panose="020B0609020204030204" pitchFamily="49" charset="0"/>
-              </a:rPr>
-              <a:t>         {</a:t>
-            </a:r>
-          </a:p>
-          <a:p>
-            <a:pPr marL="0" indent="0">
-              <a:buNone/>
-            </a:pPr>
-            <a:r>
-              <a:rPr lang="en-US" sz="1400" dirty="0">
-                <a:solidFill>
-                  <a:schemeClr val="tx1">
-                    <a:lumMod val="65000"/>
-                    <a:lumOff val="35000"/>
-                  </a:schemeClr>
-                </a:solidFill>
-                <a:latin typeface="Consolas" panose="020B0609020204030204" pitchFamily="49" charset="0"/>
-              </a:rPr>
-              <a:t>            “title”: “Faust. Eine </a:t>
-            </a:r>
-            <a:r>
-              <a:rPr lang="en-US" sz="1400" dirty="0" err="1">
-                <a:solidFill>
-                  <a:schemeClr val="tx1">
-                    <a:lumMod val="65000"/>
-                    <a:lumOff val="35000"/>
-                  </a:schemeClr>
-                </a:solidFill>
-                <a:latin typeface="Consolas" panose="020B0609020204030204" pitchFamily="49" charset="0"/>
-              </a:rPr>
-              <a:t>Tragödie</a:t>
-            </a:r>
-            <a:r>
-              <a:rPr lang="en-US" sz="1400" dirty="0">
-                <a:solidFill>
-                  <a:schemeClr val="tx1">
-                    <a:lumMod val="65000"/>
-                    <a:lumOff val="35000"/>
-                  </a:schemeClr>
-                </a:solidFill>
-                <a:latin typeface="Consolas" panose="020B0609020204030204" pitchFamily="49" charset="0"/>
-              </a:rPr>
-              <a:t>.”,</a:t>
-            </a:r>
-          </a:p>
-          <a:p>
-            <a:pPr marL="0" indent="0">
-              <a:buNone/>
-            </a:pPr>
-            <a:r>
-              <a:rPr lang="en-US" sz="1400" dirty="0">
-                <a:solidFill>
-                  <a:schemeClr val="tx1">
-                    <a:lumMod val="65000"/>
-                    <a:lumOff val="35000"/>
-                  </a:schemeClr>
-                </a:solidFill>
-                <a:latin typeface="Consolas" panose="020B0609020204030204" pitchFamily="49" charset="0"/>
-              </a:rPr>
-              <a:t>            “author”: {</a:t>
-            </a:r>
-          </a:p>
-          <a:p>
-            <a:pPr marL="0" indent="0">
-              <a:buNone/>
-            </a:pPr>
-            <a:r>
-              <a:rPr lang="en-US" sz="1400" dirty="0">
-                <a:solidFill>
-                  <a:schemeClr val="tx1">
-                    <a:lumMod val="65000"/>
-                    <a:lumOff val="35000"/>
-                  </a:schemeClr>
-                </a:solidFill>
-                <a:latin typeface="Consolas" panose="020B0609020204030204" pitchFamily="49" charset="0"/>
-              </a:rPr>
-              <a:t>               “name”: “Johann Wolfgang von Goethe”</a:t>
-            </a:r>
-            <a:endParaRPr lang="en-US" sz="1400" dirty="0">
-              <a:solidFill>
-                <a:schemeClr val="accent6">
-                  <a:lumMod val="75000"/>
-                </a:schemeClr>
-              </a:solidFill>
-              <a:latin typeface="Consolas" panose="020B0609020204030204" pitchFamily="49" charset="0"/>
-            </a:endParaRPr>
-          </a:p>
-          <a:p>
-            <a:pPr marL="0" indent="0">
-              <a:buNone/>
-            </a:pPr>
-            <a:r>
-              <a:rPr lang="en-US" sz="1400" dirty="0">
-                <a:solidFill>
-                  <a:schemeClr val="tx1">
-                    <a:lumMod val="65000"/>
-                    <a:lumOff val="35000"/>
-                  </a:schemeClr>
-                </a:solidFill>
-                <a:latin typeface="Consolas" panose="020B0609020204030204" pitchFamily="49" charset="0"/>
-              </a:rPr>
-              <a:t>            }</a:t>
-            </a:r>
-          </a:p>
-          <a:p>
-            <a:pPr marL="0" indent="0">
-              <a:buNone/>
-            </a:pPr>
-            <a:r>
-              <a:rPr lang="en-US" sz="1400" dirty="0">
-                <a:solidFill>
-                  <a:schemeClr val="tx1">
-                    <a:lumMod val="65000"/>
-                    <a:lumOff val="35000"/>
-                  </a:schemeClr>
-                </a:solidFill>
-                <a:latin typeface="Consolas" panose="020B0609020204030204" pitchFamily="49" charset="0"/>
-              </a:rPr>
-              <a:t>         },</a:t>
-            </a:r>
-          </a:p>
-          <a:p>
-            <a:pPr marL="0" indent="0">
-              <a:buNone/>
-            </a:pPr>
-            <a:r>
-              <a:rPr lang="en-US" sz="1400" dirty="0">
-                <a:solidFill>
-                  <a:schemeClr val="tx1">
-                    <a:lumMod val="65000"/>
-                    <a:lumOff val="35000"/>
-                  </a:schemeClr>
-                </a:solidFill>
-                <a:latin typeface="Consolas" panose="020B0609020204030204" pitchFamily="49" charset="0"/>
-              </a:rPr>
-              <a:t>         {</a:t>
-            </a:r>
-          </a:p>
-          <a:p>
-            <a:pPr marL="0" indent="0">
-              <a:buNone/>
-            </a:pPr>
-            <a:r>
-              <a:rPr lang="en-US" sz="1400" dirty="0">
-                <a:solidFill>
-                  <a:schemeClr val="tx1">
-                    <a:lumMod val="65000"/>
-                    <a:lumOff val="35000"/>
-                  </a:schemeClr>
-                </a:solidFill>
-                <a:latin typeface="Consolas" panose="020B0609020204030204" pitchFamily="49" charset="0"/>
-              </a:rPr>
-              <a:t>            “title”: “</a:t>
-            </a:r>
-            <a:r>
-              <a:rPr lang="de-DE" sz="1400" dirty="0">
-                <a:solidFill>
-                  <a:schemeClr val="tx1">
-                    <a:lumMod val="65000"/>
-                    <a:lumOff val="35000"/>
-                  </a:schemeClr>
-                </a:solidFill>
-                <a:latin typeface="Consolas" panose="020B0609020204030204" pitchFamily="49" charset="0"/>
-              </a:rPr>
-              <a:t>Faust. Der Tragödie zweiter Teil“,</a:t>
-            </a:r>
-          </a:p>
-          <a:p>
-            <a:pPr marL="0" indent="0">
-              <a:buNone/>
-            </a:pPr>
-            <a:r>
-              <a:rPr lang="en-US" sz="1400" dirty="0">
-                <a:solidFill>
-                  <a:schemeClr val="tx1">
-                    <a:lumMod val="65000"/>
-                    <a:lumOff val="35000"/>
-                  </a:schemeClr>
-                </a:solidFill>
-                <a:latin typeface="Consolas" panose="020B0609020204030204" pitchFamily="49" charset="0"/>
-              </a:rPr>
-              <a:t>            “author”: {</a:t>
-            </a:r>
-          </a:p>
-          <a:p>
-            <a:pPr marL="0" indent="0">
-              <a:buNone/>
-            </a:pPr>
-            <a:r>
-              <a:rPr lang="en-US" sz="1400" dirty="0">
-                <a:solidFill>
-                  <a:schemeClr val="tx1">
-                    <a:lumMod val="65000"/>
-                    <a:lumOff val="35000"/>
-                  </a:schemeClr>
-                </a:solidFill>
-                <a:latin typeface="Consolas" panose="020B0609020204030204" pitchFamily="49" charset="0"/>
-              </a:rPr>
-              <a:t>               “name”: “Johann Wolfgang von Goethe”</a:t>
-            </a:r>
-          </a:p>
-          <a:p>
-            <a:pPr marL="0" indent="0">
-              <a:buNone/>
-            </a:pPr>
-            <a:r>
-              <a:rPr lang="en-US" sz="1400" dirty="0">
-                <a:solidFill>
-                  <a:schemeClr val="tx1">
-                    <a:lumMod val="65000"/>
-                    <a:lumOff val="35000"/>
-                  </a:schemeClr>
-                </a:solidFill>
-                <a:latin typeface="Consolas" panose="020B0609020204030204" pitchFamily="49" charset="0"/>
-              </a:rPr>
-              <a:t>            }</a:t>
-            </a:r>
-          </a:p>
-          <a:p>
-            <a:pPr marL="0" indent="0">
-              <a:buNone/>
-            </a:pPr>
-            <a:r>
-              <a:rPr lang="en-US" sz="1400" dirty="0">
-                <a:solidFill>
-                  <a:schemeClr val="tx1">
-                    <a:lumMod val="65000"/>
-                    <a:lumOff val="35000"/>
-                  </a:schemeClr>
-                </a:solidFill>
-                <a:latin typeface="Consolas" panose="020B0609020204030204" pitchFamily="49" charset="0"/>
-              </a:rPr>
-              <a:t>         }</a:t>
-            </a:r>
-          </a:p>
-          <a:p>
-            <a:pPr marL="0" indent="0">
-              <a:buNone/>
-            </a:pPr>
-            <a:r>
-              <a:rPr lang="en-US" sz="1400" dirty="0">
-                <a:solidFill>
-                  <a:schemeClr val="tx1">
-                    <a:lumMod val="65000"/>
-                    <a:lumOff val="35000"/>
-                  </a:schemeClr>
-                </a:solidFill>
-                <a:latin typeface="Consolas" panose="020B0609020204030204" pitchFamily="49" charset="0"/>
-              </a:rPr>
-              <a:t>      ]</a:t>
-            </a:r>
-          </a:p>
-          <a:p>
-            <a:pPr marL="0" indent="0">
-              <a:buNone/>
-            </a:pPr>
-            <a:r>
-              <a:rPr lang="en-US" sz="1400" dirty="0">
-                <a:solidFill>
-                  <a:schemeClr val="tx1">
-                    <a:lumMod val="65000"/>
-                    <a:lumOff val="35000"/>
-                  </a:schemeClr>
-                </a:solidFill>
-                <a:latin typeface="Consolas" panose="020B0609020204030204" pitchFamily="49" charset="0"/>
-              </a:rPr>
-              <a:t>   }</a:t>
-            </a:r>
-          </a:p>
-          <a:p>
-            <a:pPr marL="0" indent="0">
-              <a:buNone/>
-            </a:pPr>
-            <a:r>
-              <a:rPr lang="en-US" sz="1400" dirty="0">
-                <a:solidFill>
-                  <a:schemeClr val="tx1">
-                    <a:lumMod val="65000"/>
-                    <a:lumOff val="35000"/>
-                  </a:schemeClr>
-                </a:solidFill>
-                <a:latin typeface="Consolas" panose="020B0609020204030204" pitchFamily="49" charset="0"/>
-              </a:rPr>
-              <a:t>}</a:t>
-            </a:r>
-          </a:p>
-          <a:p>
-            <a:pPr marL="0" indent="0">
-              <a:buNone/>
-            </a:pPr>
-            <a:endParaRPr lang="de-DE" sz="1100" dirty="0"/>
-          </a:p>
-        </p:txBody>
-      </p:sp>
-      <p:sp>
-        <p:nvSpPr>
-          <p:cNvPr id="4" name="Text Placeholder 3">
-            <a:extLst>
-              <a:ext uri="{FF2B5EF4-FFF2-40B4-BE49-F238E27FC236}">
-                <a16:creationId xmlns:a16="http://schemas.microsoft.com/office/drawing/2014/main" id="{89DD1C8B-98DD-49DD-8746-57C58CD6FD83}"/>
-              </a:ext>
-            </a:extLst>
-          </p:cNvPr>
-          <p:cNvSpPr>
-            <a:spLocks noGrp="1"/>
-          </p:cNvSpPr>
-          <p:nvPr>
-            <p:ph type="body" sz="half" idx="2"/>
-          </p:nvPr>
-        </p:nvSpPr>
-        <p:spPr/>
-        <p:txBody>
-          <a:bodyPr/>
-          <a:lstStyle/>
-          <a:p>
-            <a:endParaRPr lang="de-DE"/>
-          </a:p>
-        </p:txBody>
-      </p:sp>
-    </p:spTree>
-    <p:extLst>
-      <p:ext uri="{BB962C8B-B14F-4D97-AF65-F5344CB8AC3E}">
-        <p14:creationId xmlns:p14="http://schemas.microsoft.com/office/powerpoint/2010/main" val="2739111071"/>
-      </p:ext>
-    </p:extLst>
-  </p:cSld>
-  <p:clrMapOvr>
-    <a:masterClrMapping/>
-  </p:clrMapOvr>
-  <mc:AlternateContent xmlns:mc="http://schemas.openxmlformats.org/markup-compatibility/2006" xmlns:p14="http://schemas.microsoft.com/office/powerpoint/2010/main">
-    <mc:Choice Requires="p14">
-      <p:transition spd="med" p14:dur="700">
-        <p:fade/>
-      </p:transition>
-    </mc:Choice>
-    <mc:Fallback xmlns="">
-      <p:transition spd="med">
-        <p:fade/>
-      </p:transition>
-    </mc:Fallback>
-  </mc:AlternateContent>
-</p:sld>
-</file>
-
-<file path=ppt/slides/slide15.xml><?xml version="1.0" encoding="utf-8"?>
-<p:sld xmlns:a="http://schemas.openxmlformats.org/drawingml/2006/main" xmlns:r="http://schemas.openxmlformats.org/officeDocument/2006/relationships" xmlns:p="http://schemas.openxmlformats.org/presentationml/2006/main">
-  <p:cSld>
-    <p:spTree>
-      <p:nvGrpSpPr>
-        <p:cNvPr id="1" name=""/>
-        <p:cNvGrpSpPr/>
-        <p:nvPr/>
-      </p:nvGrpSpPr>
-      <p:grpSpPr>
-        <a:xfrm>
-          <a:off x="0" y="0"/>
-          <a:ext cx="0" cy="0"/>
-          <a:chOff x="0" y="0"/>
-          <a:chExt cx="0" cy="0"/>
-        </a:xfrm>
-      </p:grpSpPr>
-      <p:sp>
-        <p:nvSpPr>
-          <p:cNvPr id="5" name="Title 4">
-            <a:extLst>
-              <a:ext uri="{FF2B5EF4-FFF2-40B4-BE49-F238E27FC236}">
-                <a16:creationId xmlns:a16="http://schemas.microsoft.com/office/drawing/2014/main" id="{530EB04D-EBC5-4C76-89DE-97FB0DC73D48}"/>
-              </a:ext>
-            </a:extLst>
-          </p:cNvPr>
-          <p:cNvSpPr>
-            <a:spLocks noGrp="1"/>
-          </p:cNvSpPr>
-          <p:nvPr>
-            <p:ph type="title"/>
-          </p:nvPr>
-        </p:nvSpPr>
-        <p:spPr/>
-        <p:txBody>
-          <a:bodyPr/>
-          <a:lstStyle/>
-          <a:p>
-            <a:r>
-              <a:rPr lang="de-DE" dirty="0"/>
-              <a:t>The </a:t>
-            </a:r>
-            <a:r>
-              <a:rPr lang="de-DE" dirty="0" err="1"/>
-              <a:t>Execution</a:t>
-            </a:r>
-            <a:endParaRPr lang="de-DE" dirty="0"/>
-          </a:p>
-        </p:txBody>
-      </p:sp>
-      <p:sp>
-        <p:nvSpPr>
-          <p:cNvPr id="6" name="Content Placeholder 5">
-            <a:extLst>
-              <a:ext uri="{FF2B5EF4-FFF2-40B4-BE49-F238E27FC236}">
-                <a16:creationId xmlns:a16="http://schemas.microsoft.com/office/drawing/2014/main" id="{D7717451-9C13-4749-9817-7A69942A57A6}"/>
-              </a:ext>
-            </a:extLst>
-          </p:cNvPr>
-          <p:cNvSpPr>
-            <a:spLocks noGrp="1"/>
-          </p:cNvSpPr>
-          <p:nvPr>
-            <p:ph idx="1"/>
-          </p:nvPr>
-        </p:nvSpPr>
-        <p:spPr/>
-        <p:txBody>
-          <a:bodyPr/>
-          <a:lstStyle/>
-          <a:p>
-            <a:r>
-              <a:rPr lang="de-DE" dirty="0"/>
-              <a:t>The Query-</a:t>
-            </a:r>
-            <a:r>
-              <a:rPr lang="de-DE" dirty="0" err="1"/>
-              <a:t>Execution</a:t>
-            </a:r>
-            <a:r>
-              <a:rPr lang="de-DE" dirty="0"/>
-              <a:t> </a:t>
-            </a:r>
-            <a:r>
-              <a:rPr lang="de-DE" dirty="0" err="1"/>
-              <a:t>happens</a:t>
-            </a:r>
-            <a:r>
-              <a:rPr lang="de-DE" dirty="0"/>
-              <a:t> in </a:t>
-            </a:r>
-            <a:r>
-              <a:rPr lang="de-DE" dirty="0" err="1"/>
-              <a:t>three</a:t>
-            </a:r>
-            <a:r>
-              <a:rPr lang="de-DE" dirty="0"/>
-              <a:t> </a:t>
-            </a:r>
-            <a:r>
-              <a:rPr lang="de-DE" dirty="0" err="1"/>
-              <a:t>steps</a:t>
-            </a:r>
-            <a:r>
-              <a:rPr lang="de-DE" dirty="0"/>
-              <a:t>:</a:t>
-            </a:r>
-          </a:p>
-          <a:p>
-            <a:pPr lvl="1"/>
-            <a:r>
-              <a:rPr lang="de-DE" dirty="0"/>
-              <a:t>Parse</a:t>
-            </a:r>
-          </a:p>
-          <a:p>
-            <a:pPr lvl="1"/>
-            <a:r>
-              <a:rPr lang="de-DE" dirty="0" err="1"/>
-              <a:t>Validate</a:t>
-            </a:r>
-            <a:endParaRPr lang="de-DE" dirty="0"/>
-          </a:p>
-          <a:p>
-            <a:pPr lvl="1"/>
-            <a:r>
-              <a:rPr lang="de-DE" dirty="0"/>
-              <a:t>Execute</a:t>
-            </a:r>
-          </a:p>
-          <a:p>
-            <a:r>
-              <a:rPr lang="de-DE" dirty="0" err="1"/>
-              <a:t>For</a:t>
-            </a:r>
-            <a:r>
-              <a:rPr lang="de-DE" dirty="0"/>
-              <a:t> </a:t>
-            </a:r>
-            <a:r>
-              <a:rPr lang="de-DE" dirty="0" err="1"/>
-              <a:t>every</a:t>
-            </a:r>
-            <a:r>
-              <a:rPr lang="de-DE" dirty="0"/>
-              <a:t> </a:t>
-            </a:r>
-            <a:r>
-              <a:rPr lang="de-DE" dirty="0" err="1"/>
-              <a:t>query</a:t>
-            </a:r>
-            <a:r>
-              <a:rPr lang="de-DE" dirty="0"/>
-              <a:t> an </a:t>
-            </a:r>
-            <a:r>
-              <a:rPr lang="de-DE" dirty="0" err="1"/>
-              <a:t>abstract</a:t>
-            </a:r>
-            <a:r>
-              <a:rPr lang="de-DE" dirty="0"/>
-              <a:t> </a:t>
-            </a:r>
-            <a:r>
-              <a:rPr lang="de-DE" dirty="0" err="1"/>
-              <a:t>syntax</a:t>
-            </a:r>
-            <a:r>
-              <a:rPr lang="de-DE" dirty="0"/>
-              <a:t> </a:t>
-            </a:r>
-            <a:r>
-              <a:rPr lang="de-DE" dirty="0" err="1"/>
-              <a:t>tree</a:t>
-            </a:r>
-            <a:r>
-              <a:rPr lang="de-DE" dirty="0"/>
-              <a:t> </a:t>
-            </a:r>
-            <a:r>
-              <a:rPr lang="de-DE" dirty="0" err="1"/>
-              <a:t>is</a:t>
-            </a:r>
-            <a:r>
-              <a:rPr lang="de-DE" dirty="0"/>
-              <a:t> </a:t>
-            </a:r>
-            <a:r>
-              <a:rPr lang="de-DE" dirty="0" err="1"/>
-              <a:t>built</a:t>
-            </a:r>
-            <a:r>
-              <a:rPr lang="de-DE" dirty="0"/>
-              <a:t> (Parse)</a:t>
-            </a:r>
-          </a:p>
-          <a:p>
-            <a:r>
-              <a:rPr lang="de-DE" dirty="0"/>
-              <a:t>The </a:t>
-            </a:r>
-            <a:r>
-              <a:rPr lang="de-DE" dirty="0" err="1"/>
-              <a:t>executor</a:t>
-            </a:r>
-            <a:r>
-              <a:rPr lang="de-DE" dirty="0"/>
-              <a:t> </a:t>
-            </a:r>
-            <a:r>
-              <a:rPr lang="de-DE" dirty="0" err="1"/>
-              <a:t>then</a:t>
-            </a:r>
-            <a:r>
-              <a:rPr lang="de-DE" dirty="0"/>
-              <a:t> </a:t>
-            </a:r>
-            <a:r>
-              <a:rPr lang="de-DE" dirty="0" err="1"/>
-              <a:t>calls</a:t>
-            </a:r>
-            <a:r>
-              <a:rPr lang="de-DE" dirty="0"/>
-              <a:t> </a:t>
-            </a:r>
-            <a:r>
-              <a:rPr lang="de-DE" dirty="0" err="1"/>
-              <a:t>every</a:t>
-            </a:r>
-            <a:r>
-              <a:rPr lang="de-DE" dirty="0"/>
-              <a:t> </a:t>
-            </a:r>
-            <a:r>
-              <a:rPr lang="de-DE" dirty="0" err="1"/>
-              <a:t>node‘s</a:t>
-            </a:r>
-            <a:r>
-              <a:rPr lang="de-DE" dirty="0"/>
-              <a:t> </a:t>
-            </a:r>
-            <a:r>
-              <a:rPr lang="de-DE" dirty="0" err="1"/>
-              <a:t>resolve</a:t>
-            </a:r>
-            <a:r>
-              <a:rPr lang="de-DE" dirty="0"/>
-              <a:t> </a:t>
-            </a:r>
-            <a:r>
-              <a:rPr lang="de-DE" dirty="0" err="1"/>
-              <a:t>function</a:t>
-            </a:r>
-            <a:r>
-              <a:rPr lang="de-DE" dirty="0"/>
-              <a:t> </a:t>
-            </a:r>
-            <a:r>
-              <a:rPr lang="de-DE" dirty="0" err="1"/>
-              <a:t>from</a:t>
-            </a:r>
-            <a:r>
-              <a:rPr lang="de-DE" dirty="0"/>
-              <a:t> </a:t>
-            </a:r>
-            <a:r>
-              <a:rPr lang="de-DE" dirty="0" err="1"/>
-              <a:t>the</a:t>
-            </a:r>
-            <a:r>
-              <a:rPr lang="de-DE" dirty="0"/>
-              <a:t> top </a:t>
-            </a:r>
-            <a:r>
-              <a:rPr lang="de-DE" dirty="0" err="1"/>
-              <a:t>to</a:t>
-            </a:r>
-            <a:r>
-              <a:rPr lang="de-DE" dirty="0"/>
-              <a:t> </a:t>
-            </a:r>
-            <a:r>
-              <a:rPr lang="de-DE" dirty="0" err="1"/>
-              <a:t>the</a:t>
-            </a:r>
-            <a:r>
-              <a:rPr lang="de-DE" dirty="0"/>
-              <a:t> </a:t>
-            </a:r>
-            <a:r>
-              <a:rPr lang="de-DE" dirty="0" err="1"/>
-              <a:t>bottom</a:t>
-            </a:r>
-            <a:r>
-              <a:rPr lang="de-DE" dirty="0"/>
-              <a:t> </a:t>
-            </a:r>
-            <a:r>
-              <a:rPr lang="de-DE" dirty="0" err="1"/>
-              <a:t>until</a:t>
-            </a:r>
-            <a:r>
-              <a:rPr lang="de-DE" dirty="0"/>
-              <a:t> all </a:t>
-            </a:r>
-            <a:r>
-              <a:rPr lang="de-DE" dirty="0" err="1"/>
-              <a:t>types</a:t>
-            </a:r>
-            <a:r>
-              <a:rPr lang="de-DE" dirty="0"/>
-              <a:t> </a:t>
-            </a:r>
-            <a:r>
-              <a:rPr lang="de-DE" dirty="0" err="1"/>
-              <a:t>are</a:t>
-            </a:r>
-            <a:r>
-              <a:rPr lang="de-DE" dirty="0"/>
-              <a:t> </a:t>
-            </a:r>
-            <a:r>
-              <a:rPr lang="de-DE" dirty="0" err="1"/>
-              <a:t>resolved</a:t>
-            </a:r>
-            <a:r>
-              <a:rPr lang="de-DE" dirty="0"/>
-              <a:t> </a:t>
-            </a:r>
-            <a:r>
-              <a:rPr lang="de-DE" dirty="0" err="1"/>
-              <a:t>into</a:t>
-            </a:r>
-            <a:r>
-              <a:rPr lang="de-DE" dirty="0"/>
-              <a:t> </a:t>
-            </a:r>
-            <a:r>
-              <a:rPr lang="de-DE" dirty="0" err="1"/>
-              <a:t>scalar</a:t>
-            </a:r>
-            <a:r>
-              <a:rPr lang="de-DE" dirty="0"/>
-              <a:t> </a:t>
-            </a:r>
-            <a:r>
-              <a:rPr lang="de-DE" dirty="0" err="1"/>
-              <a:t>types</a:t>
-            </a:r>
-            <a:endParaRPr lang="de-DE" dirty="0"/>
-          </a:p>
-        </p:txBody>
-      </p:sp>
-    </p:spTree>
-    <p:extLst>
-      <p:ext uri="{BB962C8B-B14F-4D97-AF65-F5344CB8AC3E}">
-        <p14:creationId xmlns:p14="http://schemas.microsoft.com/office/powerpoint/2010/main" val="2879331559"/>
-      </p:ext>
-    </p:extLst>
-  </p:cSld>
-  <p:clrMapOvr>
-    <a:masterClrMapping/>
-  </p:clrMapOvr>
-  <mc:AlternateContent xmlns:mc="http://schemas.openxmlformats.org/markup-compatibility/2006" xmlns:p14="http://schemas.microsoft.com/office/powerpoint/2010/main">
-    <mc:Choice Requires="p14">
-      <p:transition spd="med" p14:dur="700">
-        <p:fade/>
-      </p:transition>
-    </mc:Choice>
-    <mc:Fallback xmlns="">
-      <p:transition spd="med">
-        <p:fade/>
-      </p:transition>
-    </mc:Fallback>
-  </mc:AlternateContent>
-</p:sld>
-</file>
-
-<file path=ppt/slides/slide16.xml><?xml version="1.0" encoding="utf-8"?>
-<p:sld xmlns:a="http://schemas.openxmlformats.org/drawingml/2006/main" xmlns:r="http://schemas.openxmlformats.org/officeDocument/2006/relationships" xmlns:p="http://schemas.openxmlformats.org/presentationml/2006/main">
-  <p:cSld>
-    <p:spTree>
-      <p:nvGrpSpPr>
-        <p:cNvPr id="1" name=""/>
-        <p:cNvGrpSpPr/>
-        <p:nvPr/>
-      </p:nvGrpSpPr>
-      <p:grpSpPr>
-        <a:xfrm>
-          <a:off x="0" y="0"/>
-          <a:ext cx="0" cy="0"/>
-          <a:chOff x="0" y="0"/>
-          <a:chExt cx="0" cy="0"/>
-        </a:xfrm>
-      </p:grpSpPr>
-      <p:sp>
-        <p:nvSpPr>
-          <p:cNvPr id="4" name="Title 3">
-            <a:extLst>
-              <a:ext uri="{FF2B5EF4-FFF2-40B4-BE49-F238E27FC236}">
-                <a16:creationId xmlns:a16="http://schemas.microsoft.com/office/drawing/2014/main" id="{58992B7D-1D2E-4892-A0CA-57CCEA3D4928}"/>
-              </a:ext>
-            </a:extLst>
-          </p:cNvPr>
-          <p:cNvSpPr>
-            <a:spLocks noGrp="1"/>
-          </p:cNvSpPr>
-          <p:nvPr>
-            <p:ph type="title"/>
-          </p:nvPr>
-        </p:nvSpPr>
-        <p:spPr/>
-        <p:txBody>
-          <a:bodyPr/>
-          <a:lstStyle/>
-          <a:p>
-            <a:r>
-              <a:rPr lang="de-DE" dirty="0"/>
-              <a:t>The </a:t>
-            </a:r>
-            <a:r>
-              <a:rPr lang="de-DE" dirty="0" err="1"/>
-              <a:t>Execution</a:t>
-            </a:r>
-            <a:r>
-              <a:rPr lang="de-DE" dirty="0"/>
-              <a:t> – </a:t>
-            </a:r>
-            <a:r>
-              <a:rPr lang="de-DE" dirty="0" err="1"/>
-              <a:t>Example</a:t>
-            </a:r>
-            <a:endParaRPr lang="de-DE" dirty="0"/>
-          </a:p>
-        </p:txBody>
-      </p:sp>
-      <p:pic>
-        <p:nvPicPr>
-          <p:cNvPr id="8" name="Content Placeholder 7">
-            <a:extLst>
-              <a:ext uri="{FF2B5EF4-FFF2-40B4-BE49-F238E27FC236}">
-                <a16:creationId xmlns:a16="http://schemas.microsoft.com/office/drawing/2014/main" id="{0D6CC119-FA9A-4D88-B65A-5941D956E131}"/>
-              </a:ext>
-            </a:extLst>
-          </p:cNvPr>
-          <p:cNvPicPr>
-            <a:picLocks noGrp="1" noChangeAspect="1"/>
-          </p:cNvPicPr>
-          <p:nvPr>
-            <p:ph idx="1"/>
-          </p:nvPr>
-        </p:nvPicPr>
-        <p:blipFill>
-          <a:blip r:embed="rId2"/>
-          <a:stretch>
-            <a:fillRect/>
-          </a:stretch>
-        </p:blipFill>
-        <p:spPr>
-          <a:xfrm>
-            <a:off x="5183188" y="1280458"/>
-            <a:ext cx="6172200" cy="4287558"/>
-          </a:xfrm>
-        </p:spPr>
-      </p:pic>
-      <p:sp>
-        <p:nvSpPr>
-          <p:cNvPr id="6" name="Text Placeholder 5">
-            <a:extLst>
-              <a:ext uri="{FF2B5EF4-FFF2-40B4-BE49-F238E27FC236}">
-                <a16:creationId xmlns:a16="http://schemas.microsoft.com/office/drawing/2014/main" id="{0701242D-4A8F-4D67-A555-8BCEA393AB85}"/>
-              </a:ext>
-            </a:extLst>
-          </p:cNvPr>
-          <p:cNvSpPr>
-            <a:spLocks noGrp="1"/>
-          </p:cNvSpPr>
-          <p:nvPr>
-            <p:ph type="body" sz="half" idx="2"/>
-          </p:nvPr>
-        </p:nvSpPr>
-        <p:spPr/>
-        <p:txBody>
-          <a:bodyPr/>
-          <a:lstStyle/>
-          <a:p>
-            <a:endParaRPr lang="de-DE"/>
-          </a:p>
-        </p:txBody>
-      </p:sp>
-    </p:spTree>
-    <p:extLst>
-      <p:ext uri="{BB962C8B-B14F-4D97-AF65-F5344CB8AC3E}">
-        <p14:creationId xmlns:p14="http://schemas.microsoft.com/office/powerpoint/2010/main" val="1319813637"/>
-      </p:ext>
-    </p:extLst>
-  </p:cSld>
-  <p:clrMapOvr>
-    <a:masterClrMapping/>
-  </p:clrMapOvr>
-  <mc:AlternateContent xmlns:mc="http://schemas.openxmlformats.org/markup-compatibility/2006" xmlns:p14="http://schemas.microsoft.com/office/powerpoint/2010/main">
-    <mc:Choice Requires="p14">
-      <p:transition spd="med" p14:dur="700">
-        <p:fade/>
-      </p:transition>
-    </mc:Choice>
-    <mc:Fallback xmlns="">
-      <p:transition spd="med">
-        <p:fade/>
-      </p:transition>
-    </mc:Fallback>
-  </mc:AlternateContent>
-</p:sld>
-</file>
-
-<file path=ppt/slides/slide17.xml><?xml version="1.0" encoding="utf-8"?>
-<p:sld xmlns:a="http://schemas.openxmlformats.org/drawingml/2006/main" xmlns:r="http://schemas.openxmlformats.org/officeDocument/2006/relationships" xmlns:p="http://schemas.openxmlformats.org/presentationml/2006/main">
-  <p:cSld>
-    <p:spTree>
-      <p:nvGrpSpPr>
-        <p:cNvPr id="1" name=""/>
-        <p:cNvGrpSpPr/>
-        <p:nvPr/>
-      </p:nvGrpSpPr>
-      <p:grpSpPr>
-        <a:xfrm>
-          <a:off x="0" y="0"/>
-          <a:ext cx="0" cy="0"/>
-          <a:chOff x="0" y="0"/>
-          <a:chExt cx="0" cy="0"/>
-        </a:xfrm>
-      </p:grpSpPr>
-      <p:sp>
-        <p:nvSpPr>
-          <p:cNvPr id="5" name="Title 4">
-            <a:extLst>
-              <a:ext uri="{FF2B5EF4-FFF2-40B4-BE49-F238E27FC236}">
-                <a16:creationId xmlns:a16="http://schemas.microsoft.com/office/drawing/2014/main" id="{0AC70725-0EEA-4BB6-ACE3-8A5A725EBE6D}"/>
-              </a:ext>
-            </a:extLst>
-          </p:cNvPr>
-          <p:cNvSpPr>
-            <a:spLocks noGrp="1"/>
-          </p:cNvSpPr>
-          <p:nvPr>
-            <p:ph type="title"/>
-          </p:nvPr>
-        </p:nvSpPr>
-        <p:spPr/>
-        <p:txBody>
-          <a:bodyPr/>
-          <a:lstStyle/>
-          <a:p>
-            <a:r>
-              <a:rPr lang="de-DE" dirty="0"/>
-              <a:t>GraphQL vs. REST</a:t>
-            </a:r>
-          </a:p>
-        </p:txBody>
-      </p:sp>
-      <p:sp>
-        <p:nvSpPr>
-          <p:cNvPr id="6" name="Text Placeholder 5">
-            <a:extLst>
-              <a:ext uri="{FF2B5EF4-FFF2-40B4-BE49-F238E27FC236}">
-                <a16:creationId xmlns:a16="http://schemas.microsoft.com/office/drawing/2014/main" id="{7A372A14-5333-41DE-A24C-2CA2AAEB18DC}"/>
-              </a:ext>
-            </a:extLst>
-          </p:cNvPr>
-          <p:cNvSpPr>
-            <a:spLocks noGrp="1"/>
-          </p:cNvSpPr>
-          <p:nvPr>
-            <p:ph type="body" idx="1"/>
-          </p:nvPr>
-        </p:nvSpPr>
-        <p:spPr/>
-        <p:txBody>
-          <a:bodyPr/>
-          <a:lstStyle/>
-          <a:p>
-            <a:r>
-              <a:rPr lang="de-DE" dirty="0" err="1"/>
-              <a:t>Some</a:t>
-            </a:r>
-            <a:r>
-              <a:rPr lang="de-DE" dirty="0"/>
-              <a:t> Advantages </a:t>
-            </a:r>
-            <a:r>
-              <a:rPr lang="de-DE" dirty="0" err="1"/>
-              <a:t>of</a:t>
-            </a:r>
-            <a:r>
-              <a:rPr lang="de-DE" dirty="0"/>
-              <a:t> GraphQL</a:t>
-            </a:r>
-          </a:p>
-        </p:txBody>
-      </p:sp>
-      <p:sp>
-        <p:nvSpPr>
-          <p:cNvPr id="7" name="Content Placeholder 6">
-            <a:extLst>
-              <a:ext uri="{FF2B5EF4-FFF2-40B4-BE49-F238E27FC236}">
-                <a16:creationId xmlns:a16="http://schemas.microsoft.com/office/drawing/2014/main" id="{26E99ABF-4100-4480-B468-11062D8B48E7}"/>
-              </a:ext>
-            </a:extLst>
-          </p:cNvPr>
-          <p:cNvSpPr>
-            <a:spLocks noGrp="1"/>
-          </p:cNvSpPr>
-          <p:nvPr>
-            <p:ph sz="half" idx="2"/>
-          </p:nvPr>
-        </p:nvSpPr>
-        <p:spPr/>
-        <p:txBody>
-          <a:bodyPr/>
-          <a:lstStyle/>
-          <a:p>
-            <a:r>
-              <a:rPr lang="de-DE" dirty="0"/>
-              <a:t>Clients </a:t>
-            </a:r>
-            <a:r>
-              <a:rPr lang="de-DE" dirty="0" err="1"/>
-              <a:t>can</a:t>
-            </a:r>
-            <a:r>
-              <a:rPr lang="de-DE" dirty="0"/>
-              <a:t> </a:t>
-            </a:r>
-            <a:r>
-              <a:rPr lang="de-DE" dirty="0" err="1"/>
-              <a:t>exactly</a:t>
-            </a:r>
-            <a:r>
-              <a:rPr lang="de-DE" dirty="0"/>
-              <a:t> </a:t>
-            </a:r>
-            <a:r>
-              <a:rPr lang="de-DE" dirty="0" err="1"/>
-              <a:t>decide</a:t>
-            </a:r>
-            <a:r>
-              <a:rPr lang="de-DE" dirty="0"/>
-              <a:t> </a:t>
-            </a:r>
-            <a:r>
-              <a:rPr lang="de-DE" dirty="0" err="1"/>
-              <a:t>which</a:t>
-            </a:r>
-            <a:r>
-              <a:rPr lang="de-DE" dirty="0"/>
-              <a:t> </a:t>
-            </a:r>
-            <a:r>
-              <a:rPr lang="de-DE" dirty="0" err="1"/>
-              <a:t>data</a:t>
-            </a:r>
-            <a:r>
-              <a:rPr lang="de-DE" dirty="0"/>
-              <a:t> </a:t>
-            </a:r>
-            <a:r>
-              <a:rPr lang="de-DE" dirty="0" err="1"/>
-              <a:t>they</a:t>
-            </a:r>
-            <a:r>
-              <a:rPr lang="de-DE" dirty="0"/>
-              <a:t> </a:t>
-            </a:r>
-            <a:r>
-              <a:rPr lang="de-DE" dirty="0" err="1"/>
-              <a:t>need</a:t>
-            </a:r>
-            <a:r>
-              <a:rPr lang="de-DE" dirty="0"/>
-              <a:t> (and </a:t>
-            </a:r>
-            <a:r>
-              <a:rPr lang="de-DE" dirty="0" err="1"/>
-              <a:t>want</a:t>
-            </a:r>
-            <a:r>
-              <a:rPr lang="de-DE" dirty="0"/>
-              <a:t>)</a:t>
-            </a:r>
-          </a:p>
-          <a:p>
-            <a:r>
-              <a:rPr lang="de-DE" dirty="0"/>
-              <a:t>Joints, </a:t>
-            </a:r>
-            <a:r>
-              <a:rPr lang="de-DE" dirty="0" err="1"/>
-              <a:t>filtering</a:t>
-            </a:r>
-            <a:r>
-              <a:rPr lang="de-DE" dirty="0"/>
-              <a:t>, </a:t>
-            </a:r>
-            <a:r>
-              <a:rPr lang="de-DE" dirty="0" err="1"/>
-              <a:t>argument</a:t>
-            </a:r>
-            <a:r>
-              <a:rPr lang="de-DE" dirty="0"/>
-              <a:t> </a:t>
-            </a:r>
-            <a:r>
-              <a:rPr lang="de-DE" dirty="0" err="1"/>
-              <a:t>validation</a:t>
-            </a:r>
-            <a:r>
-              <a:rPr lang="de-DE" dirty="0"/>
-              <a:t> (etc.) </a:t>
-            </a:r>
-            <a:r>
-              <a:rPr lang="de-DE" dirty="0" err="1"/>
-              <a:t>are</a:t>
-            </a:r>
-            <a:r>
-              <a:rPr lang="de-DE" dirty="0"/>
-              <a:t> </a:t>
-            </a:r>
-            <a:r>
-              <a:rPr lang="de-DE" dirty="0" err="1"/>
-              <a:t>much</a:t>
-            </a:r>
-            <a:r>
-              <a:rPr lang="de-DE" dirty="0"/>
-              <a:t> </a:t>
-            </a:r>
-            <a:r>
-              <a:rPr lang="de-DE" dirty="0" err="1"/>
-              <a:t>easier</a:t>
-            </a:r>
-            <a:endParaRPr lang="de-DE" dirty="0"/>
-          </a:p>
-          <a:p>
-            <a:r>
-              <a:rPr lang="de-DE" dirty="0" err="1"/>
-              <a:t>You</a:t>
-            </a:r>
-            <a:r>
-              <a:rPr lang="de-DE" dirty="0"/>
-              <a:t> do not </a:t>
-            </a:r>
-            <a:r>
-              <a:rPr lang="de-DE" dirty="0" err="1"/>
-              <a:t>need</a:t>
-            </a:r>
-            <a:r>
-              <a:rPr lang="de-DE" dirty="0"/>
-              <a:t> a own URL </a:t>
-            </a:r>
-            <a:r>
-              <a:rPr lang="de-DE" dirty="0" err="1"/>
-              <a:t>for</a:t>
-            </a:r>
-            <a:r>
-              <a:rPr lang="de-DE" dirty="0"/>
-              <a:t> </a:t>
-            </a:r>
-            <a:r>
-              <a:rPr lang="de-DE" dirty="0" err="1"/>
-              <a:t>every</a:t>
-            </a:r>
-            <a:r>
-              <a:rPr lang="de-DE" dirty="0"/>
-              <a:t> </a:t>
-            </a:r>
-            <a:r>
-              <a:rPr lang="de-DE" dirty="0" err="1"/>
-              <a:t>resource</a:t>
-            </a:r>
-            <a:r>
-              <a:rPr lang="de-DE" dirty="0"/>
-              <a:t> </a:t>
-            </a:r>
-            <a:r>
-              <a:rPr lang="de-DE" dirty="0" err="1"/>
-              <a:t>action</a:t>
-            </a:r>
-            <a:endParaRPr lang="de-DE" dirty="0"/>
-          </a:p>
-        </p:txBody>
-      </p:sp>
-      <p:sp>
-        <p:nvSpPr>
-          <p:cNvPr id="8" name="Text Placeholder 7">
-            <a:extLst>
-              <a:ext uri="{FF2B5EF4-FFF2-40B4-BE49-F238E27FC236}">
-                <a16:creationId xmlns:a16="http://schemas.microsoft.com/office/drawing/2014/main" id="{5A7F2D97-3F4F-4444-ABD5-812AFEDDD747}"/>
-              </a:ext>
-            </a:extLst>
-          </p:cNvPr>
-          <p:cNvSpPr>
-            <a:spLocks noGrp="1"/>
-          </p:cNvSpPr>
-          <p:nvPr>
-            <p:ph type="body" sz="quarter" idx="3"/>
-          </p:nvPr>
-        </p:nvSpPr>
-        <p:spPr/>
-        <p:txBody>
-          <a:bodyPr/>
-          <a:lstStyle/>
-          <a:p>
-            <a:r>
-              <a:rPr lang="de-DE" dirty="0"/>
-              <a:t> </a:t>
-            </a:r>
-            <a:r>
-              <a:rPr lang="de-DE" dirty="0" err="1"/>
-              <a:t>Some</a:t>
-            </a:r>
-            <a:r>
-              <a:rPr lang="de-DE" dirty="0"/>
-              <a:t> </a:t>
-            </a:r>
-            <a:r>
-              <a:rPr lang="de-DE" dirty="0" err="1"/>
-              <a:t>Disadvantages</a:t>
-            </a:r>
-            <a:r>
-              <a:rPr lang="de-DE" dirty="0"/>
-              <a:t> </a:t>
-            </a:r>
-            <a:r>
-              <a:rPr lang="de-DE" dirty="0" err="1"/>
-              <a:t>of</a:t>
-            </a:r>
-            <a:r>
-              <a:rPr lang="de-DE" dirty="0"/>
-              <a:t> GraphQL</a:t>
-            </a:r>
-          </a:p>
-        </p:txBody>
-      </p:sp>
-      <p:sp>
-        <p:nvSpPr>
-          <p:cNvPr id="9" name="Content Placeholder 8">
-            <a:extLst>
-              <a:ext uri="{FF2B5EF4-FFF2-40B4-BE49-F238E27FC236}">
-                <a16:creationId xmlns:a16="http://schemas.microsoft.com/office/drawing/2014/main" id="{295FD2B7-08D6-4E70-901C-0ED7BD411F55}"/>
-              </a:ext>
-            </a:extLst>
-          </p:cNvPr>
-          <p:cNvSpPr>
-            <a:spLocks noGrp="1"/>
-          </p:cNvSpPr>
-          <p:nvPr>
-            <p:ph sz="quarter" idx="4"/>
-          </p:nvPr>
-        </p:nvSpPr>
-        <p:spPr/>
-        <p:txBody>
-          <a:bodyPr/>
-          <a:lstStyle/>
-          <a:p>
-            <a:r>
-              <a:rPr lang="de-DE" dirty="0"/>
-              <a:t>A </a:t>
-            </a:r>
-            <a:r>
-              <a:rPr lang="de-DE" dirty="0" err="1"/>
-              <a:t>possible</a:t>
-            </a:r>
-            <a:r>
-              <a:rPr lang="de-DE" dirty="0"/>
-              <a:t> </a:t>
-            </a:r>
-            <a:r>
-              <a:rPr lang="de-DE" dirty="0" err="1"/>
-              <a:t>overhead</a:t>
-            </a:r>
-            <a:r>
-              <a:rPr lang="de-DE" dirty="0"/>
-              <a:t> </a:t>
-            </a:r>
-            <a:r>
-              <a:rPr lang="de-DE" dirty="0" err="1"/>
-              <a:t>throughout</a:t>
-            </a:r>
-            <a:r>
-              <a:rPr lang="de-DE" dirty="0"/>
-              <a:t> </a:t>
-            </a:r>
-            <a:r>
-              <a:rPr lang="de-DE" dirty="0" err="1"/>
-              <a:t>the</a:t>
-            </a:r>
-            <a:r>
-              <a:rPr lang="de-DE" dirty="0"/>
-              <a:t> </a:t>
-            </a:r>
-            <a:r>
-              <a:rPr lang="de-DE" dirty="0" err="1"/>
-              <a:t>execution</a:t>
-            </a:r>
-            <a:endParaRPr lang="de-DE" dirty="0"/>
-          </a:p>
-        </p:txBody>
-      </p:sp>
-    </p:spTree>
-    <p:extLst>
-      <p:ext uri="{BB962C8B-B14F-4D97-AF65-F5344CB8AC3E}">
-        <p14:creationId xmlns:p14="http://schemas.microsoft.com/office/powerpoint/2010/main" val="1045264040"/>
-      </p:ext>
-    </p:extLst>
-  </p:cSld>
-  <p:clrMapOvr>
-    <a:masterClrMapping/>
-  </p:clrMapOvr>
-  <mc:AlternateContent xmlns:mc="http://schemas.openxmlformats.org/markup-compatibility/2006" xmlns:p14="http://schemas.microsoft.com/office/powerpoint/2010/main">
-    <mc:Choice Requires="p14">
-      <p:transition spd="med" p14:dur="700">
-        <p:fade/>
-      </p:transition>
-    </mc:Choice>
-    <mc:Fallback xmlns="">
-      <p:transition spd="med">
-        <p:fade/>
-      </p:transition>
-    </mc:Fallback>
-  </mc:AlternateContent>
-</p:sld>
-</file>
-
-<file path=ppt/slides/slide18.xml><?xml version="1.0" encoding="utf-8"?>
-<p:sld xmlns:a="http://schemas.openxmlformats.org/drawingml/2006/main" xmlns:r="http://schemas.openxmlformats.org/officeDocument/2006/relationships" xmlns:p="http://schemas.openxmlformats.org/presentationml/2006/main">
-  <p:cSld>
-    <p:spTree>
-      <p:nvGrpSpPr>
-        <p:cNvPr id="1" name=""/>
-        <p:cNvGrpSpPr/>
-        <p:nvPr/>
-      </p:nvGrpSpPr>
-      <p:grpSpPr>
-        <a:xfrm>
-          <a:off x="0" y="0"/>
-          <a:ext cx="0" cy="0"/>
-          <a:chOff x="0" y="0"/>
-          <a:chExt cx="0" cy="0"/>
-        </a:xfrm>
-      </p:grpSpPr>
-      <p:sp>
-        <p:nvSpPr>
-          <p:cNvPr id="2" name="Title 1">
-            <a:extLst>
-              <a:ext uri="{FF2B5EF4-FFF2-40B4-BE49-F238E27FC236}">
-                <a16:creationId xmlns:a16="http://schemas.microsoft.com/office/drawing/2014/main" id="{05338554-B2AD-4890-B3C9-3315D0316063}"/>
-              </a:ext>
-            </a:extLst>
-          </p:cNvPr>
-          <p:cNvSpPr>
-            <a:spLocks noGrp="1"/>
-          </p:cNvSpPr>
-          <p:nvPr>
-            <p:ph type="title"/>
-          </p:nvPr>
-        </p:nvSpPr>
-        <p:spPr/>
-        <p:txBody>
-          <a:bodyPr/>
-          <a:lstStyle/>
-          <a:p>
-            <a:r>
-              <a:rPr lang="de-DE" dirty="0" err="1"/>
-              <a:t>How</a:t>
-            </a:r>
-            <a:r>
-              <a:rPr lang="de-DE" dirty="0"/>
-              <a:t> </a:t>
-            </a:r>
-            <a:r>
-              <a:rPr lang="de-DE" dirty="0" err="1"/>
-              <a:t>can</a:t>
-            </a:r>
-            <a:r>
-              <a:rPr lang="de-DE" dirty="0"/>
-              <a:t> </a:t>
-            </a:r>
-            <a:r>
-              <a:rPr lang="de-DE" dirty="0" err="1"/>
-              <a:t>one</a:t>
-            </a:r>
-            <a:r>
-              <a:rPr lang="de-DE" dirty="0"/>
-              <a:t> </a:t>
-            </a:r>
-            <a:r>
-              <a:rPr lang="de-DE" dirty="0" err="1"/>
-              <a:t>use</a:t>
-            </a:r>
-            <a:r>
-              <a:rPr lang="de-DE" dirty="0"/>
-              <a:t> GraphQL?</a:t>
-            </a:r>
-          </a:p>
-        </p:txBody>
-      </p:sp>
-      <p:sp>
-        <p:nvSpPr>
-          <p:cNvPr id="4" name="Text Placeholder 3">
-            <a:extLst>
-              <a:ext uri="{FF2B5EF4-FFF2-40B4-BE49-F238E27FC236}">
-                <a16:creationId xmlns:a16="http://schemas.microsoft.com/office/drawing/2014/main" id="{9457A7B8-1B07-4186-AF1F-F7A9B6B68D92}"/>
-              </a:ext>
-            </a:extLst>
-          </p:cNvPr>
-          <p:cNvSpPr>
-            <a:spLocks noGrp="1"/>
-          </p:cNvSpPr>
-          <p:nvPr>
-            <p:ph type="body" idx="1"/>
-          </p:nvPr>
-        </p:nvSpPr>
-        <p:spPr/>
-        <p:txBody>
-          <a:bodyPr/>
-          <a:lstStyle/>
-          <a:p>
-            <a:endParaRPr lang="de-DE"/>
-          </a:p>
-        </p:txBody>
-      </p:sp>
-    </p:spTree>
-    <p:extLst>
-      <p:ext uri="{BB962C8B-B14F-4D97-AF65-F5344CB8AC3E}">
-        <p14:creationId xmlns:p14="http://schemas.microsoft.com/office/powerpoint/2010/main" val="1408370654"/>
-      </p:ext>
-    </p:extLst>
-  </p:cSld>
-  <p:clrMapOvr>
-    <a:masterClrMapping/>
-  </p:clrMapOvr>
-  <mc:AlternateContent xmlns:mc="http://schemas.openxmlformats.org/markup-compatibility/2006" xmlns:p14="http://schemas.microsoft.com/office/powerpoint/2010/main">
-    <mc:Choice Requires="p14">
-      <p:transition spd="med" p14:dur="700">
-        <p:fade/>
-      </p:transition>
-    </mc:Choice>
-    <mc:Fallback xmlns="">
-      <p:transition spd="med">
-        <p:fade/>
-      </p:transition>
-    </mc:Fallback>
-  </mc:AlternateContent>
-</p:sld>
-</file>
-
-<file path=ppt/slides/slide19.xml><?xml version="1.0" encoding="utf-8"?>
-<p:sld xmlns:a="http://schemas.openxmlformats.org/drawingml/2006/main" xmlns:r="http://schemas.openxmlformats.org/officeDocument/2006/relationships" xmlns:p="http://schemas.openxmlformats.org/presentationml/2006/main">
-  <p:cSld>
-    <p:spTree>
-      <p:nvGrpSpPr>
-        <p:cNvPr id="1" name=""/>
-        <p:cNvGrpSpPr/>
-        <p:nvPr/>
-      </p:nvGrpSpPr>
-      <p:grpSpPr>
-        <a:xfrm>
-          <a:off x="0" y="0"/>
-          <a:ext cx="0" cy="0"/>
-          <a:chOff x="0" y="0"/>
-          <a:chExt cx="0" cy="0"/>
-        </a:xfrm>
-      </p:grpSpPr>
-      <p:sp>
-        <p:nvSpPr>
-          <p:cNvPr id="4" name="Title 3">
-            <a:extLst>
-              <a:ext uri="{FF2B5EF4-FFF2-40B4-BE49-F238E27FC236}">
-                <a16:creationId xmlns:a16="http://schemas.microsoft.com/office/drawing/2014/main" id="{A29740E9-C838-4DCC-BA86-0DF8553578E3}"/>
-              </a:ext>
-            </a:extLst>
-          </p:cNvPr>
-          <p:cNvSpPr>
-            <a:spLocks noGrp="1"/>
-          </p:cNvSpPr>
-          <p:nvPr>
-            <p:ph type="title"/>
-          </p:nvPr>
-        </p:nvSpPr>
-        <p:spPr/>
-        <p:txBody>
-          <a:bodyPr/>
-          <a:lstStyle/>
-          <a:p>
-            <a:endParaRPr lang="de-DE"/>
-          </a:p>
-        </p:txBody>
-      </p:sp>
-      <p:sp>
-        <p:nvSpPr>
-          <p:cNvPr id="5" name="Content Placeholder 4">
-            <a:extLst>
-              <a:ext uri="{FF2B5EF4-FFF2-40B4-BE49-F238E27FC236}">
-                <a16:creationId xmlns:a16="http://schemas.microsoft.com/office/drawing/2014/main" id="{530E03C2-2A83-464C-A8FE-A5E033A369C1}"/>
-              </a:ext>
-            </a:extLst>
-          </p:cNvPr>
-          <p:cNvSpPr>
-            <a:spLocks noGrp="1"/>
-          </p:cNvSpPr>
-          <p:nvPr>
-            <p:ph idx="1"/>
-          </p:nvPr>
-        </p:nvSpPr>
-        <p:spPr/>
-        <p:txBody>
-          <a:bodyPr/>
-          <a:lstStyle/>
-          <a:p>
-            <a:endParaRPr lang="de-DE"/>
-          </a:p>
-        </p:txBody>
-      </p:sp>
-    </p:spTree>
-    <p:extLst>
-      <p:ext uri="{BB962C8B-B14F-4D97-AF65-F5344CB8AC3E}">
-        <p14:creationId xmlns:p14="http://schemas.microsoft.com/office/powerpoint/2010/main" val="2339177575"/>
-      </p:ext>
-    </p:extLst>
-  </p:cSld>
-  <p:clrMapOvr>
-    <a:masterClrMapping/>
-  </p:clrMapOvr>
-  <mc:AlternateContent xmlns:mc="http://schemas.openxmlformats.org/markup-compatibility/2006" xmlns:p14="http://schemas.microsoft.com/office/powerpoint/2010/main">
-    <mc:Choice Requires="p14">
-      <p:transition spd="med" p14:dur="700">
-        <p:fade/>
-      </p:transition>
-    </mc:Choice>
-    <mc:Fallback xmlns="">
-      <p:transition spd="med">
-        <p:fade/>
-      </p:transition>
-    </mc:Fallback>
-  </mc:AlternateContent>
-</p:sld>
-</file>
-
-<file path=ppt/slides/slide2.xml><?xml version="1.0" encoding="utf-8"?>
-<p:sld xmlns:a="http://schemas.openxmlformats.org/drawingml/2006/main" xmlns:r="http://schemas.openxmlformats.org/officeDocument/2006/relationships" xmlns:p="http://schemas.openxmlformats.org/presentationml/2006/main">
-  <p:cSld>
-    <p:spTree>
-      <p:nvGrpSpPr>
-        <p:cNvPr id="1" name=""/>
-        <p:cNvGrpSpPr/>
-        <p:nvPr/>
-      </p:nvGrpSpPr>
-      <p:grpSpPr>
-        <a:xfrm>
-          <a:off x="0" y="0"/>
-          <a:ext cx="0" cy="0"/>
-          <a:chOff x="0" y="0"/>
-          <a:chExt cx="0" cy="0"/>
-        </a:xfrm>
-      </p:grpSpPr>
-      <p:sp>
-        <p:nvSpPr>
-          <p:cNvPr id="2" name="Title 1">
-            <a:extLst>
-              <a:ext uri="{FF2B5EF4-FFF2-40B4-BE49-F238E27FC236}">
-                <a16:creationId xmlns:a16="http://schemas.microsoft.com/office/drawing/2014/main" id="{F76EA308-47D9-40F9-9E1B-434064712F26}"/>
-              </a:ext>
-            </a:extLst>
-          </p:cNvPr>
-          <p:cNvSpPr>
-            <a:spLocks noGrp="1"/>
-          </p:cNvSpPr>
-          <p:nvPr>
-            <p:ph type="title"/>
-          </p:nvPr>
-        </p:nvSpPr>
-        <p:spPr/>
-        <p:txBody>
-          <a:bodyPr/>
-          <a:lstStyle/>
-          <a:p>
-            <a:r>
-              <a:rPr lang="de-DE" dirty="0" err="1">
-                <a:solidFill>
-                  <a:srgbClr val="E10098"/>
-                </a:solidFill>
-              </a:rPr>
-              <a:t>Procedure</a:t>
-            </a:r>
-            <a:endParaRPr lang="de-DE" dirty="0">
-              <a:solidFill>
-                <a:srgbClr val="E10098"/>
-              </a:solidFill>
-            </a:endParaRPr>
-          </a:p>
-        </p:txBody>
-      </p:sp>
-      <p:sp>
-        <p:nvSpPr>
-          <p:cNvPr id="3" name="Content Placeholder 2">
-            <a:extLst>
-              <a:ext uri="{FF2B5EF4-FFF2-40B4-BE49-F238E27FC236}">
-                <a16:creationId xmlns:a16="http://schemas.microsoft.com/office/drawing/2014/main" id="{B49C6763-BC42-4438-B34F-552EC13D8AED}"/>
-              </a:ext>
-            </a:extLst>
-          </p:cNvPr>
-          <p:cNvSpPr>
-            <a:spLocks noGrp="1"/>
-          </p:cNvSpPr>
-          <p:nvPr>
-            <p:ph idx="1"/>
-          </p:nvPr>
-        </p:nvSpPr>
-        <p:spPr/>
-        <p:txBody>
-          <a:bodyPr/>
-          <a:lstStyle/>
-          <a:p>
-            <a:r>
-              <a:rPr lang="de-DE" dirty="0" err="1">
-                <a:solidFill>
-                  <a:srgbClr val="E10098"/>
-                </a:solidFill>
-              </a:rPr>
-              <a:t>What</a:t>
-            </a:r>
-            <a:r>
-              <a:rPr lang="de-DE" dirty="0">
-                <a:solidFill>
-                  <a:srgbClr val="E10098"/>
-                </a:solidFill>
-              </a:rPr>
-              <a:t> </a:t>
-            </a:r>
-            <a:r>
-              <a:rPr lang="de-DE" dirty="0" err="1">
-                <a:solidFill>
-                  <a:srgbClr val="E10098"/>
-                </a:solidFill>
-              </a:rPr>
-              <a:t>is</a:t>
-            </a:r>
-            <a:r>
-              <a:rPr lang="de-DE" dirty="0">
-                <a:solidFill>
-                  <a:srgbClr val="E10098"/>
-                </a:solidFill>
-              </a:rPr>
-              <a:t> GraphQL? </a:t>
-            </a:r>
-            <a:br>
-              <a:rPr lang="de-DE" dirty="0">
-                <a:solidFill>
-                  <a:srgbClr val="E10098"/>
-                </a:solidFill>
-              </a:rPr>
-            </a:br>
-            <a:r>
-              <a:rPr lang="de-DE" dirty="0" err="1">
-                <a:solidFill>
-                  <a:srgbClr val="E10098"/>
-                </a:solidFill>
-              </a:rPr>
-              <a:t>How</a:t>
-            </a:r>
-            <a:r>
-              <a:rPr lang="de-DE" dirty="0">
-                <a:solidFill>
-                  <a:srgbClr val="E10098"/>
-                </a:solidFill>
-              </a:rPr>
-              <a:t> </a:t>
-            </a:r>
-            <a:r>
-              <a:rPr lang="de-DE" dirty="0" err="1">
-                <a:solidFill>
-                  <a:srgbClr val="E10098"/>
-                </a:solidFill>
-              </a:rPr>
-              <a:t>does</a:t>
-            </a:r>
-            <a:r>
-              <a:rPr lang="de-DE" dirty="0">
-                <a:solidFill>
-                  <a:srgbClr val="E10098"/>
-                </a:solidFill>
-              </a:rPr>
-              <a:t> GraphQL </a:t>
-            </a:r>
-            <a:r>
-              <a:rPr lang="de-DE" dirty="0" err="1">
-                <a:solidFill>
-                  <a:srgbClr val="E10098"/>
-                </a:solidFill>
-              </a:rPr>
-              <a:t>work</a:t>
-            </a:r>
-            <a:r>
-              <a:rPr lang="de-DE" dirty="0">
-                <a:solidFill>
-                  <a:srgbClr val="E10098"/>
-                </a:solidFill>
-              </a:rPr>
-              <a:t>?</a:t>
-            </a:r>
-          </a:p>
-          <a:p>
-            <a:r>
-              <a:rPr lang="de-DE" dirty="0" err="1">
-                <a:solidFill>
-                  <a:srgbClr val="E10098"/>
-                </a:solidFill>
-              </a:rPr>
-              <a:t>How</a:t>
-            </a:r>
-            <a:r>
-              <a:rPr lang="de-DE" dirty="0">
-                <a:solidFill>
-                  <a:srgbClr val="E10098"/>
-                </a:solidFill>
-              </a:rPr>
-              <a:t> </a:t>
-            </a:r>
-            <a:r>
-              <a:rPr lang="de-DE" dirty="0" err="1">
-                <a:solidFill>
-                  <a:srgbClr val="E10098"/>
-                </a:solidFill>
-              </a:rPr>
-              <a:t>can</a:t>
-            </a:r>
-            <a:r>
-              <a:rPr lang="de-DE" dirty="0">
-                <a:solidFill>
-                  <a:srgbClr val="E10098"/>
-                </a:solidFill>
-              </a:rPr>
-              <a:t> </a:t>
-            </a:r>
-            <a:r>
-              <a:rPr lang="de-DE" dirty="0" err="1">
-                <a:solidFill>
-                  <a:srgbClr val="E10098"/>
-                </a:solidFill>
-              </a:rPr>
-              <a:t>one</a:t>
-            </a:r>
-            <a:r>
-              <a:rPr lang="de-DE" dirty="0">
-                <a:solidFill>
-                  <a:srgbClr val="E10098"/>
-                </a:solidFill>
-              </a:rPr>
-              <a:t> </a:t>
-            </a:r>
-            <a:r>
-              <a:rPr lang="de-DE" dirty="0" err="1">
-                <a:solidFill>
-                  <a:srgbClr val="E10098"/>
-                </a:solidFill>
-              </a:rPr>
-              <a:t>use</a:t>
-            </a:r>
-            <a:r>
-              <a:rPr lang="de-DE" dirty="0">
-                <a:solidFill>
-                  <a:srgbClr val="E10098"/>
-                </a:solidFill>
-              </a:rPr>
-              <a:t> GraphQL?</a:t>
-            </a:r>
-          </a:p>
-          <a:p>
-            <a:r>
-              <a:rPr lang="de-DE" dirty="0">
-                <a:solidFill>
-                  <a:srgbClr val="E10098"/>
-                </a:solidFill>
-              </a:rPr>
-              <a:t>Working </a:t>
-            </a:r>
-            <a:r>
-              <a:rPr lang="de-DE" dirty="0" err="1">
-                <a:solidFill>
-                  <a:srgbClr val="E10098"/>
-                </a:solidFill>
-              </a:rPr>
-              <a:t>with</a:t>
-            </a:r>
-            <a:r>
-              <a:rPr lang="de-DE" dirty="0">
-                <a:solidFill>
-                  <a:srgbClr val="E10098"/>
-                </a:solidFill>
-              </a:rPr>
-              <a:t> GraphQL and </a:t>
-            </a:r>
-            <a:r>
-              <a:rPr lang="de-DE" dirty="0" err="1">
-                <a:solidFill>
-                  <a:srgbClr val="E10098"/>
-                </a:solidFill>
-              </a:rPr>
-              <a:t>NodeJS</a:t>
-            </a:r>
-            <a:endParaRPr lang="de-DE" dirty="0">
-              <a:solidFill>
-                <a:srgbClr val="E10098"/>
-              </a:solidFill>
-            </a:endParaRPr>
-          </a:p>
-          <a:p>
-            <a:endParaRPr lang="de-DE" dirty="0">
-              <a:solidFill>
-                <a:srgbClr val="E10098"/>
-              </a:solidFill>
-            </a:endParaRPr>
-          </a:p>
-        </p:txBody>
-      </p:sp>
-    </p:spTree>
-    <p:extLst>
-      <p:ext uri="{BB962C8B-B14F-4D97-AF65-F5344CB8AC3E}">
-        <p14:creationId xmlns:p14="http://schemas.microsoft.com/office/powerpoint/2010/main" val="1239966656"/>
+        <p14:creationId xmlns:p14="http://schemas.microsoft.com/office/powerpoint/2010/main" val="3038455164"/>
       </p:ext>
     </p:extLst>
   </p:cSld>
@@ -6898,18 +7363,9 @@
   <p:clrMapOvr>
     <a:masterClrMapping/>
   </p:clrMapOvr>
-  <mc:AlternateContent xmlns:mc="http://schemas.openxmlformats.org/markup-compatibility/2006" xmlns:p14="http://schemas.microsoft.com/office/powerpoint/2010/main">
-    <mc:Choice Requires="p14">
-      <p:transition spd="med" p14:dur="700">
-        <p:fade/>
-      </p:transition>
-    </mc:Choice>
-    <mc:Fallback xmlns="">
-      <p:transition spd="med">
-        <p:fade/>
-      </p:transition>
-    </mc:Fallback>
-  </mc:AlternateContent>
+  <p:transition spd="slow">
+    <p:cover/>
+  </p:transition>
 </p:sld>
 </file>
 
@@ -7133,18 +7589,9 @@
   <p:clrMapOvr>
     <a:masterClrMapping/>
   </p:clrMapOvr>
-  <mc:AlternateContent xmlns:mc="http://schemas.openxmlformats.org/markup-compatibility/2006" xmlns:p14="http://schemas.microsoft.com/office/powerpoint/2010/main">
-    <mc:Choice Requires="p14">
-      <p:transition spd="med" p14:dur="700">
-        <p:fade/>
-      </p:transition>
-    </mc:Choice>
-    <mc:Fallback xmlns="">
-      <p:transition spd="med">
-        <p:fade/>
-      </p:transition>
-    </mc:Fallback>
-  </mc:AlternateContent>
+  <p:transition spd="slow">
+    <p:cover/>
+  </p:transition>
 </p:sld>
 </file>
 
@@ -7588,18 +8035,9 @@
   <p:clrMapOvr>
     <a:masterClrMapping/>
   </p:clrMapOvr>
-  <mc:AlternateContent xmlns:mc="http://schemas.openxmlformats.org/markup-compatibility/2006" xmlns:p14="http://schemas.microsoft.com/office/powerpoint/2010/main">
-    <mc:Choice Requires="p14">
-      <p:transition spd="med" p14:dur="700">
-        <p:fade/>
-      </p:transition>
-    </mc:Choice>
-    <mc:Fallback xmlns="">
-      <p:transition spd="med">
-        <p:fade/>
-      </p:transition>
-    </mc:Fallback>
-  </mc:AlternateContent>
+  <p:transition spd="slow">
+    <p:cover/>
+  </p:transition>
 </p:sld>
 </file>
 
@@ -7933,18 +8371,9 @@
   <p:clrMapOvr>
     <a:masterClrMapping/>
   </p:clrMapOvr>
-  <mc:AlternateContent xmlns:mc="http://schemas.openxmlformats.org/markup-compatibility/2006" xmlns:p14="http://schemas.microsoft.com/office/powerpoint/2010/main">
-    <mc:Choice Requires="p14">
-      <p:transition spd="med" p14:dur="700">
-        <p:fade/>
-      </p:transition>
-    </mc:Choice>
-    <mc:Fallback xmlns="">
-      <p:transition spd="med">
-        <p:fade/>
-      </p:transition>
-    </mc:Fallback>
-  </mc:AlternateContent>
+  <p:transition spd="slow">
+    <p:cover/>
+  </p:transition>
 </p:sld>
 </file>
 
@@ -8271,18 +8700,9 @@
   <p:clrMapOvr>
     <a:masterClrMapping/>
   </p:clrMapOvr>
-  <mc:AlternateContent xmlns:mc="http://schemas.openxmlformats.org/markup-compatibility/2006" xmlns:p14="http://schemas.microsoft.com/office/powerpoint/2010/main">
-    <mc:Choice Requires="p14">
-      <p:transition spd="med" p14:dur="700">
-        <p:fade/>
-      </p:transition>
-    </mc:Choice>
-    <mc:Fallback xmlns="">
-      <p:transition spd="med">
-        <p:fade/>
-      </p:transition>
-    </mc:Fallback>
-  </mc:AlternateContent>
+  <p:transition spd="slow">
+    <p:cover/>
+  </p:transition>
 </p:sld>
 </file>
 
@@ -9218,18 +9638,9 @@
   <p:clrMapOvr>
     <a:masterClrMapping/>
   </p:clrMapOvr>
-  <mc:AlternateContent xmlns:mc="http://schemas.openxmlformats.org/markup-compatibility/2006" xmlns:p14="http://schemas.microsoft.com/office/powerpoint/2010/main">
-    <mc:Choice Requires="p14">
-      <p:transition spd="med" p14:dur="700">
-        <p:fade/>
-      </p:transition>
-    </mc:Choice>
-    <mc:Fallback xmlns="">
-      <p:transition spd="med">
-        <p:fade/>
-      </p:transition>
-    </mc:Fallback>
-  </mc:AlternateContent>
+  <p:transition spd="slow">
+    <p:cover/>
+  </p:transition>
 </p:sld>
 </file>
 
@@ -9307,6 +9718,42 @@
           </a:xfrm>
         </p:spPr>
       </p:pic>
+      <p:sp>
+        <p:nvSpPr>
+          <p:cNvPr id="2" name="TextBox 1">
+            <a:extLst>
+              <a:ext uri="{FF2B5EF4-FFF2-40B4-BE49-F238E27FC236}">
+                <a16:creationId xmlns:a16="http://schemas.microsoft.com/office/drawing/2014/main" id="{0D7BB3FB-77CA-4ED0-933A-957AB532F79E}"/>
+              </a:ext>
+            </a:extLst>
+          </p:cNvPr>
+          <p:cNvSpPr txBox="1"/>
+          <p:nvPr/>
+        </p:nvSpPr>
+        <p:spPr>
+          <a:xfrm>
+            <a:off x="2641760" y="6528636"/>
+            <a:ext cx="7030747" cy="261610"/>
+          </a:xfrm>
+          <a:prstGeom prst="rect">
+            <a:avLst/>
+          </a:prstGeom>
+          <a:noFill/>
+        </p:spPr>
+        <p:txBody>
+          <a:bodyPr wrap="square" rtlCol="0">
+            <a:spAutoFit/>
+          </a:bodyPr>
+          <a:lstStyle/>
+          <a:p>
+            <a:pPr algn="r"/>
+            <a:r>
+              <a:rPr lang="de-DE" sz="1100" dirty="0"/>
+              <a:t>https://cdn-images-1.medium.com/max/2000/1*HaEeoGrja2IGUxzvmj5Vnw.png</a:t>
+            </a:r>
+          </a:p>
+        </p:txBody>
+      </p:sp>
     </p:spTree>
     <p:extLst>
       <p:ext uri="{BB962C8B-B14F-4D97-AF65-F5344CB8AC3E}">
@@ -9317,18 +9764,9 @@
   <p:clrMapOvr>
     <a:masterClrMapping/>
   </p:clrMapOvr>
-  <mc:AlternateContent xmlns:mc="http://schemas.openxmlformats.org/markup-compatibility/2006" xmlns:p14="http://schemas.microsoft.com/office/powerpoint/2010/main">
-    <mc:Choice Requires="p14">
-      <p:transition spd="med" p14:dur="700">
-        <p:fade/>
-      </p:transition>
-    </mc:Choice>
-    <mc:Fallback xmlns="">
-      <p:transition spd="med">
-        <p:fade/>
-      </p:transition>
-    </mc:Fallback>
-  </mc:AlternateContent>
+  <p:transition spd="slow">
+    <p:cover/>
+  </p:transition>
 </p:sld>
 </file>
 

--- a/slides.pptx
+++ b/slides.pptx
@@ -3605,11 +3605,11 @@
   <p:clrMapOvr>
     <a:masterClrMapping/>
   </p:clrMapOvr>
-  <mc:AlternateContent xmlns:mc="http://schemas.openxmlformats.org/markup-compatibility/2006">
-    <mc:Choice xmlns:p14="http://schemas.microsoft.com/office/powerpoint/2010/main" Requires="p14">
+  <mc:AlternateContent xmlns:mc="http://schemas.openxmlformats.org/markup-compatibility/2006" xmlns:p14="http://schemas.microsoft.com/office/powerpoint/2010/main">
+    <mc:Choice Requires="p14">
       <p:transition p14:dur="0"/>
     </mc:Choice>
-    <mc:Fallback>
+    <mc:Fallback xmlns="">
       <p:transition/>
     </mc:Fallback>
   </mc:AlternateContent>
@@ -3897,14 +3897,9 @@
             <a:endParaRPr lang="de-DE" dirty="0"/>
           </a:p>
           <a:p>
-            <a:r>
-              <a:rPr lang="de-DE" dirty="0" err="1"/>
-              <a:t>Example</a:t>
-            </a:r>
-            <a:r>
-              <a:rPr lang="de-DE" dirty="0"/>
-              <a:t>:</a:t>
-            </a:r>
+            <a:pPr marL="0" indent="0">
+              <a:buNone/>
+            </a:pPr>
             <a:endParaRPr lang="en-US" sz="2000" b="0" dirty="0">
               <a:solidFill>
                 <a:schemeClr val="tx1">
@@ -3915,12 +3910,6 @@
               <a:effectLst/>
               <a:latin typeface="Consolas" panose="020B0609020204030204" pitchFamily="49" charset="0"/>
             </a:endParaRPr>
-          </a:p>
-          <a:p>
-            <a:pPr marL="0" indent="0">
-              <a:buNone/>
-            </a:pPr>
-            <a:endParaRPr lang="de-DE" dirty="0"/>
           </a:p>
         </p:txBody>
       </p:sp>
@@ -7453,6 +7442,96 @@
           <a:lstStyle/>
           <a:p>
             <a:r>
+              <a:rPr lang="de-DE" dirty="0" err="1"/>
+              <a:t>Possibility</a:t>
+            </a:r>
+            <a:r>
+              <a:rPr lang="de-DE" dirty="0"/>
+              <a:t> </a:t>
+            </a:r>
+            <a:r>
+              <a:rPr lang="de-DE" dirty="0" err="1"/>
+              <a:t>to</a:t>
+            </a:r>
+            <a:r>
+              <a:rPr lang="de-DE" dirty="0"/>
+              <a:t> </a:t>
+            </a:r>
+            <a:r>
+              <a:rPr lang="de-DE" dirty="0" err="1"/>
+              <a:t>describe</a:t>
+            </a:r>
+            <a:r>
+              <a:rPr lang="de-DE" dirty="0"/>
+              <a:t> </a:t>
+            </a:r>
+            <a:r>
+              <a:rPr lang="de-DE" dirty="0" err="1"/>
+              <a:t>your</a:t>
+            </a:r>
+            <a:r>
+              <a:rPr lang="de-DE" dirty="0"/>
+              <a:t> </a:t>
+            </a:r>
+            <a:r>
+              <a:rPr lang="de-DE" dirty="0" err="1"/>
+              <a:t>api‘s</a:t>
+            </a:r>
+            <a:r>
+              <a:rPr lang="de-DE" dirty="0"/>
+              <a:t> </a:t>
+            </a:r>
+            <a:r>
+              <a:rPr lang="de-DE" dirty="0" err="1"/>
+              <a:t>data</a:t>
+            </a:r>
+            <a:r>
+              <a:rPr lang="de-DE" dirty="0"/>
+              <a:t> and </a:t>
+            </a:r>
+            <a:r>
+              <a:rPr lang="de-DE" dirty="0" err="1"/>
+              <a:t>to</a:t>
+            </a:r>
+            <a:r>
+              <a:rPr lang="de-DE" dirty="0"/>
+              <a:t> </a:t>
+            </a:r>
+            <a:r>
+              <a:rPr lang="de-DE" dirty="0" err="1"/>
+              <a:t>provide</a:t>
+            </a:r>
+            <a:r>
+              <a:rPr lang="de-DE" dirty="0"/>
+              <a:t> </a:t>
+            </a:r>
+            <a:r>
+              <a:rPr lang="de-DE" dirty="0" err="1"/>
+              <a:t>actions</a:t>
+            </a:r>
+            <a:r>
+              <a:rPr lang="de-DE" dirty="0"/>
+              <a:t> on </a:t>
+            </a:r>
+            <a:r>
+              <a:rPr lang="de-DE" dirty="0" err="1"/>
+              <a:t>them</a:t>
+            </a:r>
+            <a:r>
+              <a:rPr lang="de-DE" dirty="0"/>
+              <a:t> </a:t>
+            </a:r>
+            <a:r>
+              <a:rPr lang="de-DE" dirty="0" err="1"/>
+              <a:t>over</a:t>
+            </a:r>
+            <a:r>
+              <a:rPr lang="de-DE" dirty="0"/>
+              <a:t> HTTP</a:t>
+            </a:r>
+          </a:p>
+          <a:p>
+            <a:r>
               <a:rPr lang="de-DE" dirty="0"/>
               <a:t>Query Language and Server-Side-</a:t>
             </a:r>
@@ -8085,7 +8164,7 @@
             </a:r>
             <a:r>
               <a:rPr lang="de-DE" dirty="0"/>
-              <a:t> an GraphQL-Service</a:t>
+              <a:t> a GraphQL-Service</a:t>
             </a:r>
           </a:p>
         </p:txBody>
@@ -8775,7 +8854,7 @@
         <p:spPr/>
         <p:txBody>
           <a:bodyPr>
-            <a:normAutofit/>
+            <a:normAutofit lnSpcReduction="10000"/>
           </a:bodyPr>
           <a:lstStyle/>
           <a:p>
@@ -8869,10 +8948,15 @@
                 <a:effectLst/>
                 <a:latin typeface="Consolas" panose="020B0609020204030204" pitchFamily="49" charset="0"/>
               </a:rPr>
-              <a:t>: </a:t>
-            </a:r>
-            <a:r>
-              <a:rPr lang="de-DE" sz="1000" b="0" dirty="0" err="1">
+              <a:t>: ID!</a:t>
+            </a:r>
+          </a:p>
+          <a:p>
+            <a:pPr marL="0" indent="0">
+              <a:buNone/>
+            </a:pPr>
+            <a:r>
+              <a:rPr lang="de-DE" sz="1000" b="0" dirty="0">
                 <a:solidFill>
                   <a:schemeClr val="tx1">
                     <a:lumMod val="65000"/>
@@ -8882,25 +8966,10 @@
                 <a:effectLst/>
                 <a:latin typeface="Consolas" panose="020B0609020204030204" pitchFamily="49" charset="0"/>
               </a:rPr>
-              <a:t>Int</a:t>
-            </a:r>
-            <a:endParaRPr lang="de-DE" sz="1000" b="0" dirty="0">
-              <a:solidFill>
-                <a:schemeClr val="tx1">
-                  <a:lumMod val="65000"/>
-                  <a:lumOff val="35000"/>
-                </a:schemeClr>
-              </a:solidFill>
-              <a:effectLst/>
-              <a:latin typeface="Consolas" panose="020B0609020204030204" pitchFamily="49" charset="0"/>
-            </a:endParaRPr>
-          </a:p>
-          <a:p>
-            <a:pPr marL="0" indent="0">
-              <a:buNone/>
-            </a:pPr>
-            <a:r>
-              <a:rPr lang="de-DE" sz="1000" b="0" dirty="0">
+              <a:t>   </a:t>
+            </a:r>
+            <a:r>
+              <a:rPr lang="de-DE" sz="1000" b="0" dirty="0" err="1">
                 <a:solidFill>
                   <a:schemeClr val="tx1">
                     <a:lumMod val="65000"/>
@@ -8910,10 +8979,10 @@
                 <a:effectLst/>
                 <a:latin typeface="Consolas" panose="020B0609020204030204" pitchFamily="49" charset="0"/>
               </a:rPr>
-              <a:t>   </a:t>
-            </a:r>
-            <a:r>
-              <a:rPr lang="de-DE" sz="1000" b="0" dirty="0" err="1">
+              <a:t>name</a:t>
+            </a:r>
+            <a:r>
+              <a:rPr lang="de-DE" sz="1000" b="0" dirty="0">
                 <a:solidFill>
                   <a:schemeClr val="tx1">
                     <a:lumMod val="65000"/>
@@ -8923,8 +8992,13 @@
                 <a:effectLst/>
                 <a:latin typeface="Consolas" panose="020B0609020204030204" pitchFamily="49" charset="0"/>
               </a:rPr>
-              <a:t>name</a:t>
-            </a:r>
+              <a:t>: String!</a:t>
+            </a:r>
+          </a:p>
+          <a:p>
+            <a:pPr marL="0" indent="0">
+              <a:buNone/>
+            </a:pPr>
             <a:r>
               <a:rPr lang="de-DE" sz="1000" b="0" dirty="0">
                 <a:solidFill>
@@ -8936,7 +9010,7 @@
                 <a:effectLst/>
                 <a:latin typeface="Consolas" panose="020B0609020204030204" pitchFamily="49" charset="0"/>
               </a:rPr>
-              <a:t>: String</a:t>
+              <a:t>   email: String</a:t>
             </a:r>
           </a:p>
           <a:p>
@@ -8954,10 +9028,35 @@
                 <a:effectLst/>
                 <a:latin typeface="Consolas" panose="020B0609020204030204" pitchFamily="49" charset="0"/>
               </a:rPr>
-              <a:t>   </a:t>
-            </a:r>
-            <a:r>
-              <a:rPr lang="de-DE" sz="1000" b="0" dirty="0" err="1">
+              <a:t>}</a:t>
+            </a:r>
+          </a:p>
+          <a:p>
+            <a:pPr marL="0" indent="0">
+              <a:buNone/>
+            </a:pPr>
+            <a:r>
+              <a:rPr lang="de-DE" sz="1000" b="0" dirty="0">
+                <a:solidFill>
+                  <a:srgbClr val="569CD6"/>
+                </a:solidFill>
+                <a:effectLst/>
+                <a:latin typeface="Consolas" panose="020B0609020204030204" pitchFamily="49" charset="0"/>
+              </a:rPr>
+              <a:t>type</a:t>
+            </a:r>
+            <a:r>
+              <a:rPr lang="de-DE" sz="1000" b="0" dirty="0">
+                <a:solidFill>
+                  <a:srgbClr val="D4D4D4"/>
+                </a:solidFill>
+                <a:effectLst/>
+                <a:latin typeface="Consolas" panose="020B0609020204030204" pitchFamily="49" charset="0"/>
+              </a:rPr>
+              <a:t> </a:t>
+            </a:r>
+            <a:r>
+              <a:rPr lang="de-DE" sz="1000" b="0" dirty="0">
                 <a:solidFill>
                   <a:schemeClr val="tx1">
                     <a:lumMod val="65000"/>
@@ -8967,8 +9066,13 @@
                 <a:effectLst/>
                 <a:latin typeface="Consolas" panose="020B0609020204030204" pitchFamily="49" charset="0"/>
               </a:rPr>
-              <a:t>posts</a:t>
-            </a:r>
+              <a:t>Post {</a:t>
+            </a:r>
+          </a:p>
+          <a:p>
+            <a:pPr marL="0" indent="0">
+              <a:buNone/>
+            </a:pPr>
             <a:r>
               <a:rPr lang="de-DE" sz="1000" b="0" dirty="0">
                 <a:solidFill>
@@ -8980,15 +9084,10 @@
                 <a:effectLst/>
                 <a:latin typeface="Consolas" panose="020B0609020204030204" pitchFamily="49" charset="0"/>
               </a:rPr>
-              <a:t>: [Post]</a:t>
-            </a:r>
-          </a:p>
-          <a:p>
-            <a:pPr marL="0" indent="0">
-              <a:buNone/>
-            </a:pPr>
-            <a:r>
-              <a:rPr lang="de-DE" sz="1000" b="0" dirty="0">
+              <a:t>   </a:t>
+            </a:r>
+            <a:r>
+              <a:rPr lang="de-DE" sz="1000" b="0" dirty="0" err="1">
                 <a:solidFill>
                   <a:schemeClr val="tx1">
                     <a:lumMod val="65000"/>
@@ -8998,32 +9097,7 @@
                 <a:effectLst/>
                 <a:latin typeface="Consolas" panose="020B0609020204030204" pitchFamily="49" charset="0"/>
               </a:rPr>
-              <a:t>}</a:t>
-            </a:r>
-          </a:p>
-          <a:p>
-            <a:pPr marL="0" indent="0">
-              <a:buNone/>
-            </a:pPr>
-            <a:r>
-              <a:rPr lang="de-DE" sz="1000" b="0" dirty="0">
-                <a:solidFill>
-                  <a:srgbClr val="569CD6"/>
-                </a:solidFill>
-                <a:effectLst/>
-                <a:latin typeface="Consolas" panose="020B0609020204030204" pitchFamily="49" charset="0"/>
-              </a:rPr>
-              <a:t>type</a:t>
-            </a:r>
-            <a:r>
-              <a:rPr lang="de-DE" sz="1000" b="0" dirty="0">
-                <a:solidFill>
-                  <a:srgbClr val="D4D4D4"/>
-                </a:solidFill>
-                <a:effectLst/>
-                <a:latin typeface="Consolas" panose="020B0609020204030204" pitchFamily="49" charset="0"/>
-              </a:rPr>
-              <a:t> </a:t>
+              <a:t>id</a:t>
             </a:r>
             <a:r>
               <a:rPr lang="de-DE" sz="1000" b="0" dirty="0">
@@ -9036,7 +9110,7 @@
                 <a:effectLst/>
                 <a:latin typeface="Consolas" panose="020B0609020204030204" pitchFamily="49" charset="0"/>
               </a:rPr>
-              <a:t>Post {</a:t>
+              <a:t>: ID!</a:t>
             </a:r>
           </a:p>
           <a:p>
@@ -9054,10 +9128,15 @@
                 <a:effectLst/>
                 <a:latin typeface="Consolas" panose="020B0609020204030204" pitchFamily="49" charset="0"/>
               </a:rPr>
-              <a:t>   </a:t>
-            </a:r>
-            <a:r>
-              <a:rPr lang="de-DE" sz="1000" b="0" dirty="0" err="1">
+              <a:t>   title: String!</a:t>
+            </a:r>
+          </a:p>
+          <a:p>
+            <a:pPr marL="0" indent="0">
+              <a:buNone/>
+            </a:pPr>
+            <a:r>
+              <a:rPr lang="de-DE" sz="1000" b="0" dirty="0">
                 <a:solidFill>
                   <a:schemeClr val="tx1">
                     <a:lumMod val="65000"/>
@@ -9067,10 +9146,10 @@
                 <a:effectLst/>
                 <a:latin typeface="Consolas" panose="020B0609020204030204" pitchFamily="49" charset="0"/>
               </a:rPr>
-              <a:t>id</a:t>
-            </a:r>
-            <a:r>
-              <a:rPr lang="de-DE" sz="1000" b="0" dirty="0">
+              <a:t>   </a:t>
+            </a:r>
+            <a:r>
+              <a:rPr lang="de-DE" sz="1000" b="0" dirty="0" err="1">
                 <a:solidFill>
                   <a:schemeClr val="tx1">
                     <a:lumMod val="65000"/>
@@ -9080,10 +9159,10 @@
                 <a:effectLst/>
                 <a:latin typeface="Consolas" panose="020B0609020204030204" pitchFamily="49" charset="0"/>
               </a:rPr>
-              <a:t>: </a:t>
-            </a:r>
-            <a:r>
-              <a:rPr lang="de-DE" sz="1000" b="0" dirty="0" err="1">
+              <a:t>text</a:t>
+            </a:r>
+            <a:r>
+              <a:rPr lang="de-DE" sz="1000" b="0" dirty="0">
                 <a:solidFill>
                   <a:schemeClr val="tx1">
                     <a:lumMod val="65000"/>
@@ -9093,18 +9172,8 @@
                 <a:effectLst/>
                 <a:latin typeface="Consolas" panose="020B0609020204030204" pitchFamily="49" charset="0"/>
               </a:rPr>
-              <a:t>Int</a:t>
-            </a:r>
-            <a:endParaRPr lang="de-DE" sz="1000" b="0" dirty="0">
-              <a:solidFill>
-                <a:schemeClr val="tx1">
-                  <a:lumMod val="65000"/>
-                  <a:lumOff val="35000"/>
-                </a:schemeClr>
-              </a:solidFill>
-              <a:effectLst/>
-              <a:latin typeface="Consolas" panose="020B0609020204030204" pitchFamily="49" charset="0"/>
-            </a:endParaRPr>
+              <a:t>: String!</a:t>
+            </a:r>
           </a:p>
           <a:p>
             <a:pPr marL="0" indent="0">
@@ -9121,15 +9190,10 @@
                 <a:effectLst/>
                 <a:latin typeface="Consolas" panose="020B0609020204030204" pitchFamily="49" charset="0"/>
               </a:rPr>
-              <a:t>   title: String</a:t>
-            </a:r>
-          </a:p>
-          <a:p>
-            <a:pPr marL="0" indent="0">
-              <a:buNone/>
-            </a:pPr>
-            <a:r>
-              <a:rPr lang="de-DE" sz="1000" b="0" dirty="0">
+              <a:t>   </a:t>
+            </a:r>
+            <a:r>
+              <a:rPr lang="de-DE" sz="1000" b="0" dirty="0" err="1">
                 <a:solidFill>
                   <a:schemeClr val="tx1">
                     <a:lumMod val="65000"/>
@@ -9139,10 +9203,10 @@
                 <a:effectLst/>
                 <a:latin typeface="Consolas" panose="020B0609020204030204" pitchFamily="49" charset="0"/>
               </a:rPr>
-              <a:t>   </a:t>
-            </a:r>
-            <a:r>
-              <a:rPr lang="de-DE" sz="1000" b="0" dirty="0" err="1">
+              <a:t>description</a:t>
+            </a:r>
+            <a:r>
+              <a:rPr lang="de-DE" sz="1000" b="0" dirty="0">
                 <a:solidFill>
                   <a:schemeClr val="tx1">
                     <a:lumMod val="65000"/>
@@ -9152,8 +9216,13 @@
                 <a:effectLst/>
                 <a:latin typeface="Consolas" panose="020B0609020204030204" pitchFamily="49" charset="0"/>
               </a:rPr>
-              <a:t>text</a:t>
-            </a:r>
+              <a:t>: String</a:t>
+            </a:r>
+          </a:p>
+          <a:p>
+            <a:pPr marL="0" indent="0">
+              <a:buNone/>
+            </a:pPr>
             <a:r>
               <a:rPr lang="de-DE" sz="1000" b="0" dirty="0">
                 <a:solidFill>
@@ -9165,15 +9234,10 @@
                 <a:effectLst/>
                 <a:latin typeface="Consolas" panose="020B0609020204030204" pitchFamily="49" charset="0"/>
               </a:rPr>
-              <a:t>: String</a:t>
-            </a:r>
-          </a:p>
-          <a:p>
-            <a:pPr marL="0" indent="0">
-              <a:buNone/>
-            </a:pPr>
-            <a:r>
-              <a:rPr lang="de-DE" sz="1000" b="0" dirty="0">
+              <a:t>   </a:t>
+            </a:r>
+            <a:r>
+              <a:rPr lang="de-DE" sz="1000" b="0" dirty="0" err="1">
                 <a:solidFill>
                   <a:schemeClr val="tx1">
                     <a:lumMod val="65000"/>
@@ -9183,10 +9247,10 @@
                 <a:effectLst/>
                 <a:latin typeface="Consolas" panose="020B0609020204030204" pitchFamily="49" charset="0"/>
               </a:rPr>
-              <a:t>   </a:t>
-            </a:r>
-            <a:r>
-              <a:rPr lang="de-DE" sz="1000" b="0" dirty="0" err="1">
+              <a:t>authors</a:t>
+            </a:r>
+            <a:r>
+              <a:rPr lang="de-DE" sz="1000" b="0" dirty="0">
                 <a:solidFill>
                   <a:schemeClr val="tx1">
                     <a:lumMod val="65000"/>
@@ -9196,10 +9260,10 @@
                 <a:effectLst/>
                 <a:latin typeface="Consolas" panose="020B0609020204030204" pitchFamily="49" charset="0"/>
               </a:rPr>
-              <a:t>author</a:t>
-            </a:r>
-            <a:r>
-              <a:rPr lang="de-DE" sz="1000" b="0" dirty="0">
+              <a:t>: [</a:t>
+            </a:r>
+            <a:r>
+              <a:rPr lang="de-DE" sz="1000" b="0" dirty="0" err="1">
                 <a:solidFill>
                   <a:schemeClr val="tx1">
                     <a:lumMod val="65000"/>
@@ -9209,10 +9273,10 @@
                 <a:effectLst/>
                 <a:latin typeface="Consolas" panose="020B0609020204030204" pitchFamily="49" charset="0"/>
               </a:rPr>
-              <a:t>: </a:t>
-            </a:r>
-            <a:r>
-              <a:rPr lang="de-DE" sz="1000" b="0" dirty="0" err="1">
+              <a:t>Author</a:t>
+            </a:r>
+            <a:r>
+              <a:rPr lang="de-DE" sz="1000" b="0" dirty="0">
                 <a:solidFill>
                   <a:schemeClr val="tx1">
                     <a:lumMod val="65000"/>
@@ -9222,18 +9286,8 @@
                 <a:effectLst/>
                 <a:latin typeface="Consolas" panose="020B0609020204030204" pitchFamily="49" charset="0"/>
               </a:rPr>
-              <a:t>Author</a:t>
-            </a:r>
-            <a:endParaRPr lang="de-DE" sz="1000" b="0" dirty="0">
-              <a:solidFill>
-                <a:schemeClr val="tx1">
-                  <a:lumMod val="65000"/>
-                  <a:lumOff val="35000"/>
-                </a:schemeClr>
-              </a:solidFill>
-              <a:effectLst/>
-              <a:latin typeface="Consolas" panose="020B0609020204030204" pitchFamily="49" charset="0"/>
-            </a:endParaRPr>
+              <a:t>!]</a:t>
+            </a:r>
           </a:p>
           <a:p>
             <a:pPr marL="0" indent="0">
@@ -9345,7 +9399,7 @@
                 <a:effectLst/>
                 <a:latin typeface="Consolas" panose="020B0609020204030204" pitchFamily="49" charset="0"/>
               </a:rPr>
-              <a:t>id</a:t>
+              <a:t>name</a:t>
             </a:r>
             <a:r>
               <a:rPr lang="de-DE" sz="1000" b="0" dirty="0">
@@ -9358,7 +9412,7 @@
                 <a:effectLst/>
                 <a:latin typeface="Consolas" panose="020B0609020204030204" pitchFamily="49" charset="0"/>
               </a:rPr>
-              <a:t>: </a:t>
+              <a:t>: String!): [</a:t>
             </a:r>
             <a:r>
               <a:rPr lang="de-DE" sz="1000" b="0" dirty="0" err="1">
@@ -9371,7 +9425,7 @@
                 <a:effectLst/>
                 <a:latin typeface="Consolas" panose="020B0609020204030204" pitchFamily="49" charset="0"/>
               </a:rPr>
-              <a:t>Int</a:t>
+              <a:t>Author</a:t>
             </a:r>
             <a:r>
               <a:rPr lang="de-DE" sz="1000" b="0" dirty="0">
@@ -9384,10 +9438,15 @@
                 <a:effectLst/>
                 <a:latin typeface="Consolas" panose="020B0609020204030204" pitchFamily="49" charset="0"/>
               </a:rPr>
-              <a:t>): </a:t>
-            </a:r>
-            <a:r>
-              <a:rPr lang="de-DE" sz="1000" b="0" dirty="0" err="1">
+              <a:t>!]</a:t>
+            </a:r>
+          </a:p>
+          <a:p>
+            <a:pPr marL="0" indent="0">
+              <a:buNone/>
+            </a:pPr>
+            <a:r>
+              <a:rPr lang="de-DE" sz="1000" b="0" dirty="0">
                 <a:solidFill>
                   <a:schemeClr val="tx1">
                     <a:lumMod val="65000"/>
@@ -9397,25 +9456,10 @@
                 <a:effectLst/>
                 <a:latin typeface="Consolas" panose="020B0609020204030204" pitchFamily="49" charset="0"/>
               </a:rPr>
-              <a:t>Author</a:t>
-            </a:r>
-            <a:endParaRPr lang="de-DE" sz="1000" b="0" dirty="0">
-              <a:solidFill>
-                <a:schemeClr val="tx1">
-                  <a:lumMod val="65000"/>
-                  <a:lumOff val="35000"/>
-                </a:schemeClr>
-              </a:solidFill>
-              <a:effectLst/>
-              <a:latin typeface="Consolas" panose="020B0609020204030204" pitchFamily="49" charset="0"/>
-            </a:endParaRPr>
-          </a:p>
-          <a:p>
-            <a:pPr marL="0" indent="0">
-              <a:buNone/>
-            </a:pPr>
-            <a:r>
-              <a:rPr lang="de-DE" sz="1000" b="0" dirty="0">
+              <a:t>   </a:t>
+            </a:r>
+            <a:r>
+              <a:rPr lang="de-DE" sz="1000" b="0" dirty="0" err="1">
                 <a:solidFill>
                   <a:schemeClr val="tx1">
                     <a:lumMod val="65000"/>
@@ -9425,10 +9469,10 @@
                 <a:effectLst/>
                 <a:latin typeface="Consolas" panose="020B0609020204030204" pitchFamily="49" charset="0"/>
               </a:rPr>
-              <a:t>   </a:t>
-            </a:r>
-            <a:r>
-              <a:rPr lang="de-DE" sz="1000" b="0" dirty="0" err="1">
+              <a:t>getPost</a:t>
+            </a:r>
+            <a:r>
+              <a:rPr lang="de-DE" sz="1000" b="0" dirty="0">
                 <a:solidFill>
                   <a:schemeClr val="tx1">
                     <a:lumMod val="65000"/>
@@ -9438,46 +9482,7 @@
                 <a:effectLst/>
                 <a:latin typeface="Consolas" panose="020B0609020204030204" pitchFamily="49" charset="0"/>
               </a:rPr>
-              <a:t>getPostsByTitle</a:t>
-            </a:r>
-            <a:r>
-              <a:rPr lang="de-DE" sz="1000" b="0" dirty="0">
-                <a:solidFill>
-                  <a:schemeClr val="tx1">
-                    <a:lumMod val="65000"/>
-                    <a:lumOff val="35000"/>
-                  </a:schemeClr>
-                </a:solidFill>
-                <a:effectLst/>
-                <a:latin typeface="Consolas" panose="020B0609020204030204" pitchFamily="49" charset="0"/>
-              </a:rPr>
-              <a:t>(</a:t>
-            </a:r>
-            <a:r>
-              <a:rPr lang="de-DE" sz="1000" b="0" dirty="0" err="1">
-                <a:solidFill>
-                  <a:schemeClr val="tx1">
-                    <a:lumMod val="65000"/>
-                    <a:lumOff val="35000"/>
-                  </a:schemeClr>
-                </a:solidFill>
-                <a:effectLst/>
-                <a:latin typeface="Consolas" panose="020B0609020204030204" pitchFamily="49" charset="0"/>
-              </a:rPr>
-              <a:t>titleContains</a:t>
-            </a:r>
-            <a:r>
-              <a:rPr lang="de-DE" sz="1000" b="0" dirty="0">
-                <a:solidFill>
-                  <a:schemeClr val="tx1">
-                    <a:lumMod val="65000"/>
-                    <a:lumOff val="35000"/>
-                  </a:schemeClr>
-                </a:solidFill>
-                <a:effectLst/>
-                <a:latin typeface="Consolas" panose="020B0609020204030204" pitchFamily="49" charset="0"/>
-              </a:rPr>
-              <a:t>: String): [Post]</a:t>
+              <a:t>(title: String!): [Post!]</a:t>
             </a:r>
           </a:p>
           <a:p>

--- a/slides.pptx
+++ b/slides.pptx
@@ -9,25 +9,29 @@
     <p:sldId id="257" r:id="rId3"/>
     <p:sldId id="262" r:id="rId4"/>
     <p:sldId id="258" r:id="rId5"/>
-    <p:sldId id="259" r:id="rId6"/>
-    <p:sldId id="263" r:id="rId7"/>
-    <p:sldId id="264" r:id="rId8"/>
-    <p:sldId id="267" r:id="rId9"/>
-    <p:sldId id="265" r:id="rId10"/>
-    <p:sldId id="266" r:id="rId11"/>
-    <p:sldId id="268" r:id="rId12"/>
-    <p:sldId id="269" r:id="rId13"/>
-    <p:sldId id="270" r:id="rId14"/>
-    <p:sldId id="271" r:id="rId15"/>
-    <p:sldId id="272" r:id="rId16"/>
-    <p:sldId id="273" r:id="rId17"/>
-    <p:sldId id="260" r:id="rId18"/>
-    <p:sldId id="277" r:id="rId19"/>
-    <p:sldId id="278" r:id="rId20"/>
-    <p:sldId id="275" r:id="rId21"/>
-    <p:sldId id="276" r:id="rId22"/>
-    <p:sldId id="279" r:id="rId23"/>
-    <p:sldId id="280" r:id="rId24"/>
+    <p:sldId id="283" r:id="rId6"/>
+    <p:sldId id="259" r:id="rId7"/>
+    <p:sldId id="265" r:id="rId8"/>
+    <p:sldId id="284" r:id="rId9"/>
+    <p:sldId id="263" r:id="rId10"/>
+    <p:sldId id="264" r:id="rId11"/>
+    <p:sldId id="267" r:id="rId12"/>
+    <p:sldId id="266" r:id="rId13"/>
+    <p:sldId id="268" r:id="rId14"/>
+    <p:sldId id="269" r:id="rId15"/>
+    <p:sldId id="270" r:id="rId16"/>
+    <p:sldId id="271" r:id="rId17"/>
+    <p:sldId id="281" r:id="rId18"/>
+    <p:sldId id="282" r:id="rId19"/>
+    <p:sldId id="272" r:id="rId20"/>
+    <p:sldId id="273" r:id="rId21"/>
+    <p:sldId id="260" r:id="rId22"/>
+    <p:sldId id="277" r:id="rId23"/>
+    <p:sldId id="278" r:id="rId24"/>
+    <p:sldId id="275" r:id="rId25"/>
+    <p:sldId id="276" r:id="rId26"/>
+    <p:sldId id="279" r:id="rId27"/>
+    <p:sldId id="280" r:id="rId28"/>
   </p:sldIdLst>
   <p:sldSz cx="12192000" cy="6858000"/>
   <p:notesSz cx="6858000" cy="9144000"/>
@@ -135,20 +139,28 @@
             <p14:sldId id="257"/>
           </p14:sldIdLst>
         </p14:section>
-        <p14:section name="What is GraphQL? How does GraphQL work?" id="{3A9BAB97-EACE-4CE3-A94F-7834B6F28F5D}">
+        <p14:section name="What is GraphQL?" id="{3A9BAB97-EACE-4CE3-A94F-7834B6F28F5D}">
           <p14:sldIdLst>
             <p14:sldId id="262"/>
             <p14:sldId id="258"/>
+          </p14:sldIdLst>
+        </p14:section>
+        <p14:section name="How does GraphQL work?" id="{40BBA783-C17E-472B-91C0-4A2B7345BFD6}">
+          <p14:sldIdLst>
+            <p14:sldId id="283"/>
             <p14:sldId id="259"/>
+            <p14:sldId id="265"/>
+            <p14:sldId id="284"/>
             <p14:sldId id="263"/>
             <p14:sldId id="264"/>
             <p14:sldId id="267"/>
-            <p14:sldId id="265"/>
             <p14:sldId id="266"/>
             <p14:sldId id="268"/>
             <p14:sldId id="269"/>
             <p14:sldId id="270"/>
             <p14:sldId id="271"/>
+            <p14:sldId id="281"/>
+            <p14:sldId id="282"/>
             <p14:sldId id="272"/>
             <p14:sldId id="273"/>
           </p14:sldIdLst>
@@ -3638,7 +3650,7 @@
           <p:cNvPr id="2" name="Title 1">
             <a:extLst>
               <a:ext uri="{FF2B5EF4-FFF2-40B4-BE49-F238E27FC236}">
-                <a16:creationId xmlns:a16="http://schemas.microsoft.com/office/drawing/2014/main" id="{3F3D0554-84B3-41B6-97F7-75014553196A}"/>
+                <a16:creationId xmlns:a16="http://schemas.microsoft.com/office/drawing/2014/main" id="{F60A81E1-96F2-47F4-837D-A4653AE40DED}"/>
               </a:ext>
             </a:extLst>
           </p:cNvPr>
@@ -3656,7 +3668,7 @@
           <a:p>
             <a:r>
               <a:rPr lang="de-DE" dirty="0"/>
-              <a:t>The Resolvers</a:t>
+              <a:t>The Schema</a:t>
             </a:r>
           </a:p>
         </p:txBody>
@@ -3666,7 +3678,7 @@
           <p:cNvPr id="3" name="Content Placeholder 2">
             <a:extLst>
               <a:ext uri="{FF2B5EF4-FFF2-40B4-BE49-F238E27FC236}">
-                <a16:creationId xmlns:a16="http://schemas.microsoft.com/office/drawing/2014/main" id="{DC64E48F-7954-4A85-9906-561632BB532F}"/>
+                <a16:creationId xmlns:a16="http://schemas.microsoft.com/office/drawing/2014/main" id="{195174C8-109C-4205-898C-8531403C3BC0}"/>
               </a:ext>
             </a:extLst>
           </p:cNvPr>
@@ -3679,22 +3691,108 @@
         </p:nvSpPr>
         <p:spPr/>
         <p:txBody>
-          <a:bodyPr>
-            <a:normAutofit/>
-          </a:bodyPr>
+          <a:bodyPr/>
           <a:lstStyle/>
           <a:p>
             <a:r>
               <a:rPr lang="de-DE" dirty="0" err="1"/>
-              <a:t>Specify</a:t>
-            </a:r>
-            <a:r>
-              <a:rPr lang="de-DE" dirty="0"/>
-              <a:t> </a:t>
-            </a:r>
-            <a:r>
-              <a:rPr lang="de-DE" dirty="0" err="1"/>
-              <a:t>how</a:t>
+              <a:t>Defines</a:t>
+            </a:r>
+            <a:r>
+              <a:rPr lang="de-DE" dirty="0"/>
+              <a:t> </a:t>
+            </a:r>
+            <a:r>
+              <a:rPr lang="de-DE" dirty="0" err="1"/>
+              <a:t>which</a:t>
+            </a:r>
+            <a:r>
+              <a:rPr lang="de-DE" dirty="0"/>
+              <a:t> </a:t>
+            </a:r>
+            <a:r>
+              <a:rPr lang="de-DE" dirty="0" err="1"/>
+              <a:t>queries</a:t>
+            </a:r>
+            <a:r>
+              <a:rPr lang="de-DE" dirty="0"/>
+              <a:t> </a:t>
+            </a:r>
+            <a:r>
+              <a:rPr lang="de-DE" dirty="0" err="1"/>
+              <a:t>are</a:t>
+            </a:r>
+            <a:r>
+              <a:rPr lang="de-DE" dirty="0"/>
+              <a:t> </a:t>
+            </a:r>
+            <a:r>
+              <a:rPr lang="de-DE" dirty="0" err="1"/>
+              <a:t>allowed</a:t>
+            </a:r>
+            <a:r>
+              <a:rPr lang="de-DE" dirty="0"/>
+              <a:t>, </a:t>
+            </a:r>
+            <a:r>
+              <a:rPr lang="de-DE" dirty="0" err="1"/>
+              <a:t>what</a:t>
+            </a:r>
+            <a:r>
+              <a:rPr lang="de-DE" dirty="0"/>
+              <a:t> </a:t>
+            </a:r>
+            <a:r>
+              <a:rPr lang="de-DE" dirty="0" err="1"/>
+              <a:t>types</a:t>
+            </a:r>
+            <a:r>
+              <a:rPr lang="de-DE" dirty="0"/>
+              <a:t> </a:t>
+            </a:r>
+            <a:r>
+              <a:rPr lang="de-DE" dirty="0" err="1"/>
+              <a:t>of</a:t>
+            </a:r>
+            <a:r>
+              <a:rPr lang="de-DE" dirty="0"/>
+              <a:t> </a:t>
+            </a:r>
+            <a:r>
+              <a:rPr lang="de-DE" dirty="0" err="1"/>
+              <a:t>data</a:t>
+            </a:r>
+            <a:r>
+              <a:rPr lang="de-DE" dirty="0"/>
+              <a:t> </a:t>
+            </a:r>
+            <a:r>
+              <a:rPr lang="de-DE" dirty="0" err="1"/>
+              <a:t>can</a:t>
+            </a:r>
+            <a:r>
+              <a:rPr lang="de-DE" dirty="0"/>
+              <a:t> </a:t>
+            </a:r>
+            <a:r>
+              <a:rPr lang="de-DE" dirty="0" err="1"/>
+              <a:t>be</a:t>
+            </a:r>
+            <a:r>
+              <a:rPr lang="de-DE" dirty="0"/>
+              <a:t> </a:t>
+            </a:r>
+            <a:r>
+              <a:rPr lang="de-DE" dirty="0" err="1"/>
+              <a:t>fetched</a:t>
+            </a:r>
+            <a:r>
+              <a:rPr lang="de-DE" dirty="0"/>
+              <a:t> and </a:t>
+            </a:r>
+            <a:r>
+              <a:rPr lang="de-DE" dirty="0" err="1"/>
+              <a:t>what</a:t>
             </a:r>
             <a:r>
               <a:rPr lang="de-DE" dirty="0"/>
@@ -3710,7 +3808,23 @@
             </a:r>
             <a:r>
               <a:rPr lang="de-DE" dirty="0" err="1"/>
-              <a:t>various</a:t>
+              <a:t>relationsships</a:t>
+            </a:r>
+            <a:r>
+              <a:rPr lang="de-DE" dirty="0"/>
+              <a:t> </a:t>
+            </a:r>
+            <a:r>
+              <a:rPr lang="de-DE" dirty="0" err="1"/>
+              <a:t>between</a:t>
+            </a:r>
+            <a:r>
+              <a:rPr lang="de-DE" dirty="0"/>
+              <a:t> </a:t>
+            </a:r>
+            <a:r>
+              <a:rPr lang="de-DE" dirty="0" err="1"/>
+              <a:t>these</a:t>
             </a:r>
             <a:r>
               <a:rPr lang="de-DE" dirty="0"/>
@@ -3722,19 +3836,34 @@
             </a:r>
             <a:r>
               <a:rPr lang="de-DE" dirty="0"/>
-              <a:t> and </a:t>
-            </a:r>
-            <a:r>
-              <a:rPr lang="de-DE" dirty="0" err="1"/>
-              <a:t>fields</a:t>
-            </a:r>
-            <a:r>
-              <a:rPr lang="de-DE" dirty="0"/>
-              <a:t> </a:t>
-            </a:r>
-            <a:r>
-              <a:rPr lang="de-DE" dirty="0" err="1"/>
-              <a:t>of</a:t>
+              <a:t> </a:t>
+            </a:r>
+            <a:r>
+              <a:rPr lang="de-DE" dirty="0" err="1"/>
+              <a:t>are</a:t>
+            </a:r>
+            <a:endParaRPr lang="de-DE" dirty="0"/>
+          </a:p>
+          <a:p>
+            <a:r>
+              <a:rPr lang="de-DE" dirty="0" err="1"/>
+              <a:t>Is</a:t>
+            </a:r>
+            <a:r>
+              <a:rPr lang="de-DE" dirty="0"/>
+              <a:t> </a:t>
+            </a:r>
+            <a:r>
+              <a:rPr lang="de-DE" dirty="0" err="1"/>
+              <a:t>defined</a:t>
+            </a:r>
+            <a:r>
+              <a:rPr lang="de-DE" dirty="0"/>
+              <a:t> </a:t>
+            </a:r>
+            <a:r>
+              <a:rPr lang="de-DE" dirty="0" err="1"/>
+              <a:t>with</a:t>
             </a:r>
             <a:r>
               <a:rPr lang="de-DE" dirty="0"/>
@@ -3746,177 +3875,76 @@
             </a:r>
             <a:r>
               <a:rPr lang="de-DE" dirty="0"/>
-              <a:t> </a:t>
-            </a:r>
-            <a:r>
-              <a:rPr lang="de-DE" dirty="0" err="1"/>
-              <a:t>schema</a:t>
-            </a:r>
-            <a:r>
-              <a:rPr lang="de-DE" dirty="0"/>
-              <a:t> </a:t>
-            </a:r>
-            <a:r>
-              <a:rPr lang="de-DE" dirty="0" err="1"/>
-              <a:t>are</a:t>
-            </a:r>
-            <a:r>
-              <a:rPr lang="de-DE" dirty="0"/>
-              <a:t> </a:t>
-            </a:r>
-            <a:r>
-              <a:rPr lang="de-DE" dirty="0" err="1"/>
-              <a:t>connected</a:t>
-            </a:r>
-            <a:r>
-              <a:rPr lang="de-DE" dirty="0"/>
-              <a:t> </a:t>
-            </a:r>
-            <a:r>
-              <a:rPr lang="de-DE" dirty="0" err="1"/>
-              <a:t>to</a:t>
-            </a:r>
-            <a:r>
-              <a:rPr lang="de-DE" dirty="0"/>
-              <a:t> </a:t>
-            </a:r>
-            <a:r>
-              <a:rPr lang="de-DE" dirty="0" err="1"/>
-              <a:t>various</a:t>
-            </a:r>
-            <a:r>
-              <a:rPr lang="de-DE" dirty="0"/>
-              <a:t> </a:t>
-            </a:r>
-            <a:r>
-              <a:rPr lang="de-DE" dirty="0" err="1"/>
-              <a:t>backends</a:t>
+              <a:t> GraphQL-Syntax</a:t>
+            </a:r>
+          </a:p>
+          <a:p>
+            <a:r>
+              <a:rPr lang="de-DE" dirty="0" err="1"/>
+              <a:t>Therefore</a:t>
+            </a:r>
+            <a:r>
+              <a:rPr lang="de-DE" dirty="0"/>
+              <a:t> </a:t>
+            </a:r>
+            <a:r>
+              <a:rPr lang="de-DE" dirty="0" err="1"/>
+              <a:t>independent</a:t>
+            </a:r>
+            <a:r>
+              <a:rPr lang="de-DE" dirty="0"/>
+              <a:t> </a:t>
+            </a:r>
+            <a:r>
+              <a:rPr lang="de-DE" dirty="0" err="1"/>
+              <a:t>from</a:t>
+            </a:r>
+            <a:r>
+              <a:rPr lang="de-DE" dirty="0"/>
+              <a:t> </a:t>
+            </a:r>
+            <a:r>
+              <a:rPr lang="de-DE" dirty="0" err="1"/>
+              <a:t>the</a:t>
+            </a:r>
+            <a:r>
+              <a:rPr lang="de-DE" dirty="0"/>
+              <a:t> GraphQL-Implementation </a:t>
+            </a:r>
+            <a:r>
+              <a:rPr lang="de-DE" dirty="0" err="1"/>
+              <a:t>or</a:t>
+            </a:r>
+            <a:r>
+              <a:rPr lang="de-DE" dirty="0"/>
+              <a:t> </a:t>
+            </a:r>
+            <a:r>
+              <a:rPr lang="de-DE" dirty="0" err="1"/>
+              <a:t>programming</a:t>
+            </a:r>
+            <a:r>
+              <a:rPr lang="de-DE" dirty="0"/>
+              <a:t> </a:t>
+            </a:r>
+            <a:r>
+              <a:rPr lang="de-DE" dirty="0" err="1"/>
+              <a:t>language</a:t>
             </a:r>
             <a:endParaRPr lang="de-DE" dirty="0"/>
           </a:p>
           <a:p>
-            <a:r>
-              <a:rPr lang="de-DE" dirty="0"/>
-              <a:t>Can </a:t>
-            </a:r>
-            <a:r>
-              <a:rPr lang="de-DE" dirty="0" err="1"/>
-              <a:t>talk</a:t>
-            </a:r>
-            <a:r>
-              <a:rPr lang="de-DE" dirty="0"/>
-              <a:t> </a:t>
-            </a:r>
-            <a:r>
-              <a:rPr lang="de-DE" dirty="0" err="1"/>
-              <a:t>to</a:t>
-            </a:r>
-            <a:r>
-              <a:rPr lang="de-DE" dirty="0"/>
-              <a:t> </a:t>
-            </a:r>
-            <a:r>
-              <a:rPr lang="de-DE" dirty="0" err="1"/>
-              <a:t>any</a:t>
-            </a:r>
-            <a:r>
-              <a:rPr lang="de-DE" dirty="0"/>
-              <a:t> </a:t>
-            </a:r>
-            <a:r>
-              <a:rPr lang="de-DE" dirty="0" err="1"/>
-              <a:t>kind</a:t>
-            </a:r>
-            <a:r>
-              <a:rPr lang="de-DE" dirty="0"/>
-              <a:t> </a:t>
-            </a:r>
-            <a:r>
-              <a:rPr lang="de-DE" dirty="0" err="1"/>
-              <a:t>of</a:t>
-            </a:r>
-            <a:r>
-              <a:rPr lang="de-DE" dirty="0"/>
-              <a:t> backend </a:t>
-            </a:r>
-            <a:r>
-              <a:rPr lang="de-DE" dirty="0" err="1"/>
-              <a:t>to</a:t>
-            </a:r>
-            <a:r>
-              <a:rPr lang="de-DE" dirty="0"/>
-              <a:t> </a:t>
-            </a:r>
-            <a:r>
-              <a:rPr lang="de-DE" dirty="0" err="1"/>
-              <a:t>execute</a:t>
-            </a:r>
-            <a:r>
-              <a:rPr lang="de-DE" dirty="0"/>
-              <a:t> </a:t>
-            </a:r>
-            <a:r>
-              <a:rPr lang="de-DE" dirty="0" err="1"/>
-              <a:t>the</a:t>
-            </a:r>
-            <a:r>
-              <a:rPr lang="de-DE" dirty="0"/>
-              <a:t> </a:t>
-            </a:r>
-            <a:r>
-              <a:rPr lang="de-DE" dirty="0" err="1"/>
-              <a:t>queries</a:t>
-            </a:r>
+            <a:pPr marL="0" indent="0">
+              <a:buNone/>
+            </a:pPr>
             <a:endParaRPr lang="de-DE" dirty="0"/>
-          </a:p>
-          <a:p>
-            <a:r>
-              <a:rPr lang="de-DE" dirty="0"/>
-              <a:t>Are GraphQL-Implementation and </a:t>
-            </a:r>
-            <a:r>
-              <a:rPr lang="de-DE" dirty="0" err="1"/>
-              <a:t>programming</a:t>
-            </a:r>
-            <a:r>
-              <a:rPr lang="de-DE" dirty="0"/>
-              <a:t> </a:t>
-            </a:r>
-            <a:r>
-              <a:rPr lang="de-DE" dirty="0" err="1"/>
-              <a:t>language</a:t>
-            </a:r>
-            <a:r>
-              <a:rPr lang="de-DE" dirty="0"/>
-              <a:t> </a:t>
-            </a:r>
-            <a:r>
-              <a:rPr lang="de-DE" dirty="0" err="1"/>
-              <a:t>specific</a:t>
-            </a:r>
-            <a:endParaRPr lang="de-DE" dirty="0"/>
-          </a:p>
-          <a:p>
-            <a:pPr marL="0" indent="0">
-              <a:buNone/>
-            </a:pPr>
-            <a:endParaRPr lang="en-US" sz="2000" b="0" dirty="0">
-              <a:solidFill>
-                <a:schemeClr val="tx1">
-                  <a:lumMod val="65000"/>
-                  <a:lumOff val="35000"/>
-                </a:schemeClr>
-              </a:solidFill>
-              <a:effectLst/>
-              <a:latin typeface="Consolas" panose="020B0609020204030204" pitchFamily="49" charset="0"/>
-            </a:endParaRPr>
           </a:p>
         </p:txBody>
       </p:sp>
     </p:spTree>
     <p:extLst>
       <p:ext uri="{BB962C8B-B14F-4D97-AF65-F5344CB8AC3E}">
-        <p14:creationId xmlns:p14="http://schemas.microsoft.com/office/powerpoint/2010/main" val="3549601303"/>
+        <p14:creationId xmlns:p14="http://schemas.microsoft.com/office/powerpoint/2010/main" val="1513089095"/>
       </p:ext>
     </p:extLst>
   </p:cSld>
@@ -3948,10 +3976,10 @@
       </p:grpSpPr>
       <p:sp>
         <p:nvSpPr>
-          <p:cNvPr id="4" name="Title 3">
-            <a:extLst>
-              <a:ext uri="{FF2B5EF4-FFF2-40B4-BE49-F238E27FC236}">
-                <a16:creationId xmlns:a16="http://schemas.microsoft.com/office/drawing/2014/main" id="{170F9897-A903-4DC1-81C2-0CA377390A4E}"/>
+          <p:cNvPr id="2" name="Title 1">
+            <a:extLst>
+              <a:ext uri="{FF2B5EF4-FFF2-40B4-BE49-F238E27FC236}">
+                <a16:creationId xmlns:a16="http://schemas.microsoft.com/office/drawing/2014/main" id="{76306AAC-2532-4660-92F3-C1E535B6D9DE}"/>
               </a:ext>
             </a:extLst>
           </p:cNvPr>
@@ -3969,7 +3997,7 @@
           <a:p>
             <a:r>
               <a:rPr lang="de-DE" dirty="0"/>
-              <a:t>The Resolvers – </a:t>
+              <a:t>The Schema – </a:t>
             </a:r>
             <a:r>
               <a:rPr lang="de-DE" dirty="0" err="1"/>
@@ -3981,10 +4009,10 @@
       </p:sp>
       <p:sp>
         <p:nvSpPr>
-          <p:cNvPr id="5" name="Content Placeholder 4">
-            <a:extLst>
-              <a:ext uri="{FF2B5EF4-FFF2-40B4-BE49-F238E27FC236}">
-                <a16:creationId xmlns:a16="http://schemas.microsoft.com/office/drawing/2014/main" id="{3C566A79-A896-40FA-BB30-E73F2D58F4E1}"/>
+          <p:cNvPr id="12" name="Content Placeholder 11">
+            <a:extLst>
+              <a:ext uri="{FF2B5EF4-FFF2-40B4-BE49-F238E27FC236}">
+                <a16:creationId xmlns:a16="http://schemas.microsoft.com/office/drawing/2014/main" id="{6C172512-D9B3-4376-8CC4-0C8E77B77C89}"/>
               </a:ext>
             </a:extLst>
           </p:cNvPr>
@@ -3998,7 +4026,7 @@
         <p:spPr/>
         <p:txBody>
           <a:bodyPr>
-            <a:normAutofit/>
+            <a:normAutofit lnSpcReduction="10000"/>
           </a:bodyPr>
           <a:lstStyle/>
           <a:p>
@@ -4006,31 +4034,58 @@
               <a:buNone/>
             </a:pPr>
             <a:r>
-              <a:rPr lang="en-US" sz="1800" dirty="0" err="1">
+              <a:rPr lang="de-DE" sz="1000" b="0" dirty="0">
+                <a:solidFill>
+                  <a:srgbClr val="569CD6"/>
+                </a:solidFill>
+                <a:effectLst/>
+                <a:latin typeface="Consolas" panose="020B0609020204030204" pitchFamily="49" charset="0"/>
+              </a:rPr>
+              <a:t>type</a:t>
+            </a:r>
+            <a:r>
+              <a:rPr lang="de-DE" sz="1000" b="0" dirty="0">
+                <a:solidFill>
+                  <a:srgbClr val="D4D4D4"/>
+                </a:solidFill>
+                <a:effectLst/>
+                <a:latin typeface="Consolas" panose="020B0609020204030204" pitchFamily="49" charset="0"/>
+              </a:rPr>
+              <a:t> </a:t>
+            </a:r>
+            <a:r>
+              <a:rPr lang="de-DE" sz="1000" b="0" dirty="0" err="1">
                 <a:solidFill>
                   <a:schemeClr val="tx1">
                     <a:lumMod val="65000"/>
                     <a:lumOff val="35000"/>
                   </a:schemeClr>
                 </a:solidFill>
-                <a:latin typeface="Consolas" panose="020B0609020204030204" pitchFamily="49" charset="0"/>
-              </a:rPr>
-              <a:t>getAuthor</a:t>
-            </a:r>
-            <a:r>
-              <a:rPr lang="en-US" sz="1800" dirty="0">
+                <a:effectLst/>
+                <a:latin typeface="Consolas" panose="020B0609020204030204" pitchFamily="49" charset="0"/>
+              </a:rPr>
+              <a:t>Author</a:t>
+            </a:r>
+            <a:r>
+              <a:rPr lang="de-DE" sz="1000" b="0" dirty="0">
                 <a:solidFill>
                   <a:schemeClr val="tx1">
                     <a:lumMod val="65000"/>
                     <a:lumOff val="35000"/>
                   </a:schemeClr>
                 </a:solidFill>
-                <a:latin typeface="Consolas" panose="020B0609020204030204" pitchFamily="49" charset="0"/>
-              </a:rPr>
-              <a:t>(_, </a:t>
-            </a:r>
-            <a:r>
-              <a:rPr lang="en-US" sz="1800" dirty="0" err="1">
+                <a:effectLst/>
+                <a:latin typeface="Consolas" panose="020B0609020204030204" pitchFamily="49" charset="0"/>
+              </a:rPr>
+              <a:t> {</a:t>
+            </a:r>
+          </a:p>
+          <a:p>
+            <a:pPr marL="0" indent="0">
+              <a:buNone/>
+            </a:pPr>
+            <a:r>
+              <a:rPr lang="de-DE" sz="1000" dirty="0">
                 <a:solidFill>
                   <a:schemeClr val="tx1">
                     <a:lumMod val="65000"/>
@@ -4039,108 +4094,95 @@
                 </a:solidFill>
                 <a:latin typeface="Consolas" panose="020B0609020204030204" pitchFamily="49" charset="0"/>
               </a:rPr>
-              <a:t>args</a:t>
-            </a:r>
-            <a:r>
-              <a:rPr lang="en-US" sz="1800" dirty="0">
+              <a:t>   </a:t>
+            </a:r>
+            <a:r>
+              <a:rPr lang="de-DE" sz="1000" b="0" dirty="0" err="1">
                 <a:solidFill>
                   <a:schemeClr val="tx1">
                     <a:lumMod val="65000"/>
                     <a:lumOff val="35000"/>
                   </a:schemeClr>
                 </a:solidFill>
-                <a:latin typeface="Consolas" panose="020B0609020204030204" pitchFamily="49" charset="0"/>
-              </a:rPr>
-              <a:t>){</a:t>
-            </a:r>
-          </a:p>
-          <a:p>
-            <a:pPr marL="0" indent="0">
-              <a:buNone/>
-            </a:pPr>
-            <a:r>
-              <a:rPr lang="en-US" sz="1800" dirty="0">
+                <a:effectLst/>
+                <a:latin typeface="Consolas" panose="020B0609020204030204" pitchFamily="49" charset="0"/>
+              </a:rPr>
+              <a:t>id</a:t>
+            </a:r>
+            <a:r>
+              <a:rPr lang="de-DE" sz="1000" b="0" dirty="0">
                 <a:solidFill>
                   <a:schemeClr val="tx1">
                     <a:lumMod val="65000"/>
                     <a:lumOff val="35000"/>
                   </a:schemeClr>
                 </a:solidFill>
-                <a:latin typeface="Consolas" panose="020B0609020204030204" pitchFamily="49" charset="0"/>
-              </a:rPr>
-              <a:t>   return </a:t>
-            </a:r>
-            <a:r>
-              <a:rPr lang="en-US" sz="1800" dirty="0" err="1">
+                <a:effectLst/>
+                <a:latin typeface="Consolas" panose="020B0609020204030204" pitchFamily="49" charset="0"/>
+              </a:rPr>
+              <a:t>: ID!</a:t>
+            </a:r>
+          </a:p>
+          <a:p>
+            <a:pPr marL="0" indent="0">
+              <a:buNone/>
+            </a:pPr>
+            <a:r>
+              <a:rPr lang="de-DE" sz="1000" b="0" dirty="0">
                 <a:solidFill>
                   <a:schemeClr val="tx1">
                     <a:lumMod val="65000"/>
                     <a:lumOff val="35000"/>
                   </a:schemeClr>
                 </a:solidFill>
-                <a:latin typeface="Consolas" panose="020B0609020204030204" pitchFamily="49" charset="0"/>
-              </a:rPr>
-              <a:t>sql.raw</a:t>
-            </a:r>
-            <a:r>
-              <a:rPr lang="en-US" sz="1800" dirty="0">
+                <a:effectLst/>
+                <a:latin typeface="Consolas" panose="020B0609020204030204" pitchFamily="49" charset="0"/>
+              </a:rPr>
+              <a:t>   </a:t>
+            </a:r>
+            <a:r>
+              <a:rPr lang="de-DE" sz="1000" b="0" dirty="0" err="1">
                 <a:solidFill>
                   <a:schemeClr val="tx1">
                     <a:lumMod val="65000"/>
                     <a:lumOff val="35000"/>
                   </a:schemeClr>
                 </a:solidFill>
-                <a:latin typeface="Consolas" panose="020B0609020204030204" pitchFamily="49" charset="0"/>
-              </a:rPr>
-              <a:t>('SELECT * FROM authors WHERE id = %s', args.id);</a:t>
-            </a:r>
-          </a:p>
-          <a:p>
-            <a:pPr marL="0" indent="0">
-              <a:buNone/>
-            </a:pPr>
-            <a:r>
-              <a:rPr lang="en-US" sz="1800" dirty="0">
+                <a:effectLst/>
+                <a:latin typeface="Consolas" panose="020B0609020204030204" pitchFamily="49" charset="0"/>
+              </a:rPr>
+              <a:t>name</a:t>
+            </a:r>
+            <a:r>
+              <a:rPr lang="de-DE" sz="1000" b="0" dirty="0">
                 <a:solidFill>
                   <a:schemeClr val="tx1">
                     <a:lumMod val="65000"/>
                     <a:lumOff val="35000"/>
                   </a:schemeClr>
                 </a:solidFill>
-                <a:latin typeface="Consolas" panose="020B0609020204030204" pitchFamily="49" charset="0"/>
-              </a:rPr>
-              <a:t>}</a:t>
+                <a:effectLst/>
+                <a:latin typeface="Consolas" panose="020B0609020204030204" pitchFamily="49" charset="0"/>
+              </a:rPr>
+              <a:t>: String!</a:t>
             </a:r>
           </a:p>
           <a:p>
             <a:pPr marL="0" indent="0">
               <a:buNone/>
             </a:pPr>
-            <a:endParaRPr lang="en-US" sz="1800" dirty="0">
-              <a:solidFill>
-                <a:schemeClr val="tx1">
-                  <a:lumMod val="65000"/>
-                  <a:lumOff val="35000"/>
-                </a:schemeClr>
-              </a:solidFill>
-              <a:latin typeface="Consolas" panose="020B0609020204030204" pitchFamily="49" charset="0"/>
-            </a:endParaRPr>
-          </a:p>
-          <a:p>
-            <a:pPr marL="0" indent="0">
-              <a:buNone/>
-            </a:pPr>
-            <a:r>
-              <a:rPr lang="en-US" sz="1800" dirty="0">
+            <a:r>
+              <a:rPr lang="de-DE" sz="1000" b="0" dirty="0">
                 <a:solidFill>
                   <a:schemeClr val="tx1">
                     <a:lumMod val="65000"/>
                     <a:lumOff val="35000"/>
                   </a:schemeClr>
                 </a:solidFill>
-                <a:latin typeface="Consolas" panose="020B0609020204030204" pitchFamily="49" charset="0"/>
-              </a:rPr>
-              <a:t>posts(author){</a:t>
+                <a:effectLst/>
+                <a:latin typeface="Consolas" panose="020B0609020204030204" pitchFamily="49" charset="0"/>
+              </a:rPr>
+              <a:t>   email: String</a:t>
             </a:r>
           </a:p>
           <a:p>
@@ -4148,54 +4190,290 @@
               <a:buNone/>
             </a:pPr>
             <a:r>
-              <a:rPr lang="en-US" sz="1800" dirty="0">
+              <a:rPr lang="de-DE" sz="1000" b="0" dirty="0">
                 <a:solidFill>
                   <a:schemeClr val="tx1">
                     <a:lumMod val="65000"/>
                     <a:lumOff val="35000"/>
                   </a:schemeClr>
                 </a:solidFill>
-                <a:latin typeface="Consolas" panose="020B0609020204030204" pitchFamily="49" charset="0"/>
-              </a:rPr>
-              <a:t>   return request(`https://api.blog.io/</a:t>
-            </a:r>
-            <a:r>
-              <a:rPr lang="en-US" sz="1800" dirty="0" err="1">
+                <a:effectLst/>
+                <a:latin typeface="Consolas" panose="020B0609020204030204" pitchFamily="49" charset="0"/>
+              </a:rPr>
+              <a:t>}</a:t>
+            </a:r>
+          </a:p>
+          <a:p>
+            <a:pPr marL="0" indent="0">
+              <a:buNone/>
+            </a:pPr>
+            <a:r>
+              <a:rPr lang="de-DE" sz="1000" b="0" dirty="0">
+                <a:solidFill>
+                  <a:srgbClr val="569CD6"/>
+                </a:solidFill>
+                <a:effectLst/>
+                <a:latin typeface="Consolas" panose="020B0609020204030204" pitchFamily="49" charset="0"/>
+              </a:rPr>
+              <a:t>type</a:t>
+            </a:r>
+            <a:r>
+              <a:rPr lang="de-DE" sz="1000" b="0" dirty="0">
+                <a:solidFill>
+                  <a:srgbClr val="D4D4D4"/>
+                </a:solidFill>
+                <a:effectLst/>
+                <a:latin typeface="Consolas" panose="020B0609020204030204" pitchFamily="49" charset="0"/>
+              </a:rPr>
+              <a:t> </a:t>
+            </a:r>
+            <a:r>
+              <a:rPr lang="de-DE" sz="1000" b="0" dirty="0">
                 <a:solidFill>
                   <a:schemeClr val="tx1">
                     <a:lumMod val="65000"/>
                     <a:lumOff val="35000"/>
                   </a:schemeClr>
                 </a:solidFill>
-                <a:latin typeface="Consolas" panose="020B0609020204030204" pitchFamily="49" charset="0"/>
-              </a:rPr>
-              <a:t>by_author</a:t>
-            </a:r>
-            <a:r>
-              <a:rPr lang="en-US" sz="1800" dirty="0">
+                <a:effectLst/>
+                <a:latin typeface="Consolas" panose="020B0609020204030204" pitchFamily="49" charset="0"/>
+              </a:rPr>
+              <a:t>Post {</a:t>
+            </a:r>
+          </a:p>
+          <a:p>
+            <a:pPr marL="0" indent="0">
+              <a:buNone/>
+            </a:pPr>
+            <a:r>
+              <a:rPr lang="de-DE" sz="1000" b="0" dirty="0">
                 <a:solidFill>
                   <a:schemeClr val="tx1">
                     <a:lumMod val="65000"/>
                     <a:lumOff val="35000"/>
                   </a:schemeClr>
                 </a:solidFill>
-                <a:latin typeface="Consolas" panose="020B0609020204030204" pitchFamily="49" charset="0"/>
-              </a:rPr>
-              <a:t>/${author.id}`);</a:t>
-            </a:r>
-          </a:p>
-          <a:p>
-            <a:pPr marL="0" indent="0">
-              <a:buNone/>
-            </a:pPr>
-            <a:r>
-              <a:rPr lang="en-US" sz="1800" dirty="0">
+                <a:effectLst/>
+                <a:latin typeface="Consolas" panose="020B0609020204030204" pitchFamily="49" charset="0"/>
+              </a:rPr>
+              <a:t>   </a:t>
+            </a:r>
+            <a:r>
+              <a:rPr lang="de-DE" sz="1000" b="0" dirty="0" err="1">
                 <a:solidFill>
                   <a:schemeClr val="tx1">
                     <a:lumMod val="65000"/>
                     <a:lumOff val="35000"/>
                   </a:schemeClr>
                 </a:solidFill>
+                <a:effectLst/>
+                <a:latin typeface="Consolas" panose="020B0609020204030204" pitchFamily="49" charset="0"/>
+              </a:rPr>
+              <a:t>id</a:t>
+            </a:r>
+            <a:r>
+              <a:rPr lang="de-DE" sz="1000" b="0" dirty="0">
+                <a:solidFill>
+                  <a:schemeClr val="tx1">
+                    <a:lumMod val="65000"/>
+                    <a:lumOff val="35000"/>
+                  </a:schemeClr>
+                </a:solidFill>
+                <a:effectLst/>
+                <a:latin typeface="Consolas" panose="020B0609020204030204" pitchFamily="49" charset="0"/>
+              </a:rPr>
+              <a:t>: ID!</a:t>
+            </a:r>
+          </a:p>
+          <a:p>
+            <a:pPr marL="0" indent="0">
+              <a:buNone/>
+            </a:pPr>
+            <a:r>
+              <a:rPr lang="de-DE" sz="1000" b="0" dirty="0">
+                <a:solidFill>
+                  <a:schemeClr val="tx1">
+                    <a:lumMod val="65000"/>
+                    <a:lumOff val="35000"/>
+                  </a:schemeClr>
+                </a:solidFill>
+                <a:effectLst/>
+                <a:latin typeface="Consolas" panose="020B0609020204030204" pitchFamily="49" charset="0"/>
+              </a:rPr>
+              <a:t>   title: String!</a:t>
+            </a:r>
+          </a:p>
+          <a:p>
+            <a:pPr marL="0" indent="0">
+              <a:buNone/>
+            </a:pPr>
+            <a:r>
+              <a:rPr lang="de-DE" sz="1000" b="0" dirty="0">
+                <a:solidFill>
+                  <a:schemeClr val="tx1">
+                    <a:lumMod val="65000"/>
+                    <a:lumOff val="35000"/>
+                  </a:schemeClr>
+                </a:solidFill>
+                <a:effectLst/>
+                <a:latin typeface="Consolas" panose="020B0609020204030204" pitchFamily="49" charset="0"/>
+              </a:rPr>
+              <a:t>   </a:t>
+            </a:r>
+            <a:r>
+              <a:rPr lang="de-DE" sz="1000" b="0" dirty="0" err="1">
+                <a:solidFill>
+                  <a:schemeClr val="tx1">
+                    <a:lumMod val="65000"/>
+                    <a:lumOff val="35000"/>
+                  </a:schemeClr>
+                </a:solidFill>
+                <a:effectLst/>
+                <a:latin typeface="Consolas" panose="020B0609020204030204" pitchFamily="49" charset="0"/>
+              </a:rPr>
+              <a:t>text</a:t>
+            </a:r>
+            <a:r>
+              <a:rPr lang="de-DE" sz="1000" b="0" dirty="0">
+                <a:solidFill>
+                  <a:schemeClr val="tx1">
+                    <a:lumMod val="65000"/>
+                    <a:lumOff val="35000"/>
+                  </a:schemeClr>
+                </a:solidFill>
+                <a:effectLst/>
+                <a:latin typeface="Consolas" panose="020B0609020204030204" pitchFamily="49" charset="0"/>
+              </a:rPr>
+              <a:t>: String!</a:t>
+            </a:r>
+          </a:p>
+          <a:p>
+            <a:pPr marL="0" indent="0">
+              <a:buNone/>
+            </a:pPr>
+            <a:r>
+              <a:rPr lang="de-DE" sz="1000" b="0" dirty="0">
+                <a:solidFill>
+                  <a:schemeClr val="tx1">
+                    <a:lumMod val="65000"/>
+                    <a:lumOff val="35000"/>
+                  </a:schemeClr>
+                </a:solidFill>
+                <a:effectLst/>
+                <a:latin typeface="Consolas" panose="020B0609020204030204" pitchFamily="49" charset="0"/>
+              </a:rPr>
+              <a:t>   </a:t>
+            </a:r>
+            <a:r>
+              <a:rPr lang="de-DE" sz="1000" b="0" dirty="0" err="1">
+                <a:solidFill>
+                  <a:schemeClr val="tx1">
+                    <a:lumMod val="65000"/>
+                    <a:lumOff val="35000"/>
+                  </a:schemeClr>
+                </a:solidFill>
+                <a:effectLst/>
+                <a:latin typeface="Consolas" panose="020B0609020204030204" pitchFamily="49" charset="0"/>
+              </a:rPr>
+              <a:t>description</a:t>
+            </a:r>
+            <a:r>
+              <a:rPr lang="de-DE" sz="1000" b="0" dirty="0">
+                <a:solidFill>
+                  <a:schemeClr val="tx1">
+                    <a:lumMod val="65000"/>
+                    <a:lumOff val="35000"/>
+                  </a:schemeClr>
+                </a:solidFill>
+                <a:effectLst/>
+                <a:latin typeface="Consolas" panose="020B0609020204030204" pitchFamily="49" charset="0"/>
+              </a:rPr>
+              <a:t>: String</a:t>
+            </a:r>
+          </a:p>
+          <a:p>
+            <a:pPr marL="0" indent="0">
+              <a:buNone/>
+            </a:pPr>
+            <a:r>
+              <a:rPr lang="de-DE" sz="1000" b="0" dirty="0">
+                <a:solidFill>
+                  <a:schemeClr val="tx1">
+                    <a:lumMod val="65000"/>
+                    <a:lumOff val="35000"/>
+                  </a:schemeClr>
+                </a:solidFill>
+                <a:effectLst/>
+                <a:latin typeface="Consolas" panose="020B0609020204030204" pitchFamily="49" charset="0"/>
+              </a:rPr>
+              <a:t>   </a:t>
+            </a:r>
+            <a:r>
+              <a:rPr lang="de-DE" sz="1000" b="0" dirty="0" err="1">
+                <a:solidFill>
+                  <a:schemeClr val="tx1">
+                    <a:lumMod val="65000"/>
+                    <a:lumOff val="35000"/>
+                  </a:schemeClr>
+                </a:solidFill>
+                <a:effectLst/>
+                <a:latin typeface="Consolas" panose="020B0609020204030204" pitchFamily="49" charset="0"/>
+              </a:rPr>
+              <a:t>authors</a:t>
+            </a:r>
+            <a:r>
+              <a:rPr lang="de-DE" sz="1000" b="0" dirty="0">
+                <a:solidFill>
+                  <a:schemeClr val="tx1">
+                    <a:lumMod val="65000"/>
+                    <a:lumOff val="35000"/>
+                  </a:schemeClr>
+                </a:solidFill>
+                <a:effectLst/>
+                <a:latin typeface="Consolas" panose="020B0609020204030204" pitchFamily="49" charset="0"/>
+              </a:rPr>
+              <a:t>: [</a:t>
+            </a:r>
+            <a:r>
+              <a:rPr lang="de-DE" sz="1000" b="0" dirty="0" err="1">
+                <a:solidFill>
+                  <a:schemeClr val="tx1">
+                    <a:lumMod val="65000"/>
+                    <a:lumOff val="35000"/>
+                  </a:schemeClr>
+                </a:solidFill>
+                <a:effectLst/>
+                <a:latin typeface="Consolas" panose="020B0609020204030204" pitchFamily="49" charset="0"/>
+              </a:rPr>
+              <a:t>Author</a:t>
+            </a:r>
+            <a:r>
+              <a:rPr lang="de-DE" sz="1000" b="0" dirty="0">
+                <a:solidFill>
+                  <a:schemeClr val="tx1">
+                    <a:lumMod val="65000"/>
+                    <a:lumOff val="35000"/>
+                  </a:schemeClr>
+                </a:solidFill>
+                <a:effectLst/>
+                <a:latin typeface="Consolas" panose="020B0609020204030204" pitchFamily="49" charset="0"/>
+              </a:rPr>
+              <a:t>!]</a:t>
+            </a:r>
+          </a:p>
+          <a:p>
+            <a:pPr marL="0" indent="0">
+              <a:buNone/>
+            </a:pPr>
+            <a:r>
+              <a:rPr lang="de-DE" sz="1000" b="0" dirty="0">
+                <a:solidFill>
+                  <a:schemeClr val="tx1">
+                    <a:lumMod val="65000"/>
+                    <a:lumOff val="35000"/>
+                  </a:schemeClr>
+                </a:solidFill>
+                <a:effectLst/>
                 <a:latin typeface="Consolas" panose="020B0609020204030204" pitchFamily="49" charset="0"/>
               </a:rPr>
               <a:t>}</a:t>
@@ -4205,6 +4483,324 @@
             <a:pPr marL="0" indent="0">
               <a:buNone/>
             </a:pPr>
+            <a:r>
+              <a:rPr lang="de-DE" sz="1000" b="0" dirty="0">
+                <a:solidFill>
+                  <a:srgbClr val="569CD6"/>
+                </a:solidFill>
+                <a:effectLst/>
+                <a:latin typeface="Consolas" panose="020B0609020204030204" pitchFamily="49" charset="0"/>
+              </a:rPr>
+              <a:t>type</a:t>
+            </a:r>
+            <a:r>
+              <a:rPr lang="de-DE" sz="1000" b="0" dirty="0">
+                <a:solidFill>
+                  <a:srgbClr val="D4D4D4"/>
+                </a:solidFill>
+                <a:effectLst/>
+                <a:latin typeface="Consolas" panose="020B0609020204030204" pitchFamily="49" charset="0"/>
+              </a:rPr>
+              <a:t> </a:t>
+            </a:r>
+            <a:r>
+              <a:rPr lang="de-DE" sz="1000" b="0" dirty="0">
+                <a:solidFill>
+                  <a:schemeClr val="tx1">
+                    <a:lumMod val="65000"/>
+                    <a:lumOff val="35000"/>
+                  </a:schemeClr>
+                </a:solidFill>
+                <a:effectLst/>
+                <a:latin typeface="Consolas" panose="020B0609020204030204" pitchFamily="49" charset="0"/>
+              </a:rPr>
+              <a:t>Query {</a:t>
+            </a:r>
+          </a:p>
+          <a:p>
+            <a:pPr marL="0" indent="0">
+              <a:buNone/>
+            </a:pPr>
+            <a:r>
+              <a:rPr lang="de-DE" sz="1000" b="0" dirty="0">
+                <a:solidFill>
+                  <a:schemeClr val="tx1">
+                    <a:lumMod val="65000"/>
+                    <a:lumOff val="35000"/>
+                  </a:schemeClr>
+                </a:solidFill>
+                <a:effectLst/>
+                <a:latin typeface="Consolas" panose="020B0609020204030204" pitchFamily="49" charset="0"/>
+              </a:rPr>
+              <a:t>   </a:t>
+            </a:r>
+            <a:r>
+              <a:rPr lang="de-DE" sz="1000" b="0" dirty="0" err="1">
+                <a:solidFill>
+                  <a:schemeClr val="tx1">
+                    <a:lumMod val="65000"/>
+                    <a:lumOff val="35000"/>
+                  </a:schemeClr>
+                </a:solidFill>
+                <a:effectLst/>
+                <a:latin typeface="Consolas" panose="020B0609020204030204" pitchFamily="49" charset="0"/>
+              </a:rPr>
+              <a:t>getAuthor</a:t>
+            </a:r>
+            <a:r>
+              <a:rPr lang="de-DE" sz="1000" b="0" dirty="0">
+                <a:solidFill>
+                  <a:schemeClr val="tx1">
+                    <a:lumMod val="65000"/>
+                    <a:lumOff val="35000"/>
+                  </a:schemeClr>
+                </a:solidFill>
+                <a:effectLst/>
+                <a:latin typeface="Consolas" panose="020B0609020204030204" pitchFamily="49" charset="0"/>
+              </a:rPr>
+              <a:t>(</a:t>
+            </a:r>
+            <a:r>
+              <a:rPr lang="de-DE" sz="1000" b="0" dirty="0" err="1">
+                <a:solidFill>
+                  <a:schemeClr val="tx1">
+                    <a:lumMod val="65000"/>
+                    <a:lumOff val="35000"/>
+                  </a:schemeClr>
+                </a:solidFill>
+                <a:effectLst/>
+                <a:latin typeface="Consolas" panose="020B0609020204030204" pitchFamily="49" charset="0"/>
+              </a:rPr>
+              <a:t>name</a:t>
+            </a:r>
+            <a:r>
+              <a:rPr lang="de-DE" sz="1000" b="0" dirty="0">
+                <a:solidFill>
+                  <a:schemeClr val="tx1">
+                    <a:lumMod val="65000"/>
+                    <a:lumOff val="35000"/>
+                  </a:schemeClr>
+                </a:solidFill>
+                <a:effectLst/>
+                <a:latin typeface="Consolas" panose="020B0609020204030204" pitchFamily="49" charset="0"/>
+              </a:rPr>
+              <a:t>: String!): [</a:t>
+            </a:r>
+            <a:r>
+              <a:rPr lang="de-DE" sz="1000" b="0" dirty="0" err="1">
+                <a:solidFill>
+                  <a:schemeClr val="tx1">
+                    <a:lumMod val="65000"/>
+                    <a:lumOff val="35000"/>
+                  </a:schemeClr>
+                </a:solidFill>
+                <a:effectLst/>
+                <a:latin typeface="Consolas" panose="020B0609020204030204" pitchFamily="49" charset="0"/>
+              </a:rPr>
+              <a:t>Author</a:t>
+            </a:r>
+            <a:r>
+              <a:rPr lang="de-DE" sz="1000" b="0" dirty="0">
+                <a:solidFill>
+                  <a:schemeClr val="tx1">
+                    <a:lumMod val="65000"/>
+                    <a:lumOff val="35000"/>
+                  </a:schemeClr>
+                </a:solidFill>
+                <a:effectLst/>
+                <a:latin typeface="Consolas" panose="020B0609020204030204" pitchFamily="49" charset="0"/>
+              </a:rPr>
+              <a:t>!]</a:t>
+            </a:r>
+          </a:p>
+          <a:p>
+            <a:pPr marL="0" indent="0">
+              <a:buNone/>
+            </a:pPr>
+            <a:r>
+              <a:rPr lang="de-DE" sz="1000" b="0" dirty="0">
+                <a:solidFill>
+                  <a:schemeClr val="tx1">
+                    <a:lumMod val="65000"/>
+                    <a:lumOff val="35000"/>
+                  </a:schemeClr>
+                </a:solidFill>
+                <a:effectLst/>
+                <a:latin typeface="Consolas" panose="020B0609020204030204" pitchFamily="49" charset="0"/>
+              </a:rPr>
+              <a:t>   </a:t>
+            </a:r>
+            <a:r>
+              <a:rPr lang="de-DE" sz="1000" b="0" dirty="0" err="1">
+                <a:solidFill>
+                  <a:schemeClr val="tx1">
+                    <a:lumMod val="65000"/>
+                    <a:lumOff val="35000"/>
+                  </a:schemeClr>
+                </a:solidFill>
+                <a:effectLst/>
+                <a:latin typeface="Consolas" panose="020B0609020204030204" pitchFamily="49" charset="0"/>
+              </a:rPr>
+              <a:t>getPost</a:t>
+            </a:r>
+            <a:r>
+              <a:rPr lang="de-DE" sz="1000" b="0" dirty="0">
+                <a:solidFill>
+                  <a:schemeClr val="tx1">
+                    <a:lumMod val="65000"/>
+                    <a:lumOff val="35000"/>
+                  </a:schemeClr>
+                </a:solidFill>
+                <a:effectLst/>
+                <a:latin typeface="Consolas" panose="020B0609020204030204" pitchFamily="49" charset="0"/>
+              </a:rPr>
+              <a:t>(title: String!): [Post!]</a:t>
+            </a:r>
+          </a:p>
+          <a:p>
+            <a:pPr marL="0" indent="0">
+              <a:buNone/>
+            </a:pPr>
+            <a:r>
+              <a:rPr lang="de-DE" sz="1000" b="0" dirty="0">
+                <a:solidFill>
+                  <a:schemeClr val="tx1">
+                    <a:lumMod val="65000"/>
+                    <a:lumOff val="35000"/>
+                  </a:schemeClr>
+                </a:solidFill>
+                <a:effectLst/>
+                <a:latin typeface="Consolas" panose="020B0609020204030204" pitchFamily="49" charset="0"/>
+              </a:rPr>
+              <a:t>}</a:t>
+            </a:r>
+          </a:p>
+          <a:p>
+            <a:pPr marL="0" indent="0">
+              <a:buNone/>
+            </a:pPr>
+            <a:r>
+              <a:rPr lang="de-DE" sz="1000" b="0" dirty="0" err="1">
+                <a:solidFill>
+                  <a:schemeClr val="accent4">
+                    <a:lumMod val="60000"/>
+                    <a:lumOff val="40000"/>
+                  </a:schemeClr>
+                </a:solidFill>
+                <a:effectLst/>
+                <a:latin typeface="Consolas" panose="020B0609020204030204" pitchFamily="49" charset="0"/>
+              </a:rPr>
+              <a:t>schema</a:t>
+            </a:r>
+            <a:r>
+              <a:rPr lang="de-DE" sz="1000" b="0" dirty="0">
+                <a:solidFill>
+                  <a:srgbClr val="D4D4D4"/>
+                </a:solidFill>
+                <a:effectLst/>
+                <a:latin typeface="Consolas" panose="020B0609020204030204" pitchFamily="49" charset="0"/>
+              </a:rPr>
+              <a:t> </a:t>
+            </a:r>
+            <a:r>
+              <a:rPr lang="de-DE" sz="1000" b="0" dirty="0">
+                <a:solidFill>
+                  <a:schemeClr val="tx1">
+                    <a:lumMod val="65000"/>
+                    <a:lumOff val="35000"/>
+                  </a:schemeClr>
+                </a:solidFill>
+                <a:effectLst/>
+                <a:latin typeface="Consolas" panose="020B0609020204030204" pitchFamily="49" charset="0"/>
+              </a:rPr>
+              <a:t>{</a:t>
+            </a:r>
+          </a:p>
+          <a:p>
+            <a:pPr marL="0" indent="0">
+              <a:buNone/>
+            </a:pPr>
+            <a:r>
+              <a:rPr lang="de-DE" sz="1000" b="0" dirty="0">
+                <a:solidFill>
+                  <a:schemeClr val="tx1">
+                    <a:lumMod val="65000"/>
+                    <a:lumOff val="35000"/>
+                  </a:schemeClr>
+                </a:solidFill>
+                <a:effectLst/>
+                <a:latin typeface="Consolas" panose="020B0609020204030204" pitchFamily="49" charset="0"/>
+              </a:rPr>
+              <a:t>   </a:t>
+            </a:r>
+            <a:r>
+              <a:rPr lang="de-DE" sz="1000" b="0" dirty="0" err="1">
+                <a:solidFill>
+                  <a:schemeClr val="tx1">
+                    <a:lumMod val="65000"/>
+                    <a:lumOff val="35000"/>
+                  </a:schemeClr>
+                </a:solidFill>
+                <a:effectLst/>
+                <a:latin typeface="Consolas" panose="020B0609020204030204" pitchFamily="49" charset="0"/>
+              </a:rPr>
+              <a:t>query</a:t>
+            </a:r>
+            <a:r>
+              <a:rPr lang="de-DE" sz="1000" b="0" dirty="0">
+                <a:solidFill>
+                  <a:schemeClr val="tx1">
+                    <a:lumMod val="65000"/>
+                    <a:lumOff val="35000"/>
+                  </a:schemeClr>
+                </a:solidFill>
+                <a:effectLst/>
+                <a:latin typeface="Consolas" panose="020B0609020204030204" pitchFamily="49" charset="0"/>
+              </a:rPr>
+              <a:t>: Query</a:t>
+            </a:r>
+          </a:p>
+          <a:p>
+            <a:pPr marL="0" indent="0">
+              <a:buNone/>
+            </a:pPr>
+            <a:r>
+              <a:rPr lang="de-DE" sz="1000" b="0" dirty="0">
+                <a:solidFill>
+                  <a:schemeClr val="tx1">
+                    <a:lumMod val="65000"/>
+                    <a:lumOff val="35000"/>
+                  </a:schemeClr>
+                </a:solidFill>
+                <a:effectLst/>
+                <a:latin typeface="Consolas" panose="020B0609020204030204" pitchFamily="49" charset="0"/>
+              </a:rPr>
+              <a:t>}</a:t>
+            </a:r>
+          </a:p>
+        </p:txBody>
+      </p:sp>
+      <p:sp>
+        <p:nvSpPr>
+          <p:cNvPr id="14" name="Text Placeholder 13">
+            <a:extLst>
+              <a:ext uri="{FF2B5EF4-FFF2-40B4-BE49-F238E27FC236}">
+                <a16:creationId xmlns:a16="http://schemas.microsoft.com/office/drawing/2014/main" id="{05D02921-4F31-4087-8413-D4176A1E3606}"/>
+              </a:ext>
+            </a:extLst>
+          </p:cNvPr>
+          <p:cNvSpPr>
+            <a:spLocks noGrp="1"/>
+          </p:cNvSpPr>
+          <p:nvPr>
+            <p:ph type="body" sz="half" idx="2"/>
+          </p:nvPr>
+        </p:nvSpPr>
+        <p:spPr/>
+        <p:txBody>
+          <a:bodyPr/>
+          <a:lstStyle/>
+          <a:p>
             <a:endParaRPr lang="de-DE" dirty="0"/>
           </a:p>
         </p:txBody>
@@ -4212,7 +4808,7 @@
     </p:spTree>
     <p:extLst>
       <p:ext uri="{BB962C8B-B14F-4D97-AF65-F5344CB8AC3E}">
-        <p14:creationId xmlns:p14="http://schemas.microsoft.com/office/powerpoint/2010/main" val="4147685494"/>
+        <p14:creationId xmlns:p14="http://schemas.microsoft.com/office/powerpoint/2010/main" val="1808090944"/>
       </p:ext>
     </p:extLst>
   </p:cSld>
@@ -4247,7 +4843,7 @@
           <p:cNvPr id="2" name="Title 1">
             <a:extLst>
               <a:ext uri="{FF2B5EF4-FFF2-40B4-BE49-F238E27FC236}">
-                <a16:creationId xmlns:a16="http://schemas.microsoft.com/office/drawing/2014/main" id="{7C9F8954-FB24-4B5E-84FD-69E3CB2CE37B}"/>
+                <a16:creationId xmlns:a16="http://schemas.microsoft.com/office/drawing/2014/main" id="{3F3D0554-84B3-41B6-97F7-75014553196A}"/>
               </a:ext>
             </a:extLst>
           </p:cNvPr>
@@ -4265,7 +4861,7 @@
           <a:p>
             <a:r>
               <a:rPr lang="de-DE" dirty="0"/>
-              <a:t>The Query</a:t>
+              <a:t>The Resolvers</a:t>
             </a:r>
           </a:p>
         </p:txBody>
@@ -4275,7 +4871,7 @@
           <p:cNvPr id="3" name="Content Placeholder 2">
             <a:extLst>
               <a:ext uri="{FF2B5EF4-FFF2-40B4-BE49-F238E27FC236}">
-                <a16:creationId xmlns:a16="http://schemas.microsoft.com/office/drawing/2014/main" id="{40143099-974A-401A-893F-FD9FC4526921}"/>
+                <a16:creationId xmlns:a16="http://schemas.microsoft.com/office/drawing/2014/main" id="{DC64E48F-7954-4A85-9906-561632BB532F}"/>
               </a:ext>
             </a:extLst>
           </p:cNvPr>
@@ -4288,44 +4884,26 @@
         </p:nvSpPr>
         <p:spPr/>
         <p:txBody>
-          <a:bodyPr/>
+          <a:bodyPr>
+            <a:normAutofit/>
+          </a:bodyPr>
           <a:lstStyle/>
           <a:p>
             <a:r>
-              <a:rPr lang="de-DE" dirty="0"/>
-              <a:t>A </a:t>
-            </a:r>
-            <a:r>
-              <a:rPr lang="de-DE" dirty="0" err="1"/>
-              <a:t>query</a:t>
-            </a:r>
-            <a:r>
-              <a:rPr lang="de-DE" dirty="0"/>
-              <a:t> </a:t>
-            </a:r>
-            <a:r>
-              <a:rPr lang="de-DE" dirty="0" err="1"/>
-              <a:t>is</a:t>
-            </a:r>
-            <a:r>
-              <a:rPr lang="de-DE" dirty="0"/>
-              <a:t> </a:t>
-            </a:r>
-            <a:r>
-              <a:rPr lang="de-DE" dirty="0" err="1"/>
-              <a:t>formed</a:t>
-            </a:r>
-            <a:r>
-              <a:rPr lang="de-DE" dirty="0"/>
-              <a:t> </a:t>
-            </a:r>
-            <a:r>
-              <a:rPr lang="de-DE" dirty="0" err="1"/>
-              <a:t>based</a:t>
-            </a:r>
-            <a:r>
-              <a:rPr lang="de-DE" dirty="0"/>
-              <a:t> on </a:t>
+              <a:rPr lang="de-DE" dirty="0" err="1"/>
+              <a:t>Specify</a:t>
+            </a:r>
+            <a:r>
+              <a:rPr lang="de-DE" dirty="0"/>
+              <a:t> </a:t>
+            </a:r>
+            <a:r>
+              <a:rPr lang="de-DE" dirty="0" err="1"/>
+              <a:t>how</a:t>
+            </a:r>
+            <a:r>
+              <a:rPr lang="de-DE" dirty="0"/>
+              <a:t> </a:t>
             </a:r>
             <a:r>
               <a:rPr lang="de-DE" dirty="0" err="1"/>
@@ -4337,11 +4915,150 @@
             </a:r>
             <a:r>
               <a:rPr lang="de-DE" dirty="0" err="1"/>
+              <a:t>various</a:t>
+            </a:r>
+            <a:r>
+              <a:rPr lang="de-DE" dirty="0"/>
+              <a:t> </a:t>
+            </a:r>
+            <a:r>
+              <a:rPr lang="de-DE" dirty="0" err="1"/>
+              <a:t>types</a:t>
+            </a:r>
+            <a:r>
+              <a:rPr lang="de-DE" dirty="0"/>
+              <a:t> and </a:t>
+            </a:r>
+            <a:r>
+              <a:rPr lang="de-DE" dirty="0" err="1"/>
+              <a:t>fields</a:t>
+            </a:r>
+            <a:r>
+              <a:rPr lang="de-DE" dirty="0"/>
+              <a:t> </a:t>
+            </a:r>
+            <a:r>
+              <a:rPr lang="de-DE" dirty="0" err="1"/>
+              <a:t>of</a:t>
+            </a:r>
+            <a:r>
+              <a:rPr lang="de-DE" dirty="0"/>
+              <a:t> </a:t>
+            </a:r>
+            <a:r>
+              <a:rPr lang="de-DE" dirty="0" err="1"/>
+              <a:t>the</a:t>
+            </a:r>
+            <a:r>
+              <a:rPr lang="de-DE" dirty="0"/>
+              <a:t> </a:t>
+            </a:r>
+            <a:r>
+              <a:rPr lang="de-DE" dirty="0" err="1"/>
               <a:t>schema</a:t>
             </a:r>
             <a:r>
               <a:rPr lang="de-DE" dirty="0"/>
-              <a:t> and </a:t>
+              <a:t> </a:t>
+            </a:r>
+            <a:r>
+              <a:rPr lang="de-DE" dirty="0" err="1"/>
+              <a:t>are</a:t>
+            </a:r>
+            <a:r>
+              <a:rPr lang="de-DE" dirty="0"/>
+              <a:t> </a:t>
+            </a:r>
+            <a:r>
+              <a:rPr lang="de-DE" dirty="0" err="1"/>
+              <a:t>connected</a:t>
+            </a:r>
+            <a:r>
+              <a:rPr lang="de-DE" dirty="0"/>
+              <a:t> </a:t>
+            </a:r>
+            <a:r>
+              <a:rPr lang="de-DE" dirty="0" err="1"/>
+              <a:t>to</a:t>
+            </a:r>
+            <a:r>
+              <a:rPr lang="de-DE" dirty="0"/>
+              <a:t> </a:t>
+            </a:r>
+            <a:r>
+              <a:rPr lang="de-DE" dirty="0" err="1"/>
+              <a:t>various</a:t>
+            </a:r>
+            <a:r>
+              <a:rPr lang="de-DE" dirty="0"/>
+              <a:t> </a:t>
+            </a:r>
+            <a:r>
+              <a:rPr lang="de-DE" dirty="0" err="1"/>
+              <a:t>backends</a:t>
+            </a:r>
+            <a:endParaRPr lang="de-DE" dirty="0"/>
+          </a:p>
+          <a:p>
+            <a:r>
+              <a:rPr lang="de-DE" dirty="0"/>
+              <a:t>Can </a:t>
+            </a:r>
+            <a:r>
+              <a:rPr lang="de-DE" dirty="0" err="1"/>
+              <a:t>talk</a:t>
+            </a:r>
+            <a:r>
+              <a:rPr lang="de-DE" dirty="0"/>
+              <a:t> </a:t>
+            </a:r>
+            <a:r>
+              <a:rPr lang="de-DE" dirty="0" err="1"/>
+              <a:t>to</a:t>
+            </a:r>
+            <a:r>
+              <a:rPr lang="de-DE" dirty="0"/>
+              <a:t> </a:t>
+            </a:r>
+            <a:r>
+              <a:rPr lang="de-DE" dirty="0" err="1"/>
+              <a:t>any</a:t>
+            </a:r>
+            <a:r>
+              <a:rPr lang="de-DE" dirty="0"/>
+              <a:t> </a:t>
+            </a:r>
+            <a:r>
+              <a:rPr lang="de-DE" dirty="0" err="1"/>
+              <a:t>kind</a:t>
+            </a:r>
+            <a:r>
+              <a:rPr lang="de-DE" dirty="0"/>
+              <a:t> </a:t>
+            </a:r>
+            <a:r>
+              <a:rPr lang="de-DE" dirty="0" err="1"/>
+              <a:t>of</a:t>
+            </a:r>
+            <a:r>
+              <a:rPr lang="de-DE" dirty="0"/>
+              <a:t> backend </a:t>
+            </a:r>
+            <a:r>
+              <a:rPr lang="de-DE" dirty="0" err="1"/>
+              <a:t>to</a:t>
+            </a:r>
+            <a:r>
+              <a:rPr lang="de-DE" dirty="0"/>
+              <a:t> </a:t>
+            </a:r>
+            <a:r>
+              <a:rPr lang="de-DE" dirty="0" err="1"/>
+              <a:t>execute</a:t>
+            </a:r>
+            <a:r>
+              <a:rPr lang="de-DE" dirty="0"/>
+              <a:t> </a:t>
             </a:r>
             <a:r>
               <a:rPr lang="de-DE" dirty="0" err="1"/>
@@ -4349,106 +5066,62 @@
             </a:r>
             <a:r>
               <a:rPr lang="de-DE" dirty="0"/>
-              <a:t> GraphQL-Syntax</a:t>
-            </a:r>
-          </a:p>
-          <a:p>
-            <a:r>
-              <a:rPr lang="de-DE" dirty="0"/>
-              <a:t>The Client </a:t>
-            </a:r>
-            <a:r>
-              <a:rPr lang="de-DE" dirty="0" err="1"/>
-              <a:t>can</a:t>
-            </a:r>
-            <a:r>
-              <a:rPr lang="de-DE" dirty="0"/>
-              <a:t> </a:t>
-            </a:r>
-            <a:r>
-              <a:rPr lang="de-DE" dirty="0" err="1"/>
-              <a:t>specify</a:t>
-            </a:r>
-            <a:r>
-              <a:rPr lang="de-DE" dirty="0"/>
-              <a:t> </a:t>
-            </a:r>
-            <a:r>
-              <a:rPr lang="de-DE" dirty="0" err="1"/>
-              <a:t>various</a:t>
-            </a:r>
-            <a:r>
-              <a:rPr lang="de-DE" dirty="0"/>
               <a:t> </a:t>
             </a:r>
             <a:r>
               <a:rPr lang="de-DE" dirty="0" err="1"/>
               <a:t>queries</a:t>
             </a:r>
-            <a:r>
-              <a:rPr lang="de-DE" dirty="0"/>
-              <a:t> in </a:t>
-            </a:r>
-            <a:r>
-              <a:rPr lang="de-DE" dirty="0" err="1"/>
-              <a:t>one</a:t>
-            </a:r>
-            <a:r>
-              <a:rPr lang="de-DE" dirty="0"/>
-              <a:t> </a:t>
-            </a:r>
-            <a:r>
-              <a:rPr lang="de-DE" dirty="0" err="1"/>
-              <a:t>call</a:t>
-            </a:r>
-            <a:r>
-              <a:rPr lang="de-DE" dirty="0"/>
-              <a:t> and </a:t>
-            </a:r>
-            <a:r>
-              <a:rPr lang="de-DE" dirty="0" err="1"/>
-              <a:t>which</a:t>
-            </a:r>
-            <a:r>
-              <a:rPr lang="de-DE" dirty="0"/>
-              <a:t> </a:t>
-            </a:r>
-            <a:r>
-              <a:rPr lang="de-DE" dirty="0" err="1"/>
-              <a:t>data</a:t>
-            </a:r>
-            <a:r>
-              <a:rPr lang="de-DE" dirty="0"/>
-              <a:t> </a:t>
-            </a:r>
-            <a:r>
-              <a:rPr lang="de-DE" dirty="0" err="1"/>
-              <a:t>they</a:t>
-            </a:r>
-            <a:r>
-              <a:rPr lang="de-DE" dirty="0"/>
-              <a:t> </a:t>
-            </a:r>
-            <a:r>
-              <a:rPr lang="de-DE" dirty="0" err="1"/>
-              <a:t>should</a:t>
-            </a:r>
-            <a:r>
-              <a:rPr lang="de-DE" dirty="0"/>
-              <a:t> </a:t>
-            </a:r>
-            <a:r>
-              <a:rPr lang="de-DE" dirty="0" err="1"/>
-              <a:t>return</a:t>
-            </a:r>
             <a:endParaRPr lang="de-DE" dirty="0"/>
+          </a:p>
+          <a:p>
+            <a:r>
+              <a:rPr lang="de-DE" dirty="0"/>
+              <a:t>Are GraphQL-Implementation and </a:t>
+            </a:r>
+            <a:r>
+              <a:rPr lang="de-DE" dirty="0" err="1"/>
+              <a:t>programming</a:t>
+            </a:r>
+            <a:r>
+              <a:rPr lang="de-DE" dirty="0"/>
+              <a:t> </a:t>
+            </a:r>
+            <a:r>
+              <a:rPr lang="de-DE" dirty="0" err="1"/>
+              <a:t>language</a:t>
+            </a:r>
+            <a:r>
+              <a:rPr lang="de-DE" dirty="0"/>
+              <a:t> </a:t>
+            </a:r>
+            <a:r>
+              <a:rPr lang="de-DE" dirty="0" err="1"/>
+              <a:t>specific</a:t>
+            </a:r>
+            <a:endParaRPr lang="de-DE" dirty="0"/>
+          </a:p>
+          <a:p>
+            <a:pPr marL="0" indent="0">
+              <a:buNone/>
+            </a:pPr>
+            <a:endParaRPr lang="en-US" sz="2000" b="0" dirty="0">
+              <a:solidFill>
+                <a:schemeClr val="tx1">
+                  <a:lumMod val="65000"/>
+                  <a:lumOff val="35000"/>
+                </a:schemeClr>
+              </a:solidFill>
+              <a:effectLst/>
+              <a:latin typeface="Consolas" panose="020B0609020204030204" pitchFamily="49" charset="0"/>
+            </a:endParaRPr>
           </a:p>
         </p:txBody>
       </p:sp>
     </p:spTree>
     <p:extLst>
       <p:ext uri="{BB962C8B-B14F-4D97-AF65-F5344CB8AC3E}">
-        <p14:creationId xmlns:p14="http://schemas.microsoft.com/office/powerpoint/2010/main" val="2595987514"/>
+        <p14:creationId xmlns:p14="http://schemas.microsoft.com/office/powerpoint/2010/main" val="3549601303"/>
       </p:ext>
     </p:extLst>
   </p:cSld>
@@ -4480,10 +5153,10 @@
       </p:grpSpPr>
       <p:sp>
         <p:nvSpPr>
-          <p:cNvPr id="2" name="Title 1">
-            <a:extLst>
-              <a:ext uri="{FF2B5EF4-FFF2-40B4-BE49-F238E27FC236}">
-                <a16:creationId xmlns:a16="http://schemas.microsoft.com/office/drawing/2014/main" id="{B58106D9-20CD-4182-B99F-1AEDBFA03D64}"/>
+          <p:cNvPr id="4" name="Title 3">
+            <a:extLst>
+              <a:ext uri="{FF2B5EF4-FFF2-40B4-BE49-F238E27FC236}">
+                <a16:creationId xmlns:a16="http://schemas.microsoft.com/office/drawing/2014/main" id="{170F9897-A903-4DC1-81C2-0CA377390A4E}"/>
               </a:ext>
             </a:extLst>
           </p:cNvPr>
@@ -4501,25 +5174,22 @@
           <a:p>
             <a:r>
               <a:rPr lang="de-DE" dirty="0"/>
-              <a:t>The Query – </a:t>
+              <a:t>The Resolvers – </a:t>
             </a:r>
             <a:r>
               <a:rPr lang="de-DE" dirty="0" err="1"/>
               <a:t>Example</a:t>
             </a:r>
-            <a:r>
-              <a:rPr lang="de-DE" dirty="0"/>
-              <a:t> Query</a:t>
-            </a:r>
-          </a:p>
-        </p:txBody>
-      </p:sp>
-      <p:sp>
-        <p:nvSpPr>
-          <p:cNvPr id="3" name="Content Placeholder 2">
-            <a:extLst>
-              <a:ext uri="{FF2B5EF4-FFF2-40B4-BE49-F238E27FC236}">
-                <a16:creationId xmlns:a16="http://schemas.microsoft.com/office/drawing/2014/main" id="{12CA9E5D-2943-4796-B5E8-4BF60BF32A8D}"/>
+            <a:endParaRPr lang="de-DE" dirty="0"/>
+          </a:p>
+        </p:txBody>
+      </p:sp>
+      <p:sp>
+        <p:nvSpPr>
+          <p:cNvPr id="5" name="Content Placeholder 4">
+            <a:extLst>
+              <a:ext uri="{FF2B5EF4-FFF2-40B4-BE49-F238E27FC236}">
+                <a16:creationId xmlns:a16="http://schemas.microsoft.com/office/drawing/2014/main" id="{3C566A79-A896-40FA-BB30-E73F2D58F4E1}"/>
               </a:ext>
             </a:extLst>
           </p:cNvPr>
@@ -4541,23 +5211,17 @@
               <a:buNone/>
             </a:pPr>
             <a:r>
-              <a:rPr lang="en-US" sz="1800" b="0" dirty="0">
+              <a:rPr lang="en-US" sz="1800" dirty="0" err="1">
                 <a:solidFill>
                   <a:schemeClr val="tx1">
                     <a:lumMod val="65000"/>
                     <a:lumOff val="35000"/>
                   </a:schemeClr>
                 </a:solidFill>
-                <a:effectLst/>
-                <a:latin typeface="Consolas" panose="020B0609020204030204" pitchFamily="49" charset="0"/>
-              </a:rPr>
-              <a:t>{</a:t>
-            </a:r>
-          </a:p>
-          <a:p>
-            <a:pPr marL="0" indent="0">
-              <a:buNone/>
-            </a:pPr>
+                <a:latin typeface="Consolas" panose="020B0609020204030204" pitchFamily="49" charset="0"/>
+              </a:rPr>
+              <a:t>getAuthor</a:t>
+            </a:r>
             <a:r>
               <a:rPr lang="en-US" sz="1800" dirty="0">
                 <a:solidFill>
@@ -4568,33 +5232,31 @@
                 </a:solidFill>
                 <a:latin typeface="Consolas" panose="020B0609020204030204" pitchFamily="49" charset="0"/>
               </a:rPr>
-              <a:t>   </a:t>
-            </a:r>
-            <a:r>
-              <a:rPr lang="en-US" sz="1800" b="0" dirty="0" err="1">
+              <a:t>(_, </a:t>
+            </a:r>
+            <a:r>
+              <a:rPr lang="en-US" sz="1800" dirty="0" err="1">
                 <a:solidFill>
                   <a:schemeClr val="tx1">
                     <a:lumMod val="65000"/>
                     <a:lumOff val="35000"/>
                   </a:schemeClr>
                 </a:solidFill>
-                <a:effectLst/>
-                <a:latin typeface="Consolas" panose="020B0609020204030204" pitchFamily="49" charset="0"/>
-              </a:rPr>
-              <a:t>getAuthor</a:t>
-            </a:r>
-            <a:r>
-              <a:rPr lang="en-US" sz="1800" b="0" dirty="0">
+                <a:latin typeface="Consolas" panose="020B0609020204030204" pitchFamily="49" charset="0"/>
+              </a:rPr>
+              <a:t>args</a:t>
+            </a:r>
+            <a:r>
+              <a:rPr lang="en-US" sz="1800" dirty="0">
                 <a:solidFill>
                   <a:schemeClr val="tx1">
                     <a:lumMod val="65000"/>
                     <a:lumOff val="35000"/>
                   </a:schemeClr>
                 </a:solidFill>
-                <a:effectLst/>
-                <a:latin typeface="Consolas" panose="020B0609020204030204" pitchFamily="49" charset="0"/>
-              </a:rPr>
-              <a:t>(id: 5){</a:t>
+                <a:latin typeface="Consolas" panose="020B0609020204030204" pitchFamily="49" charset="0"/>
+              </a:rPr>
+              <a:t>){</a:t>
             </a:r>
           </a:p>
           <a:p>
@@ -4602,53 +5264,40 @@
               <a:buNone/>
             </a:pPr>
             <a:r>
-              <a:rPr lang="en-US" sz="1800" b="0" dirty="0">
+              <a:rPr lang="en-US" sz="1800" dirty="0">
                 <a:solidFill>
                   <a:schemeClr val="tx1">
                     <a:lumMod val="65000"/>
                     <a:lumOff val="35000"/>
                   </a:schemeClr>
                 </a:solidFill>
-                <a:effectLst/>
-                <a:latin typeface="Consolas" panose="020B0609020204030204" pitchFamily="49" charset="0"/>
-              </a:rPr>
-              <a:t>      name</a:t>
-            </a:r>
-          </a:p>
-          <a:p>
-            <a:pPr marL="0" indent="0">
-              <a:buNone/>
-            </a:pPr>
-            <a:r>
-              <a:rPr lang="en-US" sz="1800" b="0" dirty="0">
+                <a:latin typeface="Consolas" panose="020B0609020204030204" pitchFamily="49" charset="0"/>
+              </a:rPr>
+              <a:t>   return </a:t>
+            </a:r>
+            <a:r>
+              <a:rPr lang="en-US" sz="1800" dirty="0" err="1">
                 <a:solidFill>
                   <a:schemeClr val="tx1">
                     <a:lumMod val="65000"/>
                     <a:lumOff val="35000"/>
                   </a:schemeClr>
                 </a:solidFill>
-                <a:effectLst/>
-                <a:latin typeface="Consolas" panose="020B0609020204030204" pitchFamily="49" charset="0"/>
-              </a:rPr>
-              <a:t>      posts {</a:t>
-            </a:r>
-          </a:p>
-          <a:p>
-            <a:pPr marL="0" indent="0">
-              <a:buNone/>
-            </a:pPr>
-            <a:r>
-              <a:rPr lang="en-US" sz="1800" b="0" dirty="0">
+                <a:latin typeface="Consolas" panose="020B0609020204030204" pitchFamily="49" charset="0"/>
+              </a:rPr>
+              <a:t>sql.raw</a:t>
+            </a:r>
+            <a:r>
+              <a:rPr lang="en-US" sz="1800" dirty="0">
                 <a:solidFill>
                   <a:schemeClr val="tx1">
                     <a:lumMod val="65000"/>
                     <a:lumOff val="35000"/>
                   </a:schemeClr>
                 </a:solidFill>
-                <a:effectLst/>
-                <a:latin typeface="Consolas" panose="020B0609020204030204" pitchFamily="49" charset="0"/>
-              </a:rPr>
-              <a:t>         title</a:t>
+                <a:latin typeface="Consolas" panose="020B0609020204030204" pitchFamily="49" charset="0"/>
+              </a:rPr>
+              <a:t>('SELECT * FROM authors WHERE id = %s', args.id);</a:t>
             </a:r>
           </a:p>
           <a:p>
@@ -4656,96 +5305,88 @@
               <a:buNone/>
             </a:pPr>
             <a:r>
-              <a:rPr lang="en-US" sz="1800" b="0" dirty="0">
+              <a:rPr lang="en-US" sz="1800" dirty="0">
                 <a:solidFill>
                   <a:schemeClr val="tx1">
                     <a:lumMod val="65000"/>
                     <a:lumOff val="35000"/>
                   </a:schemeClr>
                 </a:solidFill>
-                <a:effectLst/>
-                <a:latin typeface="Consolas" panose="020B0609020204030204" pitchFamily="49" charset="0"/>
-              </a:rPr>
-              <a:t>         author {</a:t>
+                <a:latin typeface="Consolas" panose="020B0609020204030204" pitchFamily="49" charset="0"/>
+              </a:rPr>
+              <a:t>}</a:t>
             </a:r>
           </a:p>
           <a:p>
             <a:pPr marL="0" indent="0">
               <a:buNone/>
             </a:pPr>
-            <a:r>
-              <a:rPr lang="en-US" sz="1800" b="0" dirty="0">
+            <a:endParaRPr lang="en-US" sz="1800" dirty="0">
+              <a:solidFill>
+                <a:schemeClr val="tx1">
+                  <a:lumMod val="65000"/>
+                  <a:lumOff val="35000"/>
+                </a:schemeClr>
+              </a:solidFill>
+              <a:latin typeface="Consolas" panose="020B0609020204030204" pitchFamily="49" charset="0"/>
+            </a:endParaRPr>
+          </a:p>
+          <a:p>
+            <a:pPr marL="0" indent="0">
+              <a:buNone/>
+            </a:pPr>
+            <a:r>
+              <a:rPr lang="en-US" sz="1800" dirty="0">
                 <a:solidFill>
                   <a:schemeClr val="tx1">
                     <a:lumMod val="65000"/>
                     <a:lumOff val="35000"/>
                   </a:schemeClr>
                 </a:solidFill>
-                <a:effectLst/>
-                <a:latin typeface="Consolas" panose="020B0609020204030204" pitchFamily="49" charset="0"/>
-              </a:rPr>
-              <a:t>            name </a:t>
-            </a:r>
-            <a:r>
-              <a:rPr lang="en-US" sz="1800" b="0" dirty="0">
-                <a:solidFill>
-                  <a:schemeClr val="accent6">
-                    <a:lumMod val="75000"/>
-                  </a:schemeClr>
-                </a:solidFill>
-                <a:effectLst/>
-                <a:latin typeface="Consolas" panose="020B0609020204030204" pitchFamily="49" charset="0"/>
-              </a:rPr>
-              <a:t># Just the name is queried</a:t>
-            </a:r>
-            <a:r>
-              <a:rPr lang="en-US" sz="1800" b="0" dirty="0">
+                <a:latin typeface="Consolas" panose="020B0609020204030204" pitchFamily="49" charset="0"/>
+              </a:rPr>
+              <a:t>posts(author){</a:t>
+            </a:r>
+          </a:p>
+          <a:p>
+            <a:pPr marL="0" indent="0">
+              <a:buNone/>
+            </a:pPr>
+            <a:r>
+              <a:rPr lang="en-US" sz="1800" dirty="0">
                 <a:solidFill>
                   <a:schemeClr val="tx1">
                     <a:lumMod val="65000"/>
                     <a:lumOff val="35000"/>
                   </a:schemeClr>
                 </a:solidFill>
-                <a:effectLst/>
-                <a:latin typeface="Consolas" panose="020B0609020204030204" pitchFamily="49" charset="0"/>
-              </a:rPr>
-              <a:t>              	  }</a:t>
-            </a:r>
-          </a:p>
-          <a:p>
-            <a:pPr marL="0" indent="0">
-              <a:buNone/>
-            </a:pPr>
-            <a:r>
-              <a:rPr lang="en-US" sz="1800" b="0" dirty="0">
+                <a:latin typeface="Consolas" panose="020B0609020204030204" pitchFamily="49" charset="0"/>
+              </a:rPr>
+              <a:t>   return request(`https://api.blog.io/</a:t>
+            </a:r>
+            <a:r>
+              <a:rPr lang="en-US" sz="1800" dirty="0" err="1">
                 <a:solidFill>
                   <a:schemeClr val="tx1">
                     <a:lumMod val="65000"/>
                     <a:lumOff val="35000"/>
                   </a:schemeClr>
                 </a:solidFill>
-                <a:effectLst/>
-                <a:latin typeface="Consolas" panose="020B0609020204030204" pitchFamily="49" charset="0"/>
-              </a:rPr>
-              <a:t>      }</a:t>
-            </a:r>
-          </a:p>
-          <a:p>
-            <a:pPr marL="0" indent="0">
-              <a:buNone/>
-            </a:pPr>
-            <a:r>
-              <a:rPr lang="en-US" sz="1800" b="0" dirty="0">
+                <a:latin typeface="Consolas" panose="020B0609020204030204" pitchFamily="49" charset="0"/>
+              </a:rPr>
+              <a:t>by_author</a:t>
+            </a:r>
+            <a:r>
+              <a:rPr lang="en-US" sz="1800" dirty="0">
                 <a:solidFill>
                   <a:schemeClr val="tx1">
                     <a:lumMod val="65000"/>
                     <a:lumOff val="35000"/>
                   </a:schemeClr>
                 </a:solidFill>
-                <a:effectLst/>
-                <a:latin typeface="Consolas" panose="020B0609020204030204" pitchFamily="49" charset="0"/>
-              </a:rPr>
-              <a:t>   }</a:t>
+                <a:latin typeface="Consolas" panose="020B0609020204030204" pitchFamily="49" charset="0"/>
+              </a:rPr>
+              <a:t>/${author.id}`);</a:t>
             </a:r>
           </a:p>
           <a:p>
@@ -4753,14 +5394,13 @@
               <a:buNone/>
             </a:pPr>
             <a:r>
-              <a:rPr lang="en-US" sz="1800" b="0" dirty="0">
+              <a:rPr lang="en-US" sz="1800" dirty="0">
                 <a:solidFill>
                   <a:schemeClr val="tx1">
                     <a:lumMod val="65000"/>
                     <a:lumOff val="35000"/>
                   </a:schemeClr>
                 </a:solidFill>
-                <a:effectLst/>
                 <a:latin typeface="Consolas" panose="020B0609020204030204" pitchFamily="49" charset="0"/>
               </a:rPr>
               <a:t>}</a:t>
@@ -4771,38 +5411,13 @@
               <a:buNone/>
             </a:pPr>
             <a:endParaRPr lang="de-DE" dirty="0"/>
-          </a:p>
-        </p:txBody>
-      </p:sp>
-      <p:sp>
-        <p:nvSpPr>
-          <p:cNvPr id="4" name="Text Placeholder 3">
-            <a:extLst>
-              <a:ext uri="{FF2B5EF4-FFF2-40B4-BE49-F238E27FC236}">
-                <a16:creationId xmlns:a16="http://schemas.microsoft.com/office/drawing/2014/main" id="{54FBECF2-D6BC-4DAB-BF74-C26ED7D4F111}"/>
-              </a:ext>
-            </a:extLst>
-          </p:cNvPr>
-          <p:cNvSpPr>
-            <a:spLocks noGrp="1"/>
-          </p:cNvSpPr>
-          <p:nvPr>
-            <p:ph type="body" sz="half" idx="2"/>
-          </p:nvPr>
-        </p:nvSpPr>
-        <p:spPr/>
-        <p:txBody>
-          <a:bodyPr/>
-          <a:lstStyle/>
-          <a:p>
-            <a:endParaRPr lang="de-DE"/>
           </a:p>
         </p:txBody>
       </p:sp>
     </p:spTree>
     <p:extLst>
       <p:ext uri="{BB962C8B-B14F-4D97-AF65-F5344CB8AC3E}">
-        <p14:creationId xmlns:p14="http://schemas.microsoft.com/office/powerpoint/2010/main" val="408980979"/>
+        <p14:creationId xmlns:p14="http://schemas.microsoft.com/office/powerpoint/2010/main" val="4147685494"/>
       </p:ext>
     </p:extLst>
   </p:cSld>
@@ -4837,7 +5452,7 @@
           <p:cNvPr id="2" name="Title 1">
             <a:extLst>
               <a:ext uri="{FF2B5EF4-FFF2-40B4-BE49-F238E27FC236}">
-                <a16:creationId xmlns:a16="http://schemas.microsoft.com/office/drawing/2014/main" id="{2150E2F0-1FD7-4667-9E9A-31AB3BCEF06B}"/>
+                <a16:creationId xmlns:a16="http://schemas.microsoft.com/office/drawing/2014/main" id="{7C9F8954-FB24-4B5E-84FD-69E3CB2CE37B}"/>
               </a:ext>
             </a:extLst>
           </p:cNvPr>
@@ -4855,15 +5470,7 @@
           <a:p>
             <a:r>
               <a:rPr lang="de-DE" dirty="0"/>
-              <a:t>The Query – </a:t>
-            </a:r>
-            <a:r>
-              <a:rPr lang="de-DE" dirty="0" err="1"/>
-              <a:t>Example</a:t>
-            </a:r>
-            <a:r>
-              <a:rPr lang="de-DE" dirty="0"/>
-              <a:t> Response</a:t>
+              <a:t>The Query</a:t>
             </a:r>
           </a:p>
         </p:txBody>
@@ -4873,7 +5480,7 @@
           <p:cNvPr id="3" name="Content Placeholder 2">
             <a:extLst>
               <a:ext uri="{FF2B5EF4-FFF2-40B4-BE49-F238E27FC236}">
-                <a16:creationId xmlns:a16="http://schemas.microsoft.com/office/drawing/2014/main" id="{69103EA0-5B78-49A4-BCFF-8798962EFC93}"/>
+                <a16:creationId xmlns:a16="http://schemas.microsoft.com/office/drawing/2014/main" id="{40143099-974A-401A-893F-FD9FC4526921}"/>
               </a:ext>
             </a:extLst>
           </p:cNvPr>
@@ -4882,427 +5489,6 @@
           </p:cNvSpPr>
           <p:nvPr>
             <p:ph idx="1"/>
-          </p:nvPr>
-        </p:nvSpPr>
-        <p:spPr/>
-        <p:txBody>
-          <a:bodyPr>
-            <a:normAutofit fontScale="85000" lnSpcReduction="20000"/>
-          </a:bodyPr>
-          <a:lstStyle/>
-          <a:p>
-            <a:pPr marL="0" indent="0">
-              <a:buNone/>
-            </a:pPr>
-            <a:r>
-              <a:rPr lang="en-US" sz="1400" dirty="0">
-                <a:solidFill>
-                  <a:schemeClr val="tx1">
-                    <a:lumMod val="65000"/>
-                    <a:lumOff val="35000"/>
-                  </a:schemeClr>
-                </a:solidFill>
-                <a:latin typeface="Consolas" panose="020B0609020204030204" pitchFamily="49" charset="0"/>
-              </a:rPr>
-              <a:t>{</a:t>
-            </a:r>
-          </a:p>
-          <a:p>
-            <a:pPr marL="0" indent="0">
-              <a:buNone/>
-            </a:pPr>
-            <a:r>
-              <a:rPr lang="en-US" sz="1400" dirty="0">
-                <a:solidFill>
-                  <a:schemeClr val="tx1">
-                    <a:lumMod val="65000"/>
-                    <a:lumOff val="35000"/>
-                  </a:schemeClr>
-                </a:solidFill>
-                <a:latin typeface="Consolas" panose="020B0609020204030204" pitchFamily="49" charset="0"/>
-              </a:rPr>
-              <a:t>   “</a:t>
-            </a:r>
-            <a:r>
-              <a:rPr lang="en-US" sz="1400" dirty="0" err="1">
-                <a:solidFill>
-                  <a:schemeClr val="tx1">
-                    <a:lumMod val="65000"/>
-                    <a:lumOff val="35000"/>
-                  </a:schemeClr>
-                </a:solidFill>
-                <a:latin typeface="Consolas" panose="020B0609020204030204" pitchFamily="49" charset="0"/>
-              </a:rPr>
-              <a:t>getAuthor</a:t>
-            </a:r>
-            <a:r>
-              <a:rPr lang="en-US" sz="1400" dirty="0">
-                <a:solidFill>
-                  <a:schemeClr val="tx1">
-                    <a:lumMod val="65000"/>
-                    <a:lumOff val="35000"/>
-                  </a:schemeClr>
-                </a:solidFill>
-                <a:latin typeface="Consolas" panose="020B0609020204030204" pitchFamily="49" charset="0"/>
-              </a:rPr>
-              <a:t>”: {</a:t>
-            </a:r>
-          </a:p>
-          <a:p>
-            <a:pPr marL="0" indent="0">
-              <a:buNone/>
-            </a:pPr>
-            <a:r>
-              <a:rPr lang="en-US" sz="1400" dirty="0">
-                <a:solidFill>
-                  <a:schemeClr val="tx1">
-                    <a:lumMod val="65000"/>
-                    <a:lumOff val="35000"/>
-                  </a:schemeClr>
-                </a:solidFill>
-                <a:latin typeface="Consolas" panose="020B0609020204030204" pitchFamily="49" charset="0"/>
-              </a:rPr>
-              <a:t>      “name”: “Johann Wolfgang von Goethe”,</a:t>
-            </a:r>
-          </a:p>
-          <a:p>
-            <a:pPr marL="0" indent="0">
-              <a:buNone/>
-            </a:pPr>
-            <a:r>
-              <a:rPr lang="en-US" sz="1400" dirty="0">
-                <a:solidFill>
-                  <a:schemeClr val="tx1">
-                    <a:lumMod val="65000"/>
-                    <a:lumOff val="35000"/>
-                  </a:schemeClr>
-                </a:solidFill>
-                <a:latin typeface="Consolas" panose="020B0609020204030204" pitchFamily="49" charset="0"/>
-              </a:rPr>
-              <a:t>      “posts”: [</a:t>
-            </a:r>
-          </a:p>
-          <a:p>
-            <a:pPr marL="0" indent="0">
-              <a:buNone/>
-            </a:pPr>
-            <a:r>
-              <a:rPr lang="en-US" sz="1400" dirty="0">
-                <a:solidFill>
-                  <a:schemeClr val="tx1">
-                    <a:lumMod val="65000"/>
-                    <a:lumOff val="35000"/>
-                  </a:schemeClr>
-                </a:solidFill>
-                <a:latin typeface="Consolas" panose="020B0609020204030204" pitchFamily="49" charset="0"/>
-              </a:rPr>
-              <a:t>         {</a:t>
-            </a:r>
-          </a:p>
-          <a:p>
-            <a:pPr marL="0" indent="0">
-              <a:buNone/>
-            </a:pPr>
-            <a:r>
-              <a:rPr lang="en-US" sz="1400" dirty="0">
-                <a:solidFill>
-                  <a:schemeClr val="tx1">
-                    <a:lumMod val="65000"/>
-                    <a:lumOff val="35000"/>
-                  </a:schemeClr>
-                </a:solidFill>
-                <a:latin typeface="Consolas" panose="020B0609020204030204" pitchFamily="49" charset="0"/>
-              </a:rPr>
-              <a:t>            “title”: “Faust. Eine </a:t>
-            </a:r>
-            <a:r>
-              <a:rPr lang="en-US" sz="1400" dirty="0" err="1">
-                <a:solidFill>
-                  <a:schemeClr val="tx1">
-                    <a:lumMod val="65000"/>
-                    <a:lumOff val="35000"/>
-                  </a:schemeClr>
-                </a:solidFill>
-                <a:latin typeface="Consolas" panose="020B0609020204030204" pitchFamily="49" charset="0"/>
-              </a:rPr>
-              <a:t>Tragödie</a:t>
-            </a:r>
-            <a:r>
-              <a:rPr lang="en-US" sz="1400" dirty="0">
-                <a:solidFill>
-                  <a:schemeClr val="tx1">
-                    <a:lumMod val="65000"/>
-                    <a:lumOff val="35000"/>
-                  </a:schemeClr>
-                </a:solidFill>
-                <a:latin typeface="Consolas" panose="020B0609020204030204" pitchFamily="49" charset="0"/>
-              </a:rPr>
-              <a:t>.”,</a:t>
-            </a:r>
-          </a:p>
-          <a:p>
-            <a:pPr marL="0" indent="0">
-              <a:buNone/>
-            </a:pPr>
-            <a:r>
-              <a:rPr lang="en-US" sz="1400" dirty="0">
-                <a:solidFill>
-                  <a:schemeClr val="tx1">
-                    <a:lumMod val="65000"/>
-                    <a:lumOff val="35000"/>
-                  </a:schemeClr>
-                </a:solidFill>
-                <a:latin typeface="Consolas" panose="020B0609020204030204" pitchFamily="49" charset="0"/>
-              </a:rPr>
-              <a:t>            “author”: {</a:t>
-            </a:r>
-          </a:p>
-          <a:p>
-            <a:pPr marL="0" indent="0">
-              <a:buNone/>
-            </a:pPr>
-            <a:r>
-              <a:rPr lang="en-US" sz="1400" dirty="0">
-                <a:solidFill>
-                  <a:schemeClr val="tx1">
-                    <a:lumMod val="65000"/>
-                    <a:lumOff val="35000"/>
-                  </a:schemeClr>
-                </a:solidFill>
-                <a:latin typeface="Consolas" panose="020B0609020204030204" pitchFamily="49" charset="0"/>
-              </a:rPr>
-              <a:t>               “name”: “Johann Wolfgang von Goethe”</a:t>
-            </a:r>
-            <a:endParaRPr lang="en-US" sz="1400" dirty="0">
-              <a:solidFill>
-                <a:schemeClr val="accent6">
-                  <a:lumMod val="75000"/>
-                </a:schemeClr>
-              </a:solidFill>
-              <a:latin typeface="Consolas" panose="020B0609020204030204" pitchFamily="49" charset="0"/>
-            </a:endParaRPr>
-          </a:p>
-          <a:p>
-            <a:pPr marL="0" indent="0">
-              <a:buNone/>
-            </a:pPr>
-            <a:r>
-              <a:rPr lang="en-US" sz="1400" dirty="0">
-                <a:solidFill>
-                  <a:schemeClr val="tx1">
-                    <a:lumMod val="65000"/>
-                    <a:lumOff val="35000"/>
-                  </a:schemeClr>
-                </a:solidFill>
-                <a:latin typeface="Consolas" panose="020B0609020204030204" pitchFamily="49" charset="0"/>
-              </a:rPr>
-              <a:t>            }</a:t>
-            </a:r>
-          </a:p>
-          <a:p>
-            <a:pPr marL="0" indent="0">
-              <a:buNone/>
-            </a:pPr>
-            <a:r>
-              <a:rPr lang="en-US" sz="1400" dirty="0">
-                <a:solidFill>
-                  <a:schemeClr val="tx1">
-                    <a:lumMod val="65000"/>
-                    <a:lumOff val="35000"/>
-                  </a:schemeClr>
-                </a:solidFill>
-                <a:latin typeface="Consolas" panose="020B0609020204030204" pitchFamily="49" charset="0"/>
-              </a:rPr>
-              <a:t>         },</a:t>
-            </a:r>
-          </a:p>
-          <a:p>
-            <a:pPr marL="0" indent="0">
-              <a:buNone/>
-            </a:pPr>
-            <a:r>
-              <a:rPr lang="en-US" sz="1400" dirty="0">
-                <a:solidFill>
-                  <a:schemeClr val="tx1">
-                    <a:lumMod val="65000"/>
-                    <a:lumOff val="35000"/>
-                  </a:schemeClr>
-                </a:solidFill>
-                <a:latin typeface="Consolas" panose="020B0609020204030204" pitchFamily="49" charset="0"/>
-              </a:rPr>
-              <a:t>         {</a:t>
-            </a:r>
-          </a:p>
-          <a:p>
-            <a:pPr marL="0" indent="0">
-              <a:buNone/>
-            </a:pPr>
-            <a:r>
-              <a:rPr lang="en-US" sz="1400" dirty="0">
-                <a:solidFill>
-                  <a:schemeClr val="tx1">
-                    <a:lumMod val="65000"/>
-                    <a:lumOff val="35000"/>
-                  </a:schemeClr>
-                </a:solidFill>
-                <a:latin typeface="Consolas" panose="020B0609020204030204" pitchFamily="49" charset="0"/>
-              </a:rPr>
-              <a:t>            “title”: “</a:t>
-            </a:r>
-            <a:r>
-              <a:rPr lang="de-DE" sz="1400" dirty="0">
-                <a:solidFill>
-                  <a:schemeClr val="tx1">
-                    <a:lumMod val="65000"/>
-                    <a:lumOff val="35000"/>
-                  </a:schemeClr>
-                </a:solidFill>
-                <a:latin typeface="Consolas" panose="020B0609020204030204" pitchFamily="49" charset="0"/>
-              </a:rPr>
-              <a:t>Faust. Der Tragödie zweiter Teil“,</a:t>
-            </a:r>
-          </a:p>
-          <a:p>
-            <a:pPr marL="0" indent="0">
-              <a:buNone/>
-            </a:pPr>
-            <a:r>
-              <a:rPr lang="en-US" sz="1400" dirty="0">
-                <a:solidFill>
-                  <a:schemeClr val="tx1">
-                    <a:lumMod val="65000"/>
-                    <a:lumOff val="35000"/>
-                  </a:schemeClr>
-                </a:solidFill>
-                <a:latin typeface="Consolas" panose="020B0609020204030204" pitchFamily="49" charset="0"/>
-              </a:rPr>
-              <a:t>            “author”: {</a:t>
-            </a:r>
-          </a:p>
-          <a:p>
-            <a:pPr marL="0" indent="0">
-              <a:buNone/>
-            </a:pPr>
-            <a:r>
-              <a:rPr lang="en-US" sz="1400" dirty="0">
-                <a:solidFill>
-                  <a:schemeClr val="tx1">
-                    <a:lumMod val="65000"/>
-                    <a:lumOff val="35000"/>
-                  </a:schemeClr>
-                </a:solidFill>
-                <a:latin typeface="Consolas" panose="020B0609020204030204" pitchFamily="49" charset="0"/>
-              </a:rPr>
-              <a:t>               “name”: “Johann Wolfgang von Goethe”</a:t>
-            </a:r>
-          </a:p>
-          <a:p>
-            <a:pPr marL="0" indent="0">
-              <a:buNone/>
-            </a:pPr>
-            <a:r>
-              <a:rPr lang="en-US" sz="1400" dirty="0">
-                <a:solidFill>
-                  <a:schemeClr val="tx1">
-                    <a:lumMod val="65000"/>
-                    <a:lumOff val="35000"/>
-                  </a:schemeClr>
-                </a:solidFill>
-                <a:latin typeface="Consolas" panose="020B0609020204030204" pitchFamily="49" charset="0"/>
-              </a:rPr>
-              <a:t>            }</a:t>
-            </a:r>
-          </a:p>
-          <a:p>
-            <a:pPr marL="0" indent="0">
-              <a:buNone/>
-            </a:pPr>
-            <a:r>
-              <a:rPr lang="en-US" sz="1400" dirty="0">
-                <a:solidFill>
-                  <a:schemeClr val="tx1">
-                    <a:lumMod val="65000"/>
-                    <a:lumOff val="35000"/>
-                  </a:schemeClr>
-                </a:solidFill>
-                <a:latin typeface="Consolas" panose="020B0609020204030204" pitchFamily="49" charset="0"/>
-              </a:rPr>
-              <a:t>         }</a:t>
-            </a:r>
-          </a:p>
-          <a:p>
-            <a:pPr marL="0" indent="0">
-              <a:buNone/>
-            </a:pPr>
-            <a:r>
-              <a:rPr lang="en-US" sz="1400" dirty="0">
-                <a:solidFill>
-                  <a:schemeClr val="tx1">
-                    <a:lumMod val="65000"/>
-                    <a:lumOff val="35000"/>
-                  </a:schemeClr>
-                </a:solidFill>
-                <a:latin typeface="Consolas" panose="020B0609020204030204" pitchFamily="49" charset="0"/>
-              </a:rPr>
-              <a:t>      ]</a:t>
-            </a:r>
-          </a:p>
-          <a:p>
-            <a:pPr marL="0" indent="0">
-              <a:buNone/>
-            </a:pPr>
-            <a:r>
-              <a:rPr lang="en-US" sz="1400" dirty="0">
-                <a:solidFill>
-                  <a:schemeClr val="tx1">
-                    <a:lumMod val="65000"/>
-                    <a:lumOff val="35000"/>
-                  </a:schemeClr>
-                </a:solidFill>
-                <a:latin typeface="Consolas" panose="020B0609020204030204" pitchFamily="49" charset="0"/>
-              </a:rPr>
-              <a:t>   }</a:t>
-            </a:r>
-          </a:p>
-          <a:p>
-            <a:pPr marL="0" indent="0">
-              <a:buNone/>
-            </a:pPr>
-            <a:r>
-              <a:rPr lang="en-US" sz="1400" dirty="0">
-                <a:solidFill>
-                  <a:schemeClr val="tx1">
-                    <a:lumMod val="65000"/>
-                    <a:lumOff val="35000"/>
-                  </a:schemeClr>
-                </a:solidFill>
-                <a:latin typeface="Consolas" panose="020B0609020204030204" pitchFamily="49" charset="0"/>
-              </a:rPr>
-              <a:t>}</a:t>
-            </a:r>
-          </a:p>
-          <a:p>
-            <a:pPr marL="0" indent="0">
-              <a:buNone/>
-            </a:pPr>
-            <a:endParaRPr lang="de-DE" sz="1100" dirty="0"/>
-          </a:p>
-        </p:txBody>
-      </p:sp>
-      <p:sp>
-        <p:nvSpPr>
-          <p:cNvPr id="4" name="Text Placeholder 3">
-            <a:extLst>
-              <a:ext uri="{FF2B5EF4-FFF2-40B4-BE49-F238E27FC236}">
-                <a16:creationId xmlns:a16="http://schemas.microsoft.com/office/drawing/2014/main" id="{89DD1C8B-98DD-49DD-8746-57C58CD6FD83}"/>
-              </a:ext>
-            </a:extLst>
-          </p:cNvPr>
-          <p:cNvSpPr>
-            <a:spLocks noGrp="1"/>
-          </p:cNvSpPr>
-          <p:nvPr>
-            <p:ph type="body" sz="half" idx="2"/>
           </p:nvPr>
         </p:nvSpPr>
         <p:spPr/>
@@ -5310,14 +5496,371 @@
           <a:bodyPr/>
           <a:lstStyle/>
           <a:p>
-            <a:endParaRPr lang="de-DE"/>
+            <a:r>
+              <a:rPr lang="de-DE" dirty="0"/>
+              <a:t>A </a:t>
+            </a:r>
+            <a:r>
+              <a:rPr lang="de-DE" dirty="0" err="1"/>
+              <a:t>query</a:t>
+            </a:r>
+            <a:r>
+              <a:rPr lang="de-DE" dirty="0"/>
+              <a:t> </a:t>
+            </a:r>
+            <a:r>
+              <a:rPr lang="de-DE" dirty="0" err="1"/>
+              <a:t>is</a:t>
+            </a:r>
+            <a:r>
+              <a:rPr lang="de-DE" dirty="0"/>
+              <a:t> </a:t>
+            </a:r>
+            <a:r>
+              <a:rPr lang="de-DE" dirty="0" err="1"/>
+              <a:t>formed</a:t>
+            </a:r>
+            <a:r>
+              <a:rPr lang="de-DE" dirty="0"/>
+              <a:t> </a:t>
+            </a:r>
+            <a:r>
+              <a:rPr lang="de-DE" dirty="0" err="1"/>
+              <a:t>based</a:t>
+            </a:r>
+            <a:r>
+              <a:rPr lang="de-DE" dirty="0"/>
+              <a:t> on </a:t>
+            </a:r>
+            <a:r>
+              <a:rPr lang="de-DE" dirty="0" err="1"/>
+              <a:t>the</a:t>
+            </a:r>
+            <a:r>
+              <a:rPr lang="de-DE" dirty="0"/>
+              <a:t> </a:t>
+            </a:r>
+            <a:r>
+              <a:rPr lang="de-DE" dirty="0" err="1"/>
+              <a:t>schema</a:t>
+            </a:r>
+            <a:r>
+              <a:rPr lang="de-DE" dirty="0"/>
+              <a:t> and </a:t>
+            </a:r>
+            <a:r>
+              <a:rPr lang="de-DE" dirty="0" err="1"/>
+              <a:t>the</a:t>
+            </a:r>
+            <a:r>
+              <a:rPr lang="de-DE" dirty="0"/>
+              <a:t> GraphQL-Syntax</a:t>
+            </a:r>
+          </a:p>
+          <a:p>
+            <a:r>
+              <a:rPr lang="de-DE" dirty="0"/>
+              <a:t>The Client </a:t>
+            </a:r>
+            <a:r>
+              <a:rPr lang="de-DE" dirty="0" err="1"/>
+              <a:t>can</a:t>
+            </a:r>
+            <a:r>
+              <a:rPr lang="de-DE" dirty="0"/>
+              <a:t> </a:t>
+            </a:r>
+            <a:r>
+              <a:rPr lang="de-DE" dirty="0" err="1"/>
+              <a:t>specify</a:t>
+            </a:r>
+            <a:r>
+              <a:rPr lang="de-DE" dirty="0"/>
+              <a:t> </a:t>
+            </a:r>
+            <a:r>
+              <a:rPr lang="de-DE" dirty="0" err="1"/>
+              <a:t>various</a:t>
+            </a:r>
+            <a:r>
+              <a:rPr lang="de-DE" dirty="0"/>
+              <a:t> </a:t>
+            </a:r>
+            <a:r>
+              <a:rPr lang="de-DE" dirty="0" err="1"/>
+              <a:t>queries</a:t>
+            </a:r>
+            <a:r>
+              <a:rPr lang="de-DE" dirty="0"/>
+              <a:t> in </a:t>
+            </a:r>
+            <a:r>
+              <a:rPr lang="de-DE" dirty="0" err="1"/>
+              <a:t>one</a:t>
+            </a:r>
+            <a:r>
+              <a:rPr lang="de-DE" dirty="0"/>
+              <a:t> HTTP-Request</a:t>
+            </a:r>
+          </a:p>
+          <a:p>
+            <a:r>
+              <a:rPr lang="de-DE" dirty="0"/>
+              <a:t>In </a:t>
+            </a:r>
+            <a:r>
+              <a:rPr lang="de-DE" dirty="0" err="1"/>
+              <a:t>the</a:t>
+            </a:r>
+            <a:r>
+              <a:rPr lang="de-DE" dirty="0"/>
+              <a:t> </a:t>
+            </a:r>
+            <a:r>
+              <a:rPr lang="de-DE" dirty="0" err="1"/>
+              <a:t>query</a:t>
+            </a:r>
+            <a:r>
+              <a:rPr lang="de-DE" dirty="0"/>
+              <a:t> </a:t>
+            </a:r>
+            <a:r>
+              <a:rPr lang="de-DE" dirty="0" err="1"/>
+              <a:t>you</a:t>
+            </a:r>
+            <a:r>
+              <a:rPr lang="de-DE" dirty="0"/>
+              <a:t> </a:t>
+            </a:r>
+            <a:r>
+              <a:rPr lang="de-DE" dirty="0" err="1"/>
+              <a:t>can</a:t>
+            </a:r>
+            <a:r>
+              <a:rPr lang="de-DE" dirty="0"/>
+              <a:t> </a:t>
+            </a:r>
+            <a:r>
+              <a:rPr lang="de-DE" dirty="0" err="1"/>
+              <a:t>specify</a:t>
+            </a:r>
+            <a:r>
+              <a:rPr lang="de-DE" dirty="0"/>
+              <a:t> </a:t>
+            </a:r>
+            <a:r>
+              <a:rPr lang="de-DE" dirty="0" err="1"/>
+              <a:t>the</a:t>
+            </a:r>
+            <a:r>
+              <a:rPr lang="de-DE" dirty="0"/>
+              <a:t> </a:t>
+            </a:r>
+            <a:r>
+              <a:rPr lang="de-DE" dirty="0" err="1"/>
+              <a:t>data</a:t>
+            </a:r>
+            <a:r>
+              <a:rPr lang="de-DE" dirty="0"/>
+              <a:t> </a:t>
+            </a:r>
+            <a:r>
+              <a:rPr lang="de-DE" dirty="0" err="1"/>
+              <a:t>which</a:t>
+            </a:r>
+            <a:r>
+              <a:rPr lang="de-DE" dirty="0"/>
+              <a:t> </a:t>
+            </a:r>
+            <a:r>
+              <a:rPr lang="de-DE" dirty="0" err="1"/>
+              <a:t>should</a:t>
+            </a:r>
+            <a:r>
+              <a:rPr lang="de-DE" dirty="0"/>
+              <a:t> </a:t>
+            </a:r>
+            <a:r>
+              <a:rPr lang="de-DE" dirty="0" err="1"/>
+              <a:t>be</a:t>
+            </a:r>
+            <a:r>
+              <a:rPr lang="de-DE" dirty="0"/>
+              <a:t> </a:t>
+            </a:r>
+            <a:r>
+              <a:rPr lang="de-DE" dirty="0" err="1"/>
+              <a:t>returned</a:t>
+            </a:r>
+            <a:endParaRPr lang="de-DE" dirty="0"/>
+          </a:p>
+          <a:p>
+            <a:r>
+              <a:rPr lang="de-DE" dirty="0" err="1"/>
+              <a:t>How</a:t>
+            </a:r>
+            <a:r>
+              <a:rPr lang="de-DE" dirty="0"/>
+              <a:t> </a:t>
+            </a:r>
+            <a:r>
+              <a:rPr lang="de-DE" dirty="0" err="1"/>
+              <a:t>the</a:t>
+            </a:r>
+            <a:r>
+              <a:rPr lang="de-DE" dirty="0"/>
+              <a:t> </a:t>
+            </a:r>
+            <a:r>
+              <a:rPr lang="de-DE" dirty="0" err="1"/>
+              <a:t>query</a:t>
+            </a:r>
+            <a:r>
+              <a:rPr lang="de-DE" dirty="0"/>
+              <a:t> </a:t>
+            </a:r>
+            <a:r>
+              <a:rPr lang="de-DE" dirty="0" err="1"/>
+              <a:t>is</a:t>
+            </a:r>
+            <a:r>
+              <a:rPr lang="de-DE" dirty="0"/>
+              <a:t> </a:t>
+            </a:r>
+            <a:r>
+              <a:rPr lang="de-DE" dirty="0" err="1"/>
+              <a:t>passed</a:t>
+            </a:r>
+            <a:r>
+              <a:rPr lang="de-DE" dirty="0"/>
+              <a:t> in a HTTP-Request </a:t>
+            </a:r>
+            <a:r>
+              <a:rPr lang="de-DE" dirty="0" err="1"/>
+              <a:t>is</a:t>
+            </a:r>
+            <a:r>
+              <a:rPr lang="de-DE" dirty="0"/>
+              <a:t> </a:t>
+            </a:r>
+            <a:r>
+              <a:rPr lang="de-DE" dirty="0" err="1"/>
+              <a:t>implemented</a:t>
+            </a:r>
+            <a:r>
+              <a:rPr lang="de-DE" dirty="0"/>
+              <a:t> on </a:t>
+            </a:r>
+            <a:r>
+              <a:rPr lang="de-DE" dirty="0" err="1"/>
+              <a:t>the</a:t>
+            </a:r>
+            <a:r>
+              <a:rPr lang="de-DE" dirty="0"/>
+              <a:t> Server</a:t>
+            </a:r>
+          </a:p>
+          <a:p>
+            <a:r>
+              <a:rPr lang="de-DE" dirty="0" err="1"/>
+              <a:t>It</a:t>
+            </a:r>
+            <a:r>
+              <a:rPr lang="de-DE" dirty="0"/>
+              <a:t> </a:t>
+            </a:r>
+            <a:r>
+              <a:rPr lang="de-DE" dirty="0" err="1"/>
+              <a:t>is</a:t>
+            </a:r>
+            <a:r>
+              <a:rPr lang="de-DE" dirty="0"/>
+              <a:t> </a:t>
+            </a:r>
+            <a:r>
+              <a:rPr lang="de-DE" dirty="0" err="1"/>
+              <a:t>possible</a:t>
+            </a:r>
+            <a:r>
+              <a:rPr lang="de-DE" dirty="0"/>
+              <a:t> </a:t>
+            </a:r>
+            <a:r>
+              <a:rPr lang="de-DE" dirty="0" err="1"/>
+              <a:t>to</a:t>
+            </a:r>
+            <a:r>
+              <a:rPr lang="de-DE" dirty="0"/>
+              <a:t> separate </a:t>
+            </a:r>
+            <a:r>
+              <a:rPr lang="de-DE" dirty="0" err="1"/>
+              <a:t>the</a:t>
+            </a:r>
+            <a:r>
+              <a:rPr lang="de-DE" dirty="0"/>
+              <a:t> </a:t>
+            </a:r>
+            <a:r>
+              <a:rPr lang="de-DE" dirty="0" err="1"/>
+              <a:t>inputs</a:t>
+            </a:r>
+            <a:r>
+              <a:rPr lang="de-DE" dirty="0"/>
+              <a:t> (variables) </a:t>
+            </a:r>
+            <a:r>
+              <a:rPr lang="de-DE" dirty="0" err="1"/>
+              <a:t>of</a:t>
+            </a:r>
+            <a:r>
+              <a:rPr lang="de-DE" dirty="0"/>
+              <a:t> a </a:t>
+            </a:r>
+            <a:r>
+              <a:rPr lang="de-DE" dirty="0" err="1"/>
+              <a:t>query</a:t>
+            </a:r>
+            <a:r>
+              <a:rPr lang="de-DE" dirty="0"/>
+              <a:t> </a:t>
+            </a:r>
+            <a:r>
+              <a:rPr lang="de-DE" dirty="0" err="1"/>
+              <a:t>from</a:t>
+            </a:r>
+            <a:r>
+              <a:rPr lang="de-DE" dirty="0"/>
+              <a:t> </a:t>
+            </a:r>
+            <a:r>
+              <a:rPr lang="de-DE" dirty="0" err="1"/>
+              <a:t>the</a:t>
+            </a:r>
+            <a:r>
+              <a:rPr lang="de-DE" dirty="0"/>
+              <a:t> </a:t>
+            </a:r>
+            <a:r>
+              <a:rPr lang="de-DE" dirty="0" err="1"/>
+              <a:t>actual</a:t>
+            </a:r>
+            <a:r>
+              <a:rPr lang="de-DE" dirty="0"/>
+              <a:t> </a:t>
+            </a:r>
+            <a:r>
+              <a:rPr lang="de-DE" dirty="0" err="1"/>
+              <a:t>query</a:t>
+            </a:r>
+            <a:endParaRPr lang="de-DE" dirty="0"/>
           </a:p>
         </p:txBody>
       </p:sp>
     </p:spTree>
     <p:extLst>
       <p:ext uri="{BB962C8B-B14F-4D97-AF65-F5344CB8AC3E}">
-        <p14:creationId xmlns:p14="http://schemas.microsoft.com/office/powerpoint/2010/main" val="2739111071"/>
+        <p14:creationId xmlns:p14="http://schemas.microsoft.com/office/powerpoint/2010/main" val="2595987514"/>
       </p:ext>
     </p:extLst>
   </p:cSld>
@@ -5349,10 +5892,10 @@
       </p:grpSpPr>
       <p:sp>
         <p:nvSpPr>
-          <p:cNvPr id="5" name="Title 4">
-            <a:extLst>
-              <a:ext uri="{FF2B5EF4-FFF2-40B4-BE49-F238E27FC236}">
-                <a16:creationId xmlns:a16="http://schemas.microsoft.com/office/drawing/2014/main" id="{530EB04D-EBC5-4C76-89DE-97FB0DC73D48}"/>
+          <p:cNvPr id="2" name="Title 1">
+            <a:extLst>
+              <a:ext uri="{FF2B5EF4-FFF2-40B4-BE49-F238E27FC236}">
+                <a16:creationId xmlns:a16="http://schemas.microsoft.com/office/drawing/2014/main" id="{B58106D9-20CD-4182-B99F-1AEDBFA03D64}"/>
               </a:ext>
             </a:extLst>
           </p:cNvPr>
@@ -5370,30 +5913,240 @@
           <a:p>
             <a:r>
               <a:rPr lang="de-DE" dirty="0"/>
-              <a:t>The </a:t>
-            </a:r>
-            <a:r>
-              <a:rPr lang="de-DE" dirty="0" err="1"/>
-              <a:t>Execution</a:t>
-            </a:r>
+              <a:t>The Query – </a:t>
+            </a:r>
+            <a:r>
+              <a:rPr lang="de-DE" dirty="0" err="1"/>
+              <a:t>Example</a:t>
+            </a:r>
+            <a:r>
+              <a:rPr lang="de-DE" dirty="0"/>
+              <a:t> Query</a:t>
+            </a:r>
+          </a:p>
+        </p:txBody>
+      </p:sp>
+      <p:sp>
+        <p:nvSpPr>
+          <p:cNvPr id="3" name="Content Placeholder 2">
+            <a:extLst>
+              <a:ext uri="{FF2B5EF4-FFF2-40B4-BE49-F238E27FC236}">
+                <a16:creationId xmlns:a16="http://schemas.microsoft.com/office/drawing/2014/main" id="{12CA9E5D-2943-4796-B5E8-4BF60BF32A8D}"/>
+              </a:ext>
+            </a:extLst>
+          </p:cNvPr>
+          <p:cNvSpPr>
+            <a:spLocks noGrp="1"/>
+          </p:cNvSpPr>
+          <p:nvPr>
+            <p:ph idx="1"/>
+          </p:nvPr>
+        </p:nvSpPr>
+        <p:spPr>
+          <a:xfrm>
+            <a:off x="5183188" y="987426"/>
+            <a:ext cx="6172200" cy="2750386"/>
+          </a:xfrm>
+        </p:spPr>
+        <p:txBody>
+          <a:bodyPr>
+            <a:normAutofit/>
+          </a:bodyPr>
+          <a:lstStyle/>
+          <a:p>
+            <a:pPr marL="0" indent="0">
+              <a:buNone/>
+            </a:pPr>
+            <a:r>
+              <a:rPr lang="en-US" sz="1800" b="0" dirty="0">
+                <a:solidFill>
+                  <a:schemeClr val="tx1">
+                    <a:lumMod val="65000"/>
+                    <a:lumOff val="35000"/>
+                  </a:schemeClr>
+                </a:solidFill>
+                <a:effectLst/>
+                <a:latin typeface="Consolas" panose="020B0609020204030204" pitchFamily="49" charset="0"/>
+              </a:rPr>
+              <a:t>{</a:t>
+            </a:r>
+          </a:p>
+          <a:p>
+            <a:pPr marL="0" indent="0">
+              <a:buNone/>
+            </a:pPr>
+            <a:r>
+              <a:rPr lang="en-US" sz="1800" dirty="0">
+                <a:solidFill>
+                  <a:schemeClr val="tx1">
+                    <a:lumMod val="65000"/>
+                    <a:lumOff val="35000"/>
+                  </a:schemeClr>
+                </a:solidFill>
+                <a:latin typeface="Consolas" panose="020B0609020204030204" pitchFamily="49" charset="0"/>
+              </a:rPr>
+              <a:t>   </a:t>
+            </a:r>
+            <a:r>
+              <a:rPr lang="en-US" sz="1800" b="0" dirty="0" err="1">
+                <a:solidFill>
+                  <a:schemeClr val="tx1">
+                    <a:lumMod val="65000"/>
+                    <a:lumOff val="35000"/>
+                  </a:schemeClr>
+                </a:solidFill>
+                <a:effectLst/>
+                <a:latin typeface="Consolas" panose="020B0609020204030204" pitchFamily="49" charset="0"/>
+              </a:rPr>
+              <a:t>getAuthor</a:t>
+            </a:r>
+            <a:r>
+              <a:rPr lang="en-US" sz="1800" b="0" dirty="0">
+                <a:solidFill>
+                  <a:schemeClr val="tx1">
+                    <a:lumMod val="65000"/>
+                    <a:lumOff val="35000"/>
+                  </a:schemeClr>
+                </a:solidFill>
+                <a:effectLst/>
+                <a:latin typeface="Consolas" panose="020B0609020204030204" pitchFamily="49" charset="0"/>
+              </a:rPr>
+              <a:t>(name: “Donald Trump”) {</a:t>
+            </a:r>
+          </a:p>
+          <a:p>
+            <a:pPr marL="0" indent="0">
+              <a:buNone/>
+            </a:pPr>
+            <a:r>
+              <a:rPr lang="en-US" sz="1800" b="0" dirty="0">
+                <a:solidFill>
+                  <a:schemeClr val="tx1">
+                    <a:lumMod val="65000"/>
+                    <a:lumOff val="35000"/>
+                  </a:schemeClr>
+                </a:solidFill>
+                <a:effectLst/>
+                <a:latin typeface="Consolas" panose="020B0609020204030204" pitchFamily="49" charset="0"/>
+              </a:rPr>
+              <a:t>      id</a:t>
+            </a:r>
+          </a:p>
+          <a:p>
+            <a:pPr marL="0" indent="0">
+              <a:buNone/>
+            </a:pPr>
+            <a:r>
+              <a:rPr lang="en-US" sz="1800" b="0" dirty="0">
+                <a:solidFill>
+                  <a:schemeClr val="tx1">
+                    <a:lumMod val="65000"/>
+                    <a:lumOff val="35000"/>
+                  </a:schemeClr>
+                </a:solidFill>
+                <a:effectLst/>
+                <a:latin typeface="Consolas" panose="020B0609020204030204" pitchFamily="49" charset="0"/>
+              </a:rPr>
+              <a:t>      name</a:t>
+            </a:r>
+          </a:p>
+          <a:p>
+            <a:pPr marL="0" indent="0">
+              <a:buNone/>
+            </a:pPr>
+            <a:r>
+              <a:rPr lang="en-US" sz="1800" dirty="0">
+                <a:solidFill>
+                  <a:schemeClr val="tx1">
+                    <a:lumMod val="65000"/>
+                    <a:lumOff val="35000"/>
+                  </a:schemeClr>
+                </a:solidFill>
+                <a:latin typeface="Consolas" panose="020B0609020204030204" pitchFamily="49" charset="0"/>
+              </a:rPr>
+              <a:t>      email</a:t>
+            </a:r>
+            <a:endParaRPr lang="en-US" sz="1800" b="0" dirty="0">
+              <a:solidFill>
+                <a:schemeClr val="tx1">
+                  <a:lumMod val="65000"/>
+                  <a:lumOff val="35000"/>
+                </a:schemeClr>
+              </a:solidFill>
+              <a:effectLst/>
+              <a:latin typeface="Consolas" panose="020B0609020204030204" pitchFamily="49" charset="0"/>
+            </a:endParaRPr>
+          </a:p>
+          <a:p>
+            <a:pPr marL="0" indent="0">
+              <a:buNone/>
+            </a:pPr>
+            <a:r>
+              <a:rPr lang="en-US" sz="1800" dirty="0">
+                <a:solidFill>
+                  <a:schemeClr val="tx1">
+                    <a:lumMod val="65000"/>
+                    <a:lumOff val="35000"/>
+                  </a:schemeClr>
+                </a:solidFill>
+                <a:latin typeface="Consolas" panose="020B0609020204030204" pitchFamily="49" charset="0"/>
+              </a:rPr>
+              <a:t>   </a:t>
+            </a:r>
+            <a:r>
+              <a:rPr lang="en-US" sz="1800" b="0" dirty="0">
+                <a:solidFill>
+                  <a:schemeClr val="tx1">
+                    <a:lumMod val="65000"/>
+                    <a:lumOff val="35000"/>
+                  </a:schemeClr>
+                </a:solidFill>
+                <a:effectLst/>
+                <a:latin typeface="Consolas" panose="020B0609020204030204" pitchFamily="49" charset="0"/>
+              </a:rPr>
+              <a:t>}</a:t>
+            </a:r>
+          </a:p>
+          <a:p>
+            <a:pPr marL="0" indent="0">
+              <a:buNone/>
+            </a:pPr>
+            <a:r>
+              <a:rPr lang="en-US" sz="1800" b="0" dirty="0">
+                <a:solidFill>
+                  <a:schemeClr val="tx1">
+                    <a:lumMod val="65000"/>
+                    <a:lumOff val="35000"/>
+                  </a:schemeClr>
+                </a:solidFill>
+                <a:effectLst/>
+                <a:latin typeface="Consolas" panose="020B0609020204030204" pitchFamily="49" charset="0"/>
+              </a:rPr>
+              <a:t>}</a:t>
+            </a:r>
+          </a:p>
+          <a:p>
+            <a:pPr marL="0" indent="0">
+              <a:buNone/>
+            </a:pPr>
             <a:endParaRPr lang="de-DE" dirty="0"/>
           </a:p>
         </p:txBody>
       </p:sp>
       <p:sp>
         <p:nvSpPr>
-          <p:cNvPr id="6" name="Content Placeholder 5">
-            <a:extLst>
-              <a:ext uri="{FF2B5EF4-FFF2-40B4-BE49-F238E27FC236}">
-                <a16:creationId xmlns:a16="http://schemas.microsoft.com/office/drawing/2014/main" id="{D7717451-9C13-4749-9817-7A69942A57A6}"/>
-              </a:ext>
-            </a:extLst>
-          </p:cNvPr>
-          <p:cNvSpPr>
-            <a:spLocks noGrp="1"/>
-          </p:cNvSpPr>
-          <p:nvPr>
-            <p:ph idx="1"/>
+          <p:cNvPr id="4" name="Text Placeholder 3">
+            <a:extLst>
+              <a:ext uri="{FF2B5EF4-FFF2-40B4-BE49-F238E27FC236}">
+                <a16:creationId xmlns:a16="http://schemas.microsoft.com/office/drawing/2014/main" id="{54FBECF2-D6BC-4DAB-BF74-C26ED7D4F111}"/>
+              </a:ext>
+            </a:extLst>
+          </p:cNvPr>
+          <p:cNvSpPr>
+            <a:spLocks noGrp="1"/>
+          </p:cNvSpPr>
+          <p:nvPr>
+            <p:ph type="body" sz="half" idx="2"/>
           </p:nvPr>
         </p:nvSpPr>
         <p:spPr/>
@@ -5401,284 +6154,320 @@
           <a:bodyPr/>
           <a:lstStyle/>
           <a:p>
-            <a:r>
-              <a:rPr lang="de-DE" dirty="0"/>
-              <a:t>The Query-</a:t>
-            </a:r>
-            <a:r>
-              <a:rPr lang="de-DE" dirty="0" err="1"/>
-              <a:t>Execution</a:t>
-            </a:r>
-            <a:r>
-              <a:rPr lang="de-DE" dirty="0"/>
-              <a:t> </a:t>
-            </a:r>
-            <a:r>
-              <a:rPr lang="de-DE" dirty="0" err="1"/>
-              <a:t>happens</a:t>
-            </a:r>
-            <a:r>
-              <a:rPr lang="de-DE" dirty="0"/>
-              <a:t> in </a:t>
-            </a:r>
-            <a:r>
-              <a:rPr lang="de-DE" dirty="0" err="1"/>
-              <a:t>three</a:t>
-            </a:r>
-            <a:r>
-              <a:rPr lang="de-DE" dirty="0"/>
-              <a:t> </a:t>
-            </a:r>
-            <a:r>
-              <a:rPr lang="de-DE" dirty="0" err="1"/>
-              <a:t>steps</a:t>
-            </a:r>
-            <a:r>
-              <a:rPr lang="de-DE" dirty="0"/>
-              <a:t>:</a:t>
-            </a:r>
-          </a:p>
-          <a:p>
-            <a:pPr lvl="1"/>
-            <a:r>
-              <a:rPr lang="de-DE" dirty="0"/>
-              <a:t>Parse</a:t>
-            </a:r>
-          </a:p>
-          <a:p>
-            <a:pPr lvl="1"/>
-            <a:r>
-              <a:rPr lang="de-DE" dirty="0" err="1"/>
-              <a:t>Validate</a:t>
-            </a:r>
-            <a:endParaRPr lang="de-DE" dirty="0"/>
-          </a:p>
-          <a:p>
-            <a:pPr lvl="1"/>
-            <a:r>
-              <a:rPr lang="de-DE" dirty="0"/>
-              <a:t>Execute</a:t>
-            </a:r>
-          </a:p>
-          <a:p>
-            <a:r>
-              <a:rPr lang="de-DE" dirty="0" err="1"/>
-              <a:t>For</a:t>
-            </a:r>
-            <a:r>
-              <a:rPr lang="de-DE" dirty="0"/>
-              <a:t> </a:t>
-            </a:r>
-            <a:r>
-              <a:rPr lang="de-DE" dirty="0" err="1"/>
-              <a:t>every</a:t>
-            </a:r>
-            <a:r>
-              <a:rPr lang="de-DE" dirty="0"/>
-              <a:t> </a:t>
-            </a:r>
-            <a:r>
-              <a:rPr lang="de-DE" dirty="0" err="1"/>
-              <a:t>query</a:t>
-            </a:r>
-            <a:r>
-              <a:rPr lang="de-DE" dirty="0"/>
-              <a:t> an </a:t>
-            </a:r>
-            <a:r>
-              <a:rPr lang="de-DE" dirty="0" err="1"/>
-              <a:t>abstract</a:t>
-            </a:r>
-            <a:r>
-              <a:rPr lang="de-DE" dirty="0"/>
-              <a:t> </a:t>
-            </a:r>
-            <a:r>
-              <a:rPr lang="de-DE" dirty="0" err="1"/>
-              <a:t>syntax</a:t>
-            </a:r>
-            <a:r>
-              <a:rPr lang="de-DE" dirty="0"/>
-              <a:t> </a:t>
-            </a:r>
-            <a:r>
-              <a:rPr lang="de-DE" dirty="0" err="1"/>
-              <a:t>tree</a:t>
-            </a:r>
-            <a:r>
-              <a:rPr lang="de-DE" dirty="0"/>
-              <a:t> </a:t>
-            </a:r>
-            <a:r>
-              <a:rPr lang="de-DE" dirty="0" err="1"/>
-              <a:t>is</a:t>
-            </a:r>
-            <a:r>
-              <a:rPr lang="de-DE" dirty="0"/>
-              <a:t> </a:t>
-            </a:r>
-            <a:r>
-              <a:rPr lang="de-DE" dirty="0" err="1"/>
-              <a:t>built</a:t>
-            </a:r>
-            <a:r>
-              <a:rPr lang="de-DE" dirty="0"/>
-              <a:t> (Parse)</a:t>
-            </a:r>
-          </a:p>
-          <a:p>
-            <a:r>
-              <a:rPr lang="de-DE" dirty="0"/>
-              <a:t>The </a:t>
-            </a:r>
-            <a:r>
-              <a:rPr lang="de-DE" dirty="0" err="1"/>
-              <a:t>executor</a:t>
-            </a:r>
-            <a:r>
-              <a:rPr lang="de-DE" dirty="0"/>
-              <a:t> </a:t>
-            </a:r>
-            <a:r>
-              <a:rPr lang="de-DE" dirty="0" err="1"/>
-              <a:t>then</a:t>
-            </a:r>
-            <a:r>
-              <a:rPr lang="de-DE" dirty="0"/>
-              <a:t> </a:t>
-            </a:r>
-            <a:r>
-              <a:rPr lang="de-DE" dirty="0" err="1"/>
-              <a:t>calls</a:t>
-            </a:r>
-            <a:r>
-              <a:rPr lang="de-DE" dirty="0"/>
-              <a:t> </a:t>
-            </a:r>
-            <a:r>
-              <a:rPr lang="de-DE" dirty="0" err="1"/>
-              <a:t>every</a:t>
-            </a:r>
-            <a:r>
-              <a:rPr lang="de-DE" dirty="0"/>
-              <a:t> </a:t>
-            </a:r>
-            <a:r>
-              <a:rPr lang="de-DE" dirty="0" err="1"/>
-              <a:t>node‘s</a:t>
-            </a:r>
-            <a:r>
-              <a:rPr lang="de-DE" dirty="0"/>
-              <a:t> </a:t>
-            </a:r>
-            <a:r>
-              <a:rPr lang="de-DE" dirty="0" err="1"/>
-              <a:t>resolve</a:t>
-            </a:r>
-            <a:r>
-              <a:rPr lang="de-DE" dirty="0"/>
-              <a:t> </a:t>
-            </a:r>
-            <a:r>
-              <a:rPr lang="de-DE" dirty="0" err="1"/>
-              <a:t>function</a:t>
-            </a:r>
-            <a:r>
-              <a:rPr lang="de-DE" dirty="0"/>
-              <a:t> </a:t>
-            </a:r>
-            <a:r>
-              <a:rPr lang="de-DE" dirty="0" err="1"/>
-              <a:t>from</a:t>
-            </a:r>
-            <a:r>
-              <a:rPr lang="de-DE" dirty="0"/>
-              <a:t> </a:t>
-            </a:r>
-            <a:r>
-              <a:rPr lang="de-DE" dirty="0" err="1"/>
-              <a:t>the</a:t>
-            </a:r>
-            <a:r>
-              <a:rPr lang="de-DE" dirty="0"/>
-              <a:t> top </a:t>
-            </a:r>
-            <a:r>
-              <a:rPr lang="de-DE" dirty="0" err="1"/>
-              <a:t>to</a:t>
-            </a:r>
-            <a:r>
-              <a:rPr lang="de-DE" dirty="0"/>
-              <a:t> </a:t>
-            </a:r>
-            <a:r>
-              <a:rPr lang="de-DE" dirty="0" err="1"/>
-              <a:t>the</a:t>
-            </a:r>
-            <a:r>
-              <a:rPr lang="de-DE" dirty="0"/>
-              <a:t> </a:t>
-            </a:r>
-            <a:r>
-              <a:rPr lang="de-DE" dirty="0" err="1"/>
-              <a:t>bottom</a:t>
-            </a:r>
-            <a:r>
-              <a:rPr lang="de-DE" dirty="0"/>
-              <a:t> </a:t>
-            </a:r>
-            <a:r>
-              <a:rPr lang="de-DE" dirty="0" err="1"/>
-              <a:t>until</a:t>
-            </a:r>
-            <a:r>
-              <a:rPr lang="de-DE" dirty="0"/>
-              <a:t> all </a:t>
-            </a:r>
-            <a:r>
-              <a:rPr lang="de-DE" dirty="0" err="1"/>
-              <a:t>types</a:t>
-            </a:r>
-            <a:r>
-              <a:rPr lang="de-DE" dirty="0"/>
-              <a:t> </a:t>
-            </a:r>
-            <a:r>
-              <a:rPr lang="de-DE" dirty="0" err="1"/>
-              <a:t>are</a:t>
-            </a:r>
-            <a:r>
-              <a:rPr lang="de-DE" dirty="0"/>
-              <a:t> </a:t>
-            </a:r>
-            <a:r>
-              <a:rPr lang="de-DE" dirty="0" err="1"/>
-              <a:t>resolved</a:t>
-            </a:r>
-            <a:r>
-              <a:rPr lang="de-DE" dirty="0"/>
-              <a:t> </a:t>
-            </a:r>
-            <a:r>
-              <a:rPr lang="de-DE" dirty="0" err="1"/>
-              <a:t>into</a:t>
-            </a:r>
-            <a:r>
-              <a:rPr lang="de-DE" dirty="0"/>
-              <a:t> </a:t>
-            </a:r>
-            <a:r>
-              <a:rPr lang="de-DE" dirty="0" err="1"/>
-              <a:t>scalar</a:t>
-            </a:r>
-            <a:r>
-              <a:rPr lang="de-DE" dirty="0"/>
-              <a:t> </a:t>
-            </a:r>
-            <a:r>
-              <a:rPr lang="de-DE" dirty="0" err="1"/>
-              <a:t>types</a:t>
-            </a:r>
+            <a:endParaRPr lang="de-DE"/>
+          </a:p>
+        </p:txBody>
+      </p:sp>
+      <p:sp>
+        <p:nvSpPr>
+          <p:cNvPr id="5" name="Content Placeholder 2">
+            <a:extLst>
+              <a:ext uri="{FF2B5EF4-FFF2-40B4-BE49-F238E27FC236}">
+                <a16:creationId xmlns:a16="http://schemas.microsoft.com/office/drawing/2014/main" id="{C68FA4C3-0CAE-40D4-9AE9-671918850AB5}"/>
+              </a:ext>
+            </a:extLst>
+          </p:cNvPr>
+          <p:cNvSpPr txBox="1">
+            <a:spLocks/>
+          </p:cNvSpPr>
+          <p:nvPr/>
+        </p:nvSpPr>
+        <p:spPr>
+          <a:xfrm>
+            <a:off x="5183188" y="3610311"/>
+            <a:ext cx="6172200" cy="2750386"/>
+          </a:xfrm>
+          <a:prstGeom prst="rect">
+            <a:avLst/>
+          </a:prstGeom>
+        </p:spPr>
+        <p:txBody>
+          <a:bodyPr vert="horz" lIns="91440" tIns="45720" rIns="91440" bIns="45720" rtlCol="0">
+            <a:normAutofit/>
+          </a:bodyPr>
+          <a:lstStyle>
+            <a:lvl1pPr marL="228600" indent="-228600" algn="l" defTabSz="914400" rtl="0" eaLnBrk="1" latinLnBrk="0" hangingPunct="1">
+              <a:lnSpc>
+                <a:spcPct val="90000"/>
+              </a:lnSpc>
+              <a:spcBef>
+                <a:spcPts val="1000"/>
+              </a:spcBef>
+              <a:buFont typeface="Arial" panose="020B0604020202020204" pitchFamily="34" charset="0"/>
+              <a:buChar char="•"/>
+              <a:defRPr sz="3200" kern="1200">
+                <a:solidFill>
+                  <a:srgbClr val="E10098"/>
+                </a:solidFill>
+                <a:latin typeface="+mn-lt"/>
+                <a:ea typeface="+mn-ea"/>
+                <a:cs typeface="+mn-cs"/>
+              </a:defRPr>
+            </a:lvl1pPr>
+            <a:lvl2pPr marL="685800" indent="-228600" algn="l" defTabSz="914400" rtl="0" eaLnBrk="1" latinLnBrk="0" hangingPunct="1">
+              <a:lnSpc>
+                <a:spcPct val="90000"/>
+              </a:lnSpc>
+              <a:spcBef>
+                <a:spcPts val="500"/>
+              </a:spcBef>
+              <a:buFont typeface="Arial" panose="020B0604020202020204" pitchFamily="34" charset="0"/>
+              <a:buChar char="•"/>
+              <a:defRPr sz="2800" kern="1200">
+                <a:solidFill>
+                  <a:srgbClr val="E10098"/>
+                </a:solidFill>
+                <a:latin typeface="+mn-lt"/>
+                <a:ea typeface="+mn-ea"/>
+                <a:cs typeface="+mn-cs"/>
+              </a:defRPr>
+            </a:lvl2pPr>
+            <a:lvl3pPr marL="1143000" indent="-228600" algn="l" defTabSz="914400" rtl="0" eaLnBrk="1" latinLnBrk="0" hangingPunct="1">
+              <a:lnSpc>
+                <a:spcPct val="90000"/>
+              </a:lnSpc>
+              <a:spcBef>
+                <a:spcPts val="500"/>
+              </a:spcBef>
+              <a:buFont typeface="Arial" panose="020B0604020202020204" pitchFamily="34" charset="0"/>
+              <a:buChar char="•"/>
+              <a:defRPr sz="2400" kern="1200">
+                <a:solidFill>
+                  <a:srgbClr val="E10098"/>
+                </a:solidFill>
+                <a:latin typeface="+mn-lt"/>
+                <a:ea typeface="+mn-ea"/>
+                <a:cs typeface="+mn-cs"/>
+              </a:defRPr>
+            </a:lvl3pPr>
+            <a:lvl4pPr marL="1600200" indent="-228600" algn="l" defTabSz="914400" rtl="0" eaLnBrk="1" latinLnBrk="0" hangingPunct="1">
+              <a:lnSpc>
+                <a:spcPct val="90000"/>
+              </a:lnSpc>
+              <a:spcBef>
+                <a:spcPts val="500"/>
+              </a:spcBef>
+              <a:buFont typeface="Arial" panose="020B0604020202020204" pitchFamily="34" charset="0"/>
+              <a:buChar char="•"/>
+              <a:defRPr sz="2000" kern="1200">
+                <a:solidFill>
+                  <a:srgbClr val="E10098"/>
+                </a:solidFill>
+                <a:latin typeface="+mn-lt"/>
+                <a:ea typeface="+mn-ea"/>
+                <a:cs typeface="+mn-cs"/>
+              </a:defRPr>
+            </a:lvl4pPr>
+            <a:lvl5pPr marL="2057400" indent="-228600" algn="l" defTabSz="914400" rtl="0" eaLnBrk="1" latinLnBrk="0" hangingPunct="1">
+              <a:lnSpc>
+                <a:spcPct val="90000"/>
+              </a:lnSpc>
+              <a:spcBef>
+                <a:spcPts val="500"/>
+              </a:spcBef>
+              <a:buFont typeface="Arial" panose="020B0604020202020204" pitchFamily="34" charset="0"/>
+              <a:buChar char="•"/>
+              <a:defRPr sz="2000" kern="1200">
+                <a:solidFill>
+                  <a:srgbClr val="E10098"/>
+                </a:solidFill>
+                <a:latin typeface="+mn-lt"/>
+                <a:ea typeface="+mn-ea"/>
+                <a:cs typeface="+mn-cs"/>
+              </a:defRPr>
+            </a:lvl5pPr>
+            <a:lvl6pPr marL="2514600" indent="-228600" algn="l" defTabSz="914400" rtl="0" eaLnBrk="1" latinLnBrk="0" hangingPunct="1">
+              <a:lnSpc>
+                <a:spcPct val="90000"/>
+              </a:lnSpc>
+              <a:spcBef>
+                <a:spcPts val="500"/>
+              </a:spcBef>
+              <a:buFont typeface="Arial" panose="020B0604020202020204" pitchFamily="34" charset="0"/>
+              <a:buChar char="•"/>
+              <a:defRPr sz="2000" kern="1200">
+                <a:solidFill>
+                  <a:schemeClr val="tx1"/>
+                </a:solidFill>
+                <a:latin typeface="+mn-lt"/>
+                <a:ea typeface="+mn-ea"/>
+                <a:cs typeface="+mn-cs"/>
+              </a:defRPr>
+            </a:lvl6pPr>
+            <a:lvl7pPr marL="2971800" indent="-228600" algn="l" defTabSz="914400" rtl="0" eaLnBrk="1" latinLnBrk="0" hangingPunct="1">
+              <a:lnSpc>
+                <a:spcPct val="90000"/>
+              </a:lnSpc>
+              <a:spcBef>
+                <a:spcPts val="500"/>
+              </a:spcBef>
+              <a:buFont typeface="Arial" panose="020B0604020202020204" pitchFamily="34" charset="0"/>
+              <a:buChar char="•"/>
+              <a:defRPr sz="2000" kern="1200">
+                <a:solidFill>
+                  <a:schemeClr val="tx1"/>
+                </a:solidFill>
+                <a:latin typeface="+mn-lt"/>
+                <a:ea typeface="+mn-ea"/>
+                <a:cs typeface="+mn-cs"/>
+              </a:defRPr>
+            </a:lvl7pPr>
+            <a:lvl8pPr marL="3429000" indent="-228600" algn="l" defTabSz="914400" rtl="0" eaLnBrk="1" latinLnBrk="0" hangingPunct="1">
+              <a:lnSpc>
+                <a:spcPct val="90000"/>
+              </a:lnSpc>
+              <a:spcBef>
+                <a:spcPts val="500"/>
+              </a:spcBef>
+              <a:buFont typeface="Arial" panose="020B0604020202020204" pitchFamily="34" charset="0"/>
+              <a:buChar char="•"/>
+              <a:defRPr sz="2000" kern="1200">
+                <a:solidFill>
+                  <a:schemeClr val="tx1"/>
+                </a:solidFill>
+                <a:latin typeface="+mn-lt"/>
+                <a:ea typeface="+mn-ea"/>
+                <a:cs typeface="+mn-cs"/>
+              </a:defRPr>
+            </a:lvl8pPr>
+            <a:lvl9pPr marL="3886200" indent="-228600" algn="l" defTabSz="914400" rtl="0" eaLnBrk="1" latinLnBrk="0" hangingPunct="1">
+              <a:lnSpc>
+                <a:spcPct val="90000"/>
+              </a:lnSpc>
+              <a:spcBef>
+                <a:spcPts val="500"/>
+              </a:spcBef>
+              <a:buFont typeface="Arial" panose="020B0604020202020204" pitchFamily="34" charset="0"/>
+              <a:buChar char="•"/>
+              <a:defRPr sz="2000" kern="1200">
+                <a:solidFill>
+                  <a:schemeClr val="tx1"/>
+                </a:solidFill>
+                <a:latin typeface="+mn-lt"/>
+                <a:ea typeface="+mn-ea"/>
+                <a:cs typeface="+mn-cs"/>
+              </a:defRPr>
+            </a:lvl9pPr>
+          </a:lstStyle>
+          <a:p>
+            <a:pPr marL="0" indent="0">
+              <a:buFont typeface="Arial" panose="020B0604020202020204" pitchFamily="34" charset="0"/>
+              <a:buNone/>
+            </a:pPr>
+            <a:r>
+              <a:rPr lang="en-US" sz="1800" dirty="0">
+                <a:solidFill>
+                  <a:schemeClr val="tx1">
+                    <a:lumMod val="65000"/>
+                    <a:lumOff val="35000"/>
+                  </a:schemeClr>
+                </a:solidFill>
+                <a:latin typeface="Consolas" panose="020B0609020204030204" pitchFamily="49" charset="0"/>
+              </a:rPr>
+              <a:t>{</a:t>
+            </a:r>
+          </a:p>
+          <a:p>
+            <a:pPr marL="0" indent="0">
+              <a:buFont typeface="Arial" panose="020B0604020202020204" pitchFamily="34" charset="0"/>
+              <a:buNone/>
+            </a:pPr>
+            <a:r>
+              <a:rPr lang="en-US" sz="1800" dirty="0">
+                <a:solidFill>
+                  <a:schemeClr val="tx1">
+                    <a:lumMod val="65000"/>
+                    <a:lumOff val="35000"/>
+                  </a:schemeClr>
+                </a:solidFill>
+                <a:latin typeface="Consolas" panose="020B0609020204030204" pitchFamily="49" charset="0"/>
+              </a:rPr>
+              <a:t>   </a:t>
+            </a:r>
+            <a:r>
+              <a:rPr lang="en-US" sz="1800" dirty="0" err="1">
+                <a:solidFill>
+                  <a:schemeClr val="tx1">
+                    <a:lumMod val="65000"/>
+                    <a:lumOff val="35000"/>
+                  </a:schemeClr>
+                </a:solidFill>
+                <a:latin typeface="Consolas" panose="020B0609020204030204" pitchFamily="49" charset="0"/>
+              </a:rPr>
+              <a:t>getAuthor</a:t>
+            </a:r>
+            <a:r>
+              <a:rPr lang="en-US" sz="1800" dirty="0">
+                <a:solidFill>
+                  <a:schemeClr val="tx1">
+                    <a:lumMod val="65000"/>
+                    <a:lumOff val="35000"/>
+                  </a:schemeClr>
+                </a:solidFill>
+                <a:latin typeface="Consolas" panose="020B0609020204030204" pitchFamily="49" charset="0"/>
+              </a:rPr>
+              <a:t>(name: “Donald Trump”) {</a:t>
+            </a:r>
+          </a:p>
+          <a:p>
+            <a:pPr marL="0" indent="0">
+              <a:buFont typeface="Arial" panose="020B0604020202020204" pitchFamily="34" charset="0"/>
+              <a:buNone/>
+            </a:pPr>
+            <a:r>
+              <a:rPr lang="en-US" sz="1800" dirty="0">
+                <a:solidFill>
+                  <a:schemeClr val="tx1">
+                    <a:lumMod val="65000"/>
+                    <a:lumOff val="35000"/>
+                  </a:schemeClr>
+                </a:solidFill>
+                <a:latin typeface="Consolas" panose="020B0609020204030204" pitchFamily="49" charset="0"/>
+              </a:rPr>
+              <a:t>      id   </a:t>
+            </a:r>
+          </a:p>
+          <a:p>
+            <a:pPr marL="0" indent="0">
+              <a:buFont typeface="Arial" panose="020B0604020202020204" pitchFamily="34" charset="0"/>
+              <a:buNone/>
+            </a:pPr>
+            <a:r>
+              <a:rPr lang="en-US" sz="1800" dirty="0">
+                <a:solidFill>
+                  <a:schemeClr val="tx1">
+                    <a:lumMod val="65000"/>
+                    <a:lumOff val="35000"/>
+                  </a:schemeClr>
+                </a:solidFill>
+                <a:latin typeface="Consolas" panose="020B0609020204030204" pitchFamily="49" charset="0"/>
+              </a:rPr>
+              <a:t>   }</a:t>
+            </a:r>
+          </a:p>
+          <a:p>
+            <a:pPr marL="0" indent="0">
+              <a:buFont typeface="Arial" panose="020B0604020202020204" pitchFamily="34" charset="0"/>
+              <a:buNone/>
+            </a:pPr>
+            <a:r>
+              <a:rPr lang="en-US" sz="1800" dirty="0">
+                <a:solidFill>
+                  <a:schemeClr val="tx1">
+                    <a:lumMod val="65000"/>
+                    <a:lumOff val="35000"/>
+                  </a:schemeClr>
+                </a:solidFill>
+                <a:latin typeface="Consolas" panose="020B0609020204030204" pitchFamily="49" charset="0"/>
+              </a:rPr>
+              <a:t>}</a:t>
+            </a:r>
+          </a:p>
+          <a:p>
+            <a:pPr marL="0" indent="0">
+              <a:buFont typeface="Arial" panose="020B0604020202020204" pitchFamily="34" charset="0"/>
+              <a:buNone/>
+            </a:pPr>
             <a:endParaRPr lang="de-DE" dirty="0"/>
           </a:p>
         </p:txBody>
@@ -5686,7 +6475,7 @@
     </p:spTree>
     <p:extLst>
       <p:ext uri="{BB962C8B-B14F-4D97-AF65-F5344CB8AC3E}">
-        <p14:creationId xmlns:p14="http://schemas.microsoft.com/office/powerpoint/2010/main" val="2879331559"/>
+        <p14:creationId xmlns:p14="http://schemas.microsoft.com/office/powerpoint/2010/main" val="408980979"/>
       </p:ext>
     </p:extLst>
   </p:cSld>
@@ -5696,6 +6485,84 @@
   <p:transition spd="slow">
     <p:cover/>
   </p:transition>
+  <p:timing>
+    <p:tnLst>
+      <p:par>
+        <p:cTn id="1" dur="indefinite" restart="never" nodeType="tmRoot">
+          <p:childTnLst>
+            <p:seq concurrent="1" nextAc="seek">
+              <p:cTn id="2" dur="indefinite" nodeType="mainSeq">
+                <p:childTnLst>
+                  <p:par>
+                    <p:cTn id="3" fill="hold">
+                      <p:stCondLst>
+                        <p:cond delay="indefinite"/>
+                      </p:stCondLst>
+                      <p:childTnLst>
+                        <p:par>
+                          <p:cTn id="4" fill="hold">
+                            <p:stCondLst>
+                              <p:cond delay="0"/>
+                            </p:stCondLst>
+                            <p:childTnLst>
+                              <p:par>
+                                <p:cTn id="5" presetID="1" presetClass="entr" presetSubtype="0" fill="hold" grpId="0" nodeType="clickEffect">
+                                  <p:stCondLst>
+                                    <p:cond delay="0"/>
+                                  </p:stCondLst>
+                                  <p:childTnLst>
+                                    <p:set>
+                                      <p:cBhvr>
+                                        <p:cTn id="6" dur="1" fill="hold">
+                                          <p:stCondLst>
+                                            <p:cond delay="0"/>
+                                          </p:stCondLst>
+                                        </p:cTn>
+                                        <p:tgtEl>
+                                          <p:spTgt spid="5"/>
+                                        </p:tgtEl>
+                                        <p:attrNameLst>
+                                          <p:attrName>style.visibility</p:attrName>
+                                        </p:attrNameLst>
+                                      </p:cBhvr>
+                                      <p:to>
+                                        <p:strVal val="visible"/>
+                                      </p:to>
+                                    </p:set>
+                                  </p:childTnLst>
+                                </p:cTn>
+                              </p:par>
+                            </p:childTnLst>
+                          </p:cTn>
+                        </p:par>
+                      </p:childTnLst>
+                    </p:cTn>
+                  </p:par>
+                </p:childTnLst>
+              </p:cTn>
+              <p:prevCondLst>
+                <p:cond evt="onPrev" delay="0">
+                  <p:tgtEl>
+                    <p:sldTgt/>
+                  </p:tgtEl>
+                </p:cond>
+              </p:prevCondLst>
+              <p:nextCondLst>
+                <p:cond evt="onNext" delay="0">
+                  <p:tgtEl>
+                    <p:sldTgt/>
+                  </p:tgtEl>
+                </p:cond>
+              </p:nextCondLst>
+            </p:seq>
+          </p:childTnLst>
+        </p:cTn>
+      </p:par>
+    </p:tnLst>
+    <p:bldLst>
+      <p:bldP spid="5" grpId="0"/>
+    </p:bldLst>
+  </p:timing>
 </p:sld>
 </file>
 
@@ -5718,10 +6585,10 @@
       </p:grpSpPr>
       <p:sp>
         <p:nvSpPr>
-          <p:cNvPr id="4" name="Title 3">
-            <a:extLst>
-              <a:ext uri="{FF2B5EF4-FFF2-40B4-BE49-F238E27FC236}">
-                <a16:creationId xmlns:a16="http://schemas.microsoft.com/office/drawing/2014/main" id="{58992B7D-1D2E-4892-A0CA-57CCEA3D4928}"/>
+          <p:cNvPr id="2" name="Title 1">
+            <a:extLst>
+              <a:ext uri="{FF2B5EF4-FFF2-40B4-BE49-F238E27FC236}">
+                <a16:creationId xmlns:a16="http://schemas.microsoft.com/office/drawing/2014/main" id="{2150E2F0-1FD7-4667-9E9A-31AB3BCEF06B}"/>
               </a:ext>
             </a:extLst>
           </p:cNvPr>
@@ -5739,59 +6606,222 @@
           <a:p>
             <a:r>
               <a:rPr lang="de-DE" dirty="0"/>
-              <a:t>The </a:t>
-            </a:r>
-            <a:r>
-              <a:rPr lang="de-DE" dirty="0" err="1"/>
-              <a:t>Execution</a:t>
-            </a:r>
-            <a:r>
-              <a:rPr lang="de-DE" dirty="0"/>
-              <a:t> – </a:t>
+              <a:t>The Query – </a:t>
             </a:r>
             <a:r>
               <a:rPr lang="de-DE" dirty="0" err="1"/>
               <a:t>Example</a:t>
             </a:r>
-            <a:endParaRPr lang="de-DE" dirty="0"/>
-          </a:p>
-        </p:txBody>
-      </p:sp>
-      <p:pic>
-        <p:nvPicPr>
-          <p:cNvPr id="8" name="Content Placeholder 7">
-            <a:extLst>
-              <a:ext uri="{FF2B5EF4-FFF2-40B4-BE49-F238E27FC236}">
-                <a16:creationId xmlns:a16="http://schemas.microsoft.com/office/drawing/2014/main" id="{0D6CC119-FA9A-4D88-B65A-5941D956E131}"/>
-              </a:ext>
-            </a:extLst>
-          </p:cNvPr>
-          <p:cNvPicPr>
-            <a:picLocks noGrp="1" noChangeAspect="1"/>
-          </p:cNvPicPr>
+            <a:r>
+              <a:rPr lang="de-DE" dirty="0"/>
+              <a:t> Response</a:t>
+            </a:r>
+          </a:p>
+        </p:txBody>
+      </p:sp>
+      <p:sp>
+        <p:nvSpPr>
+          <p:cNvPr id="3" name="Content Placeholder 2">
+            <a:extLst>
+              <a:ext uri="{FF2B5EF4-FFF2-40B4-BE49-F238E27FC236}">
+                <a16:creationId xmlns:a16="http://schemas.microsoft.com/office/drawing/2014/main" id="{69103EA0-5B78-49A4-BCFF-8798962EFC93}"/>
+              </a:ext>
+            </a:extLst>
+          </p:cNvPr>
+          <p:cNvSpPr>
+            <a:spLocks noGrp="1"/>
+          </p:cNvSpPr>
           <p:nvPr>
             <p:ph idx="1"/>
           </p:nvPr>
-        </p:nvPicPr>
-        <p:blipFill>
-          <a:blip r:embed="rId2"/>
-          <a:stretch>
-            <a:fillRect/>
-          </a:stretch>
-        </p:blipFill>
-        <p:spPr>
-          <a:xfrm>
-            <a:off x="5183188" y="1280458"/>
-            <a:ext cx="6172200" cy="4287558"/>
-          </a:xfrm>
-        </p:spPr>
-      </p:pic>
-      <p:sp>
-        <p:nvSpPr>
-          <p:cNvPr id="6" name="Text Placeholder 5">
-            <a:extLst>
-              <a:ext uri="{FF2B5EF4-FFF2-40B4-BE49-F238E27FC236}">
-                <a16:creationId xmlns:a16="http://schemas.microsoft.com/office/drawing/2014/main" id="{0701242D-4A8F-4D67-A555-8BCEA393AB85}"/>
+        </p:nvSpPr>
+        <p:spPr/>
+        <p:txBody>
+          <a:bodyPr>
+            <a:normAutofit/>
+          </a:bodyPr>
+          <a:lstStyle/>
+          <a:p>
+            <a:pPr marL="0" indent="0">
+              <a:buNone/>
+            </a:pPr>
+            <a:r>
+              <a:rPr lang="en-US" sz="1400" dirty="0">
+                <a:solidFill>
+                  <a:schemeClr val="tx1">
+                    <a:lumMod val="65000"/>
+                    <a:lumOff val="35000"/>
+                  </a:schemeClr>
+                </a:solidFill>
+                <a:latin typeface="Consolas" panose="020B0609020204030204" pitchFamily="49" charset="0"/>
+              </a:rPr>
+              <a:t>{</a:t>
+            </a:r>
+          </a:p>
+          <a:p>
+            <a:pPr marL="0" indent="0">
+              <a:buNone/>
+            </a:pPr>
+            <a:r>
+              <a:rPr lang="en-US" sz="1400" dirty="0">
+                <a:solidFill>
+                  <a:schemeClr val="tx1">
+                    <a:lumMod val="65000"/>
+                    <a:lumOff val="35000"/>
+                  </a:schemeClr>
+                </a:solidFill>
+                <a:latin typeface="Consolas" panose="020B0609020204030204" pitchFamily="49" charset="0"/>
+              </a:rPr>
+              <a:t>   “</a:t>
+            </a:r>
+            <a:r>
+              <a:rPr lang="en-US" sz="1400" dirty="0" err="1">
+                <a:solidFill>
+                  <a:schemeClr val="tx1">
+                    <a:lumMod val="65000"/>
+                    <a:lumOff val="35000"/>
+                  </a:schemeClr>
+                </a:solidFill>
+                <a:latin typeface="Consolas" panose="020B0609020204030204" pitchFamily="49" charset="0"/>
+              </a:rPr>
+              <a:t>getAuthor</a:t>
+            </a:r>
+            <a:r>
+              <a:rPr lang="en-US" sz="1400" dirty="0">
+                <a:solidFill>
+                  <a:schemeClr val="tx1">
+                    <a:lumMod val="65000"/>
+                    <a:lumOff val="35000"/>
+                  </a:schemeClr>
+                </a:solidFill>
+                <a:latin typeface="Consolas" panose="020B0609020204030204" pitchFamily="49" charset="0"/>
+              </a:rPr>
+              <a:t>”: {</a:t>
+            </a:r>
+          </a:p>
+          <a:p>
+            <a:pPr marL="0" indent="0">
+              <a:buNone/>
+            </a:pPr>
+            <a:r>
+              <a:rPr lang="en-US" sz="1400" dirty="0">
+                <a:solidFill>
+                  <a:schemeClr val="tx1">
+                    <a:lumMod val="65000"/>
+                    <a:lumOff val="35000"/>
+                  </a:schemeClr>
+                </a:solidFill>
+                <a:latin typeface="Consolas" panose="020B0609020204030204" pitchFamily="49" charset="0"/>
+              </a:rPr>
+              <a:t>      “id”: “</a:t>
+            </a:r>
+            <a:r>
+              <a:rPr lang="en-US" sz="1400" dirty="0" err="1">
+                <a:solidFill>
+                  <a:schemeClr val="tx1">
+                    <a:lumMod val="65000"/>
+                    <a:lumOff val="35000"/>
+                  </a:schemeClr>
+                </a:solidFill>
+                <a:latin typeface="Consolas" panose="020B0609020204030204" pitchFamily="49" charset="0"/>
+              </a:rPr>
+              <a:t>IAmTheOne</a:t>
+            </a:r>
+            <a:r>
+              <a:rPr lang="en-US" sz="1400" dirty="0">
+                <a:solidFill>
+                  <a:schemeClr val="tx1">
+                    <a:lumMod val="65000"/>
+                    <a:lumOff val="35000"/>
+                  </a:schemeClr>
+                </a:solidFill>
+                <a:latin typeface="Consolas" panose="020B0609020204030204" pitchFamily="49" charset="0"/>
+              </a:rPr>
+              <a:t>”,</a:t>
+            </a:r>
+          </a:p>
+          <a:p>
+            <a:pPr marL="0" indent="0">
+              <a:buNone/>
+            </a:pPr>
+            <a:r>
+              <a:rPr lang="en-US" sz="1400" dirty="0">
+                <a:solidFill>
+                  <a:schemeClr val="tx1">
+                    <a:lumMod val="65000"/>
+                    <a:lumOff val="35000"/>
+                  </a:schemeClr>
+                </a:solidFill>
+                <a:latin typeface="Consolas" panose="020B0609020204030204" pitchFamily="49" charset="0"/>
+              </a:rPr>
+              <a:t>      “name”: “Donald Trump”,</a:t>
+            </a:r>
+          </a:p>
+          <a:p>
+            <a:pPr marL="0" indent="0">
+              <a:buNone/>
+            </a:pPr>
+            <a:r>
+              <a:rPr lang="en-US" sz="1400" dirty="0">
+                <a:solidFill>
+                  <a:schemeClr val="tx1">
+                    <a:lumMod val="65000"/>
+                    <a:lumOff val="35000"/>
+                  </a:schemeClr>
+                </a:solidFill>
+                <a:latin typeface="Consolas" panose="020B0609020204030204" pitchFamily="49" charset="0"/>
+              </a:rPr>
+              <a:t>      “email”: “Donald@whitehouse.gov”</a:t>
+            </a:r>
+          </a:p>
+          <a:p>
+            <a:pPr marL="0" indent="0">
+              <a:buNone/>
+            </a:pPr>
+            <a:r>
+              <a:rPr lang="en-US" sz="1400" dirty="0">
+                <a:solidFill>
+                  <a:schemeClr val="tx1">
+                    <a:lumMod val="65000"/>
+                    <a:lumOff val="35000"/>
+                  </a:schemeClr>
+                </a:solidFill>
+                <a:latin typeface="Consolas" panose="020B0609020204030204" pitchFamily="49" charset="0"/>
+              </a:rPr>
+              <a:t>   }</a:t>
+            </a:r>
+          </a:p>
+          <a:p>
+            <a:pPr marL="0" indent="0">
+              <a:buNone/>
+            </a:pPr>
+            <a:r>
+              <a:rPr lang="en-US" sz="1400" dirty="0">
+                <a:solidFill>
+                  <a:schemeClr val="tx1">
+                    <a:lumMod val="65000"/>
+                    <a:lumOff val="35000"/>
+                  </a:schemeClr>
+                </a:solidFill>
+                <a:latin typeface="Consolas" panose="020B0609020204030204" pitchFamily="49" charset="0"/>
+              </a:rPr>
+              <a:t>}</a:t>
+            </a:r>
+          </a:p>
+          <a:p>
+            <a:pPr marL="0" indent="0">
+              <a:buNone/>
+            </a:pPr>
+            <a:endParaRPr lang="de-DE" sz="1100" dirty="0"/>
+          </a:p>
+        </p:txBody>
+      </p:sp>
+      <p:sp>
+        <p:nvSpPr>
+          <p:cNvPr id="4" name="Text Placeholder 3">
+            <a:extLst>
+              <a:ext uri="{FF2B5EF4-FFF2-40B4-BE49-F238E27FC236}">
+                <a16:creationId xmlns:a16="http://schemas.microsoft.com/office/drawing/2014/main" id="{89DD1C8B-98DD-49DD-8746-57C58CD6FD83}"/>
               </a:ext>
             </a:extLst>
           </p:cNvPr>
@@ -5808,49 +6838,13 @@
           <a:lstStyle/>
           <a:p>
             <a:endParaRPr lang="de-DE"/>
-          </a:p>
-        </p:txBody>
-      </p:sp>
-      <p:sp>
-        <p:nvSpPr>
-          <p:cNvPr id="5" name="TextBox 4">
-            <a:extLst>
-              <a:ext uri="{FF2B5EF4-FFF2-40B4-BE49-F238E27FC236}">
-                <a16:creationId xmlns:a16="http://schemas.microsoft.com/office/drawing/2014/main" id="{CBD834A8-F295-4BDD-A5DA-D10300050AD2}"/>
-              </a:ext>
-            </a:extLst>
-          </p:cNvPr>
-          <p:cNvSpPr txBox="1"/>
-          <p:nvPr/>
-        </p:nvSpPr>
-        <p:spPr>
-          <a:xfrm>
-            <a:off x="5183188" y="5568016"/>
-            <a:ext cx="6172200" cy="261610"/>
-          </a:xfrm>
-          <a:prstGeom prst="rect">
-            <a:avLst/>
-          </a:prstGeom>
-          <a:noFill/>
-        </p:spPr>
-        <p:txBody>
-          <a:bodyPr wrap="square" rtlCol="0">
-            <a:spAutoFit/>
-          </a:bodyPr>
-          <a:lstStyle/>
-          <a:p>
-            <a:pPr algn="r"/>
-            <a:r>
-              <a:rPr lang="de-DE" sz="1100" dirty="0"/>
-              <a:t>https://cdn-images-1.medium.com/max/800/1*tSO8TeQ9mYNWRzA2FqYlsQ.png</a:t>
-            </a:r>
           </a:p>
         </p:txBody>
       </p:sp>
     </p:spTree>
     <p:extLst>
       <p:ext uri="{BB962C8B-B14F-4D97-AF65-F5344CB8AC3E}">
-        <p14:creationId xmlns:p14="http://schemas.microsoft.com/office/powerpoint/2010/main" val="1319813637"/>
+        <p14:creationId xmlns:p14="http://schemas.microsoft.com/office/powerpoint/2010/main" val="2739111071"/>
       </p:ext>
     </p:extLst>
   </p:cSld>
@@ -5885,7 +6879,7 @@
           <p:cNvPr id="2" name="Title 1">
             <a:extLst>
               <a:ext uri="{FF2B5EF4-FFF2-40B4-BE49-F238E27FC236}">
-                <a16:creationId xmlns:a16="http://schemas.microsoft.com/office/drawing/2014/main" id="{05338554-B2AD-4890-B3C9-3315D0316063}"/>
+                <a16:creationId xmlns:a16="http://schemas.microsoft.com/office/drawing/2014/main" id="{7D2DD754-41DB-41D8-8E09-6B6AD61264F2}"/>
               </a:ext>
             </a:extLst>
           </p:cNvPr>
@@ -5902,37 +6896,281 @@
           <a:lstStyle/>
           <a:p>
             <a:r>
-              <a:rPr lang="de-DE" dirty="0" err="1"/>
-              <a:t>How</a:t>
-            </a:r>
-            <a:r>
-              <a:rPr lang="de-DE" dirty="0"/>
-              <a:t> </a:t>
-            </a:r>
-            <a:r>
-              <a:rPr lang="de-DE" dirty="0" err="1"/>
-              <a:t>can</a:t>
-            </a:r>
-            <a:r>
-              <a:rPr lang="de-DE" dirty="0"/>
-              <a:t> </a:t>
-            </a:r>
-            <a:r>
-              <a:rPr lang="de-DE" dirty="0" err="1"/>
-              <a:t>one</a:t>
-            </a:r>
-            <a:r>
-              <a:rPr lang="de-DE" dirty="0"/>
-              <a:t> </a:t>
-            </a:r>
-            <a:r>
-              <a:rPr lang="de-DE" dirty="0" err="1"/>
-              <a:t>use</a:t>
-            </a:r>
-            <a:r>
-              <a:rPr lang="de-DE" dirty="0"/>
-              <a:t> GraphQL?</a:t>
-            </a:r>
+              <a:rPr lang="de-DE" dirty="0"/>
+              <a:t>The Query – </a:t>
+            </a:r>
+            <a:r>
+              <a:rPr lang="de-DE" dirty="0" err="1"/>
+              <a:t>Example</a:t>
+            </a:r>
+            <a:r>
+              <a:rPr lang="de-DE" dirty="0"/>
+              <a:t> Variables</a:t>
+            </a:r>
+          </a:p>
+        </p:txBody>
+      </p:sp>
+      <p:sp>
+        <p:nvSpPr>
+          <p:cNvPr id="3" name="Content Placeholder 2">
+            <a:extLst>
+              <a:ext uri="{FF2B5EF4-FFF2-40B4-BE49-F238E27FC236}">
+                <a16:creationId xmlns:a16="http://schemas.microsoft.com/office/drawing/2014/main" id="{A81D109B-25BD-43C8-A250-821515E983E2}"/>
+              </a:ext>
+            </a:extLst>
+          </p:cNvPr>
+          <p:cNvSpPr>
+            <a:spLocks noGrp="1"/>
+          </p:cNvSpPr>
+          <p:nvPr>
+            <p:ph idx="1"/>
+          </p:nvPr>
+        </p:nvSpPr>
+        <p:spPr/>
+        <p:txBody>
+          <a:bodyPr>
+            <a:normAutofit/>
+          </a:bodyPr>
+          <a:lstStyle/>
+          <a:p>
+            <a:pPr marL="0" indent="0">
+              <a:buNone/>
+            </a:pPr>
+            <a:r>
+              <a:rPr lang="en-US" sz="1800" dirty="0">
+                <a:solidFill>
+                  <a:srgbClr val="569CD6"/>
+                </a:solidFill>
+                <a:latin typeface="Consolas" panose="020B0609020204030204" pitchFamily="49" charset="0"/>
+              </a:rPr>
+              <a:t>query</a:t>
+            </a:r>
+            <a:r>
+              <a:rPr lang="en-US" sz="1800" dirty="0">
+                <a:solidFill>
+                  <a:srgbClr val="D4D4D4"/>
+                </a:solidFill>
+                <a:latin typeface="Consolas" panose="020B0609020204030204" pitchFamily="49" charset="0"/>
+              </a:rPr>
+              <a:t> </a:t>
+            </a:r>
+            <a:r>
+              <a:rPr lang="en-US" sz="1800" dirty="0" err="1">
+                <a:solidFill>
+                  <a:schemeClr val="bg2">
+                    <a:lumMod val="50000"/>
+                  </a:schemeClr>
+                </a:solidFill>
+                <a:latin typeface="Consolas" panose="020B0609020204030204" pitchFamily="49" charset="0"/>
+              </a:rPr>
+              <a:t>getAuthor</a:t>
+            </a:r>
+            <a:r>
+              <a:rPr lang="en-US" sz="1800" dirty="0">
+                <a:solidFill>
+                  <a:schemeClr val="bg2">
+                    <a:lumMod val="50000"/>
+                  </a:schemeClr>
+                </a:solidFill>
+                <a:latin typeface="Consolas" panose="020B0609020204030204" pitchFamily="49" charset="0"/>
+              </a:rPr>
+              <a:t>($name: String) {</a:t>
+            </a:r>
+          </a:p>
+          <a:p>
+            <a:pPr marL="0" indent="0">
+              <a:buNone/>
+            </a:pPr>
+            <a:r>
+              <a:rPr lang="en-US" sz="1800" dirty="0">
+                <a:solidFill>
+                  <a:schemeClr val="bg2">
+                    <a:lumMod val="50000"/>
+                  </a:schemeClr>
+                </a:solidFill>
+                <a:latin typeface="Consolas" panose="020B0609020204030204" pitchFamily="49" charset="0"/>
+              </a:rPr>
+              <a:t>   </a:t>
+            </a:r>
+            <a:r>
+              <a:rPr lang="en-US" sz="1800" dirty="0" err="1">
+                <a:solidFill>
+                  <a:schemeClr val="bg2">
+                    <a:lumMod val="50000"/>
+                  </a:schemeClr>
+                </a:solidFill>
+                <a:latin typeface="Consolas" panose="020B0609020204030204" pitchFamily="49" charset="0"/>
+              </a:rPr>
+              <a:t>getAuthor</a:t>
+            </a:r>
+            <a:r>
+              <a:rPr lang="en-US" sz="1800" dirty="0">
+                <a:solidFill>
+                  <a:schemeClr val="bg2">
+                    <a:lumMod val="50000"/>
+                  </a:schemeClr>
+                </a:solidFill>
+                <a:latin typeface="Consolas" panose="020B0609020204030204" pitchFamily="49" charset="0"/>
+              </a:rPr>
+              <a:t>(name: $name) {</a:t>
+            </a:r>
+          </a:p>
+          <a:p>
+            <a:pPr marL="0" indent="0">
+              <a:buNone/>
+            </a:pPr>
+            <a:r>
+              <a:rPr lang="en-US" sz="1800" dirty="0">
+                <a:solidFill>
+                  <a:schemeClr val="bg2">
+                    <a:lumMod val="50000"/>
+                  </a:schemeClr>
+                </a:solidFill>
+                <a:latin typeface="Consolas" panose="020B0609020204030204" pitchFamily="49" charset="0"/>
+              </a:rPr>
+              <a:t>      id</a:t>
+            </a:r>
+          </a:p>
+          <a:p>
+            <a:pPr marL="0" indent="0">
+              <a:buNone/>
+            </a:pPr>
+            <a:r>
+              <a:rPr lang="en-US" sz="1800" dirty="0">
+                <a:solidFill>
+                  <a:schemeClr val="bg2">
+                    <a:lumMod val="50000"/>
+                  </a:schemeClr>
+                </a:solidFill>
+                <a:latin typeface="Consolas" panose="020B0609020204030204" pitchFamily="49" charset="0"/>
+              </a:rPr>
+              <a:t>      name</a:t>
+            </a:r>
+          </a:p>
+          <a:p>
+            <a:pPr marL="0" indent="0">
+              <a:buNone/>
+            </a:pPr>
+            <a:r>
+              <a:rPr lang="en-US" sz="1800" dirty="0">
+                <a:solidFill>
+                  <a:schemeClr val="bg2">
+                    <a:lumMod val="50000"/>
+                  </a:schemeClr>
+                </a:solidFill>
+                <a:latin typeface="Consolas" panose="020B0609020204030204" pitchFamily="49" charset="0"/>
+              </a:rPr>
+              <a:t>      email</a:t>
+            </a:r>
+          </a:p>
+          <a:p>
+            <a:pPr marL="0" indent="0">
+              <a:buNone/>
+            </a:pPr>
+            <a:r>
+              <a:rPr lang="en-US" sz="1800" dirty="0">
+                <a:solidFill>
+                  <a:schemeClr val="bg2">
+                    <a:lumMod val="50000"/>
+                  </a:schemeClr>
+                </a:solidFill>
+                <a:latin typeface="Consolas" panose="020B0609020204030204" pitchFamily="49" charset="0"/>
+              </a:rPr>
+              <a:t>   }</a:t>
+            </a:r>
+          </a:p>
+          <a:p>
+            <a:pPr marL="0" indent="0">
+              <a:buNone/>
+            </a:pPr>
+            <a:r>
+              <a:rPr lang="en-US" sz="1800" dirty="0">
+                <a:solidFill>
+                  <a:schemeClr val="bg2">
+                    <a:lumMod val="50000"/>
+                  </a:schemeClr>
+                </a:solidFill>
+                <a:latin typeface="Consolas" panose="020B0609020204030204" pitchFamily="49" charset="0"/>
+              </a:rPr>
+              <a:t>}</a:t>
+            </a:r>
+          </a:p>
+          <a:p>
+            <a:pPr marL="0" indent="0">
+              <a:buNone/>
+            </a:pPr>
+            <a:br>
+              <a:rPr lang="en-US" sz="1800" dirty="0">
+                <a:solidFill>
+                  <a:schemeClr val="bg2">
+                    <a:lumMod val="50000"/>
+                  </a:schemeClr>
+                </a:solidFill>
+                <a:latin typeface="Consolas" panose="020B0609020204030204" pitchFamily="49" charset="0"/>
+              </a:rPr>
+            </a:br>
+            <a:endParaRPr lang="en-US" sz="1800" dirty="0">
+              <a:solidFill>
+                <a:schemeClr val="bg2">
+                  <a:lumMod val="50000"/>
+                </a:schemeClr>
+              </a:solidFill>
+              <a:latin typeface="Consolas" panose="020B0609020204030204" pitchFamily="49" charset="0"/>
+            </a:endParaRPr>
+          </a:p>
+          <a:p>
+            <a:pPr marL="0" indent="0">
+              <a:buNone/>
+            </a:pPr>
+            <a:r>
+              <a:rPr lang="en-US" sz="1800" dirty="0">
+                <a:solidFill>
+                  <a:schemeClr val="bg2">
+                    <a:lumMod val="50000"/>
+                  </a:schemeClr>
+                </a:solidFill>
+                <a:latin typeface="Consolas" panose="020B0609020204030204" pitchFamily="49" charset="0"/>
+              </a:rPr>
+              <a:t>{</a:t>
+            </a:r>
+          </a:p>
+          <a:p>
+            <a:pPr marL="0" indent="0">
+              <a:buNone/>
+            </a:pPr>
+            <a:r>
+              <a:rPr lang="en-US" sz="1800" dirty="0">
+                <a:solidFill>
+                  <a:schemeClr val="bg2">
+                    <a:lumMod val="50000"/>
+                  </a:schemeClr>
+                </a:solidFill>
+                <a:latin typeface="Consolas" panose="020B0609020204030204" pitchFamily="49" charset="0"/>
+              </a:rPr>
+              <a:t>   "name": "Donald Trump"</a:t>
+            </a:r>
+          </a:p>
+          <a:p>
+            <a:pPr marL="0" indent="0">
+              <a:buNone/>
+            </a:pPr>
+            <a:r>
+              <a:rPr lang="en-US" sz="1800" dirty="0">
+                <a:solidFill>
+                  <a:schemeClr val="bg2">
+                    <a:lumMod val="50000"/>
+                  </a:schemeClr>
+                </a:solidFill>
+                <a:latin typeface="Consolas" panose="020B0609020204030204" pitchFamily="49" charset="0"/>
+              </a:rPr>
+              <a:t>}</a:t>
+            </a:r>
+          </a:p>
+          <a:p>
+            <a:pPr marL="0" indent="0">
+              <a:buNone/>
+            </a:pPr>
+            <a:endParaRPr lang="de-DE" sz="1800" dirty="0"/>
           </a:p>
         </p:txBody>
       </p:sp>
@@ -5941,15 +7179,15 @@
           <p:cNvPr id="4" name="Text Placeholder 3">
             <a:extLst>
               <a:ext uri="{FF2B5EF4-FFF2-40B4-BE49-F238E27FC236}">
-                <a16:creationId xmlns:a16="http://schemas.microsoft.com/office/drawing/2014/main" id="{9457A7B8-1B07-4186-AF1F-F7A9B6B68D92}"/>
-              </a:ext>
-            </a:extLst>
-          </p:cNvPr>
-          <p:cNvSpPr>
-            <a:spLocks noGrp="1"/>
-          </p:cNvSpPr>
-          <p:nvPr>
-            <p:ph type="body" idx="1"/>
+                <a16:creationId xmlns:a16="http://schemas.microsoft.com/office/drawing/2014/main" id="{F4250884-DF7A-417C-94C1-D31E43337C85}"/>
+              </a:ext>
+            </a:extLst>
+          </p:cNvPr>
+          <p:cNvSpPr>
+            <a:spLocks noGrp="1"/>
+          </p:cNvSpPr>
+          <p:nvPr>
+            <p:ph type="body" sz="half" idx="2"/>
           </p:nvPr>
         </p:nvSpPr>
         <p:spPr/>
@@ -5964,7 +7202,7 @@
     </p:spTree>
     <p:extLst>
       <p:ext uri="{BB962C8B-B14F-4D97-AF65-F5344CB8AC3E}">
-        <p14:creationId xmlns:p14="http://schemas.microsoft.com/office/powerpoint/2010/main" val="1408370654"/>
+        <p14:creationId xmlns:p14="http://schemas.microsoft.com/office/powerpoint/2010/main" val="1266065965"/>
       </p:ext>
     </p:extLst>
   </p:cSld>
@@ -5996,10 +7234,10 @@
       </p:grpSpPr>
       <p:sp>
         <p:nvSpPr>
-          <p:cNvPr id="4" name="Title 3">
-            <a:extLst>
-              <a:ext uri="{FF2B5EF4-FFF2-40B4-BE49-F238E27FC236}">
-                <a16:creationId xmlns:a16="http://schemas.microsoft.com/office/drawing/2014/main" id="{4A434731-63C1-4440-95ED-2591CE595CD2}"/>
+          <p:cNvPr id="2" name="Title 1">
+            <a:extLst>
+              <a:ext uri="{FF2B5EF4-FFF2-40B4-BE49-F238E27FC236}">
+                <a16:creationId xmlns:a16="http://schemas.microsoft.com/office/drawing/2014/main" id="{4D556B04-E337-4FFE-955A-4136AB3ED223}"/>
               </a:ext>
             </a:extLst>
           </p:cNvPr>
@@ -6017,172 +7255,576 @@
           <a:p>
             <a:r>
               <a:rPr lang="de-DE" dirty="0"/>
-              <a:t>GraphQL Server Libraries</a:t>
-            </a:r>
-          </a:p>
-        </p:txBody>
-      </p:sp>
-      <p:sp>
-        <p:nvSpPr>
-          <p:cNvPr id="6" name="Content Placeholder 5">
-            <a:extLst>
-              <a:ext uri="{FF2B5EF4-FFF2-40B4-BE49-F238E27FC236}">
-                <a16:creationId xmlns:a16="http://schemas.microsoft.com/office/drawing/2014/main" id="{106B9FAB-82C3-4254-B9C5-FEBEA93A9446}"/>
-              </a:ext>
-            </a:extLst>
-          </p:cNvPr>
-          <p:cNvSpPr>
-            <a:spLocks noGrp="1"/>
-          </p:cNvSpPr>
-          <p:nvPr>
-            <p:ph sz="half" idx="1"/>
+              <a:t>The Query – </a:t>
+            </a:r>
+            <a:r>
+              <a:rPr lang="de-DE" dirty="0" err="1"/>
+              <a:t>Example</a:t>
+            </a:r>
+            <a:r>
+              <a:rPr lang="de-DE" dirty="0"/>
+              <a:t> </a:t>
+            </a:r>
+            <a:r>
+              <a:rPr lang="de-DE" dirty="0" err="1"/>
+              <a:t>Requests</a:t>
+            </a:r>
+            <a:endParaRPr lang="de-DE" dirty="0"/>
+          </a:p>
+        </p:txBody>
+      </p:sp>
+      <p:sp>
+        <p:nvSpPr>
+          <p:cNvPr id="3" name="Content Placeholder 2">
+            <a:extLst>
+              <a:ext uri="{FF2B5EF4-FFF2-40B4-BE49-F238E27FC236}">
+                <a16:creationId xmlns:a16="http://schemas.microsoft.com/office/drawing/2014/main" id="{247872F5-6C17-4CD8-AD0B-D76CB22A5692}"/>
+              </a:ext>
+            </a:extLst>
+          </p:cNvPr>
+          <p:cNvSpPr>
+            <a:spLocks noGrp="1"/>
+          </p:cNvSpPr>
+          <p:nvPr>
+            <p:ph idx="1"/>
           </p:nvPr>
         </p:nvSpPr>
         <p:spPr/>
         <p:txBody>
           <a:bodyPr>
-            <a:normAutofit lnSpcReduction="10000"/>
+            <a:normAutofit/>
           </a:bodyPr>
           <a:lstStyle/>
           <a:p>
-            <a:r>
-              <a:rPr lang="de-DE" dirty="0"/>
-              <a:t>Java</a:t>
-            </a:r>
-          </a:p>
-          <a:p>
-            <a:r>
-              <a:rPr lang="de-DE" dirty="0"/>
-              <a:t>JavaScript</a:t>
-            </a:r>
-          </a:p>
-          <a:p>
-            <a:r>
-              <a:rPr lang="de-DE" dirty="0"/>
-              <a:t>PHP</a:t>
-            </a:r>
-          </a:p>
-          <a:p>
-            <a:r>
-              <a:rPr lang="de-DE" dirty="0"/>
-              <a:t>Go</a:t>
-            </a:r>
-          </a:p>
-          <a:p>
-            <a:r>
-              <a:rPr lang="de-DE" dirty="0"/>
-              <a:t>Scala</a:t>
-            </a:r>
-          </a:p>
-          <a:p>
-            <a:r>
-              <a:rPr lang="de-DE" dirty="0"/>
-              <a:t>C# / .NET</a:t>
-            </a:r>
-          </a:p>
-          <a:p>
-            <a:r>
-              <a:rPr lang="de-DE" dirty="0"/>
-              <a:t>Python</a:t>
-            </a:r>
-          </a:p>
-          <a:p>
-            <a:r>
-              <a:rPr lang="de-DE" dirty="0"/>
-              <a:t>Groovy</a:t>
-            </a:r>
-          </a:p>
-          <a:p>
-            <a:r>
-              <a:rPr lang="de-DE" dirty="0"/>
-              <a:t>…</a:t>
-            </a:r>
-          </a:p>
-        </p:txBody>
-      </p:sp>
-      <p:sp>
-        <p:nvSpPr>
-          <p:cNvPr id="7" name="Content Placeholder 6">
-            <a:extLst>
-              <a:ext uri="{FF2B5EF4-FFF2-40B4-BE49-F238E27FC236}">
-                <a16:creationId xmlns:a16="http://schemas.microsoft.com/office/drawing/2014/main" id="{50195C00-2B85-4242-B705-DFB80FE4F92B}"/>
-              </a:ext>
-            </a:extLst>
-          </p:cNvPr>
-          <p:cNvSpPr>
-            <a:spLocks noGrp="1"/>
-          </p:cNvSpPr>
-          <p:nvPr>
-            <p:ph sz="half" idx="2"/>
-          </p:nvPr>
-        </p:nvSpPr>
-        <p:spPr/>
-        <p:txBody>
-          <a:bodyPr>
-            <a:normAutofit lnSpcReduction="10000"/>
-          </a:bodyPr>
-          <a:lstStyle/>
-          <a:p>
             <a:pPr marL="0" indent="0">
               <a:buNone/>
             </a:pPr>
             <a:r>
-              <a:rPr lang="de-DE" dirty="0" err="1"/>
-              <a:t>You</a:t>
-            </a:r>
-            <a:r>
-              <a:rPr lang="de-DE" dirty="0"/>
-              <a:t> </a:t>
-            </a:r>
-            <a:r>
-              <a:rPr lang="de-DE" dirty="0" err="1"/>
-              <a:t>can</a:t>
-            </a:r>
-            <a:r>
-              <a:rPr lang="de-DE" dirty="0"/>
-              <a:t> find a </a:t>
-            </a:r>
-            <a:r>
-              <a:rPr lang="de-DE" dirty="0" err="1"/>
-              <a:t>list</a:t>
-            </a:r>
-            <a:r>
-              <a:rPr lang="de-DE" dirty="0"/>
-              <a:t> </a:t>
-            </a:r>
-            <a:r>
-              <a:rPr lang="de-DE" dirty="0" err="1"/>
-              <a:t>of</a:t>
-            </a:r>
-            <a:r>
-              <a:rPr lang="de-DE" dirty="0"/>
-              <a:t> </a:t>
-            </a:r>
-            <a:r>
-              <a:rPr lang="de-DE" dirty="0" err="1"/>
-              <a:t>implementations</a:t>
-            </a:r>
-            <a:r>
-              <a:rPr lang="de-DE" dirty="0"/>
-              <a:t> at:</a:t>
-            </a:r>
+              <a:rPr lang="de-DE" sz="1800" dirty="0">
+                <a:solidFill>
+                  <a:schemeClr val="bg2">
+                    <a:lumMod val="50000"/>
+                  </a:schemeClr>
+                </a:solidFill>
+                <a:latin typeface="Consolas" panose="020B0609020204030204" pitchFamily="49" charset="0"/>
+              </a:rPr>
+              <a:t>GET \</a:t>
+            </a:r>
+            <a:r>
+              <a:rPr lang="de-DE" sz="1800" dirty="0" err="1">
+                <a:solidFill>
+                  <a:schemeClr val="bg2">
+                    <a:lumMod val="50000"/>
+                  </a:schemeClr>
+                </a:solidFill>
+                <a:latin typeface="Consolas" panose="020B0609020204030204" pitchFamily="49" charset="0"/>
+              </a:rPr>
+              <a:t>path</a:t>
+            </a:r>
+            <a:r>
+              <a:rPr lang="de-DE" sz="1800" dirty="0">
+                <a:solidFill>
+                  <a:schemeClr val="bg2">
+                    <a:lumMod val="50000"/>
+                  </a:schemeClr>
+                </a:solidFill>
+                <a:latin typeface="Consolas" panose="020B0609020204030204" pitchFamily="49" charset="0"/>
+              </a:rPr>
+              <a:t>\</a:t>
+            </a:r>
+            <a:r>
+              <a:rPr lang="de-DE" sz="1800" dirty="0" err="1">
+                <a:solidFill>
+                  <a:schemeClr val="bg2">
+                    <a:lumMod val="50000"/>
+                  </a:schemeClr>
+                </a:solidFill>
+                <a:latin typeface="Consolas" panose="020B0609020204030204" pitchFamily="49" charset="0"/>
+              </a:rPr>
+              <a:t>to</a:t>
+            </a:r>
+            <a:r>
+              <a:rPr lang="de-DE" sz="1800" dirty="0">
+                <a:solidFill>
+                  <a:schemeClr val="bg2">
+                    <a:lumMod val="50000"/>
+                  </a:schemeClr>
+                </a:solidFill>
+                <a:latin typeface="Consolas" panose="020B0609020204030204" pitchFamily="49" charset="0"/>
+              </a:rPr>
+              <a:t>\</a:t>
+            </a:r>
+            <a:r>
+              <a:rPr lang="de-DE" sz="1800" dirty="0" err="1">
+                <a:solidFill>
+                  <a:schemeClr val="bg2">
+                    <a:lumMod val="50000"/>
+                  </a:schemeClr>
+                </a:solidFill>
+                <a:latin typeface="Consolas" panose="020B0609020204030204" pitchFamily="49" charset="0"/>
+              </a:rPr>
+              <a:t>your</a:t>
+            </a:r>
+            <a:r>
+              <a:rPr lang="de-DE" sz="1800" dirty="0">
+                <a:solidFill>
+                  <a:schemeClr val="bg2">
+                    <a:lumMod val="50000"/>
+                  </a:schemeClr>
+                </a:solidFill>
+                <a:latin typeface="Consolas" panose="020B0609020204030204" pitchFamily="49" charset="0"/>
+              </a:rPr>
+              <a:t>\</a:t>
+            </a:r>
+            <a:r>
+              <a:rPr lang="de-DE" sz="1800" dirty="0" err="1">
+                <a:solidFill>
+                  <a:schemeClr val="bg2">
+                    <a:lumMod val="50000"/>
+                  </a:schemeClr>
+                </a:solidFill>
+                <a:latin typeface="Consolas" panose="020B0609020204030204" pitchFamily="49" charset="0"/>
+              </a:rPr>
+              <a:t>api?query</a:t>
+            </a:r>
+            <a:r>
+              <a:rPr lang="de-DE" sz="1800" dirty="0">
+                <a:solidFill>
+                  <a:schemeClr val="bg2">
+                    <a:lumMod val="50000"/>
+                  </a:schemeClr>
+                </a:solidFill>
+                <a:latin typeface="Consolas" panose="020B0609020204030204" pitchFamily="49" charset="0"/>
+              </a:rPr>
+              <a:t>={{ </a:t>
+            </a:r>
+            <a:r>
+              <a:rPr lang="de-DE" sz="1800" dirty="0" err="1">
+                <a:solidFill>
+                  <a:schemeClr val="bg2">
+                    <a:lumMod val="50000"/>
+                  </a:schemeClr>
+                </a:solidFill>
+                <a:latin typeface="Consolas" panose="020B0609020204030204" pitchFamily="49" charset="0"/>
+              </a:rPr>
+              <a:t>your</a:t>
+            </a:r>
+            <a:r>
+              <a:rPr lang="de-DE" sz="1800" dirty="0">
+                <a:solidFill>
+                  <a:schemeClr val="bg2">
+                    <a:lumMod val="50000"/>
+                  </a:schemeClr>
+                </a:solidFill>
+                <a:latin typeface="Consolas" panose="020B0609020204030204" pitchFamily="49" charset="0"/>
+              </a:rPr>
+              <a:t> </a:t>
+            </a:r>
+            <a:r>
+              <a:rPr lang="de-DE" sz="1800" dirty="0" err="1">
+                <a:solidFill>
+                  <a:schemeClr val="bg2">
+                    <a:lumMod val="50000"/>
+                  </a:schemeClr>
+                </a:solidFill>
+                <a:latin typeface="Consolas" panose="020B0609020204030204" pitchFamily="49" charset="0"/>
+              </a:rPr>
+              <a:t>query</a:t>
+            </a:r>
+            <a:r>
+              <a:rPr lang="de-DE" sz="1800" dirty="0">
+                <a:solidFill>
+                  <a:schemeClr val="bg2">
+                    <a:lumMod val="50000"/>
+                  </a:schemeClr>
+                </a:solidFill>
+                <a:latin typeface="Consolas" panose="020B0609020204030204" pitchFamily="49" charset="0"/>
+              </a:rPr>
+              <a:t> }}&amp;variables={{ </a:t>
+            </a:r>
+            <a:r>
+              <a:rPr lang="de-DE" sz="1800" dirty="0" err="1">
+                <a:solidFill>
+                  <a:schemeClr val="bg2">
+                    <a:lumMod val="50000"/>
+                  </a:schemeClr>
+                </a:solidFill>
+                <a:latin typeface="Consolas" panose="020B0609020204030204" pitchFamily="49" charset="0"/>
+              </a:rPr>
+              <a:t>your</a:t>
+            </a:r>
+            <a:r>
+              <a:rPr lang="de-DE" sz="1800" dirty="0">
+                <a:solidFill>
+                  <a:schemeClr val="bg2">
+                    <a:lumMod val="50000"/>
+                  </a:schemeClr>
+                </a:solidFill>
+                <a:latin typeface="Consolas" panose="020B0609020204030204" pitchFamily="49" charset="0"/>
+              </a:rPr>
+              <a:t> variables }}</a:t>
+            </a:r>
+          </a:p>
+          <a:p>
+            <a:pPr marL="0" indent="0">
+              <a:buNone/>
+            </a:pPr>
             <a:br>
-              <a:rPr lang="de-DE" dirty="0"/>
+              <a:rPr lang="de-DE" sz="1800" dirty="0">
+                <a:solidFill>
+                  <a:schemeClr val="bg2">
+                    <a:lumMod val="50000"/>
+                  </a:schemeClr>
+                </a:solidFill>
+                <a:latin typeface="Consolas" panose="020B0609020204030204" pitchFamily="49" charset="0"/>
+              </a:rPr>
             </a:br>
-            <a:br>
-              <a:rPr lang="de-DE" dirty="0"/>
-            </a:br>
-            <a:r>
-              <a:rPr lang="de-DE" dirty="0"/>
-              <a:t>http://graphql.org/code/</a:t>
-            </a:r>
+            <a:r>
+              <a:rPr lang="de-DE" sz="1800" dirty="0">
+                <a:solidFill>
+                  <a:schemeClr val="bg2">
+                    <a:lumMod val="50000"/>
+                  </a:schemeClr>
+                </a:solidFill>
+                <a:latin typeface="Consolas" panose="020B0609020204030204" pitchFamily="49" charset="0"/>
+              </a:rPr>
+              <a:t>POST \</a:t>
+            </a:r>
+            <a:r>
+              <a:rPr lang="de-DE" sz="1800" dirty="0" err="1">
+                <a:solidFill>
+                  <a:schemeClr val="bg2">
+                    <a:lumMod val="50000"/>
+                  </a:schemeClr>
+                </a:solidFill>
+                <a:latin typeface="Consolas" panose="020B0609020204030204" pitchFamily="49" charset="0"/>
+              </a:rPr>
+              <a:t>path</a:t>
+            </a:r>
+            <a:r>
+              <a:rPr lang="de-DE" sz="1800" dirty="0">
+                <a:solidFill>
+                  <a:schemeClr val="bg2">
+                    <a:lumMod val="50000"/>
+                  </a:schemeClr>
+                </a:solidFill>
+                <a:latin typeface="Consolas" panose="020B0609020204030204" pitchFamily="49" charset="0"/>
+              </a:rPr>
+              <a:t>\</a:t>
+            </a:r>
+            <a:r>
+              <a:rPr lang="de-DE" sz="1800" dirty="0" err="1">
+                <a:solidFill>
+                  <a:schemeClr val="bg2">
+                    <a:lumMod val="50000"/>
+                  </a:schemeClr>
+                </a:solidFill>
+                <a:latin typeface="Consolas" panose="020B0609020204030204" pitchFamily="49" charset="0"/>
+              </a:rPr>
+              <a:t>to</a:t>
+            </a:r>
+            <a:r>
+              <a:rPr lang="de-DE" sz="1800" dirty="0">
+                <a:solidFill>
+                  <a:schemeClr val="bg2">
+                    <a:lumMod val="50000"/>
+                  </a:schemeClr>
+                </a:solidFill>
+                <a:latin typeface="Consolas" panose="020B0609020204030204" pitchFamily="49" charset="0"/>
+              </a:rPr>
+              <a:t>\</a:t>
+            </a:r>
+            <a:r>
+              <a:rPr lang="de-DE" sz="1800" dirty="0" err="1">
+                <a:solidFill>
+                  <a:schemeClr val="bg2">
+                    <a:lumMod val="50000"/>
+                  </a:schemeClr>
+                </a:solidFill>
+                <a:latin typeface="Consolas" panose="020B0609020204030204" pitchFamily="49" charset="0"/>
+              </a:rPr>
+              <a:t>your</a:t>
+            </a:r>
+            <a:r>
+              <a:rPr lang="de-DE" sz="1800" dirty="0">
+                <a:solidFill>
+                  <a:schemeClr val="bg2">
+                    <a:lumMod val="50000"/>
+                  </a:schemeClr>
+                </a:solidFill>
+                <a:latin typeface="Consolas" panose="020B0609020204030204" pitchFamily="49" charset="0"/>
+              </a:rPr>
+              <a:t>\</a:t>
+            </a:r>
+            <a:r>
+              <a:rPr lang="de-DE" sz="1800" dirty="0" err="1">
+                <a:solidFill>
+                  <a:schemeClr val="bg2">
+                    <a:lumMod val="50000"/>
+                  </a:schemeClr>
+                </a:solidFill>
+                <a:latin typeface="Consolas" panose="020B0609020204030204" pitchFamily="49" charset="0"/>
+              </a:rPr>
+              <a:t>api</a:t>
+            </a:r>
+            <a:endParaRPr lang="de-DE" sz="1800" dirty="0">
+              <a:solidFill>
+                <a:schemeClr val="bg2">
+                  <a:lumMod val="50000"/>
+                </a:schemeClr>
+              </a:solidFill>
+              <a:latin typeface="Consolas" panose="020B0609020204030204" pitchFamily="49" charset="0"/>
+            </a:endParaRPr>
+          </a:p>
+          <a:p>
+            <a:pPr marL="0" indent="0">
+              <a:buNone/>
+            </a:pPr>
+            <a:r>
+              <a:rPr lang="de-DE" sz="1800" dirty="0">
+                <a:solidFill>
+                  <a:schemeClr val="bg2">
+                    <a:lumMod val="50000"/>
+                  </a:schemeClr>
+                </a:solidFill>
+                <a:latin typeface="Consolas" panose="020B0609020204030204" pitchFamily="49" charset="0"/>
+              </a:rPr>
+              <a:t>{</a:t>
+            </a:r>
+          </a:p>
+          <a:p>
+            <a:pPr marL="0" indent="0">
+              <a:buNone/>
+            </a:pPr>
+            <a:r>
+              <a:rPr lang="de-DE" sz="1800" dirty="0">
+                <a:solidFill>
+                  <a:schemeClr val="bg2">
+                    <a:lumMod val="50000"/>
+                  </a:schemeClr>
+                </a:solidFill>
+                <a:latin typeface="Consolas" panose="020B0609020204030204" pitchFamily="49" charset="0"/>
+              </a:rPr>
+              <a:t>   "</a:t>
+            </a:r>
+            <a:r>
+              <a:rPr lang="de-DE" sz="1800" dirty="0" err="1">
+                <a:solidFill>
+                  <a:schemeClr val="bg2">
+                    <a:lumMod val="50000"/>
+                  </a:schemeClr>
+                </a:solidFill>
+                <a:latin typeface="Consolas" panose="020B0609020204030204" pitchFamily="49" charset="0"/>
+              </a:rPr>
+              <a:t>query</a:t>
+            </a:r>
+            <a:r>
+              <a:rPr lang="de-DE" sz="1800" dirty="0">
+                <a:solidFill>
+                  <a:schemeClr val="bg2">
+                    <a:lumMod val="50000"/>
+                  </a:schemeClr>
+                </a:solidFill>
+                <a:latin typeface="Consolas" panose="020B0609020204030204" pitchFamily="49" charset="0"/>
+              </a:rPr>
+              <a:t>": "{{ </a:t>
+            </a:r>
+            <a:r>
+              <a:rPr lang="de-DE" sz="1800" dirty="0" err="1">
+                <a:solidFill>
+                  <a:schemeClr val="bg2">
+                    <a:lumMod val="50000"/>
+                  </a:schemeClr>
+                </a:solidFill>
+                <a:latin typeface="Consolas" panose="020B0609020204030204" pitchFamily="49" charset="0"/>
+              </a:rPr>
+              <a:t>your</a:t>
+            </a:r>
+            <a:r>
+              <a:rPr lang="de-DE" sz="1800" dirty="0">
+                <a:solidFill>
+                  <a:schemeClr val="bg2">
+                    <a:lumMod val="50000"/>
+                  </a:schemeClr>
+                </a:solidFill>
+                <a:latin typeface="Consolas" panose="020B0609020204030204" pitchFamily="49" charset="0"/>
+              </a:rPr>
+              <a:t> </a:t>
+            </a:r>
+            <a:r>
+              <a:rPr lang="de-DE" sz="1800" dirty="0" err="1">
+                <a:solidFill>
+                  <a:schemeClr val="bg2">
+                    <a:lumMod val="50000"/>
+                  </a:schemeClr>
+                </a:solidFill>
+                <a:latin typeface="Consolas" panose="020B0609020204030204" pitchFamily="49" charset="0"/>
+              </a:rPr>
+              <a:t>query</a:t>
+            </a:r>
+            <a:r>
+              <a:rPr lang="de-DE" sz="1800" dirty="0">
+                <a:solidFill>
+                  <a:schemeClr val="bg2">
+                    <a:lumMod val="50000"/>
+                  </a:schemeClr>
+                </a:solidFill>
+                <a:latin typeface="Consolas" panose="020B0609020204030204" pitchFamily="49" charset="0"/>
+              </a:rPr>
+              <a:t> </a:t>
+            </a:r>
+            <a:r>
+              <a:rPr lang="de-DE" sz="1800" dirty="0" err="1">
+                <a:solidFill>
+                  <a:schemeClr val="bg2">
+                    <a:lumMod val="50000"/>
+                  </a:schemeClr>
+                </a:solidFill>
+                <a:latin typeface="Consolas" panose="020B0609020204030204" pitchFamily="49" charset="0"/>
+              </a:rPr>
+              <a:t>as</a:t>
+            </a:r>
+            <a:r>
+              <a:rPr lang="de-DE" sz="1800" dirty="0">
+                <a:solidFill>
+                  <a:schemeClr val="bg2">
+                    <a:lumMod val="50000"/>
+                  </a:schemeClr>
+                </a:solidFill>
+                <a:latin typeface="Consolas" panose="020B0609020204030204" pitchFamily="49" charset="0"/>
+              </a:rPr>
+              <a:t> </a:t>
+            </a:r>
+            <a:r>
+              <a:rPr lang="de-DE" sz="1800" dirty="0" err="1">
+                <a:solidFill>
+                  <a:schemeClr val="bg2">
+                    <a:lumMod val="50000"/>
+                  </a:schemeClr>
+                </a:solidFill>
+                <a:latin typeface="Consolas" panose="020B0609020204030204" pitchFamily="49" charset="0"/>
+              </a:rPr>
+              <a:t>string</a:t>
+            </a:r>
+            <a:r>
+              <a:rPr lang="de-DE" sz="1800" dirty="0">
+                <a:solidFill>
+                  <a:schemeClr val="bg2">
+                    <a:lumMod val="50000"/>
+                  </a:schemeClr>
+                </a:solidFill>
+                <a:latin typeface="Consolas" panose="020B0609020204030204" pitchFamily="49" charset="0"/>
+              </a:rPr>
+              <a:t> }}",</a:t>
+            </a:r>
+          </a:p>
+          <a:p>
+            <a:pPr marL="0" indent="0">
+              <a:buNone/>
+            </a:pPr>
+            <a:r>
+              <a:rPr lang="de-DE" sz="1800" dirty="0">
+                <a:solidFill>
+                  <a:schemeClr val="bg2">
+                    <a:lumMod val="50000"/>
+                  </a:schemeClr>
+                </a:solidFill>
+                <a:latin typeface="Consolas" panose="020B0609020204030204" pitchFamily="49" charset="0"/>
+              </a:rPr>
+              <a:t>   "variables": {{ </a:t>
+            </a:r>
+            <a:r>
+              <a:rPr lang="de-DE" sz="1800" dirty="0" err="1">
+                <a:solidFill>
+                  <a:schemeClr val="bg2">
+                    <a:lumMod val="50000"/>
+                  </a:schemeClr>
+                </a:solidFill>
+                <a:latin typeface="Consolas" panose="020B0609020204030204" pitchFamily="49" charset="0"/>
+              </a:rPr>
+              <a:t>your</a:t>
+            </a:r>
+            <a:r>
+              <a:rPr lang="de-DE" sz="1800" dirty="0">
+                <a:solidFill>
+                  <a:schemeClr val="bg2">
+                    <a:lumMod val="50000"/>
+                  </a:schemeClr>
+                </a:solidFill>
+                <a:latin typeface="Consolas" panose="020B0609020204030204" pitchFamily="49" charset="0"/>
+              </a:rPr>
+              <a:t> variables </a:t>
+            </a:r>
+            <a:r>
+              <a:rPr lang="de-DE" sz="1800" dirty="0" err="1">
+                <a:solidFill>
+                  <a:schemeClr val="bg2">
+                    <a:lumMod val="50000"/>
+                  </a:schemeClr>
+                </a:solidFill>
+                <a:latin typeface="Consolas" panose="020B0609020204030204" pitchFamily="49" charset="0"/>
+              </a:rPr>
+              <a:t>as</a:t>
+            </a:r>
+            <a:r>
+              <a:rPr lang="de-DE" sz="1800" dirty="0">
+                <a:solidFill>
+                  <a:schemeClr val="bg2">
+                    <a:lumMod val="50000"/>
+                  </a:schemeClr>
+                </a:solidFill>
+                <a:latin typeface="Consolas" panose="020B0609020204030204" pitchFamily="49" charset="0"/>
+              </a:rPr>
+              <a:t> JSON-</a:t>
+            </a:r>
+            <a:r>
+              <a:rPr lang="de-DE" sz="1800" dirty="0" err="1">
+                <a:solidFill>
+                  <a:schemeClr val="bg2">
+                    <a:lumMod val="50000"/>
+                  </a:schemeClr>
+                </a:solidFill>
+                <a:latin typeface="Consolas" panose="020B0609020204030204" pitchFamily="49" charset="0"/>
+              </a:rPr>
+              <a:t>Object</a:t>
+            </a:r>
+            <a:r>
+              <a:rPr lang="de-DE" sz="1800" dirty="0">
+                <a:solidFill>
+                  <a:schemeClr val="bg2">
+                    <a:lumMod val="50000"/>
+                  </a:schemeClr>
+                </a:solidFill>
+                <a:latin typeface="Consolas" panose="020B0609020204030204" pitchFamily="49" charset="0"/>
+              </a:rPr>
+              <a:t> }}</a:t>
+            </a:r>
+          </a:p>
+          <a:p>
+            <a:pPr marL="0" indent="0">
+              <a:buNone/>
+            </a:pPr>
+            <a:r>
+              <a:rPr lang="de-DE" sz="1800" dirty="0">
+                <a:solidFill>
+                  <a:schemeClr val="bg2">
+                    <a:lumMod val="50000"/>
+                  </a:schemeClr>
+                </a:solidFill>
+                <a:latin typeface="Consolas" panose="020B0609020204030204" pitchFamily="49" charset="0"/>
+              </a:rPr>
+              <a:t>}</a:t>
+            </a:r>
+          </a:p>
+          <a:p>
+            <a:endParaRPr lang="de-DE" sz="1800" dirty="0"/>
           </a:p>
         </p:txBody>
       </p:sp>
     </p:spTree>
     <p:extLst>
       <p:ext uri="{BB962C8B-B14F-4D97-AF65-F5344CB8AC3E}">
-        <p14:creationId xmlns:p14="http://schemas.microsoft.com/office/powerpoint/2010/main" val="940681753"/>
+        <p14:creationId xmlns:p14="http://schemas.microsoft.com/office/powerpoint/2010/main" val="1615247793"/>
       </p:ext>
     </p:extLst>
   </p:cSld>
@@ -6214,10 +7856,10 @@
       </p:grpSpPr>
       <p:sp>
         <p:nvSpPr>
-          <p:cNvPr id="2" name="Title 1">
-            <a:extLst>
-              <a:ext uri="{FF2B5EF4-FFF2-40B4-BE49-F238E27FC236}">
-                <a16:creationId xmlns:a16="http://schemas.microsoft.com/office/drawing/2014/main" id="{5C306D2C-D77E-4442-B682-D8760DC0CD9F}"/>
+          <p:cNvPr id="5" name="Title 4">
+            <a:extLst>
+              <a:ext uri="{FF2B5EF4-FFF2-40B4-BE49-F238E27FC236}">
+                <a16:creationId xmlns:a16="http://schemas.microsoft.com/office/drawing/2014/main" id="{530EB04D-EBC5-4C76-89DE-97FB0DC73D48}"/>
               </a:ext>
             </a:extLst>
           </p:cNvPr>
@@ -6235,25 +7877,30 @@
           <a:p>
             <a:r>
               <a:rPr lang="de-DE" dirty="0"/>
-              <a:t>GraphQL Client Libraries</a:t>
-            </a:r>
-          </a:p>
-        </p:txBody>
-      </p:sp>
-      <p:sp>
-        <p:nvSpPr>
-          <p:cNvPr id="3" name="Content Placeholder 2">
-            <a:extLst>
-              <a:ext uri="{FF2B5EF4-FFF2-40B4-BE49-F238E27FC236}">
-                <a16:creationId xmlns:a16="http://schemas.microsoft.com/office/drawing/2014/main" id="{B235623D-133C-4680-9DCC-E6057EF85C16}"/>
-              </a:ext>
-            </a:extLst>
-          </p:cNvPr>
-          <p:cNvSpPr>
-            <a:spLocks noGrp="1"/>
-          </p:cNvSpPr>
-          <p:nvPr>
-            <p:ph sz="half" idx="1"/>
+              <a:t>The </a:t>
+            </a:r>
+            <a:r>
+              <a:rPr lang="de-DE" dirty="0" err="1"/>
+              <a:t>Execution</a:t>
+            </a:r>
+            <a:endParaRPr lang="de-DE" dirty="0"/>
+          </a:p>
+        </p:txBody>
+      </p:sp>
+      <p:sp>
+        <p:nvSpPr>
+          <p:cNvPr id="6" name="Content Placeholder 5">
+            <a:extLst>
+              <a:ext uri="{FF2B5EF4-FFF2-40B4-BE49-F238E27FC236}">
+                <a16:creationId xmlns:a16="http://schemas.microsoft.com/office/drawing/2014/main" id="{D7717451-9C13-4749-9817-7A69942A57A6}"/>
+              </a:ext>
+            </a:extLst>
+          </p:cNvPr>
+          <p:cNvSpPr>
+            <a:spLocks noGrp="1"/>
+          </p:cNvSpPr>
+          <p:nvPr>
+            <p:ph idx="1"/>
           </p:nvPr>
         </p:nvSpPr>
         <p:spPr/>
@@ -6263,136 +7910,290 @@
           <a:p>
             <a:r>
               <a:rPr lang="de-DE" dirty="0"/>
-              <a:t>Java / Android</a:t>
-            </a:r>
-          </a:p>
-          <a:p>
-            <a:r>
-              <a:rPr lang="de-DE" dirty="0"/>
-              <a:t>JavaScript</a:t>
-            </a:r>
-          </a:p>
-          <a:p>
-            <a:r>
-              <a:rPr lang="de-DE" dirty="0"/>
-              <a:t>Swift / </a:t>
-            </a:r>
-            <a:r>
-              <a:rPr lang="de-DE" dirty="0" err="1"/>
-              <a:t>Objective</a:t>
-            </a:r>
-            <a:r>
-              <a:rPr lang="de-DE" dirty="0"/>
-              <a:t>-C iOS</a:t>
-            </a:r>
-          </a:p>
-          <a:p>
-            <a:r>
-              <a:rPr lang="de-DE" dirty="0"/>
-              <a:t>Go</a:t>
-            </a:r>
-          </a:p>
-          <a:p>
-            <a:r>
-              <a:rPr lang="de-DE" dirty="0"/>
-              <a:t>C# / .NET</a:t>
-            </a:r>
-          </a:p>
-          <a:p>
-            <a:r>
-              <a:rPr lang="de-DE" dirty="0"/>
-              <a:t>Python</a:t>
-            </a:r>
-          </a:p>
-          <a:p>
-            <a:r>
-              <a:rPr lang="de-DE" dirty="0"/>
-              <a:t>…</a:t>
-            </a:r>
-          </a:p>
-        </p:txBody>
-      </p:sp>
-      <p:sp>
-        <p:nvSpPr>
-          <p:cNvPr id="4" name="Content Placeholder 3">
-            <a:extLst>
-              <a:ext uri="{FF2B5EF4-FFF2-40B4-BE49-F238E27FC236}">
-                <a16:creationId xmlns:a16="http://schemas.microsoft.com/office/drawing/2014/main" id="{B7680660-CBCB-4F66-BC9B-8D50CF2FAB4E}"/>
-              </a:ext>
-            </a:extLst>
-          </p:cNvPr>
-          <p:cNvSpPr>
-            <a:spLocks noGrp="1"/>
-          </p:cNvSpPr>
-          <p:nvPr>
-            <p:ph sz="half" idx="2"/>
-          </p:nvPr>
-        </p:nvSpPr>
-        <p:spPr/>
-        <p:txBody>
-          <a:bodyPr/>
-          <a:lstStyle/>
-          <a:p>
-            <a:pPr marL="0" indent="0">
-              <a:buNone/>
-            </a:pPr>
-            <a:r>
-              <a:rPr lang="de-DE" dirty="0" err="1"/>
-              <a:t>You</a:t>
-            </a:r>
-            <a:r>
-              <a:rPr lang="de-DE" dirty="0"/>
-              <a:t> </a:t>
-            </a:r>
-            <a:r>
-              <a:rPr lang="de-DE" dirty="0" err="1"/>
-              <a:t>can</a:t>
-            </a:r>
-            <a:r>
-              <a:rPr lang="de-DE" dirty="0"/>
-              <a:t> find a </a:t>
-            </a:r>
-            <a:r>
-              <a:rPr lang="de-DE" dirty="0" err="1"/>
-              <a:t>list</a:t>
-            </a:r>
-            <a:r>
-              <a:rPr lang="de-DE" dirty="0"/>
-              <a:t> </a:t>
-            </a:r>
-            <a:r>
-              <a:rPr lang="de-DE" dirty="0" err="1"/>
-              <a:t>of</a:t>
-            </a:r>
-            <a:r>
-              <a:rPr lang="de-DE" dirty="0"/>
-              <a:t> </a:t>
-            </a:r>
-            <a:r>
-              <a:rPr lang="de-DE" dirty="0" err="1"/>
-              <a:t>implementations</a:t>
-            </a:r>
-            <a:r>
-              <a:rPr lang="de-DE" dirty="0"/>
-              <a:t> at:</a:t>
-            </a:r>
-            <a:br>
-              <a:rPr lang="de-DE" dirty="0"/>
-            </a:br>
-            <a:br>
-              <a:rPr lang="de-DE" dirty="0"/>
-            </a:br>
-            <a:r>
-              <a:rPr lang="de-DE" dirty="0"/>
-              <a:t>http://graphql.org/code/</a:t>
-            </a:r>
+              <a:t>The Query-</a:t>
+            </a:r>
+            <a:r>
+              <a:rPr lang="de-DE" dirty="0" err="1"/>
+              <a:t>Execution</a:t>
+            </a:r>
+            <a:r>
+              <a:rPr lang="de-DE" dirty="0"/>
+              <a:t> </a:t>
+            </a:r>
+            <a:r>
+              <a:rPr lang="de-DE" dirty="0" err="1"/>
+              <a:t>happens</a:t>
+            </a:r>
+            <a:r>
+              <a:rPr lang="de-DE" dirty="0"/>
+              <a:t> in </a:t>
+            </a:r>
+            <a:r>
+              <a:rPr lang="de-DE" dirty="0" err="1"/>
+              <a:t>three</a:t>
+            </a:r>
+            <a:r>
+              <a:rPr lang="de-DE" dirty="0"/>
+              <a:t> </a:t>
+            </a:r>
+            <a:r>
+              <a:rPr lang="de-DE" dirty="0" err="1"/>
+              <a:t>steps</a:t>
+            </a:r>
+            <a:r>
+              <a:rPr lang="de-DE" dirty="0"/>
+              <a:t>:</a:t>
+            </a:r>
+          </a:p>
+          <a:p>
+            <a:pPr lvl="1"/>
+            <a:r>
+              <a:rPr lang="de-DE" dirty="0"/>
+              <a:t>Parse</a:t>
+            </a:r>
+          </a:p>
+          <a:p>
+            <a:pPr lvl="1"/>
+            <a:r>
+              <a:rPr lang="de-DE" dirty="0" err="1"/>
+              <a:t>Validate</a:t>
+            </a:r>
+            <a:endParaRPr lang="de-DE" dirty="0"/>
+          </a:p>
+          <a:p>
+            <a:pPr lvl="1"/>
+            <a:r>
+              <a:rPr lang="de-DE" dirty="0"/>
+              <a:t>Execute</a:t>
+            </a:r>
+          </a:p>
+          <a:p>
+            <a:r>
+              <a:rPr lang="de-DE" dirty="0" err="1"/>
+              <a:t>For</a:t>
+            </a:r>
+            <a:r>
+              <a:rPr lang="de-DE" dirty="0"/>
+              <a:t> </a:t>
+            </a:r>
+            <a:r>
+              <a:rPr lang="de-DE" dirty="0" err="1"/>
+              <a:t>every</a:t>
+            </a:r>
+            <a:r>
+              <a:rPr lang="de-DE" dirty="0"/>
+              <a:t> </a:t>
+            </a:r>
+            <a:r>
+              <a:rPr lang="de-DE" dirty="0" err="1"/>
+              <a:t>query</a:t>
+            </a:r>
+            <a:r>
+              <a:rPr lang="de-DE" dirty="0"/>
+              <a:t> an </a:t>
+            </a:r>
+            <a:r>
+              <a:rPr lang="de-DE" dirty="0" err="1"/>
+              <a:t>abstract</a:t>
+            </a:r>
+            <a:r>
+              <a:rPr lang="de-DE" dirty="0"/>
+              <a:t> </a:t>
+            </a:r>
+            <a:r>
+              <a:rPr lang="de-DE" dirty="0" err="1"/>
+              <a:t>syntax</a:t>
+            </a:r>
+            <a:r>
+              <a:rPr lang="de-DE" dirty="0"/>
+              <a:t> </a:t>
+            </a:r>
+            <a:r>
+              <a:rPr lang="de-DE" dirty="0" err="1"/>
+              <a:t>tree</a:t>
+            </a:r>
+            <a:r>
+              <a:rPr lang="de-DE" dirty="0"/>
+              <a:t> </a:t>
+            </a:r>
+            <a:r>
+              <a:rPr lang="de-DE" dirty="0" err="1"/>
+              <a:t>is</a:t>
+            </a:r>
+            <a:r>
+              <a:rPr lang="de-DE" dirty="0"/>
+              <a:t> </a:t>
+            </a:r>
+            <a:r>
+              <a:rPr lang="de-DE" dirty="0" err="1"/>
+              <a:t>built</a:t>
+            </a:r>
+            <a:r>
+              <a:rPr lang="de-DE" dirty="0"/>
+              <a:t> (Parse)</a:t>
+            </a:r>
+          </a:p>
+          <a:p>
+            <a:r>
+              <a:rPr lang="de-DE" dirty="0"/>
+              <a:t>The </a:t>
+            </a:r>
+            <a:r>
+              <a:rPr lang="de-DE" dirty="0" err="1"/>
+              <a:t>executor</a:t>
+            </a:r>
+            <a:r>
+              <a:rPr lang="de-DE" dirty="0"/>
+              <a:t> </a:t>
+            </a:r>
+            <a:r>
+              <a:rPr lang="de-DE" dirty="0" err="1"/>
+              <a:t>then</a:t>
+            </a:r>
+            <a:r>
+              <a:rPr lang="de-DE" dirty="0"/>
+              <a:t> </a:t>
+            </a:r>
+            <a:r>
+              <a:rPr lang="de-DE" dirty="0" err="1"/>
+              <a:t>calls</a:t>
+            </a:r>
+            <a:r>
+              <a:rPr lang="de-DE" dirty="0"/>
+              <a:t> </a:t>
+            </a:r>
+            <a:r>
+              <a:rPr lang="de-DE" dirty="0" err="1"/>
+              <a:t>every</a:t>
+            </a:r>
+            <a:r>
+              <a:rPr lang="de-DE" dirty="0"/>
+              <a:t> </a:t>
+            </a:r>
+            <a:r>
+              <a:rPr lang="de-DE" dirty="0" err="1"/>
+              <a:t>node‘s</a:t>
+            </a:r>
+            <a:r>
+              <a:rPr lang="de-DE" dirty="0"/>
+              <a:t> </a:t>
+            </a:r>
+            <a:r>
+              <a:rPr lang="de-DE" dirty="0" err="1"/>
+              <a:t>resolve</a:t>
+            </a:r>
+            <a:r>
+              <a:rPr lang="de-DE" dirty="0"/>
+              <a:t> </a:t>
+            </a:r>
+            <a:r>
+              <a:rPr lang="de-DE" dirty="0" err="1"/>
+              <a:t>function</a:t>
+            </a:r>
+            <a:r>
+              <a:rPr lang="de-DE" dirty="0"/>
+              <a:t> </a:t>
+            </a:r>
+            <a:r>
+              <a:rPr lang="de-DE" dirty="0" err="1"/>
+              <a:t>from</a:t>
+            </a:r>
+            <a:r>
+              <a:rPr lang="de-DE" dirty="0"/>
+              <a:t> </a:t>
+            </a:r>
+            <a:r>
+              <a:rPr lang="de-DE" dirty="0" err="1"/>
+              <a:t>the</a:t>
+            </a:r>
+            <a:r>
+              <a:rPr lang="de-DE" dirty="0"/>
+              <a:t> top </a:t>
+            </a:r>
+            <a:r>
+              <a:rPr lang="de-DE" dirty="0" err="1"/>
+              <a:t>to</a:t>
+            </a:r>
+            <a:r>
+              <a:rPr lang="de-DE" dirty="0"/>
+              <a:t> </a:t>
+            </a:r>
+            <a:r>
+              <a:rPr lang="de-DE" dirty="0" err="1"/>
+              <a:t>the</a:t>
+            </a:r>
+            <a:r>
+              <a:rPr lang="de-DE" dirty="0"/>
+              <a:t> </a:t>
+            </a:r>
+            <a:r>
+              <a:rPr lang="de-DE" dirty="0" err="1"/>
+              <a:t>bottom</a:t>
+            </a:r>
+            <a:r>
+              <a:rPr lang="de-DE" dirty="0"/>
+              <a:t> </a:t>
+            </a:r>
+            <a:r>
+              <a:rPr lang="de-DE" dirty="0" err="1"/>
+              <a:t>until</a:t>
+            </a:r>
+            <a:r>
+              <a:rPr lang="de-DE" dirty="0"/>
+              <a:t> all </a:t>
+            </a:r>
+            <a:r>
+              <a:rPr lang="de-DE" dirty="0" err="1"/>
+              <a:t>types</a:t>
+            </a:r>
+            <a:r>
+              <a:rPr lang="de-DE" dirty="0"/>
+              <a:t> </a:t>
+            </a:r>
+            <a:r>
+              <a:rPr lang="de-DE" dirty="0" err="1"/>
+              <a:t>are</a:t>
+            </a:r>
+            <a:r>
+              <a:rPr lang="de-DE" dirty="0"/>
+              <a:t> </a:t>
+            </a:r>
+            <a:r>
+              <a:rPr lang="de-DE" dirty="0" err="1"/>
+              <a:t>resolved</a:t>
+            </a:r>
+            <a:r>
+              <a:rPr lang="de-DE" dirty="0"/>
+              <a:t> </a:t>
+            </a:r>
+            <a:r>
+              <a:rPr lang="de-DE" dirty="0" err="1"/>
+              <a:t>into</a:t>
+            </a:r>
+            <a:r>
+              <a:rPr lang="de-DE" dirty="0"/>
+              <a:t> </a:t>
+            </a:r>
+            <a:r>
+              <a:rPr lang="de-DE" dirty="0" err="1"/>
+              <a:t>scalar</a:t>
+            </a:r>
+            <a:r>
+              <a:rPr lang="de-DE" dirty="0"/>
+              <a:t> </a:t>
+            </a:r>
+            <a:r>
+              <a:rPr lang="de-DE" dirty="0" err="1"/>
+              <a:t>types</a:t>
+            </a:r>
+            <a:endParaRPr lang="de-DE" dirty="0"/>
           </a:p>
         </p:txBody>
       </p:sp>
     </p:spTree>
     <p:extLst>
       <p:ext uri="{BB962C8B-B14F-4D97-AF65-F5344CB8AC3E}">
-        <p14:creationId xmlns:p14="http://schemas.microsoft.com/office/powerpoint/2010/main" val="3194194145"/>
+        <p14:creationId xmlns:p14="http://schemas.microsoft.com/office/powerpoint/2010/main" val="2879331559"/>
       </p:ext>
     </p:extLst>
   </p:cSld>
@@ -6512,13 +8313,8 @@
               </a:rPr>
               <a:t> GraphQL? </a:t>
             </a:r>
-            <a:br>
-              <a:rPr lang="de-DE" dirty="0">
-                <a:solidFill>
-                  <a:srgbClr val="E10098"/>
-                </a:solidFill>
-              </a:rPr>
-            </a:br>
+          </a:p>
+          <a:p>
             <a:r>
               <a:rPr lang="de-DE" dirty="0" err="1">
                 <a:solidFill>
@@ -6717,10 +8513,10 @@
       </p:grpSpPr>
       <p:sp>
         <p:nvSpPr>
-          <p:cNvPr id="2" name="Title 1">
-            <a:extLst>
-              <a:ext uri="{FF2B5EF4-FFF2-40B4-BE49-F238E27FC236}">
-                <a16:creationId xmlns:a16="http://schemas.microsoft.com/office/drawing/2014/main" id="{24F1B6FB-9166-4AD3-98B9-75760AFE358A}"/>
+          <p:cNvPr id="4" name="Title 3">
+            <a:extLst>
+              <a:ext uri="{FF2B5EF4-FFF2-40B4-BE49-F238E27FC236}">
+                <a16:creationId xmlns:a16="http://schemas.microsoft.com/office/drawing/2014/main" id="{58992B7D-1D2E-4892-A0CA-57CCEA3D4928}"/>
               </a:ext>
             </a:extLst>
           </p:cNvPr>
@@ -6738,38 +8534,67 @@
           <a:p>
             <a:r>
               <a:rPr lang="de-DE" dirty="0"/>
-              <a:t>Working </a:t>
-            </a:r>
-            <a:r>
-              <a:rPr lang="de-DE" dirty="0" err="1"/>
-              <a:t>with</a:t>
-            </a:r>
-            <a:r>
-              <a:rPr lang="de-DE" dirty="0"/>
-              <a:t> GraphQL and </a:t>
-            </a:r>
-            <a:r>
-              <a:rPr lang="de-DE" dirty="0" err="1"/>
-              <a:t>NodeJS</a:t>
+              <a:t>The </a:t>
+            </a:r>
+            <a:r>
+              <a:rPr lang="de-DE" dirty="0" err="1"/>
+              <a:t>Execution</a:t>
+            </a:r>
+            <a:r>
+              <a:rPr lang="de-DE" dirty="0"/>
+              <a:t> – </a:t>
+            </a:r>
+            <a:r>
+              <a:rPr lang="de-DE" dirty="0" err="1"/>
+              <a:t>Example</a:t>
             </a:r>
             <a:endParaRPr lang="de-DE" dirty="0"/>
           </a:p>
         </p:txBody>
       </p:sp>
-      <p:sp>
-        <p:nvSpPr>
-          <p:cNvPr id="3" name="Text Placeholder 2">
-            <a:extLst>
-              <a:ext uri="{FF2B5EF4-FFF2-40B4-BE49-F238E27FC236}">
-                <a16:creationId xmlns:a16="http://schemas.microsoft.com/office/drawing/2014/main" id="{86337096-A0A0-4060-B933-1267E4984765}"/>
-              </a:ext>
-            </a:extLst>
-          </p:cNvPr>
-          <p:cNvSpPr>
-            <a:spLocks noGrp="1"/>
-          </p:cNvSpPr>
-          <p:nvPr>
-            <p:ph type="body" idx="1"/>
+      <p:pic>
+        <p:nvPicPr>
+          <p:cNvPr id="8" name="Content Placeholder 7">
+            <a:extLst>
+              <a:ext uri="{FF2B5EF4-FFF2-40B4-BE49-F238E27FC236}">
+                <a16:creationId xmlns:a16="http://schemas.microsoft.com/office/drawing/2014/main" id="{0D6CC119-FA9A-4D88-B65A-5941D956E131}"/>
+              </a:ext>
+            </a:extLst>
+          </p:cNvPr>
+          <p:cNvPicPr>
+            <a:picLocks noGrp="1" noChangeAspect="1"/>
+          </p:cNvPicPr>
+          <p:nvPr>
+            <p:ph idx="1"/>
+          </p:nvPr>
+        </p:nvPicPr>
+        <p:blipFill>
+          <a:blip r:embed="rId2"/>
+          <a:stretch>
+            <a:fillRect/>
+          </a:stretch>
+        </p:blipFill>
+        <p:spPr>
+          <a:xfrm>
+            <a:off x="5183188" y="1280458"/>
+            <a:ext cx="6172200" cy="4287558"/>
+          </a:xfrm>
+        </p:spPr>
+      </p:pic>
+      <p:sp>
+        <p:nvSpPr>
+          <p:cNvPr id="6" name="Text Placeholder 5">
+            <a:extLst>
+              <a:ext uri="{FF2B5EF4-FFF2-40B4-BE49-F238E27FC236}">
+                <a16:creationId xmlns:a16="http://schemas.microsoft.com/office/drawing/2014/main" id="{0701242D-4A8F-4D67-A555-8BCEA393AB85}"/>
+              </a:ext>
+            </a:extLst>
+          </p:cNvPr>
+          <p:cNvSpPr>
+            <a:spLocks noGrp="1"/>
+          </p:cNvSpPr>
+          <p:nvPr>
+            <p:ph type="body" sz="half" idx="2"/>
           </p:nvPr>
         </p:nvSpPr>
         <p:spPr/>
@@ -6778,13 +8603,49 @@
           <a:lstStyle/>
           <a:p>
             <a:endParaRPr lang="de-DE"/>
+          </a:p>
+        </p:txBody>
+      </p:sp>
+      <p:sp>
+        <p:nvSpPr>
+          <p:cNvPr id="5" name="TextBox 4">
+            <a:extLst>
+              <a:ext uri="{FF2B5EF4-FFF2-40B4-BE49-F238E27FC236}">
+                <a16:creationId xmlns:a16="http://schemas.microsoft.com/office/drawing/2014/main" id="{CBD834A8-F295-4BDD-A5DA-D10300050AD2}"/>
+              </a:ext>
+            </a:extLst>
+          </p:cNvPr>
+          <p:cNvSpPr txBox="1"/>
+          <p:nvPr/>
+        </p:nvSpPr>
+        <p:spPr>
+          <a:xfrm>
+            <a:off x="5183188" y="5568016"/>
+            <a:ext cx="6172200" cy="261610"/>
+          </a:xfrm>
+          <a:prstGeom prst="rect">
+            <a:avLst/>
+          </a:prstGeom>
+          <a:noFill/>
+        </p:spPr>
+        <p:txBody>
+          <a:bodyPr wrap="square" rtlCol="0">
+            <a:spAutoFit/>
+          </a:bodyPr>
+          <a:lstStyle/>
+          <a:p>
+            <a:pPr algn="r"/>
+            <a:r>
+              <a:rPr lang="de-DE" sz="1100" dirty="0"/>
+              <a:t>https://cdn-images-1.medium.com/max/800/1*tSO8TeQ9mYNWRzA2FqYlsQ.png</a:t>
+            </a:r>
           </a:p>
         </p:txBody>
       </p:sp>
     </p:spTree>
     <p:extLst>
       <p:ext uri="{BB962C8B-B14F-4D97-AF65-F5344CB8AC3E}">
-        <p14:creationId xmlns:p14="http://schemas.microsoft.com/office/powerpoint/2010/main" val="2339177575"/>
+        <p14:creationId xmlns:p14="http://schemas.microsoft.com/office/powerpoint/2010/main" val="1319813637"/>
       </p:ext>
     </p:extLst>
   </p:cSld>
@@ -6816,10 +8677,10 @@
       </p:grpSpPr>
       <p:sp>
         <p:nvSpPr>
-          <p:cNvPr id="4" name="Title 3">
-            <a:extLst>
-              <a:ext uri="{FF2B5EF4-FFF2-40B4-BE49-F238E27FC236}">
-                <a16:creationId xmlns:a16="http://schemas.microsoft.com/office/drawing/2014/main" id="{51975A0D-D537-414B-B97E-52D06528D7C3}"/>
+          <p:cNvPr id="2" name="Title 1">
+            <a:extLst>
+              <a:ext uri="{FF2B5EF4-FFF2-40B4-BE49-F238E27FC236}">
+                <a16:creationId xmlns:a16="http://schemas.microsoft.com/office/drawing/2014/main" id="{05338554-B2AD-4890-B3C9-3315D0316063}"/>
               </a:ext>
             </a:extLst>
           </p:cNvPr>
@@ -6837,37 +8698,53 @@
           <a:p>
             <a:r>
               <a:rPr lang="de-DE" dirty="0" err="1"/>
-              <a:t>Please</a:t>
-            </a:r>
-            <a:r>
-              <a:rPr lang="de-DE" dirty="0"/>
-              <a:t> </a:t>
-            </a:r>
-            <a:r>
-              <a:rPr lang="de-DE" dirty="0" err="1"/>
-              <a:t>visit</a:t>
-            </a:r>
-            <a:r>
-              <a:rPr lang="de-DE" dirty="0"/>
-              <a:t>:</a:t>
-            </a:r>
-          </a:p>
-        </p:txBody>
-      </p:sp>
-      <p:sp>
-        <p:nvSpPr>
-          <p:cNvPr id="5" name="Content Placeholder 4">
-            <a:extLst>
-              <a:ext uri="{FF2B5EF4-FFF2-40B4-BE49-F238E27FC236}">
-                <a16:creationId xmlns:a16="http://schemas.microsoft.com/office/drawing/2014/main" id="{4A125340-0BE6-4469-9F65-FFF9E075A40E}"/>
-              </a:ext>
-            </a:extLst>
-          </p:cNvPr>
-          <p:cNvSpPr>
-            <a:spLocks noGrp="1"/>
-          </p:cNvSpPr>
-          <p:nvPr>
-            <p:ph idx="1"/>
+              <a:t>How</a:t>
+            </a:r>
+            <a:r>
+              <a:rPr lang="de-DE" dirty="0"/>
+              <a:t> </a:t>
+            </a:r>
+            <a:r>
+              <a:rPr lang="de-DE" dirty="0" err="1"/>
+              <a:t>can</a:t>
+            </a:r>
+            <a:r>
+              <a:rPr lang="de-DE" dirty="0"/>
+              <a:t> </a:t>
+            </a:r>
+            <a:r>
+              <a:rPr lang="de-DE" dirty="0" err="1"/>
+              <a:t>one</a:t>
+            </a:r>
+            <a:r>
+              <a:rPr lang="de-DE" dirty="0"/>
+              <a:t> </a:t>
+            </a:r>
+            <a:r>
+              <a:rPr lang="de-DE" dirty="0" err="1"/>
+              <a:t>use</a:t>
+            </a:r>
+            <a:r>
+              <a:rPr lang="de-DE" dirty="0"/>
+              <a:t> GraphQL?</a:t>
+            </a:r>
+          </a:p>
+        </p:txBody>
+      </p:sp>
+      <p:sp>
+        <p:nvSpPr>
+          <p:cNvPr id="4" name="Text Placeholder 3">
+            <a:extLst>
+              <a:ext uri="{FF2B5EF4-FFF2-40B4-BE49-F238E27FC236}">
+                <a16:creationId xmlns:a16="http://schemas.microsoft.com/office/drawing/2014/main" id="{9457A7B8-1B07-4186-AF1F-F7A9B6B68D92}"/>
+              </a:ext>
+            </a:extLst>
+          </p:cNvPr>
+          <p:cNvSpPr>
+            <a:spLocks noGrp="1"/>
+          </p:cNvSpPr>
+          <p:nvPr>
+            <p:ph type="body" idx="1"/>
           </p:nvPr>
         </p:nvSpPr>
         <p:spPr/>
@@ -6875,108 +8752,14 @@
           <a:bodyPr/>
           <a:lstStyle/>
           <a:p>
-            <a:pPr marL="0" indent="0">
-              <a:buNone/>
-            </a:pPr>
-            <a:r>
-              <a:rPr lang="de-DE" dirty="0">
-                <a:hlinkClick r:id="rId2"/>
-              </a:rPr>
-              <a:t>https://launchpad.graphql.com/new</a:t>
-            </a:r>
-            <a:br>
-              <a:rPr lang="de-DE" dirty="0"/>
-            </a:br>
-            <a:br>
-              <a:rPr lang="de-DE" dirty="0"/>
-            </a:br>
-            <a:r>
-              <a:rPr lang="de-DE" dirty="0" err="1"/>
-              <a:t>You</a:t>
-            </a:r>
-            <a:r>
-              <a:rPr lang="de-DE" dirty="0"/>
-              <a:t> </a:t>
-            </a:r>
-            <a:r>
-              <a:rPr lang="de-DE" dirty="0" err="1"/>
-              <a:t>can</a:t>
-            </a:r>
-            <a:r>
-              <a:rPr lang="de-DE" dirty="0"/>
-              <a:t> find </a:t>
-            </a:r>
-            <a:r>
-              <a:rPr lang="de-DE" dirty="0" err="1"/>
-              <a:t>the</a:t>
-            </a:r>
-            <a:r>
-              <a:rPr lang="de-DE" dirty="0"/>
-              <a:t> link in </a:t>
-            </a:r>
-            <a:r>
-              <a:rPr lang="de-DE" dirty="0" err="1"/>
-              <a:t>my</a:t>
-            </a:r>
-            <a:r>
-              <a:rPr lang="de-DE" dirty="0"/>
-              <a:t> </a:t>
-            </a:r>
-            <a:r>
-              <a:rPr lang="de-DE" dirty="0" err="1"/>
-              <a:t>information</a:t>
-            </a:r>
-            <a:r>
-              <a:rPr lang="de-DE" dirty="0"/>
-              <a:t> email </a:t>
-            </a:r>
-            <a:r>
-              <a:rPr lang="de-DE" dirty="0" err="1"/>
-              <a:t>or</a:t>
-            </a:r>
-            <a:r>
-              <a:rPr lang="de-DE" dirty="0"/>
-              <a:t> </a:t>
-            </a:r>
-            <a:r>
-              <a:rPr lang="de-DE" dirty="0" err="1"/>
-              <a:t>the</a:t>
-            </a:r>
-            <a:r>
-              <a:rPr lang="de-DE" dirty="0"/>
-              <a:t> </a:t>
-            </a:r>
-            <a:r>
-              <a:rPr lang="de-DE" dirty="0" err="1"/>
-              <a:t>forum</a:t>
-            </a:r>
-            <a:r>
-              <a:rPr lang="de-DE" dirty="0"/>
-              <a:t> </a:t>
-            </a:r>
-            <a:r>
-              <a:rPr lang="de-DE" dirty="0" err="1"/>
-              <a:t>calendar</a:t>
-            </a:r>
-            <a:r>
-              <a:rPr lang="de-DE" dirty="0"/>
-              <a:t> </a:t>
-            </a:r>
-            <a:r>
-              <a:rPr lang="de-DE" dirty="0" err="1"/>
-              <a:t>entry</a:t>
-            </a:r>
-            <a:r>
-              <a:rPr lang="de-DE" dirty="0"/>
-              <a:t>.</a:t>
-            </a:r>
+            <a:endParaRPr lang="de-DE"/>
           </a:p>
         </p:txBody>
       </p:sp>
     </p:spTree>
     <p:extLst>
       <p:ext uri="{BB962C8B-B14F-4D97-AF65-F5344CB8AC3E}">
-        <p14:creationId xmlns:p14="http://schemas.microsoft.com/office/powerpoint/2010/main" val="2109044681"/>
+        <p14:creationId xmlns:p14="http://schemas.microsoft.com/office/powerpoint/2010/main" val="1408370654"/>
       </p:ext>
     </p:extLst>
   </p:cSld>
@@ -7011,7 +8794,7 @@
           <p:cNvPr id="4" name="Title 3">
             <a:extLst>
               <a:ext uri="{FF2B5EF4-FFF2-40B4-BE49-F238E27FC236}">
-                <a16:creationId xmlns:a16="http://schemas.microsoft.com/office/drawing/2014/main" id="{B8DB7AD3-0282-45E1-8720-2A8216C2778D}"/>
+                <a16:creationId xmlns:a16="http://schemas.microsoft.com/office/drawing/2014/main" id="{4A434731-63C1-4440-95ED-2591CE595CD2}"/>
               </a:ext>
             </a:extLst>
           </p:cNvPr>
@@ -7028,95 +8811,182 @@
           <a:lstStyle/>
           <a:p>
             <a:r>
-              <a:rPr lang="de-DE" dirty="0" err="1"/>
-              <a:t>Thank</a:t>
-            </a:r>
-            <a:r>
-              <a:rPr lang="de-DE" dirty="0"/>
-              <a:t> </a:t>
-            </a:r>
-            <a:r>
-              <a:rPr lang="de-DE" dirty="0" err="1"/>
-              <a:t>you</a:t>
-            </a:r>
-            <a:r>
-              <a:rPr lang="de-DE" dirty="0"/>
-              <a:t> </a:t>
-            </a:r>
-            <a:r>
-              <a:rPr lang="de-DE" dirty="0" err="1"/>
-              <a:t>for</a:t>
-            </a:r>
-            <a:r>
-              <a:rPr lang="de-DE" dirty="0"/>
-              <a:t> </a:t>
-            </a:r>
-            <a:r>
-              <a:rPr lang="de-DE" dirty="0" err="1"/>
-              <a:t>your</a:t>
-            </a:r>
-            <a:r>
-              <a:rPr lang="de-DE" dirty="0"/>
-              <a:t> </a:t>
-            </a:r>
-            <a:r>
-              <a:rPr lang="de-DE" dirty="0" err="1"/>
-              <a:t>attention</a:t>
-            </a:r>
-            <a:r>
-              <a:rPr lang="de-DE" dirty="0"/>
-              <a:t>!</a:t>
-            </a:r>
-          </a:p>
-        </p:txBody>
-      </p:sp>
-      <p:sp>
-        <p:nvSpPr>
-          <p:cNvPr id="5" name="Text Placeholder 4">
-            <a:extLst>
-              <a:ext uri="{FF2B5EF4-FFF2-40B4-BE49-F238E27FC236}">
-                <a16:creationId xmlns:a16="http://schemas.microsoft.com/office/drawing/2014/main" id="{0090AA99-AB98-40D2-9C5B-0ADD665CB3A0}"/>
-              </a:ext>
-            </a:extLst>
-          </p:cNvPr>
-          <p:cNvSpPr>
-            <a:spLocks noGrp="1"/>
-          </p:cNvSpPr>
-          <p:nvPr>
-            <p:ph type="body" idx="1"/>
+              <a:rPr lang="de-DE" dirty="0"/>
+              <a:t>GraphQL Server Libraries</a:t>
+            </a:r>
+          </a:p>
+        </p:txBody>
+      </p:sp>
+      <p:sp>
+        <p:nvSpPr>
+          <p:cNvPr id="6" name="Content Placeholder 5">
+            <a:extLst>
+              <a:ext uri="{FF2B5EF4-FFF2-40B4-BE49-F238E27FC236}">
+                <a16:creationId xmlns:a16="http://schemas.microsoft.com/office/drawing/2014/main" id="{106B9FAB-82C3-4254-B9C5-FEBEA93A9446}"/>
+              </a:ext>
+            </a:extLst>
+          </p:cNvPr>
+          <p:cNvSpPr>
+            <a:spLocks noGrp="1"/>
+          </p:cNvSpPr>
+          <p:nvPr>
+            <p:ph sz="half" idx="1"/>
           </p:nvPr>
         </p:nvSpPr>
         <p:spPr/>
         <p:txBody>
-          <a:bodyPr/>
+          <a:bodyPr>
+            <a:normAutofit lnSpcReduction="10000"/>
+          </a:bodyPr>
           <a:lstStyle/>
           <a:p>
-            <a:endParaRPr lang="de-DE"/>
+            <a:r>
+              <a:rPr lang="de-DE" dirty="0"/>
+              <a:t>Java</a:t>
+            </a:r>
+          </a:p>
+          <a:p>
+            <a:r>
+              <a:rPr lang="de-DE" dirty="0"/>
+              <a:t>JavaScript</a:t>
+            </a:r>
+          </a:p>
+          <a:p>
+            <a:r>
+              <a:rPr lang="de-DE" dirty="0"/>
+              <a:t>PHP</a:t>
+            </a:r>
+          </a:p>
+          <a:p>
+            <a:r>
+              <a:rPr lang="de-DE" dirty="0"/>
+              <a:t>Go</a:t>
+            </a:r>
+          </a:p>
+          <a:p>
+            <a:r>
+              <a:rPr lang="de-DE" dirty="0"/>
+              <a:t>Scala</a:t>
+            </a:r>
+          </a:p>
+          <a:p>
+            <a:r>
+              <a:rPr lang="de-DE" dirty="0"/>
+              <a:t>C# / .NET</a:t>
+            </a:r>
+          </a:p>
+          <a:p>
+            <a:r>
+              <a:rPr lang="de-DE" dirty="0"/>
+              <a:t>Python</a:t>
+            </a:r>
+          </a:p>
+          <a:p>
+            <a:r>
+              <a:rPr lang="de-DE" dirty="0"/>
+              <a:t>Groovy</a:t>
+            </a:r>
+          </a:p>
+          <a:p>
+            <a:r>
+              <a:rPr lang="de-DE" dirty="0"/>
+              <a:t>…</a:t>
+            </a:r>
+          </a:p>
+        </p:txBody>
+      </p:sp>
+      <p:sp>
+        <p:nvSpPr>
+          <p:cNvPr id="7" name="Content Placeholder 6">
+            <a:extLst>
+              <a:ext uri="{FF2B5EF4-FFF2-40B4-BE49-F238E27FC236}">
+                <a16:creationId xmlns:a16="http://schemas.microsoft.com/office/drawing/2014/main" id="{50195C00-2B85-4242-B705-DFB80FE4F92B}"/>
+              </a:ext>
+            </a:extLst>
+          </p:cNvPr>
+          <p:cNvSpPr>
+            <a:spLocks noGrp="1"/>
+          </p:cNvSpPr>
+          <p:nvPr>
+            <p:ph sz="half" idx="2"/>
+          </p:nvPr>
+        </p:nvSpPr>
+        <p:spPr/>
+        <p:txBody>
+          <a:bodyPr>
+            <a:normAutofit lnSpcReduction="10000"/>
+          </a:bodyPr>
+          <a:lstStyle/>
+          <a:p>
+            <a:pPr marL="0" indent="0">
+              <a:buNone/>
+            </a:pPr>
+            <a:r>
+              <a:rPr lang="de-DE" dirty="0" err="1"/>
+              <a:t>You</a:t>
+            </a:r>
+            <a:r>
+              <a:rPr lang="de-DE" dirty="0"/>
+              <a:t> </a:t>
+            </a:r>
+            <a:r>
+              <a:rPr lang="de-DE" dirty="0" err="1"/>
+              <a:t>can</a:t>
+            </a:r>
+            <a:r>
+              <a:rPr lang="de-DE" dirty="0"/>
+              <a:t> find a </a:t>
+            </a:r>
+            <a:r>
+              <a:rPr lang="de-DE" dirty="0" err="1"/>
+              <a:t>list</a:t>
+            </a:r>
+            <a:r>
+              <a:rPr lang="de-DE" dirty="0"/>
+              <a:t> </a:t>
+            </a:r>
+            <a:r>
+              <a:rPr lang="de-DE" dirty="0" err="1"/>
+              <a:t>of</a:t>
+            </a:r>
+            <a:r>
+              <a:rPr lang="de-DE" dirty="0"/>
+              <a:t> </a:t>
+            </a:r>
+            <a:r>
+              <a:rPr lang="de-DE" dirty="0" err="1"/>
+              <a:t>implementations</a:t>
+            </a:r>
+            <a:r>
+              <a:rPr lang="de-DE" dirty="0"/>
+              <a:t> at:</a:t>
+            </a:r>
+            <a:br>
+              <a:rPr lang="de-DE" dirty="0"/>
+            </a:br>
+            <a:br>
+              <a:rPr lang="de-DE" dirty="0"/>
+            </a:br>
+            <a:r>
+              <a:rPr lang="de-DE" dirty="0"/>
+              <a:t>http://graphql.org/code/</a:t>
+            </a:r>
           </a:p>
         </p:txBody>
       </p:sp>
     </p:spTree>
     <p:extLst>
       <p:ext uri="{BB962C8B-B14F-4D97-AF65-F5344CB8AC3E}">
-        <p14:creationId xmlns:p14="http://schemas.microsoft.com/office/powerpoint/2010/main" val="2434181145"/>
+        <p14:creationId xmlns:p14="http://schemas.microsoft.com/office/powerpoint/2010/main" val="940681753"/>
       </p:ext>
     </p:extLst>
   </p:cSld>
   <p:clrMapOvr>
     <a:masterClrMapping/>
   </p:clrMapOvr>
-  <mc:AlternateContent xmlns:mc="http://schemas.openxmlformats.org/markup-compatibility/2006" xmlns:p14="http://schemas.microsoft.com/office/powerpoint/2010/main">
-    <mc:Choice Requires="p14">
-      <p:transition spd="med" p14:dur="700">
-        <p:fade/>
-      </p:transition>
-    </mc:Choice>
-    <mc:Fallback xmlns="">
-      <p:transition spd="med">
-        <p:fade/>
-      </p:transition>
-    </mc:Fallback>
-  </mc:AlternateContent>
+  <p:transition spd="slow">
+    <p:cover/>
+  </p:transition>
 </p:sld>
 </file>
 
@@ -7139,6 +9009,686 @@
       </p:grpSpPr>
       <p:sp>
         <p:nvSpPr>
+          <p:cNvPr id="2" name="Title 1">
+            <a:extLst>
+              <a:ext uri="{FF2B5EF4-FFF2-40B4-BE49-F238E27FC236}">
+                <a16:creationId xmlns:a16="http://schemas.microsoft.com/office/drawing/2014/main" id="{5C306D2C-D77E-4442-B682-D8760DC0CD9F}"/>
+              </a:ext>
+            </a:extLst>
+          </p:cNvPr>
+          <p:cNvSpPr>
+            <a:spLocks noGrp="1"/>
+          </p:cNvSpPr>
+          <p:nvPr>
+            <p:ph type="title"/>
+          </p:nvPr>
+        </p:nvSpPr>
+        <p:spPr/>
+        <p:txBody>
+          <a:bodyPr/>
+          <a:lstStyle/>
+          <a:p>
+            <a:r>
+              <a:rPr lang="de-DE" dirty="0"/>
+              <a:t>GraphQL Client Libraries</a:t>
+            </a:r>
+          </a:p>
+        </p:txBody>
+      </p:sp>
+      <p:sp>
+        <p:nvSpPr>
+          <p:cNvPr id="3" name="Content Placeholder 2">
+            <a:extLst>
+              <a:ext uri="{FF2B5EF4-FFF2-40B4-BE49-F238E27FC236}">
+                <a16:creationId xmlns:a16="http://schemas.microsoft.com/office/drawing/2014/main" id="{B235623D-133C-4680-9DCC-E6057EF85C16}"/>
+              </a:ext>
+            </a:extLst>
+          </p:cNvPr>
+          <p:cNvSpPr>
+            <a:spLocks noGrp="1"/>
+          </p:cNvSpPr>
+          <p:nvPr>
+            <p:ph sz="half" idx="1"/>
+          </p:nvPr>
+        </p:nvSpPr>
+        <p:spPr/>
+        <p:txBody>
+          <a:bodyPr/>
+          <a:lstStyle/>
+          <a:p>
+            <a:r>
+              <a:rPr lang="de-DE" dirty="0"/>
+              <a:t>Java / Android</a:t>
+            </a:r>
+          </a:p>
+          <a:p>
+            <a:r>
+              <a:rPr lang="de-DE" dirty="0"/>
+              <a:t>JavaScript</a:t>
+            </a:r>
+          </a:p>
+          <a:p>
+            <a:r>
+              <a:rPr lang="de-DE" dirty="0"/>
+              <a:t>Swift / </a:t>
+            </a:r>
+            <a:r>
+              <a:rPr lang="de-DE" dirty="0" err="1"/>
+              <a:t>Objective</a:t>
+            </a:r>
+            <a:r>
+              <a:rPr lang="de-DE" dirty="0"/>
+              <a:t>-C iOS</a:t>
+            </a:r>
+          </a:p>
+          <a:p>
+            <a:r>
+              <a:rPr lang="de-DE" dirty="0"/>
+              <a:t>Go</a:t>
+            </a:r>
+          </a:p>
+          <a:p>
+            <a:r>
+              <a:rPr lang="de-DE" dirty="0"/>
+              <a:t>C# / .NET</a:t>
+            </a:r>
+          </a:p>
+          <a:p>
+            <a:r>
+              <a:rPr lang="de-DE" dirty="0"/>
+              <a:t>Python</a:t>
+            </a:r>
+          </a:p>
+          <a:p>
+            <a:r>
+              <a:rPr lang="de-DE" dirty="0"/>
+              <a:t>…</a:t>
+            </a:r>
+          </a:p>
+        </p:txBody>
+      </p:sp>
+      <p:sp>
+        <p:nvSpPr>
+          <p:cNvPr id="4" name="Content Placeholder 3">
+            <a:extLst>
+              <a:ext uri="{FF2B5EF4-FFF2-40B4-BE49-F238E27FC236}">
+                <a16:creationId xmlns:a16="http://schemas.microsoft.com/office/drawing/2014/main" id="{B7680660-CBCB-4F66-BC9B-8D50CF2FAB4E}"/>
+              </a:ext>
+            </a:extLst>
+          </p:cNvPr>
+          <p:cNvSpPr>
+            <a:spLocks noGrp="1"/>
+          </p:cNvSpPr>
+          <p:nvPr>
+            <p:ph sz="half" idx="2"/>
+          </p:nvPr>
+        </p:nvSpPr>
+        <p:spPr/>
+        <p:txBody>
+          <a:bodyPr/>
+          <a:lstStyle/>
+          <a:p>
+            <a:pPr marL="0" indent="0">
+              <a:buNone/>
+            </a:pPr>
+            <a:r>
+              <a:rPr lang="de-DE" dirty="0" err="1"/>
+              <a:t>You</a:t>
+            </a:r>
+            <a:r>
+              <a:rPr lang="de-DE" dirty="0"/>
+              <a:t> </a:t>
+            </a:r>
+            <a:r>
+              <a:rPr lang="de-DE" dirty="0" err="1"/>
+              <a:t>can</a:t>
+            </a:r>
+            <a:r>
+              <a:rPr lang="de-DE" dirty="0"/>
+              <a:t> find a </a:t>
+            </a:r>
+            <a:r>
+              <a:rPr lang="de-DE" dirty="0" err="1"/>
+              <a:t>list</a:t>
+            </a:r>
+            <a:r>
+              <a:rPr lang="de-DE" dirty="0"/>
+              <a:t> </a:t>
+            </a:r>
+            <a:r>
+              <a:rPr lang="de-DE" dirty="0" err="1"/>
+              <a:t>of</a:t>
+            </a:r>
+            <a:r>
+              <a:rPr lang="de-DE" dirty="0"/>
+              <a:t> </a:t>
+            </a:r>
+            <a:r>
+              <a:rPr lang="de-DE" dirty="0" err="1"/>
+              <a:t>implementations</a:t>
+            </a:r>
+            <a:r>
+              <a:rPr lang="de-DE" dirty="0"/>
+              <a:t> at:</a:t>
+            </a:r>
+            <a:br>
+              <a:rPr lang="de-DE" dirty="0"/>
+            </a:br>
+            <a:br>
+              <a:rPr lang="de-DE" dirty="0"/>
+            </a:br>
+            <a:r>
+              <a:rPr lang="de-DE" dirty="0"/>
+              <a:t>http://graphql.org/code/</a:t>
+            </a:r>
+          </a:p>
+        </p:txBody>
+      </p:sp>
+    </p:spTree>
+    <p:extLst>
+      <p:ext uri="{BB962C8B-B14F-4D97-AF65-F5344CB8AC3E}">
+        <p14:creationId xmlns:p14="http://schemas.microsoft.com/office/powerpoint/2010/main" val="3194194145"/>
+      </p:ext>
+    </p:extLst>
+  </p:cSld>
+  <p:clrMapOvr>
+    <a:masterClrMapping/>
+  </p:clrMapOvr>
+  <p:transition spd="slow">
+    <p:cover/>
+  </p:transition>
+</p:sld>
+</file>
+
+<file path=ppt/slides/slide24.xml><?xml version="1.0" encoding="utf-8"?>
+<p:sld xmlns:a="http://schemas.openxmlformats.org/drawingml/2006/main" xmlns:r="http://schemas.openxmlformats.org/officeDocument/2006/relationships" xmlns:p="http://schemas.openxmlformats.org/presentationml/2006/main">
+  <p:cSld>
+    <p:spTree>
+      <p:nvGrpSpPr>
+        <p:cNvPr id="1" name=""/>
+        <p:cNvGrpSpPr/>
+        <p:nvPr/>
+      </p:nvGrpSpPr>
+      <p:grpSpPr>
+        <a:xfrm>
+          <a:off x="0" y="0"/>
+          <a:ext cx="0" cy="0"/>
+          <a:chOff x="0" y="0"/>
+          <a:chExt cx="0" cy="0"/>
+        </a:xfrm>
+      </p:grpSpPr>
+      <p:sp>
+        <p:nvSpPr>
+          <p:cNvPr id="2" name="Title 1">
+            <a:extLst>
+              <a:ext uri="{FF2B5EF4-FFF2-40B4-BE49-F238E27FC236}">
+                <a16:creationId xmlns:a16="http://schemas.microsoft.com/office/drawing/2014/main" id="{24F1B6FB-9166-4AD3-98B9-75760AFE358A}"/>
+              </a:ext>
+            </a:extLst>
+          </p:cNvPr>
+          <p:cNvSpPr>
+            <a:spLocks noGrp="1"/>
+          </p:cNvSpPr>
+          <p:nvPr>
+            <p:ph type="title"/>
+          </p:nvPr>
+        </p:nvSpPr>
+        <p:spPr/>
+        <p:txBody>
+          <a:bodyPr/>
+          <a:lstStyle/>
+          <a:p>
+            <a:r>
+              <a:rPr lang="de-DE" dirty="0"/>
+              <a:t>Working </a:t>
+            </a:r>
+            <a:r>
+              <a:rPr lang="de-DE" dirty="0" err="1"/>
+              <a:t>with</a:t>
+            </a:r>
+            <a:r>
+              <a:rPr lang="de-DE" dirty="0"/>
+              <a:t> GraphQL and </a:t>
+            </a:r>
+            <a:r>
+              <a:rPr lang="de-DE" dirty="0" err="1"/>
+              <a:t>NodeJS</a:t>
+            </a:r>
+            <a:endParaRPr lang="de-DE" dirty="0"/>
+          </a:p>
+        </p:txBody>
+      </p:sp>
+      <p:sp>
+        <p:nvSpPr>
+          <p:cNvPr id="3" name="Text Placeholder 2">
+            <a:extLst>
+              <a:ext uri="{FF2B5EF4-FFF2-40B4-BE49-F238E27FC236}">
+                <a16:creationId xmlns:a16="http://schemas.microsoft.com/office/drawing/2014/main" id="{86337096-A0A0-4060-B933-1267E4984765}"/>
+              </a:ext>
+            </a:extLst>
+          </p:cNvPr>
+          <p:cNvSpPr>
+            <a:spLocks noGrp="1"/>
+          </p:cNvSpPr>
+          <p:nvPr>
+            <p:ph type="body" idx="1"/>
+          </p:nvPr>
+        </p:nvSpPr>
+        <p:spPr/>
+        <p:txBody>
+          <a:bodyPr/>
+          <a:lstStyle/>
+          <a:p>
+            <a:endParaRPr lang="de-DE"/>
+          </a:p>
+        </p:txBody>
+      </p:sp>
+    </p:spTree>
+    <p:extLst>
+      <p:ext uri="{BB962C8B-B14F-4D97-AF65-F5344CB8AC3E}">
+        <p14:creationId xmlns:p14="http://schemas.microsoft.com/office/powerpoint/2010/main" val="2339177575"/>
+      </p:ext>
+    </p:extLst>
+  </p:cSld>
+  <p:clrMapOvr>
+    <a:masterClrMapping/>
+  </p:clrMapOvr>
+  <p:transition spd="slow">
+    <p:cover/>
+  </p:transition>
+</p:sld>
+</file>
+
+<file path=ppt/slides/slide25.xml><?xml version="1.0" encoding="utf-8"?>
+<p:sld xmlns:a="http://schemas.openxmlformats.org/drawingml/2006/main" xmlns:r="http://schemas.openxmlformats.org/officeDocument/2006/relationships" xmlns:p="http://schemas.openxmlformats.org/presentationml/2006/main">
+  <p:cSld>
+    <p:spTree>
+      <p:nvGrpSpPr>
+        <p:cNvPr id="1" name=""/>
+        <p:cNvGrpSpPr/>
+        <p:nvPr/>
+      </p:nvGrpSpPr>
+      <p:grpSpPr>
+        <a:xfrm>
+          <a:off x="0" y="0"/>
+          <a:ext cx="0" cy="0"/>
+          <a:chOff x="0" y="0"/>
+          <a:chExt cx="0" cy="0"/>
+        </a:xfrm>
+      </p:grpSpPr>
+      <p:sp>
+        <p:nvSpPr>
+          <p:cNvPr id="4" name="Title 3">
+            <a:extLst>
+              <a:ext uri="{FF2B5EF4-FFF2-40B4-BE49-F238E27FC236}">
+                <a16:creationId xmlns:a16="http://schemas.microsoft.com/office/drawing/2014/main" id="{51975A0D-D537-414B-B97E-52D06528D7C3}"/>
+              </a:ext>
+            </a:extLst>
+          </p:cNvPr>
+          <p:cNvSpPr>
+            <a:spLocks noGrp="1"/>
+          </p:cNvSpPr>
+          <p:nvPr>
+            <p:ph type="title"/>
+          </p:nvPr>
+        </p:nvSpPr>
+        <p:spPr/>
+        <p:txBody>
+          <a:bodyPr/>
+          <a:lstStyle/>
+          <a:p>
+            <a:r>
+              <a:rPr lang="de-DE" dirty="0" err="1"/>
+              <a:t>Please</a:t>
+            </a:r>
+            <a:r>
+              <a:rPr lang="de-DE" dirty="0"/>
+              <a:t> follow </a:t>
+            </a:r>
+            <a:r>
+              <a:rPr lang="de-DE" dirty="0" err="1"/>
+              <a:t>the</a:t>
+            </a:r>
+            <a:r>
+              <a:rPr lang="de-DE" dirty="0"/>
+              <a:t> </a:t>
+            </a:r>
+            <a:r>
+              <a:rPr lang="de-DE" dirty="0" err="1"/>
+              <a:t>description</a:t>
+            </a:r>
+            <a:r>
+              <a:rPr lang="de-DE" dirty="0"/>
+              <a:t> on </a:t>
+            </a:r>
+            <a:r>
+              <a:rPr lang="de-DE" dirty="0" err="1"/>
+              <a:t>your</a:t>
+            </a:r>
+            <a:r>
+              <a:rPr lang="de-DE" dirty="0"/>
+              <a:t> </a:t>
+            </a:r>
+            <a:r>
+              <a:rPr lang="de-DE" dirty="0" err="1"/>
+              <a:t>handout</a:t>
+            </a:r>
+            <a:endParaRPr lang="de-DE" dirty="0"/>
+          </a:p>
+        </p:txBody>
+      </p:sp>
+      <p:sp>
+        <p:nvSpPr>
+          <p:cNvPr id="5" name="Content Placeholder 4">
+            <a:extLst>
+              <a:ext uri="{FF2B5EF4-FFF2-40B4-BE49-F238E27FC236}">
+                <a16:creationId xmlns:a16="http://schemas.microsoft.com/office/drawing/2014/main" id="{4A125340-0BE6-4469-9F65-FFF9E075A40E}"/>
+              </a:ext>
+            </a:extLst>
+          </p:cNvPr>
+          <p:cNvSpPr>
+            <a:spLocks noGrp="1"/>
+          </p:cNvSpPr>
+          <p:nvPr>
+            <p:ph idx="1"/>
+          </p:nvPr>
+        </p:nvSpPr>
+        <p:spPr/>
+        <p:txBody>
+          <a:bodyPr/>
+          <a:lstStyle/>
+          <a:p>
+            <a:pPr marL="514350" indent="-514350">
+              <a:buFont typeface="+mj-lt"/>
+              <a:buAutoNum type="arabicPeriod"/>
+            </a:pPr>
+            <a:r>
+              <a:rPr lang="de-DE" dirty="0" err="1"/>
+              <a:t>Please</a:t>
+            </a:r>
+            <a:r>
+              <a:rPr lang="de-DE" dirty="0"/>
+              <a:t> </a:t>
+            </a:r>
+            <a:r>
+              <a:rPr lang="de-DE" dirty="0" err="1"/>
+              <a:t>visit</a:t>
+            </a:r>
+            <a:r>
+              <a:rPr lang="de-DE" dirty="0"/>
+              <a:t>: Apollo-</a:t>
+            </a:r>
+            <a:r>
+              <a:rPr lang="de-DE" dirty="0" err="1"/>
+              <a:t>Launchpad</a:t>
+            </a:r>
+            <a:r>
+              <a:rPr lang="de-DE" dirty="0"/>
+              <a:t> (</a:t>
+            </a:r>
+            <a:r>
+              <a:rPr lang="de-DE" u="sng" dirty="0">
+                <a:hlinkClick r:id="rId2"/>
+              </a:rPr>
+              <a:t>https://launchpad.graphql.com/new</a:t>
+            </a:r>
+            <a:r>
+              <a:rPr lang="de-DE" u="sng" dirty="0"/>
+              <a:t>)</a:t>
+            </a:r>
+          </a:p>
+          <a:p>
+            <a:pPr marL="514350" indent="-514350">
+              <a:buFont typeface="+mj-lt"/>
+              <a:buAutoNum type="arabicPeriod"/>
+            </a:pPr>
+            <a:r>
+              <a:rPr lang="de-DE" dirty="0"/>
+              <a:t>Copy </a:t>
+            </a:r>
+            <a:r>
+              <a:rPr lang="de-DE" dirty="0" err="1"/>
+              <a:t>the</a:t>
+            </a:r>
+            <a:r>
+              <a:rPr lang="de-DE" dirty="0"/>
+              <a:t> </a:t>
+            </a:r>
+            <a:r>
+              <a:rPr lang="de-DE" dirty="0" err="1"/>
+              <a:t>code</a:t>
+            </a:r>
+            <a:r>
+              <a:rPr lang="de-DE" dirty="0"/>
+              <a:t> </a:t>
+            </a:r>
+            <a:r>
+              <a:rPr lang="de-DE" dirty="0" err="1"/>
+              <a:t>from</a:t>
+            </a:r>
+            <a:r>
+              <a:rPr lang="de-DE" dirty="0"/>
+              <a:t> tutorial-script.js </a:t>
+            </a:r>
+            <a:r>
+              <a:rPr lang="de-DE" dirty="0" err="1"/>
+              <a:t>to</a:t>
+            </a:r>
+            <a:r>
+              <a:rPr lang="de-DE" dirty="0"/>
+              <a:t> </a:t>
+            </a:r>
+            <a:r>
+              <a:rPr lang="de-DE" dirty="0" err="1"/>
+              <a:t>your</a:t>
+            </a:r>
+            <a:r>
+              <a:rPr lang="de-DE" dirty="0"/>
+              <a:t> </a:t>
+            </a:r>
+            <a:r>
+              <a:rPr lang="de-DE" dirty="0" err="1"/>
+              <a:t>launchpad</a:t>
+            </a:r>
+            <a:endParaRPr lang="de-DE" dirty="0"/>
+          </a:p>
+          <a:p>
+            <a:pPr marL="514350" indent="-514350">
+              <a:buFont typeface="+mj-lt"/>
+              <a:buAutoNum type="arabicPeriod"/>
+            </a:pPr>
+            <a:r>
+              <a:rPr lang="de-DE" dirty="0" err="1"/>
+              <a:t>You‘re</a:t>
+            </a:r>
+            <a:r>
+              <a:rPr lang="de-DE" dirty="0"/>
+              <a:t> </a:t>
+            </a:r>
+            <a:r>
+              <a:rPr lang="de-DE" dirty="0" err="1"/>
+              <a:t>ready</a:t>
+            </a:r>
+            <a:r>
+              <a:rPr lang="de-DE" dirty="0"/>
+              <a:t> </a:t>
+            </a:r>
+            <a:r>
+              <a:rPr lang="de-DE" dirty="0" err="1"/>
+              <a:t>to</a:t>
+            </a:r>
+            <a:r>
+              <a:rPr lang="de-DE" dirty="0"/>
+              <a:t> </a:t>
+            </a:r>
+            <a:r>
+              <a:rPr lang="de-DE" dirty="0" err="1"/>
+              <a:t>go</a:t>
+            </a:r>
+            <a:r>
+              <a:rPr lang="de-DE" dirty="0"/>
+              <a:t>!</a:t>
+            </a:r>
+          </a:p>
+        </p:txBody>
+      </p:sp>
+    </p:spTree>
+    <p:extLst>
+      <p:ext uri="{BB962C8B-B14F-4D97-AF65-F5344CB8AC3E}">
+        <p14:creationId xmlns:p14="http://schemas.microsoft.com/office/powerpoint/2010/main" val="2109044681"/>
+      </p:ext>
+    </p:extLst>
+  </p:cSld>
+  <p:clrMapOvr>
+    <a:masterClrMapping/>
+  </p:clrMapOvr>
+  <p:transition spd="slow">
+    <p:cover/>
+  </p:transition>
+</p:sld>
+</file>
+
+<file path=ppt/slides/slide26.xml><?xml version="1.0" encoding="utf-8"?>
+<p:sld xmlns:a="http://schemas.openxmlformats.org/drawingml/2006/main" xmlns:r="http://schemas.openxmlformats.org/officeDocument/2006/relationships" xmlns:p="http://schemas.openxmlformats.org/presentationml/2006/main">
+  <p:cSld>
+    <p:spTree>
+      <p:nvGrpSpPr>
+        <p:cNvPr id="1" name=""/>
+        <p:cNvGrpSpPr/>
+        <p:nvPr/>
+      </p:nvGrpSpPr>
+      <p:grpSpPr>
+        <a:xfrm>
+          <a:off x="0" y="0"/>
+          <a:ext cx="0" cy="0"/>
+          <a:chOff x="0" y="0"/>
+          <a:chExt cx="0" cy="0"/>
+        </a:xfrm>
+      </p:grpSpPr>
+      <p:sp>
+        <p:nvSpPr>
+          <p:cNvPr id="4" name="Title 3">
+            <a:extLst>
+              <a:ext uri="{FF2B5EF4-FFF2-40B4-BE49-F238E27FC236}">
+                <a16:creationId xmlns:a16="http://schemas.microsoft.com/office/drawing/2014/main" id="{B8DB7AD3-0282-45E1-8720-2A8216C2778D}"/>
+              </a:ext>
+            </a:extLst>
+          </p:cNvPr>
+          <p:cNvSpPr>
+            <a:spLocks noGrp="1"/>
+          </p:cNvSpPr>
+          <p:nvPr>
+            <p:ph type="title"/>
+          </p:nvPr>
+        </p:nvSpPr>
+        <p:spPr/>
+        <p:txBody>
+          <a:bodyPr/>
+          <a:lstStyle/>
+          <a:p>
+            <a:r>
+              <a:rPr lang="de-DE" dirty="0" err="1"/>
+              <a:t>Thank</a:t>
+            </a:r>
+            <a:r>
+              <a:rPr lang="de-DE" dirty="0"/>
+              <a:t> </a:t>
+            </a:r>
+            <a:r>
+              <a:rPr lang="de-DE" dirty="0" err="1"/>
+              <a:t>you</a:t>
+            </a:r>
+            <a:r>
+              <a:rPr lang="de-DE" dirty="0"/>
+              <a:t> </a:t>
+            </a:r>
+            <a:r>
+              <a:rPr lang="de-DE" dirty="0" err="1"/>
+              <a:t>for</a:t>
+            </a:r>
+            <a:r>
+              <a:rPr lang="de-DE" dirty="0"/>
+              <a:t> </a:t>
+            </a:r>
+            <a:r>
+              <a:rPr lang="de-DE" dirty="0" err="1"/>
+              <a:t>your</a:t>
+            </a:r>
+            <a:r>
+              <a:rPr lang="de-DE" dirty="0"/>
+              <a:t> </a:t>
+            </a:r>
+            <a:r>
+              <a:rPr lang="de-DE" dirty="0" err="1"/>
+              <a:t>attention</a:t>
+            </a:r>
+            <a:r>
+              <a:rPr lang="de-DE" dirty="0"/>
+              <a:t>!</a:t>
+            </a:r>
+          </a:p>
+        </p:txBody>
+      </p:sp>
+      <p:sp>
+        <p:nvSpPr>
+          <p:cNvPr id="5" name="Text Placeholder 4">
+            <a:extLst>
+              <a:ext uri="{FF2B5EF4-FFF2-40B4-BE49-F238E27FC236}">
+                <a16:creationId xmlns:a16="http://schemas.microsoft.com/office/drawing/2014/main" id="{0090AA99-AB98-40D2-9C5B-0ADD665CB3A0}"/>
+              </a:ext>
+            </a:extLst>
+          </p:cNvPr>
+          <p:cNvSpPr>
+            <a:spLocks noGrp="1"/>
+          </p:cNvSpPr>
+          <p:nvPr>
+            <p:ph type="body" idx="1"/>
+          </p:nvPr>
+        </p:nvSpPr>
+        <p:spPr/>
+        <p:txBody>
+          <a:bodyPr/>
+          <a:lstStyle/>
+          <a:p>
+            <a:endParaRPr lang="de-DE"/>
+          </a:p>
+        </p:txBody>
+      </p:sp>
+    </p:spTree>
+    <p:extLst>
+      <p:ext uri="{BB962C8B-B14F-4D97-AF65-F5344CB8AC3E}">
+        <p14:creationId xmlns:p14="http://schemas.microsoft.com/office/powerpoint/2010/main" val="2434181145"/>
+      </p:ext>
+    </p:extLst>
+  </p:cSld>
+  <p:clrMapOvr>
+    <a:masterClrMapping/>
+  </p:clrMapOvr>
+  <p:transition spd="slow">
+    <p:cover/>
+  </p:transition>
+</p:sld>
+</file>
+
+<file path=ppt/slides/slide27.xml><?xml version="1.0" encoding="utf-8"?>
+<p:sld xmlns:a="http://schemas.openxmlformats.org/drawingml/2006/main" xmlns:r="http://schemas.openxmlformats.org/officeDocument/2006/relationships" xmlns:p="http://schemas.openxmlformats.org/presentationml/2006/main">
+  <p:cSld>
+    <p:spTree>
+      <p:nvGrpSpPr>
+        <p:cNvPr id="1" name=""/>
+        <p:cNvGrpSpPr/>
+        <p:nvPr/>
+      </p:nvGrpSpPr>
+      <p:grpSpPr>
+        <a:xfrm>
+          <a:off x="0" y="0"/>
+          <a:ext cx="0" cy="0"/>
+          <a:chOff x="0" y="0"/>
+          <a:chExt cx="0" cy="0"/>
+        </a:xfrm>
+      </p:grpSpPr>
+      <p:sp>
+        <p:nvSpPr>
           <p:cNvPr id="4" name="Title 3">
             <a:extLst>
               <a:ext uri="{FF2B5EF4-FFF2-40B4-BE49-F238E27FC236}">
@@ -7218,18 +9768,9 @@
   <p:clrMapOvr>
     <a:masterClrMapping/>
   </p:clrMapOvr>
-  <mc:AlternateContent xmlns:mc="http://schemas.openxmlformats.org/markup-compatibility/2006" xmlns:p14="http://schemas.microsoft.com/office/powerpoint/2010/main">
-    <mc:Choice Requires="p14">
-      <p:transition spd="med" p14:dur="700">
-        <p:fade/>
-      </p:transition>
-    </mc:Choice>
-    <mc:Fallback xmlns="">
-      <p:transition spd="med">
-        <p:fade/>
-      </p:transition>
-    </mc:Fallback>
-  </mc:AlternateContent>
+  <p:transition spd="slow">
+    <p:cover/>
+  </p:transition>
 </p:sld>
 </file>
 
@@ -7286,33 +9827,6 @@
             <a:r>
               <a:rPr lang="de-DE" dirty="0"/>
               <a:t> GraphQL?</a:t>
-            </a:r>
-            <a:br>
-              <a:rPr lang="de-DE" dirty="0"/>
-            </a:br>
-            <a:r>
-              <a:rPr lang="de-DE" dirty="0" err="1"/>
-              <a:t>How</a:t>
-            </a:r>
-            <a:r>
-              <a:rPr lang="de-DE" dirty="0"/>
-              <a:t> </a:t>
-            </a:r>
-            <a:r>
-              <a:rPr lang="de-DE" dirty="0" err="1"/>
-              <a:t>does</a:t>
-            </a:r>
-            <a:r>
-              <a:rPr lang="de-DE" dirty="0"/>
-              <a:t> GraphQL </a:t>
-            </a:r>
-            <a:r>
-              <a:rPr lang="de-DE" dirty="0" err="1"/>
-              <a:t>work</a:t>
-            </a:r>
-            <a:r>
-              <a:rPr lang="de-DE" dirty="0"/>
-              <a:t>?</a:t>
             </a:r>
           </a:p>
         </p:txBody>
@@ -7533,6 +10047,28 @@
           <a:p>
             <a:r>
               <a:rPr lang="de-DE" dirty="0"/>
+              <a:t>Alternative </a:t>
+            </a:r>
+            <a:r>
+              <a:rPr lang="de-DE" dirty="0" err="1"/>
+              <a:t>to</a:t>
+            </a:r>
+            <a:r>
+              <a:rPr lang="de-DE" dirty="0"/>
+              <a:t> REST (</a:t>
+            </a:r>
+            <a:r>
+              <a:rPr lang="de-DE" dirty="0" err="1"/>
+              <a:t>Representational</a:t>
+            </a:r>
+            <a:r>
+              <a:rPr lang="de-DE" dirty="0"/>
+              <a:t> State Transfer)</a:t>
+            </a:r>
+          </a:p>
+          <a:p>
+            <a:r>
+              <a:rPr lang="de-DE" dirty="0"/>
               <a:t>Query Language and Server-Side-</a:t>
             </a:r>
             <a:r>
@@ -7632,28 +10168,6 @@
             <a:r>
               <a:rPr lang="de-DE" dirty="0"/>
               <a:t> Facebook</a:t>
-            </a:r>
-          </a:p>
-          <a:p>
-            <a:r>
-              <a:rPr lang="de-DE" dirty="0"/>
-              <a:t>Alternative </a:t>
-            </a:r>
-            <a:r>
-              <a:rPr lang="de-DE" dirty="0" err="1"/>
-              <a:t>to</a:t>
-            </a:r>
-            <a:r>
-              <a:rPr lang="de-DE" dirty="0"/>
-              <a:t> REST (</a:t>
-            </a:r>
-            <a:r>
-              <a:rPr lang="de-DE" dirty="0" err="1"/>
-              <a:t>Representational</a:t>
-            </a:r>
-            <a:r>
-              <a:rPr lang="de-DE" dirty="0"/>
-              <a:t> State Transfer)</a:t>
             </a:r>
           </a:p>
         </p:txBody>
@@ -7693,10 +10207,10 @@
       </p:grpSpPr>
       <p:sp>
         <p:nvSpPr>
-          <p:cNvPr id="2" name="Title 1">
-            <a:extLst>
-              <a:ext uri="{FF2B5EF4-FFF2-40B4-BE49-F238E27FC236}">
-                <a16:creationId xmlns:a16="http://schemas.microsoft.com/office/drawing/2014/main" id="{412E29DC-2C6F-4FD5-8B81-AF29AA86EE8F}"/>
+          <p:cNvPr id="4" name="Title 3">
+            <a:extLst>
+              <a:ext uri="{FF2B5EF4-FFF2-40B4-BE49-F238E27FC236}">
+                <a16:creationId xmlns:a16="http://schemas.microsoft.com/office/drawing/2014/main" id="{93B92B40-ED5A-4DAA-800D-2D77DF1CAFC9}"/>
               </a:ext>
             </a:extLst>
           </p:cNvPr>
@@ -7741,18 +10255,18 @@
       </p:sp>
       <p:sp>
         <p:nvSpPr>
-          <p:cNvPr id="3" name="Content Placeholder 2">
-            <a:extLst>
-              <a:ext uri="{FF2B5EF4-FFF2-40B4-BE49-F238E27FC236}">
-                <a16:creationId xmlns:a16="http://schemas.microsoft.com/office/drawing/2014/main" id="{C11646AC-9544-4F24-A396-6A56A8D73653}"/>
-              </a:ext>
-            </a:extLst>
-          </p:cNvPr>
-          <p:cNvSpPr>
-            <a:spLocks noGrp="1"/>
-          </p:cNvSpPr>
-          <p:nvPr>
-            <p:ph idx="1"/>
+          <p:cNvPr id="5" name="Text Placeholder 4">
+            <a:extLst>
+              <a:ext uri="{FF2B5EF4-FFF2-40B4-BE49-F238E27FC236}">
+                <a16:creationId xmlns:a16="http://schemas.microsoft.com/office/drawing/2014/main" id="{EE4B5081-AEB9-4AB7-AAF4-0B6A1F3703B1}"/>
+              </a:ext>
+            </a:extLst>
+          </p:cNvPr>
+          <p:cNvSpPr>
+            <a:spLocks noGrp="1"/>
+          </p:cNvSpPr>
+          <p:nvPr>
+            <p:ph type="body" idx="1"/>
           </p:nvPr>
         </p:nvSpPr>
         <p:spPr/>
@@ -7760,354 +10274,14 @@
           <a:bodyPr/>
           <a:lstStyle/>
           <a:p>
-            <a:r>
-              <a:rPr lang="de-DE" dirty="0"/>
-              <a:t>Like in REST: The </a:t>
-            </a:r>
-            <a:r>
-              <a:rPr lang="de-DE" dirty="0" err="1"/>
-              <a:t>client</a:t>
-            </a:r>
-            <a:r>
-              <a:rPr lang="de-DE" dirty="0"/>
-              <a:t> </a:t>
-            </a:r>
-            <a:r>
-              <a:rPr lang="de-DE" dirty="0" err="1"/>
-              <a:t>sends</a:t>
-            </a:r>
-            <a:r>
-              <a:rPr lang="de-DE" dirty="0"/>
-              <a:t> an HTTP-Request </a:t>
-            </a:r>
-            <a:r>
-              <a:rPr lang="de-DE" dirty="0" err="1"/>
-              <a:t>to</a:t>
-            </a:r>
-            <a:r>
-              <a:rPr lang="de-DE" dirty="0"/>
-              <a:t> </a:t>
-            </a:r>
-            <a:r>
-              <a:rPr lang="de-DE" dirty="0" err="1"/>
-              <a:t>the</a:t>
-            </a:r>
-            <a:r>
-              <a:rPr lang="de-DE" dirty="0"/>
-              <a:t> </a:t>
-            </a:r>
-            <a:r>
-              <a:rPr lang="de-DE" dirty="0" err="1"/>
-              <a:t>server</a:t>
-            </a:r>
-            <a:r>
-              <a:rPr lang="de-DE" dirty="0"/>
-              <a:t> </a:t>
-            </a:r>
-            <a:r>
-              <a:rPr lang="de-DE" dirty="0" err="1"/>
-              <a:t>to</a:t>
-            </a:r>
-            <a:r>
-              <a:rPr lang="de-DE" dirty="0"/>
-              <a:t> </a:t>
-            </a:r>
-            <a:r>
-              <a:rPr lang="de-DE" dirty="0" err="1"/>
-              <a:t>fetch</a:t>
-            </a:r>
-            <a:r>
-              <a:rPr lang="de-DE" dirty="0"/>
-              <a:t> </a:t>
-            </a:r>
-            <a:r>
-              <a:rPr lang="de-DE" dirty="0" err="1"/>
-              <a:t>data</a:t>
-            </a:r>
-            <a:endParaRPr lang="de-DE" dirty="0"/>
-          </a:p>
-          <a:p>
-            <a:r>
-              <a:rPr lang="de-DE" dirty="0"/>
-              <a:t>The </a:t>
-            </a:r>
-            <a:r>
-              <a:rPr lang="de-DE" dirty="0" err="1"/>
-              <a:t>query</a:t>
-            </a:r>
-            <a:r>
-              <a:rPr lang="de-DE" dirty="0"/>
-              <a:t> </a:t>
-            </a:r>
-            <a:r>
-              <a:rPr lang="de-DE" dirty="0" err="1"/>
-              <a:t>information</a:t>
-            </a:r>
-            <a:r>
-              <a:rPr lang="de-DE" dirty="0"/>
-              <a:t> </a:t>
-            </a:r>
-            <a:r>
-              <a:rPr lang="de-DE" dirty="0" err="1"/>
-              <a:t>is</a:t>
-            </a:r>
-            <a:r>
-              <a:rPr lang="de-DE" dirty="0"/>
-              <a:t> </a:t>
-            </a:r>
-            <a:r>
-              <a:rPr lang="de-DE" dirty="0" err="1"/>
-              <a:t>passed</a:t>
-            </a:r>
-            <a:r>
-              <a:rPr lang="de-DE" dirty="0"/>
-              <a:t> </a:t>
-            </a:r>
-            <a:r>
-              <a:rPr lang="de-DE" dirty="0" err="1"/>
-              <a:t>as</a:t>
-            </a:r>
-            <a:r>
-              <a:rPr lang="de-DE" dirty="0"/>
-              <a:t> </a:t>
-            </a:r>
-            <a:r>
-              <a:rPr lang="de-DE" dirty="0" err="1"/>
-              <a:t>parameters</a:t>
-            </a:r>
-            <a:r>
-              <a:rPr lang="de-DE" dirty="0"/>
-              <a:t> (GET) </a:t>
-            </a:r>
-            <a:r>
-              <a:rPr lang="de-DE" dirty="0" err="1"/>
-              <a:t>or</a:t>
-            </a:r>
-            <a:r>
-              <a:rPr lang="de-DE" dirty="0"/>
-              <a:t> </a:t>
-            </a:r>
-            <a:r>
-              <a:rPr lang="de-DE" dirty="0" err="1"/>
-              <a:t>as</a:t>
-            </a:r>
-            <a:r>
-              <a:rPr lang="de-DE" dirty="0"/>
-              <a:t> </a:t>
-            </a:r>
-            <a:r>
-              <a:rPr lang="de-DE" dirty="0" err="1"/>
-              <a:t>body</a:t>
-            </a:r>
-            <a:r>
-              <a:rPr lang="de-DE" dirty="0"/>
-              <a:t> in POST-</a:t>
-            </a:r>
-            <a:r>
-              <a:rPr lang="de-DE" dirty="0" err="1"/>
-              <a:t>Requests</a:t>
-            </a:r>
-            <a:endParaRPr lang="de-DE" dirty="0"/>
-          </a:p>
-          <a:p>
-            <a:r>
-              <a:rPr lang="de-DE" dirty="0"/>
-              <a:t>These </a:t>
-            </a:r>
-            <a:r>
-              <a:rPr lang="de-DE" dirty="0" err="1"/>
-              <a:t>queries</a:t>
-            </a:r>
-            <a:r>
-              <a:rPr lang="de-DE" dirty="0"/>
-              <a:t> </a:t>
-            </a:r>
-            <a:r>
-              <a:rPr lang="de-DE" dirty="0" err="1"/>
-              <a:t>have</a:t>
-            </a:r>
-            <a:r>
-              <a:rPr lang="de-DE" dirty="0"/>
-              <a:t> </a:t>
-            </a:r>
-            <a:r>
-              <a:rPr lang="de-DE" dirty="0" err="1"/>
-              <a:t>to</a:t>
-            </a:r>
-            <a:r>
-              <a:rPr lang="de-DE" dirty="0"/>
-              <a:t> </a:t>
-            </a:r>
-            <a:r>
-              <a:rPr lang="de-DE" dirty="0" err="1"/>
-              <a:t>be</a:t>
-            </a:r>
-            <a:r>
-              <a:rPr lang="de-DE" dirty="0"/>
-              <a:t> </a:t>
-            </a:r>
-            <a:r>
-              <a:rPr lang="de-DE" dirty="0" err="1"/>
-              <a:t>formed</a:t>
-            </a:r>
-            <a:r>
-              <a:rPr lang="de-DE" dirty="0"/>
-              <a:t> in </a:t>
-            </a:r>
-            <a:r>
-              <a:rPr lang="de-DE" dirty="0" err="1"/>
-              <a:t>the</a:t>
-            </a:r>
-            <a:r>
-              <a:rPr lang="de-DE" dirty="0"/>
-              <a:t> GraphQL-Syntax </a:t>
-            </a:r>
-          </a:p>
-          <a:p>
-            <a:r>
-              <a:rPr lang="de-DE" dirty="0" err="1"/>
-              <a:t>Which</a:t>
-            </a:r>
-            <a:r>
-              <a:rPr lang="de-DE" dirty="0"/>
-              <a:t> </a:t>
-            </a:r>
-            <a:r>
-              <a:rPr lang="de-DE" dirty="0" err="1"/>
-              <a:t>queries</a:t>
-            </a:r>
-            <a:r>
-              <a:rPr lang="de-DE" dirty="0"/>
-              <a:t> </a:t>
-            </a:r>
-            <a:r>
-              <a:rPr lang="de-DE" dirty="0" err="1"/>
-              <a:t>are</a:t>
-            </a:r>
-            <a:r>
-              <a:rPr lang="de-DE" dirty="0"/>
-              <a:t> </a:t>
-            </a:r>
-            <a:r>
-              <a:rPr lang="de-DE" dirty="0" err="1"/>
-              <a:t>allowed</a:t>
-            </a:r>
-            <a:r>
-              <a:rPr lang="de-DE" dirty="0"/>
-              <a:t> and </a:t>
-            </a:r>
-            <a:r>
-              <a:rPr lang="de-DE" dirty="0" err="1"/>
-              <a:t>which</a:t>
-            </a:r>
-            <a:r>
-              <a:rPr lang="de-DE" dirty="0"/>
-              <a:t> </a:t>
-            </a:r>
-            <a:r>
-              <a:rPr lang="de-DE" dirty="0" err="1"/>
-              <a:t>are</a:t>
-            </a:r>
-            <a:r>
-              <a:rPr lang="de-DE" dirty="0"/>
-              <a:t> not </a:t>
-            </a:r>
-            <a:r>
-              <a:rPr lang="de-DE" dirty="0" err="1"/>
-              <a:t>is</a:t>
-            </a:r>
-            <a:r>
-              <a:rPr lang="de-DE" dirty="0"/>
-              <a:t> </a:t>
-            </a:r>
-            <a:r>
-              <a:rPr lang="de-DE" dirty="0" err="1"/>
-              <a:t>defined</a:t>
-            </a:r>
-            <a:r>
-              <a:rPr lang="de-DE" dirty="0"/>
-              <a:t> on </a:t>
-            </a:r>
-            <a:r>
-              <a:rPr lang="de-DE" dirty="0" err="1"/>
-              <a:t>the</a:t>
-            </a:r>
-            <a:r>
-              <a:rPr lang="de-DE" dirty="0"/>
-              <a:t> Server</a:t>
-            </a:r>
-          </a:p>
-          <a:p>
-            <a:r>
-              <a:rPr lang="de-DE" dirty="0"/>
-              <a:t>These </a:t>
-            </a:r>
-            <a:r>
-              <a:rPr lang="de-DE" dirty="0" err="1"/>
-              <a:t>Queries</a:t>
-            </a:r>
-            <a:r>
-              <a:rPr lang="de-DE" dirty="0"/>
-              <a:t> </a:t>
-            </a:r>
-            <a:r>
-              <a:rPr lang="de-DE" dirty="0" err="1"/>
-              <a:t>are</a:t>
-            </a:r>
-            <a:r>
-              <a:rPr lang="de-DE" dirty="0"/>
-              <a:t> </a:t>
-            </a:r>
-            <a:r>
-              <a:rPr lang="de-DE" dirty="0" err="1"/>
-              <a:t>then</a:t>
-            </a:r>
-            <a:r>
-              <a:rPr lang="de-DE" dirty="0"/>
-              <a:t> </a:t>
-            </a:r>
-            <a:r>
-              <a:rPr lang="de-DE" dirty="0" err="1"/>
-              <a:t>executed</a:t>
-            </a:r>
-            <a:r>
-              <a:rPr lang="de-DE" dirty="0"/>
-              <a:t> </a:t>
-            </a:r>
-            <a:r>
-              <a:rPr lang="de-DE" dirty="0" err="1"/>
-              <a:t>by</a:t>
-            </a:r>
-            <a:r>
-              <a:rPr lang="de-DE" dirty="0"/>
-              <a:t> </a:t>
-            </a:r>
-            <a:r>
-              <a:rPr lang="de-DE" dirty="0" err="1"/>
-              <a:t>the</a:t>
-            </a:r>
-            <a:r>
-              <a:rPr lang="de-DE" dirty="0"/>
-              <a:t> </a:t>
-            </a:r>
-            <a:r>
-              <a:rPr lang="de-DE" dirty="0" err="1"/>
-              <a:t>server</a:t>
-            </a:r>
-            <a:endParaRPr lang="de-DE" dirty="0"/>
-          </a:p>
-          <a:p>
-            <a:endParaRPr lang="de-DE" dirty="0"/>
-          </a:p>
-          <a:p>
-            <a:endParaRPr lang="de-DE" dirty="0"/>
+            <a:endParaRPr lang="de-DE"/>
           </a:p>
         </p:txBody>
       </p:sp>
     </p:spTree>
     <p:extLst>
       <p:ext uri="{BB962C8B-B14F-4D97-AF65-F5344CB8AC3E}">
-        <p14:creationId xmlns:p14="http://schemas.microsoft.com/office/powerpoint/2010/main" val="3963749321"/>
+        <p14:creationId xmlns:p14="http://schemas.microsoft.com/office/powerpoint/2010/main" val="907091284"/>
       </p:ext>
     </p:extLst>
   </p:cSld>
@@ -8142,7 +10316,7 @@
           <p:cNvPr id="2" name="Title 1">
             <a:extLst>
               <a:ext uri="{FF2B5EF4-FFF2-40B4-BE49-F238E27FC236}">
-                <a16:creationId xmlns:a16="http://schemas.microsoft.com/office/drawing/2014/main" id="{3DF25F09-482F-4BEB-A9B0-F36E302ED099}"/>
+                <a16:creationId xmlns:a16="http://schemas.microsoft.com/office/drawing/2014/main" id="{412E29DC-2C6F-4FD5-8B81-AF29AA86EE8F}"/>
               </a:ext>
             </a:extLst>
           </p:cNvPr>
@@ -8160,11 +10334,27 @@
           <a:p>
             <a:r>
               <a:rPr lang="de-DE" dirty="0" err="1"/>
-              <a:t>Defining</a:t>
-            </a:r>
-            <a:r>
-              <a:rPr lang="de-DE" dirty="0"/>
-              <a:t> a GraphQL-Service</a:t>
+              <a:t>How</a:t>
+            </a:r>
+            <a:r>
+              <a:rPr lang="de-DE" dirty="0"/>
+              <a:t> </a:t>
+            </a:r>
+            <a:r>
+              <a:rPr lang="de-DE" dirty="0" err="1"/>
+              <a:t>does</a:t>
+            </a:r>
+            <a:r>
+              <a:rPr lang="de-DE" dirty="0"/>
+              <a:t> GraphQL </a:t>
+            </a:r>
+            <a:r>
+              <a:rPr lang="de-DE" dirty="0" err="1"/>
+              <a:t>work</a:t>
+            </a:r>
+            <a:r>
+              <a:rPr lang="de-DE" dirty="0"/>
+              <a:t>?</a:t>
             </a:r>
           </a:p>
         </p:txBody>
@@ -8174,7 +10364,7 @@
           <p:cNvPr id="3" name="Content Placeholder 2">
             <a:extLst>
               <a:ext uri="{FF2B5EF4-FFF2-40B4-BE49-F238E27FC236}">
-                <a16:creationId xmlns:a16="http://schemas.microsoft.com/office/drawing/2014/main" id="{0B9111FA-9174-4DDF-A91F-8316FB89563E}"/>
+                <a16:creationId xmlns:a16="http://schemas.microsoft.com/office/drawing/2014/main" id="{C11646AC-9544-4F24-A396-6A56A8D73653}"/>
               </a:ext>
             </a:extLst>
           </p:cNvPr>
@@ -8192,35 +10382,223 @@
           <a:p>
             <a:r>
               <a:rPr lang="de-DE" dirty="0"/>
+              <a:t>Clients send GraphQL-</a:t>
+            </a:r>
+            <a:r>
+              <a:rPr lang="de-DE" dirty="0" err="1"/>
+              <a:t>Queries</a:t>
+            </a:r>
+            <a:r>
+              <a:rPr lang="de-DE" dirty="0"/>
+              <a:t> </a:t>
+            </a:r>
+            <a:r>
+              <a:rPr lang="de-DE" dirty="0" err="1"/>
+              <a:t>as</a:t>
+            </a:r>
+            <a:r>
+              <a:rPr lang="de-DE" dirty="0"/>
+              <a:t> HTTP-</a:t>
+            </a:r>
+            <a:r>
+              <a:rPr lang="de-DE" dirty="0" err="1"/>
+              <a:t>Requests</a:t>
+            </a:r>
+            <a:r>
+              <a:rPr lang="de-DE" dirty="0"/>
+              <a:t> </a:t>
+            </a:r>
+            <a:r>
+              <a:rPr lang="de-DE" dirty="0" err="1"/>
+              <a:t>to</a:t>
+            </a:r>
+            <a:r>
+              <a:rPr lang="de-DE" dirty="0"/>
+              <a:t> a GraphQL-Service </a:t>
+            </a:r>
+            <a:r>
+              <a:rPr lang="de-DE" dirty="0" err="1"/>
+              <a:t>to</a:t>
+            </a:r>
+            <a:r>
+              <a:rPr lang="de-DE" dirty="0"/>
+              <a:t> perform </a:t>
+            </a:r>
+            <a:r>
+              <a:rPr lang="de-DE" dirty="0" err="1"/>
+              <a:t>actions</a:t>
+            </a:r>
+            <a:endParaRPr lang="de-DE" dirty="0"/>
+          </a:p>
+          <a:p>
+            <a:r>
+              <a:rPr lang="de-DE" dirty="0"/>
+              <a:t>These GraphQL-</a:t>
+            </a:r>
+            <a:r>
+              <a:rPr lang="de-DE" dirty="0" err="1"/>
+              <a:t>Queries</a:t>
+            </a:r>
+            <a:r>
+              <a:rPr lang="de-DE" dirty="0"/>
+              <a:t> </a:t>
+            </a:r>
+            <a:r>
+              <a:rPr lang="de-DE" dirty="0" err="1"/>
+              <a:t>are</a:t>
+            </a:r>
+            <a:r>
+              <a:rPr lang="de-DE" dirty="0"/>
+              <a:t> </a:t>
+            </a:r>
+            <a:r>
+              <a:rPr lang="de-DE" dirty="0" err="1"/>
+              <a:t>formed</a:t>
+            </a:r>
+            <a:r>
+              <a:rPr lang="de-DE" dirty="0"/>
+              <a:t> in </a:t>
+            </a:r>
+            <a:r>
+              <a:rPr lang="de-DE" dirty="0" err="1"/>
+              <a:t>the</a:t>
+            </a:r>
+            <a:r>
+              <a:rPr lang="de-DE" dirty="0"/>
+              <a:t> GraphQL-Syntax</a:t>
+            </a:r>
+          </a:p>
+          <a:p>
+            <a:r>
+              <a:rPr lang="de-DE" dirty="0"/>
               <a:t>The </a:t>
             </a:r>
             <a:r>
               <a:rPr lang="de-DE" dirty="0" err="1"/>
-              <a:t>main</a:t>
-            </a:r>
-            <a:r>
-              <a:rPr lang="de-DE" dirty="0"/>
-              <a:t> </a:t>
-            </a:r>
-            <a:r>
-              <a:rPr lang="de-DE" dirty="0" err="1"/>
-              <a:t>parts</a:t>
-            </a:r>
-            <a:r>
-              <a:rPr lang="de-DE" dirty="0"/>
-              <a:t> </a:t>
-            </a:r>
-            <a:r>
-              <a:rPr lang="de-DE" dirty="0" err="1"/>
-              <a:t>of</a:t>
-            </a:r>
-            <a:r>
-              <a:rPr lang="de-DE" dirty="0"/>
-              <a:t> </a:t>
-            </a:r>
-            <a:r>
-              <a:rPr lang="de-DE" dirty="0" err="1"/>
-              <a:t>every</a:t>
+              <a:t>server</a:t>
+            </a:r>
+            <a:r>
+              <a:rPr lang="de-DE" dirty="0"/>
+              <a:t> </a:t>
+            </a:r>
+            <a:r>
+              <a:rPr lang="de-DE" dirty="0" err="1"/>
+              <a:t>then</a:t>
+            </a:r>
+            <a:r>
+              <a:rPr lang="de-DE" dirty="0"/>
+              <a:t> </a:t>
+            </a:r>
+            <a:r>
+              <a:rPr lang="de-DE" dirty="0" err="1"/>
+              <a:t>validates</a:t>
+            </a:r>
+            <a:r>
+              <a:rPr lang="de-DE" dirty="0"/>
+              <a:t>, </a:t>
+            </a:r>
+            <a:r>
+              <a:rPr lang="de-DE" dirty="0" err="1"/>
+              <a:t>parses</a:t>
+            </a:r>
+            <a:r>
+              <a:rPr lang="de-DE" dirty="0"/>
+              <a:t> and </a:t>
+            </a:r>
+            <a:r>
+              <a:rPr lang="de-DE" dirty="0" err="1"/>
+              <a:t>executes</a:t>
+            </a:r>
+            <a:r>
+              <a:rPr lang="de-DE" dirty="0"/>
+              <a:t> </a:t>
+            </a:r>
+            <a:r>
+              <a:rPr lang="de-DE" dirty="0" err="1"/>
+              <a:t>them</a:t>
+            </a:r>
+            <a:r>
+              <a:rPr lang="de-DE" dirty="0"/>
+              <a:t> and </a:t>
+            </a:r>
+            <a:r>
+              <a:rPr lang="de-DE" dirty="0" err="1"/>
+              <a:t>returns</a:t>
+            </a:r>
+            <a:r>
+              <a:rPr lang="de-DE" dirty="0"/>
+              <a:t> </a:t>
+            </a:r>
+            <a:r>
+              <a:rPr lang="de-DE" dirty="0" err="1"/>
+              <a:t>the</a:t>
+            </a:r>
+            <a:r>
+              <a:rPr lang="de-DE" dirty="0"/>
+              <a:t> </a:t>
+            </a:r>
+            <a:r>
+              <a:rPr lang="de-DE" dirty="0" err="1"/>
+              <a:t>result</a:t>
+            </a:r>
+            <a:endParaRPr lang="de-DE" dirty="0"/>
+          </a:p>
+          <a:p>
+            <a:r>
+              <a:rPr lang="de-DE" dirty="0"/>
+              <a:t>The </a:t>
+            </a:r>
+            <a:r>
+              <a:rPr lang="de-DE" dirty="0" err="1"/>
+              <a:t>Queries</a:t>
+            </a:r>
+            <a:r>
+              <a:rPr lang="de-DE" dirty="0"/>
+              <a:t> </a:t>
+            </a:r>
+            <a:r>
+              <a:rPr lang="de-DE" dirty="0" err="1"/>
+              <a:t>which</a:t>
+            </a:r>
+            <a:r>
+              <a:rPr lang="de-DE" dirty="0"/>
+              <a:t> </a:t>
+            </a:r>
+            <a:r>
+              <a:rPr lang="de-DE" dirty="0" err="1"/>
+              <a:t>can</a:t>
+            </a:r>
+            <a:r>
+              <a:rPr lang="de-DE" dirty="0"/>
+              <a:t> </a:t>
+            </a:r>
+            <a:r>
+              <a:rPr lang="de-DE" dirty="0" err="1"/>
+              <a:t>be</a:t>
+            </a:r>
+            <a:r>
+              <a:rPr lang="de-DE" dirty="0"/>
+              <a:t> </a:t>
+            </a:r>
+            <a:r>
+              <a:rPr lang="de-DE" dirty="0" err="1"/>
+              <a:t>executed</a:t>
+            </a:r>
+            <a:r>
+              <a:rPr lang="de-DE" dirty="0"/>
+              <a:t> </a:t>
+            </a:r>
+            <a:r>
+              <a:rPr lang="de-DE" dirty="0" err="1"/>
+              <a:t>by</a:t>
+            </a:r>
+            <a:r>
+              <a:rPr lang="de-DE" dirty="0"/>
+              <a:t> </a:t>
+            </a:r>
+            <a:r>
+              <a:rPr lang="de-DE" dirty="0" err="1"/>
+              <a:t>the</a:t>
             </a:r>
             <a:r>
               <a:rPr lang="de-DE" dirty="0"/>
@@ -8236,206 +10614,25 @@
             </a:r>
             <a:r>
               <a:rPr lang="de-DE" dirty="0" err="1"/>
+              <a:t>defined</a:t>
+            </a:r>
+            <a:r>
+              <a:rPr lang="de-DE" dirty="0"/>
+              <a:t> on </a:t>
+            </a:r>
+            <a:r>
+              <a:rPr lang="de-DE" dirty="0" err="1"/>
               <a:t>the</a:t>
             </a:r>
             <a:r>
               <a:rPr lang="de-DE" dirty="0"/>
-              <a:t> </a:t>
-            </a:r>
-            <a:r>
-              <a:rPr lang="de-DE" dirty="0" err="1"/>
-              <a:t>schema</a:t>
-            </a:r>
-            <a:r>
-              <a:rPr lang="de-DE" dirty="0"/>
-              <a:t> and </a:t>
-            </a:r>
-            <a:r>
-              <a:rPr lang="de-DE" dirty="0" err="1"/>
-              <a:t>the</a:t>
-            </a:r>
-            <a:r>
-              <a:rPr lang="de-DE" dirty="0"/>
-              <a:t> </a:t>
-            </a:r>
-            <a:r>
-              <a:rPr lang="de-DE" dirty="0" err="1"/>
-              <a:t>resolvers</a:t>
-            </a:r>
+              <a:t> Server</a:t>
+            </a:r>
+          </a:p>
+          <a:p>
             <a:endParaRPr lang="de-DE" dirty="0"/>
           </a:p>
           <a:p>
-            <a:r>
-              <a:rPr lang="de-DE" dirty="0"/>
-              <a:t>The </a:t>
-            </a:r>
-            <a:r>
-              <a:rPr lang="de-DE" dirty="0" err="1"/>
-              <a:t>schema</a:t>
-            </a:r>
-            <a:r>
-              <a:rPr lang="de-DE" dirty="0"/>
-              <a:t> </a:t>
-            </a:r>
-            <a:r>
-              <a:rPr lang="de-DE" dirty="0" err="1"/>
-              <a:t>is</a:t>
-            </a:r>
-            <a:r>
-              <a:rPr lang="de-DE" dirty="0"/>
-              <a:t> a </a:t>
-            </a:r>
-            <a:r>
-              <a:rPr lang="de-DE" dirty="0" err="1"/>
-              <a:t>model</a:t>
-            </a:r>
-            <a:r>
-              <a:rPr lang="de-DE" dirty="0"/>
-              <a:t> </a:t>
-            </a:r>
-            <a:r>
-              <a:rPr lang="de-DE" dirty="0" err="1"/>
-              <a:t>of</a:t>
-            </a:r>
-            <a:r>
-              <a:rPr lang="de-DE" dirty="0"/>
-              <a:t> </a:t>
-            </a:r>
-            <a:r>
-              <a:rPr lang="de-DE" dirty="0" err="1"/>
-              <a:t>the</a:t>
-            </a:r>
-            <a:r>
-              <a:rPr lang="de-DE" dirty="0"/>
-              <a:t> </a:t>
-            </a:r>
-            <a:r>
-              <a:rPr lang="de-DE" dirty="0" err="1"/>
-              <a:t>data</a:t>
-            </a:r>
-            <a:r>
-              <a:rPr lang="de-DE" dirty="0"/>
-              <a:t> </a:t>
-            </a:r>
-            <a:r>
-              <a:rPr lang="de-DE" dirty="0" err="1"/>
-              <a:t>which</a:t>
-            </a:r>
-            <a:r>
-              <a:rPr lang="de-DE" dirty="0"/>
-              <a:t> </a:t>
-            </a:r>
-            <a:r>
-              <a:rPr lang="de-DE" dirty="0" err="1"/>
-              <a:t>can</a:t>
-            </a:r>
-            <a:r>
-              <a:rPr lang="de-DE" dirty="0"/>
-              <a:t> </a:t>
-            </a:r>
-            <a:r>
-              <a:rPr lang="de-DE" dirty="0" err="1"/>
-              <a:t>be</a:t>
-            </a:r>
-            <a:r>
-              <a:rPr lang="de-DE" dirty="0"/>
-              <a:t> </a:t>
-            </a:r>
-            <a:r>
-              <a:rPr lang="de-DE" dirty="0" err="1"/>
-              <a:t>fetched</a:t>
-            </a:r>
-            <a:r>
-              <a:rPr lang="de-DE" dirty="0"/>
-              <a:t> </a:t>
-            </a:r>
-            <a:r>
-              <a:rPr lang="de-DE" dirty="0" err="1"/>
-              <a:t>through</a:t>
-            </a:r>
-            <a:r>
-              <a:rPr lang="de-DE" dirty="0"/>
-              <a:t> </a:t>
-            </a:r>
-            <a:r>
-              <a:rPr lang="de-DE" dirty="0" err="1"/>
-              <a:t>the</a:t>
-            </a:r>
-            <a:r>
-              <a:rPr lang="de-DE" dirty="0"/>
-              <a:t> </a:t>
-            </a:r>
-            <a:r>
-              <a:rPr lang="de-DE" dirty="0" err="1"/>
-              <a:t>server</a:t>
-            </a:r>
-            <a:endParaRPr lang="de-DE" dirty="0"/>
-          </a:p>
-          <a:p>
-            <a:r>
-              <a:rPr lang="de-DE" dirty="0"/>
-              <a:t>The Resolvers </a:t>
-            </a:r>
-            <a:r>
-              <a:rPr lang="de-DE" dirty="0" err="1"/>
-              <a:t>define</a:t>
-            </a:r>
-            <a:r>
-              <a:rPr lang="de-DE" dirty="0"/>
-              <a:t> </a:t>
-            </a:r>
-            <a:r>
-              <a:rPr lang="de-DE" dirty="0" err="1"/>
-              <a:t>how</a:t>
-            </a:r>
-            <a:r>
-              <a:rPr lang="de-DE" dirty="0"/>
-              <a:t> </a:t>
-            </a:r>
-            <a:r>
-              <a:rPr lang="de-DE" dirty="0" err="1"/>
-              <a:t>the</a:t>
-            </a:r>
-            <a:r>
-              <a:rPr lang="de-DE" dirty="0"/>
-              <a:t> </a:t>
-            </a:r>
-            <a:r>
-              <a:rPr lang="de-DE" dirty="0" err="1"/>
-              <a:t>queried</a:t>
-            </a:r>
-            <a:r>
-              <a:rPr lang="de-DE" dirty="0"/>
-              <a:t> </a:t>
-            </a:r>
-            <a:r>
-              <a:rPr lang="de-DE" dirty="0" err="1"/>
-              <a:t>data</a:t>
-            </a:r>
-            <a:r>
-              <a:rPr lang="de-DE" dirty="0"/>
-              <a:t> </a:t>
-            </a:r>
-            <a:r>
-              <a:rPr lang="de-DE" dirty="0" err="1"/>
-              <a:t>can</a:t>
-            </a:r>
-            <a:r>
-              <a:rPr lang="de-DE" dirty="0"/>
-              <a:t> </a:t>
-            </a:r>
-            <a:r>
-              <a:rPr lang="de-DE" dirty="0" err="1"/>
-              <a:t>be</a:t>
-            </a:r>
-            <a:r>
-              <a:rPr lang="de-DE" dirty="0"/>
-              <a:t> </a:t>
-            </a:r>
-            <a:r>
-              <a:rPr lang="de-DE" dirty="0" err="1"/>
-              <a:t>resolved</a:t>
-            </a:r>
             <a:endParaRPr lang="de-DE" dirty="0"/>
           </a:p>
         </p:txBody>
@@ -8443,7 +10640,7 @@
     </p:spTree>
     <p:extLst>
       <p:ext uri="{BB962C8B-B14F-4D97-AF65-F5344CB8AC3E}">
-        <p14:creationId xmlns:p14="http://schemas.microsoft.com/office/powerpoint/2010/main" val="962269378"/>
+        <p14:creationId xmlns:p14="http://schemas.microsoft.com/office/powerpoint/2010/main" val="3963749321"/>
       </p:ext>
     </p:extLst>
   </p:cSld>
@@ -8475,10 +10672,10 @@
       </p:grpSpPr>
       <p:sp>
         <p:nvSpPr>
-          <p:cNvPr id="2" name="Title 1">
-            <a:extLst>
-              <a:ext uri="{FF2B5EF4-FFF2-40B4-BE49-F238E27FC236}">
-                <a16:creationId xmlns:a16="http://schemas.microsoft.com/office/drawing/2014/main" id="{F60A81E1-96F2-47F4-837D-A4653AE40DED}"/>
+          <p:cNvPr id="4" name="Title 3">
+            <a:extLst>
+              <a:ext uri="{FF2B5EF4-FFF2-40B4-BE49-F238E27FC236}">
+                <a16:creationId xmlns:a16="http://schemas.microsoft.com/office/drawing/2014/main" id="{0A97273D-B875-4B60-975A-686EBECABD4E}"/>
               </a:ext>
             </a:extLst>
           </p:cNvPr>
@@ -8496,283 +10693,80 @@
           <a:p>
             <a:r>
               <a:rPr lang="de-DE" dirty="0"/>
-              <a:t>The Schema</a:t>
-            </a:r>
-          </a:p>
-        </p:txBody>
-      </p:sp>
-      <p:sp>
-        <p:nvSpPr>
-          <p:cNvPr id="3" name="Content Placeholder 2">
-            <a:extLst>
-              <a:ext uri="{FF2B5EF4-FFF2-40B4-BE49-F238E27FC236}">
-                <a16:creationId xmlns:a16="http://schemas.microsoft.com/office/drawing/2014/main" id="{195174C8-109C-4205-898C-8531403C3BC0}"/>
-              </a:ext>
-            </a:extLst>
-          </p:cNvPr>
-          <p:cNvSpPr>
-            <a:spLocks noGrp="1"/>
-          </p:cNvSpPr>
+              <a:t>The GraphQL-Syntax</a:t>
+            </a:r>
+          </a:p>
+        </p:txBody>
+      </p:sp>
+      <p:pic>
+        <p:nvPicPr>
+          <p:cNvPr id="7" name="Content Placeholder 6">
+            <a:extLst>
+              <a:ext uri="{FF2B5EF4-FFF2-40B4-BE49-F238E27FC236}">
+                <a16:creationId xmlns:a16="http://schemas.microsoft.com/office/drawing/2014/main" id="{1A2C3A25-AFA4-4963-BDC2-C03F54CA56CB}"/>
+              </a:ext>
+            </a:extLst>
+          </p:cNvPr>
+          <p:cNvPicPr>
+            <a:picLocks noGrp="1" noChangeAspect="1"/>
+          </p:cNvPicPr>
           <p:nvPr>
             <p:ph idx="1"/>
           </p:nvPr>
-        </p:nvSpPr>
-        <p:spPr/>
-        <p:txBody>
-          <a:bodyPr/>
+        </p:nvPicPr>
+        <p:blipFill>
+          <a:blip r:embed="rId2"/>
+          <a:stretch>
+            <a:fillRect/>
+          </a:stretch>
+        </p:blipFill>
+        <p:spPr>
+          <a:xfrm>
+            <a:off x="2641760" y="1560352"/>
+            <a:ext cx="7030746" cy="4968284"/>
+          </a:xfrm>
+        </p:spPr>
+      </p:pic>
+      <p:sp>
+        <p:nvSpPr>
+          <p:cNvPr id="2" name="TextBox 1">
+            <a:extLst>
+              <a:ext uri="{FF2B5EF4-FFF2-40B4-BE49-F238E27FC236}">
+                <a16:creationId xmlns:a16="http://schemas.microsoft.com/office/drawing/2014/main" id="{0D7BB3FB-77CA-4ED0-933A-957AB532F79E}"/>
+              </a:ext>
+            </a:extLst>
+          </p:cNvPr>
+          <p:cNvSpPr txBox="1"/>
+          <p:nvPr/>
+        </p:nvSpPr>
+        <p:spPr>
+          <a:xfrm>
+            <a:off x="2641760" y="6528636"/>
+            <a:ext cx="7030747" cy="261610"/>
+          </a:xfrm>
+          <a:prstGeom prst="rect">
+            <a:avLst/>
+          </a:prstGeom>
+          <a:noFill/>
+        </p:spPr>
+        <p:txBody>
+          <a:bodyPr wrap="square" rtlCol="0">
+            <a:spAutoFit/>
+          </a:bodyPr>
           <a:lstStyle/>
           <a:p>
-            <a:r>
-              <a:rPr lang="de-DE" dirty="0" err="1"/>
-              <a:t>Defines</a:t>
-            </a:r>
-            <a:r>
-              <a:rPr lang="de-DE" dirty="0"/>
-              <a:t> </a:t>
-            </a:r>
-            <a:r>
-              <a:rPr lang="de-DE" dirty="0" err="1"/>
-              <a:t>which</a:t>
-            </a:r>
-            <a:r>
-              <a:rPr lang="de-DE" dirty="0"/>
-              <a:t> </a:t>
-            </a:r>
-            <a:r>
-              <a:rPr lang="de-DE" dirty="0" err="1"/>
-              <a:t>queries</a:t>
-            </a:r>
-            <a:r>
-              <a:rPr lang="de-DE" dirty="0"/>
-              <a:t> </a:t>
-            </a:r>
-            <a:r>
-              <a:rPr lang="de-DE" dirty="0" err="1"/>
-              <a:t>are</a:t>
-            </a:r>
-            <a:r>
-              <a:rPr lang="de-DE" dirty="0"/>
-              <a:t> </a:t>
-            </a:r>
-            <a:r>
-              <a:rPr lang="de-DE" dirty="0" err="1"/>
-              <a:t>allowed</a:t>
-            </a:r>
-            <a:r>
-              <a:rPr lang="de-DE" dirty="0"/>
-              <a:t>, </a:t>
-            </a:r>
-            <a:r>
-              <a:rPr lang="de-DE" dirty="0" err="1"/>
-              <a:t>what</a:t>
-            </a:r>
-            <a:r>
-              <a:rPr lang="de-DE" dirty="0"/>
-              <a:t> </a:t>
-            </a:r>
-            <a:r>
-              <a:rPr lang="de-DE" dirty="0" err="1"/>
-              <a:t>types</a:t>
-            </a:r>
-            <a:r>
-              <a:rPr lang="de-DE" dirty="0"/>
-              <a:t> </a:t>
-            </a:r>
-            <a:r>
-              <a:rPr lang="de-DE" dirty="0" err="1"/>
-              <a:t>of</a:t>
-            </a:r>
-            <a:r>
-              <a:rPr lang="de-DE" dirty="0"/>
-              <a:t> </a:t>
-            </a:r>
-            <a:r>
-              <a:rPr lang="de-DE" dirty="0" err="1"/>
-              <a:t>data</a:t>
-            </a:r>
-            <a:r>
-              <a:rPr lang="de-DE" dirty="0"/>
-              <a:t> </a:t>
-            </a:r>
-            <a:r>
-              <a:rPr lang="de-DE" dirty="0" err="1"/>
-              <a:t>can</a:t>
-            </a:r>
-            <a:r>
-              <a:rPr lang="de-DE" dirty="0"/>
-              <a:t> </a:t>
-            </a:r>
-            <a:r>
-              <a:rPr lang="de-DE" dirty="0" err="1"/>
-              <a:t>be</a:t>
-            </a:r>
-            <a:r>
-              <a:rPr lang="de-DE" dirty="0"/>
-              <a:t> </a:t>
-            </a:r>
-            <a:r>
-              <a:rPr lang="de-DE" dirty="0" err="1"/>
-              <a:t>fetched</a:t>
-            </a:r>
-            <a:r>
-              <a:rPr lang="de-DE" dirty="0"/>
-              <a:t> and </a:t>
-            </a:r>
-            <a:r>
-              <a:rPr lang="de-DE" dirty="0" err="1"/>
-              <a:t>what</a:t>
-            </a:r>
-            <a:r>
-              <a:rPr lang="de-DE" dirty="0"/>
-              <a:t> </a:t>
-            </a:r>
-            <a:r>
-              <a:rPr lang="de-DE" dirty="0" err="1"/>
-              <a:t>the</a:t>
-            </a:r>
-            <a:r>
-              <a:rPr lang="de-DE" dirty="0"/>
-              <a:t> </a:t>
-            </a:r>
-            <a:r>
-              <a:rPr lang="de-DE" dirty="0" err="1"/>
-              <a:t>relationsships</a:t>
-            </a:r>
-            <a:r>
-              <a:rPr lang="de-DE" dirty="0"/>
-              <a:t> </a:t>
-            </a:r>
-            <a:r>
-              <a:rPr lang="de-DE" dirty="0" err="1"/>
-              <a:t>between</a:t>
-            </a:r>
-            <a:r>
-              <a:rPr lang="de-DE" dirty="0"/>
-              <a:t> </a:t>
-            </a:r>
-            <a:r>
-              <a:rPr lang="de-DE" dirty="0" err="1"/>
-              <a:t>these</a:t>
-            </a:r>
-            <a:r>
-              <a:rPr lang="de-DE" dirty="0"/>
-              <a:t> </a:t>
-            </a:r>
-            <a:r>
-              <a:rPr lang="de-DE" dirty="0" err="1"/>
-              <a:t>types</a:t>
-            </a:r>
-            <a:r>
-              <a:rPr lang="de-DE" dirty="0"/>
-              <a:t> </a:t>
-            </a:r>
-            <a:r>
-              <a:rPr lang="de-DE" dirty="0" err="1"/>
-              <a:t>are</a:t>
-            </a:r>
-            <a:endParaRPr lang="de-DE" dirty="0"/>
-          </a:p>
-          <a:p>
-            <a:r>
-              <a:rPr lang="de-DE" dirty="0" err="1"/>
-              <a:t>Is</a:t>
-            </a:r>
-            <a:r>
-              <a:rPr lang="de-DE" dirty="0"/>
-              <a:t> </a:t>
-            </a:r>
-            <a:r>
-              <a:rPr lang="de-DE" dirty="0" err="1"/>
-              <a:t>defined</a:t>
-            </a:r>
-            <a:r>
-              <a:rPr lang="de-DE" dirty="0"/>
-              <a:t> </a:t>
-            </a:r>
-            <a:r>
-              <a:rPr lang="de-DE" dirty="0" err="1"/>
-              <a:t>with</a:t>
-            </a:r>
-            <a:r>
-              <a:rPr lang="de-DE" dirty="0"/>
-              <a:t> </a:t>
-            </a:r>
-            <a:r>
-              <a:rPr lang="de-DE" dirty="0" err="1"/>
-              <a:t>the</a:t>
-            </a:r>
-            <a:r>
-              <a:rPr lang="de-DE" dirty="0"/>
-              <a:t> GraphQL-Syntax</a:t>
-            </a:r>
-          </a:p>
-          <a:p>
-            <a:r>
-              <a:rPr lang="de-DE" dirty="0" err="1"/>
-              <a:t>Therefore</a:t>
-            </a:r>
-            <a:r>
-              <a:rPr lang="de-DE" dirty="0"/>
-              <a:t> </a:t>
-            </a:r>
-            <a:r>
-              <a:rPr lang="de-DE" dirty="0" err="1"/>
-              <a:t>independent</a:t>
-            </a:r>
-            <a:r>
-              <a:rPr lang="de-DE" dirty="0"/>
-              <a:t> </a:t>
-            </a:r>
-            <a:r>
-              <a:rPr lang="de-DE" dirty="0" err="1"/>
-              <a:t>from</a:t>
-            </a:r>
-            <a:r>
-              <a:rPr lang="de-DE" dirty="0"/>
-              <a:t> </a:t>
-            </a:r>
-            <a:r>
-              <a:rPr lang="de-DE" dirty="0" err="1"/>
-              <a:t>the</a:t>
-            </a:r>
-            <a:r>
-              <a:rPr lang="de-DE" dirty="0"/>
-              <a:t> GraphQL-Implementation </a:t>
-            </a:r>
-            <a:r>
-              <a:rPr lang="de-DE" dirty="0" err="1"/>
-              <a:t>or</a:t>
-            </a:r>
-            <a:r>
-              <a:rPr lang="de-DE" dirty="0"/>
-              <a:t> </a:t>
-            </a:r>
-            <a:r>
-              <a:rPr lang="de-DE" dirty="0" err="1"/>
-              <a:t>programming</a:t>
-            </a:r>
-            <a:r>
-              <a:rPr lang="de-DE" dirty="0"/>
-              <a:t> </a:t>
-            </a:r>
-            <a:r>
-              <a:rPr lang="de-DE" dirty="0" err="1"/>
-              <a:t>language</a:t>
-            </a:r>
-            <a:endParaRPr lang="de-DE" dirty="0"/>
-          </a:p>
-          <a:p>
-            <a:pPr marL="0" indent="0">
-              <a:buNone/>
-            </a:pPr>
-            <a:endParaRPr lang="de-DE" dirty="0"/>
+            <a:pPr algn="r"/>
+            <a:r>
+              <a:rPr lang="de-DE" sz="1100" dirty="0"/>
+              <a:t>https://cdn-images-1.medium.com/max/2000/1*HaEeoGrja2IGUxzvmj5Vnw.png</a:t>
+            </a:r>
           </a:p>
         </p:txBody>
       </p:sp>
     </p:spTree>
     <p:extLst>
       <p:ext uri="{BB962C8B-B14F-4D97-AF65-F5344CB8AC3E}">
-        <p14:creationId xmlns:p14="http://schemas.microsoft.com/office/powerpoint/2010/main" val="1513089095"/>
+        <p14:creationId xmlns:p14="http://schemas.microsoft.com/office/powerpoint/2010/main" val="1523763258"/>
       </p:ext>
     </p:extLst>
   </p:cSld>
@@ -8802,841 +10796,40 @@
           <a:chExt cx="0" cy="0"/>
         </a:xfrm>
       </p:grpSpPr>
-      <p:sp>
-        <p:nvSpPr>
-          <p:cNvPr id="2" name="Title 1">
-            <a:extLst>
-              <a:ext uri="{FF2B5EF4-FFF2-40B4-BE49-F238E27FC236}">
-                <a16:creationId xmlns:a16="http://schemas.microsoft.com/office/drawing/2014/main" id="{76306AAC-2532-4660-92F3-C1E535B6D9DE}"/>
-              </a:ext>
-            </a:extLst>
-          </p:cNvPr>
-          <p:cNvSpPr>
-            <a:spLocks noGrp="1"/>
-          </p:cNvSpPr>
-          <p:nvPr>
-            <p:ph type="title"/>
-          </p:nvPr>
-        </p:nvSpPr>
-        <p:spPr/>
-        <p:txBody>
-          <a:bodyPr/>
-          <a:lstStyle/>
-          <a:p>
-            <a:r>
-              <a:rPr lang="de-DE" dirty="0"/>
-              <a:t>The Schema – </a:t>
-            </a:r>
-            <a:r>
-              <a:rPr lang="de-DE" dirty="0" err="1"/>
-              <a:t>Example</a:t>
-            </a:r>
-            <a:endParaRPr lang="de-DE" dirty="0"/>
-          </a:p>
-        </p:txBody>
-      </p:sp>
-      <p:sp>
-        <p:nvSpPr>
-          <p:cNvPr id="12" name="Content Placeholder 11">
-            <a:extLst>
-              <a:ext uri="{FF2B5EF4-FFF2-40B4-BE49-F238E27FC236}">
-                <a16:creationId xmlns:a16="http://schemas.microsoft.com/office/drawing/2014/main" id="{6C172512-D9B3-4376-8CC4-0C8E77B77C89}"/>
-              </a:ext>
-            </a:extLst>
-          </p:cNvPr>
-          <p:cNvSpPr>
-            <a:spLocks noGrp="1"/>
-          </p:cNvSpPr>
-          <p:nvPr>
-            <p:ph idx="1"/>
-          </p:nvPr>
-        </p:nvSpPr>
-        <p:spPr/>
-        <p:txBody>
-          <a:bodyPr>
-            <a:normAutofit lnSpcReduction="10000"/>
-          </a:bodyPr>
-          <a:lstStyle/>
-          <a:p>
-            <a:pPr marL="0" indent="0">
-              <a:buNone/>
-            </a:pPr>
-            <a:r>
-              <a:rPr lang="de-DE" sz="1000" b="0" dirty="0">
-                <a:solidFill>
-                  <a:srgbClr val="569CD6"/>
-                </a:solidFill>
-                <a:effectLst/>
-                <a:latin typeface="Consolas" panose="020B0609020204030204" pitchFamily="49" charset="0"/>
-              </a:rPr>
-              <a:t>type</a:t>
-            </a:r>
-            <a:r>
-              <a:rPr lang="de-DE" sz="1000" b="0" dirty="0">
-                <a:solidFill>
-                  <a:srgbClr val="D4D4D4"/>
-                </a:solidFill>
-                <a:effectLst/>
-                <a:latin typeface="Consolas" panose="020B0609020204030204" pitchFamily="49" charset="0"/>
-              </a:rPr>
-              <a:t> </a:t>
-            </a:r>
-            <a:r>
-              <a:rPr lang="de-DE" sz="1000" b="0" dirty="0" err="1">
-                <a:solidFill>
-                  <a:schemeClr val="tx1">
-                    <a:lumMod val="65000"/>
-                    <a:lumOff val="35000"/>
-                  </a:schemeClr>
-                </a:solidFill>
-                <a:effectLst/>
-                <a:latin typeface="Consolas" panose="020B0609020204030204" pitchFamily="49" charset="0"/>
-              </a:rPr>
-              <a:t>Author</a:t>
-            </a:r>
-            <a:r>
-              <a:rPr lang="de-DE" sz="1000" b="0" dirty="0">
-                <a:solidFill>
-                  <a:schemeClr val="tx1">
-                    <a:lumMod val="65000"/>
-                    <a:lumOff val="35000"/>
-                  </a:schemeClr>
-                </a:solidFill>
-                <a:effectLst/>
-                <a:latin typeface="Consolas" panose="020B0609020204030204" pitchFamily="49" charset="0"/>
-              </a:rPr>
-              <a:t> {</a:t>
-            </a:r>
-          </a:p>
-          <a:p>
-            <a:pPr marL="0" indent="0">
-              <a:buNone/>
-            </a:pPr>
-            <a:r>
-              <a:rPr lang="de-DE" sz="1000" dirty="0">
-                <a:solidFill>
-                  <a:schemeClr val="tx1">
-                    <a:lumMod val="65000"/>
-                    <a:lumOff val="35000"/>
-                  </a:schemeClr>
-                </a:solidFill>
-                <a:latin typeface="Consolas" panose="020B0609020204030204" pitchFamily="49" charset="0"/>
-              </a:rPr>
-              <a:t>   </a:t>
-            </a:r>
-            <a:r>
-              <a:rPr lang="de-DE" sz="1000" b="0" dirty="0" err="1">
-                <a:solidFill>
-                  <a:schemeClr val="tx1">
-                    <a:lumMod val="65000"/>
-                    <a:lumOff val="35000"/>
-                  </a:schemeClr>
-                </a:solidFill>
-                <a:effectLst/>
-                <a:latin typeface="Consolas" panose="020B0609020204030204" pitchFamily="49" charset="0"/>
-              </a:rPr>
-              <a:t>id</a:t>
-            </a:r>
-            <a:r>
-              <a:rPr lang="de-DE" sz="1000" b="0" dirty="0">
-                <a:solidFill>
-                  <a:schemeClr val="tx1">
-                    <a:lumMod val="65000"/>
-                    <a:lumOff val="35000"/>
-                  </a:schemeClr>
-                </a:solidFill>
-                <a:effectLst/>
-                <a:latin typeface="Consolas" panose="020B0609020204030204" pitchFamily="49" charset="0"/>
-              </a:rPr>
-              <a:t>: ID!</a:t>
-            </a:r>
-          </a:p>
-          <a:p>
-            <a:pPr marL="0" indent="0">
-              <a:buNone/>
-            </a:pPr>
-            <a:r>
-              <a:rPr lang="de-DE" sz="1000" b="0" dirty="0">
-                <a:solidFill>
-                  <a:schemeClr val="tx1">
-                    <a:lumMod val="65000"/>
-                    <a:lumOff val="35000"/>
-                  </a:schemeClr>
-                </a:solidFill>
-                <a:effectLst/>
-                <a:latin typeface="Consolas" panose="020B0609020204030204" pitchFamily="49" charset="0"/>
-              </a:rPr>
-              <a:t>   </a:t>
-            </a:r>
-            <a:r>
-              <a:rPr lang="de-DE" sz="1000" b="0" dirty="0" err="1">
-                <a:solidFill>
-                  <a:schemeClr val="tx1">
-                    <a:lumMod val="65000"/>
-                    <a:lumOff val="35000"/>
-                  </a:schemeClr>
-                </a:solidFill>
-                <a:effectLst/>
-                <a:latin typeface="Consolas" panose="020B0609020204030204" pitchFamily="49" charset="0"/>
-              </a:rPr>
-              <a:t>name</a:t>
-            </a:r>
-            <a:r>
-              <a:rPr lang="de-DE" sz="1000" b="0" dirty="0">
-                <a:solidFill>
-                  <a:schemeClr val="tx1">
-                    <a:lumMod val="65000"/>
-                    <a:lumOff val="35000"/>
-                  </a:schemeClr>
-                </a:solidFill>
-                <a:effectLst/>
-                <a:latin typeface="Consolas" panose="020B0609020204030204" pitchFamily="49" charset="0"/>
-              </a:rPr>
-              <a:t>: String!</a:t>
-            </a:r>
-          </a:p>
-          <a:p>
-            <a:pPr marL="0" indent="0">
-              <a:buNone/>
-            </a:pPr>
-            <a:r>
-              <a:rPr lang="de-DE" sz="1000" b="0" dirty="0">
-                <a:solidFill>
-                  <a:schemeClr val="tx1">
-                    <a:lumMod val="65000"/>
-                    <a:lumOff val="35000"/>
-                  </a:schemeClr>
-                </a:solidFill>
-                <a:effectLst/>
-                <a:latin typeface="Consolas" panose="020B0609020204030204" pitchFamily="49" charset="0"/>
-              </a:rPr>
-              <a:t>   email: String</a:t>
-            </a:r>
-          </a:p>
-          <a:p>
-            <a:pPr marL="0" indent="0">
-              <a:buNone/>
-            </a:pPr>
-            <a:r>
-              <a:rPr lang="de-DE" sz="1000" b="0" dirty="0">
-                <a:solidFill>
-                  <a:schemeClr val="tx1">
-                    <a:lumMod val="65000"/>
-                    <a:lumOff val="35000"/>
-                  </a:schemeClr>
-                </a:solidFill>
-                <a:effectLst/>
-                <a:latin typeface="Consolas" panose="020B0609020204030204" pitchFamily="49" charset="0"/>
-              </a:rPr>
-              <a:t>}</a:t>
-            </a:r>
-          </a:p>
-          <a:p>
-            <a:pPr marL="0" indent="0">
-              <a:buNone/>
-            </a:pPr>
-            <a:r>
-              <a:rPr lang="de-DE" sz="1000" b="0" dirty="0">
-                <a:solidFill>
-                  <a:srgbClr val="569CD6"/>
-                </a:solidFill>
-                <a:effectLst/>
-                <a:latin typeface="Consolas" panose="020B0609020204030204" pitchFamily="49" charset="0"/>
-              </a:rPr>
-              <a:t>type</a:t>
-            </a:r>
-            <a:r>
-              <a:rPr lang="de-DE" sz="1000" b="0" dirty="0">
-                <a:solidFill>
-                  <a:srgbClr val="D4D4D4"/>
-                </a:solidFill>
-                <a:effectLst/>
-                <a:latin typeface="Consolas" panose="020B0609020204030204" pitchFamily="49" charset="0"/>
-              </a:rPr>
-              <a:t> </a:t>
-            </a:r>
-            <a:r>
-              <a:rPr lang="de-DE" sz="1000" b="0" dirty="0">
-                <a:solidFill>
-                  <a:schemeClr val="tx1">
-                    <a:lumMod val="65000"/>
-                    <a:lumOff val="35000"/>
-                  </a:schemeClr>
-                </a:solidFill>
-                <a:effectLst/>
-                <a:latin typeface="Consolas" panose="020B0609020204030204" pitchFamily="49" charset="0"/>
-              </a:rPr>
-              <a:t>Post {</a:t>
-            </a:r>
-          </a:p>
-          <a:p>
-            <a:pPr marL="0" indent="0">
-              <a:buNone/>
-            </a:pPr>
-            <a:r>
-              <a:rPr lang="de-DE" sz="1000" b="0" dirty="0">
-                <a:solidFill>
-                  <a:schemeClr val="tx1">
-                    <a:lumMod val="65000"/>
-                    <a:lumOff val="35000"/>
-                  </a:schemeClr>
-                </a:solidFill>
-                <a:effectLst/>
-                <a:latin typeface="Consolas" panose="020B0609020204030204" pitchFamily="49" charset="0"/>
-              </a:rPr>
-              <a:t>   </a:t>
-            </a:r>
-            <a:r>
-              <a:rPr lang="de-DE" sz="1000" b="0" dirty="0" err="1">
-                <a:solidFill>
-                  <a:schemeClr val="tx1">
-                    <a:lumMod val="65000"/>
-                    <a:lumOff val="35000"/>
-                  </a:schemeClr>
-                </a:solidFill>
-                <a:effectLst/>
-                <a:latin typeface="Consolas" panose="020B0609020204030204" pitchFamily="49" charset="0"/>
-              </a:rPr>
-              <a:t>id</a:t>
-            </a:r>
-            <a:r>
-              <a:rPr lang="de-DE" sz="1000" b="0" dirty="0">
-                <a:solidFill>
-                  <a:schemeClr val="tx1">
-                    <a:lumMod val="65000"/>
-                    <a:lumOff val="35000"/>
-                  </a:schemeClr>
-                </a:solidFill>
-                <a:effectLst/>
-                <a:latin typeface="Consolas" panose="020B0609020204030204" pitchFamily="49" charset="0"/>
-              </a:rPr>
-              <a:t>: ID!</a:t>
-            </a:r>
-          </a:p>
-          <a:p>
-            <a:pPr marL="0" indent="0">
-              <a:buNone/>
-            </a:pPr>
-            <a:r>
-              <a:rPr lang="de-DE" sz="1000" b="0" dirty="0">
-                <a:solidFill>
-                  <a:schemeClr val="tx1">
-                    <a:lumMod val="65000"/>
-                    <a:lumOff val="35000"/>
-                  </a:schemeClr>
-                </a:solidFill>
-                <a:effectLst/>
-                <a:latin typeface="Consolas" panose="020B0609020204030204" pitchFamily="49" charset="0"/>
-              </a:rPr>
-              <a:t>   title: String!</a:t>
-            </a:r>
-          </a:p>
-          <a:p>
-            <a:pPr marL="0" indent="0">
-              <a:buNone/>
-            </a:pPr>
-            <a:r>
-              <a:rPr lang="de-DE" sz="1000" b="0" dirty="0">
-                <a:solidFill>
-                  <a:schemeClr val="tx1">
-                    <a:lumMod val="65000"/>
-                    <a:lumOff val="35000"/>
-                  </a:schemeClr>
-                </a:solidFill>
-                <a:effectLst/>
-                <a:latin typeface="Consolas" panose="020B0609020204030204" pitchFamily="49" charset="0"/>
-              </a:rPr>
-              <a:t>   </a:t>
-            </a:r>
-            <a:r>
-              <a:rPr lang="de-DE" sz="1000" b="0" dirty="0" err="1">
-                <a:solidFill>
-                  <a:schemeClr val="tx1">
-                    <a:lumMod val="65000"/>
-                    <a:lumOff val="35000"/>
-                  </a:schemeClr>
-                </a:solidFill>
-                <a:effectLst/>
-                <a:latin typeface="Consolas" panose="020B0609020204030204" pitchFamily="49" charset="0"/>
-              </a:rPr>
-              <a:t>text</a:t>
-            </a:r>
-            <a:r>
-              <a:rPr lang="de-DE" sz="1000" b="0" dirty="0">
-                <a:solidFill>
-                  <a:schemeClr val="tx1">
-                    <a:lumMod val="65000"/>
-                    <a:lumOff val="35000"/>
-                  </a:schemeClr>
-                </a:solidFill>
-                <a:effectLst/>
-                <a:latin typeface="Consolas" panose="020B0609020204030204" pitchFamily="49" charset="0"/>
-              </a:rPr>
-              <a:t>: String!</a:t>
-            </a:r>
-          </a:p>
-          <a:p>
-            <a:pPr marL="0" indent="0">
-              <a:buNone/>
-            </a:pPr>
-            <a:r>
-              <a:rPr lang="de-DE" sz="1000" b="0" dirty="0">
-                <a:solidFill>
-                  <a:schemeClr val="tx1">
-                    <a:lumMod val="65000"/>
-                    <a:lumOff val="35000"/>
-                  </a:schemeClr>
-                </a:solidFill>
-                <a:effectLst/>
-                <a:latin typeface="Consolas" panose="020B0609020204030204" pitchFamily="49" charset="0"/>
-              </a:rPr>
-              <a:t>   </a:t>
-            </a:r>
-            <a:r>
-              <a:rPr lang="de-DE" sz="1000" b="0" dirty="0" err="1">
-                <a:solidFill>
-                  <a:schemeClr val="tx1">
-                    <a:lumMod val="65000"/>
-                    <a:lumOff val="35000"/>
-                  </a:schemeClr>
-                </a:solidFill>
-                <a:effectLst/>
-                <a:latin typeface="Consolas" panose="020B0609020204030204" pitchFamily="49" charset="0"/>
-              </a:rPr>
-              <a:t>description</a:t>
-            </a:r>
-            <a:r>
-              <a:rPr lang="de-DE" sz="1000" b="0" dirty="0">
-                <a:solidFill>
-                  <a:schemeClr val="tx1">
-                    <a:lumMod val="65000"/>
-                    <a:lumOff val="35000"/>
-                  </a:schemeClr>
-                </a:solidFill>
-                <a:effectLst/>
-                <a:latin typeface="Consolas" panose="020B0609020204030204" pitchFamily="49" charset="0"/>
-              </a:rPr>
-              <a:t>: String</a:t>
-            </a:r>
-          </a:p>
-          <a:p>
-            <a:pPr marL="0" indent="0">
-              <a:buNone/>
-            </a:pPr>
-            <a:r>
-              <a:rPr lang="de-DE" sz="1000" b="0" dirty="0">
-                <a:solidFill>
-                  <a:schemeClr val="tx1">
-                    <a:lumMod val="65000"/>
-                    <a:lumOff val="35000"/>
-                  </a:schemeClr>
-                </a:solidFill>
-                <a:effectLst/>
-                <a:latin typeface="Consolas" panose="020B0609020204030204" pitchFamily="49" charset="0"/>
-              </a:rPr>
-              <a:t>   </a:t>
-            </a:r>
-            <a:r>
-              <a:rPr lang="de-DE" sz="1000" b="0" dirty="0" err="1">
-                <a:solidFill>
-                  <a:schemeClr val="tx1">
-                    <a:lumMod val="65000"/>
-                    <a:lumOff val="35000"/>
-                  </a:schemeClr>
-                </a:solidFill>
-                <a:effectLst/>
-                <a:latin typeface="Consolas" panose="020B0609020204030204" pitchFamily="49" charset="0"/>
-              </a:rPr>
-              <a:t>authors</a:t>
-            </a:r>
-            <a:r>
-              <a:rPr lang="de-DE" sz="1000" b="0" dirty="0">
-                <a:solidFill>
-                  <a:schemeClr val="tx1">
-                    <a:lumMod val="65000"/>
-                    <a:lumOff val="35000"/>
-                  </a:schemeClr>
-                </a:solidFill>
-                <a:effectLst/>
-                <a:latin typeface="Consolas" panose="020B0609020204030204" pitchFamily="49" charset="0"/>
-              </a:rPr>
-              <a:t>: [</a:t>
-            </a:r>
-            <a:r>
-              <a:rPr lang="de-DE" sz="1000" b="0" dirty="0" err="1">
-                <a:solidFill>
-                  <a:schemeClr val="tx1">
-                    <a:lumMod val="65000"/>
-                    <a:lumOff val="35000"/>
-                  </a:schemeClr>
-                </a:solidFill>
-                <a:effectLst/>
-                <a:latin typeface="Consolas" panose="020B0609020204030204" pitchFamily="49" charset="0"/>
-              </a:rPr>
-              <a:t>Author</a:t>
-            </a:r>
-            <a:r>
-              <a:rPr lang="de-DE" sz="1000" b="0" dirty="0">
-                <a:solidFill>
-                  <a:schemeClr val="tx1">
-                    <a:lumMod val="65000"/>
-                    <a:lumOff val="35000"/>
-                  </a:schemeClr>
-                </a:solidFill>
-                <a:effectLst/>
-                <a:latin typeface="Consolas" panose="020B0609020204030204" pitchFamily="49" charset="0"/>
-              </a:rPr>
-              <a:t>!]</a:t>
-            </a:r>
-          </a:p>
-          <a:p>
-            <a:pPr marL="0" indent="0">
-              <a:buNone/>
-            </a:pPr>
-            <a:r>
-              <a:rPr lang="de-DE" sz="1000" b="0" dirty="0">
-                <a:solidFill>
-                  <a:schemeClr val="tx1">
-                    <a:lumMod val="65000"/>
-                    <a:lumOff val="35000"/>
-                  </a:schemeClr>
-                </a:solidFill>
-                <a:effectLst/>
-                <a:latin typeface="Consolas" panose="020B0609020204030204" pitchFamily="49" charset="0"/>
-              </a:rPr>
-              <a:t>}</a:t>
-            </a:r>
-          </a:p>
-          <a:p>
-            <a:pPr marL="0" indent="0">
-              <a:buNone/>
-            </a:pPr>
-            <a:r>
-              <a:rPr lang="de-DE" sz="1000" b="0" dirty="0">
-                <a:solidFill>
-                  <a:srgbClr val="569CD6"/>
-                </a:solidFill>
-                <a:effectLst/>
-                <a:latin typeface="Consolas" panose="020B0609020204030204" pitchFamily="49" charset="0"/>
-              </a:rPr>
-              <a:t>type</a:t>
-            </a:r>
-            <a:r>
-              <a:rPr lang="de-DE" sz="1000" b="0" dirty="0">
-                <a:solidFill>
-                  <a:srgbClr val="D4D4D4"/>
-                </a:solidFill>
-                <a:effectLst/>
-                <a:latin typeface="Consolas" panose="020B0609020204030204" pitchFamily="49" charset="0"/>
-              </a:rPr>
-              <a:t> </a:t>
-            </a:r>
-            <a:r>
-              <a:rPr lang="de-DE" sz="1000" b="0" dirty="0">
-                <a:solidFill>
-                  <a:schemeClr val="tx1">
-                    <a:lumMod val="65000"/>
-                    <a:lumOff val="35000"/>
-                  </a:schemeClr>
-                </a:solidFill>
-                <a:effectLst/>
-                <a:latin typeface="Consolas" panose="020B0609020204030204" pitchFamily="49" charset="0"/>
-              </a:rPr>
-              <a:t>Query {</a:t>
-            </a:r>
-          </a:p>
-          <a:p>
-            <a:pPr marL="0" indent="0">
-              <a:buNone/>
-            </a:pPr>
-            <a:r>
-              <a:rPr lang="de-DE" sz="1000" b="0" dirty="0">
-                <a:solidFill>
-                  <a:schemeClr val="tx1">
-                    <a:lumMod val="65000"/>
-                    <a:lumOff val="35000"/>
-                  </a:schemeClr>
-                </a:solidFill>
-                <a:effectLst/>
-                <a:latin typeface="Consolas" panose="020B0609020204030204" pitchFamily="49" charset="0"/>
-              </a:rPr>
-              <a:t>   </a:t>
-            </a:r>
-            <a:r>
-              <a:rPr lang="de-DE" sz="1000" b="0" dirty="0" err="1">
-                <a:solidFill>
-                  <a:schemeClr val="tx1">
-                    <a:lumMod val="65000"/>
-                    <a:lumOff val="35000"/>
-                  </a:schemeClr>
-                </a:solidFill>
-                <a:effectLst/>
-                <a:latin typeface="Consolas" panose="020B0609020204030204" pitchFamily="49" charset="0"/>
-              </a:rPr>
-              <a:t>getAuthor</a:t>
-            </a:r>
-            <a:r>
-              <a:rPr lang="de-DE" sz="1000" b="0" dirty="0">
-                <a:solidFill>
-                  <a:schemeClr val="tx1">
-                    <a:lumMod val="65000"/>
-                    <a:lumOff val="35000"/>
-                  </a:schemeClr>
-                </a:solidFill>
-                <a:effectLst/>
-                <a:latin typeface="Consolas" panose="020B0609020204030204" pitchFamily="49" charset="0"/>
-              </a:rPr>
-              <a:t>(</a:t>
-            </a:r>
-            <a:r>
-              <a:rPr lang="de-DE" sz="1000" b="0" dirty="0" err="1">
-                <a:solidFill>
-                  <a:schemeClr val="tx1">
-                    <a:lumMod val="65000"/>
-                    <a:lumOff val="35000"/>
-                  </a:schemeClr>
-                </a:solidFill>
-                <a:effectLst/>
-                <a:latin typeface="Consolas" panose="020B0609020204030204" pitchFamily="49" charset="0"/>
-              </a:rPr>
-              <a:t>name</a:t>
-            </a:r>
-            <a:r>
-              <a:rPr lang="de-DE" sz="1000" b="0" dirty="0">
-                <a:solidFill>
-                  <a:schemeClr val="tx1">
-                    <a:lumMod val="65000"/>
-                    <a:lumOff val="35000"/>
-                  </a:schemeClr>
-                </a:solidFill>
-                <a:effectLst/>
-                <a:latin typeface="Consolas" panose="020B0609020204030204" pitchFamily="49" charset="0"/>
-              </a:rPr>
-              <a:t>: String!): [</a:t>
-            </a:r>
-            <a:r>
-              <a:rPr lang="de-DE" sz="1000" b="0" dirty="0" err="1">
-                <a:solidFill>
-                  <a:schemeClr val="tx1">
-                    <a:lumMod val="65000"/>
-                    <a:lumOff val="35000"/>
-                  </a:schemeClr>
-                </a:solidFill>
-                <a:effectLst/>
-                <a:latin typeface="Consolas" panose="020B0609020204030204" pitchFamily="49" charset="0"/>
-              </a:rPr>
-              <a:t>Author</a:t>
-            </a:r>
-            <a:r>
-              <a:rPr lang="de-DE" sz="1000" b="0" dirty="0">
-                <a:solidFill>
-                  <a:schemeClr val="tx1">
-                    <a:lumMod val="65000"/>
-                    <a:lumOff val="35000"/>
-                  </a:schemeClr>
-                </a:solidFill>
-                <a:effectLst/>
-                <a:latin typeface="Consolas" panose="020B0609020204030204" pitchFamily="49" charset="0"/>
-              </a:rPr>
-              <a:t>!]</a:t>
-            </a:r>
-          </a:p>
-          <a:p>
-            <a:pPr marL="0" indent="0">
-              <a:buNone/>
-            </a:pPr>
-            <a:r>
-              <a:rPr lang="de-DE" sz="1000" b="0" dirty="0">
-                <a:solidFill>
-                  <a:schemeClr val="tx1">
-                    <a:lumMod val="65000"/>
-                    <a:lumOff val="35000"/>
-                  </a:schemeClr>
-                </a:solidFill>
-                <a:effectLst/>
-                <a:latin typeface="Consolas" panose="020B0609020204030204" pitchFamily="49" charset="0"/>
-              </a:rPr>
-              <a:t>   </a:t>
-            </a:r>
-            <a:r>
-              <a:rPr lang="de-DE" sz="1000" b="0" dirty="0" err="1">
-                <a:solidFill>
-                  <a:schemeClr val="tx1">
-                    <a:lumMod val="65000"/>
-                    <a:lumOff val="35000"/>
-                  </a:schemeClr>
-                </a:solidFill>
-                <a:effectLst/>
-                <a:latin typeface="Consolas" panose="020B0609020204030204" pitchFamily="49" charset="0"/>
-              </a:rPr>
-              <a:t>getPost</a:t>
-            </a:r>
-            <a:r>
-              <a:rPr lang="de-DE" sz="1000" b="0" dirty="0">
-                <a:solidFill>
-                  <a:schemeClr val="tx1">
-                    <a:lumMod val="65000"/>
-                    <a:lumOff val="35000"/>
-                  </a:schemeClr>
-                </a:solidFill>
-                <a:effectLst/>
-                <a:latin typeface="Consolas" panose="020B0609020204030204" pitchFamily="49" charset="0"/>
-              </a:rPr>
-              <a:t>(title: String!): [Post!]</a:t>
-            </a:r>
-          </a:p>
-          <a:p>
-            <a:pPr marL="0" indent="0">
-              <a:buNone/>
-            </a:pPr>
-            <a:r>
-              <a:rPr lang="de-DE" sz="1000" b="0" dirty="0">
-                <a:solidFill>
-                  <a:schemeClr val="tx1">
-                    <a:lumMod val="65000"/>
-                    <a:lumOff val="35000"/>
-                  </a:schemeClr>
-                </a:solidFill>
-                <a:effectLst/>
-                <a:latin typeface="Consolas" panose="020B0609020204030204" pitchFamily="49" charset="0"/>
-              </a:rPr>
-              <a:t>}</a:t>
-            </a:r>
-          </a:p>
-          <a:p>
-            <a:pPr marL="0" indent="0">
-              <a:buNone/>
-            </a:pPr>
-            <a:r>
-              <a:rPr lang="de-DE" sz="1000" b="0" dirty="0" err="1">
-                <a:solidFill>
-                  <a:schemeClr val="accent4">
-                    <a:lumMod val="60000"/>
-                    <a:lumOff val="40000"/>
-                  </a:schemeClr>
-                </a:solidFill>
-                <a:effectLst/>
-                <a:latin typeface="Consolas" panose="020B0609020204030204" pitchFamily="49" charset="0"/>
-              </a:rPr>
-              <a:t>schema</a:t>
-            </a:r>
-            <a:r>
-              <a:rPr lang="de-DE" sz="1000" b="0" dirty="0">
-                <a:solidFill>
-                  <a:srgbClr val="D4D4D4"/>
-                </a:solidFill>
-                <a:effectLst/>
-                <a:latin typeface="Consolas" panose="020B0609020204030204" pitchFamily="49" charset="0"/>
-              </a:rPr>
-              <a:t> </a:t>
-            </a:r>
-            <a:r>
-              <a:rPr lang="de-DE" sz="1000" b="0" dirty="0">
-                <a:solidFill>
-                  <a:schemeClr val="tx1">
-                    <a:lumMod val="65000"/>
-                    <a:lumOff val="35000"/>
-                  </a:schemeClr>
-                </a:solidFill>
-                <a:effectLst/>
-                <a:latin typeface="Consolas" panose="020B0609020204030204" pitchFamily="49" charset="0"/>
-              </a:rPr>
-              <a:t>{</a:t>
-            </a:r>
-          </a:p>
-          <a:p>
-            <a:pPr marL="0" indent="0">
-              <a:buNone/>
-            </a:pPr>
-            <a:r>
-              <a:rPr lang="de-DE" sz="1000" b="0" dirty="0">
-                <a:solidFill>
-                  <a:schemeClr val="tx1">
-                    <a:lumMod val="65000"/>
-                    <a:lumOff val="35000"/>
-                  </a:schemeClr>
-                </a:solidFill>
-                <a:effectLst/>
-                <a:latin typeface="Consolas" panose="020B0609020204030204" pitchFamily="49" charset="0"/>
-              </a:rPr>
-              <a:t>   </a:t>
-            </a:r>
-            <a:r>
-              <a:rPr lang="de-DE" sz="1000" b="0" dirty="0" err="1">
-                <a:solidFill>
-                  <a:schemeClr val="tx1">
-                    <a:lumMod val="65000"/>
-                    <a:lumOff val="35000"/>
-                  </a:schemeClr>
-                </a:solidFill>
-                <a:effectLst/>
-                <a:latin typeface="Consolas" panose="020B0609020204030204" pitchFamily="49" charset="0"/>
-              </a:rPr>
-              <a:t>query</a:t>
-            </a:r>
-            <a:r>
-              <a:rPr lang="de-DE" sz="1000" b="0" dirty="0">
-                <a:solidFill>
-                  <a:schemeClr val="tx1">
-                    <a:lumMod val="65000"/>
-                    <a:lumOff val="35000"/>
-                  </a:schemeClr>
-                </a:solidFill>
-                <a:effectLst/>
-                <a:latin typeface="Consolas" panose="020B0609020204030204" pitchFamily="49" charset="0"/>
-              </a:rPr>
-              <a:t>: Query</a:t>
-            </a:r>
-          </a:p>
-          <a:p>
-            <a:pPr marL="0" indent="0">
-              <a:buNone/>
-            </a:pPr>
-            <a:r>
-              <a:rPr lang="de-DE" sz="1000" b="0" dirty="0">
-                <a:solidFill>
-                  <a:schemeClr val="tx1">
-                    <a:lumMod val="65000"/>
-                    <a:lumOff val="35000"/>
-                  </a:schemeClr>
-                </a:solidFill>
-                <a:effectLst/>
-                <a:latin typeface="Consolas" panose="020B0609020204030204" pitchFamily="49" charset="0"/>
-              </a:rPr>
-              <a:t>}</a:t>
-            </a:r>
-          </a:p>
-        </p:txBody>
-      </p:sp>
-      <p:sp>
-        <p:nvSpPr>
-          <p:cNvPr id="14" name="Text Placeholder 13">
-            <a:extLst>
-              <a:ext uri="{FF2B5EF4-FFF2-40B4-BE49-F238E27FC236}">
-                <a16:creationId xmlns:a16="http://schemas.microsoft.com/office/drawing/2014/main" id="{05D02921-4F31-4087-8413-D4176A1E3606}"/>
-              </a:ext>
-            </a:extLst>
-          </p:cNvPr>
-          <p:cNvSpPr>
-            <a:spLocks noGrp="1"/>
-          </p:cNvSpPr>
-          <p:nvPr>
-            <p:ph type="body" sz="half" idx="2"/>
-          </p:nvPr>
-        </p:nvSpPr>
-        <p:spPr/>
-        <p:txBody>
-          <a:bodyPr/>
-          <a:lstStyle/>
-          <a:p>
-            <a:endParaRPr lang="de-DE" dirty="0"/>
-          </a:p>
-        </p:txBody>
-      </p:sp>
+      <p:pic>
+        <p:nvPicPr>
+          <p:cNvPr id="5" name="Picture 4">
+            <a:extLst>
+              <a:ext uri="{FF2B5EF4-FFF2-40B4-BE49-F238E27FC236}">
+                <a16:creationId xmlns:a16="http://schemas.microsoft.com/office/drawing/2014/main" id="{D709907C-A476-4CE1-9540-BDF8C00C3197}"/>
+              </a:ext>
+            </a:extLst>
+          </p:cNvPr>
+          <p:cNvPicPr>
+            <a:picLocks noChangeAspect="1"/>
+          </p:cNvPicPr>
+          <p:nvPr/>
+        </p:nvPicPr>
+        <p:blipFill>
+          <a:blip r:embed="rId2"/>
+          <a:stretch>
+            <a:fillRect/>
+          </a:stretch>
+        </p:blipFill>
+        <p:spPr>
+          <a:xfrm>
+            <a:off x="1243533" y="0"/>
+            <a:ext cx="9704934" cy="6858000"/>
+          </a:xfrm>
+          <a:prstGeom prst="rect">
+            <a:avLst/>
+          </a:prstGeom>
+        </p:spPr>
+      </p:pic>
     </p:spTree>
     <p:extLst>
       <p:ext uri="{BB962C8B-B14F-4D97-AF65-F5344CB8AC3E}">
-        <p14:creationId xmlns:p14="http://schemas.microsoft.com/office/powerpoint/2010/main" val="1808090944"/>
+        <p14:creationId xmlns:p14="http://schemas.microsoft.com/office/powerpoint/2010/main" val="3219968713"/>
       </p:ext>
     </p:extLst>
   </p:cSld>
@@ -9668,10 +10861,10 @@
       </p:grpSpPr>
       <p:sp>
         <p:nvSpPr>
-          <p:cNvPr id="4" name="Title 3">
-            <a:extLst>
-              <a:ext uri="{FF2B5EF4-FFF2-40B4-BE49-F238E27FC236}">
-                <a16:creationId xmlns:a16="http://schemas.microsoft.com/office/drawing/2014/main" id="{0A97273D-B875-4B60-975A-686EBECABD4E}"/>
+          <p:cNvPr id="2" name="Title 1">
+            <a:extLst>
+              <a:ext uri="{FF2B5EF4-FFF2-40B4-BE49-F238E27FC236}">
+                <a16:creationId xmlns:a16="http://schemas.microsoft.com/office/drawing/2014/main" id="{3DF25F09-482F-4BEB-A9B0-F36E302ED099}"/>
               </a:ext>
             </a:extLst>
           </p:cNvPr>
@@ -9688,81 +10881,123 @@
           <a:lstStyle/>
           <a:p>
             <a:r>
-              <a:rPr lang="de-DE" dirty="0"/>
-              <a:t>The Schema – Syntax-Cheat-Sheet</a:t>
-            </a:r>
-          </a:p>
-        </p:txBody>
-      </p:sp>
-      <p:pic>
-        <p:nvPicPr>
-          <p:cNvPr id="7" name="Content Placeholder 6">
-            <a:extLst>
-              <a:ext uri="{FF2B5EF4-FFF2-40B4-BE49-F238E27FC236}">
-                <a16:creationId xmlns:a16="http://schemas.microsoft.com/office/drawing/2014/main" id="{1A2C3A25-AFA4-4963-BDC2-C03F54CA56CB}"/>
-              </a:ext>
-            </a:extLst>
-          </p:cNvPr>
-          <p:cNvPicPr>
-            <a:picLocks noGrp="1" noChangeAspect="1"/>
-          </p:cNvPicPr>
+              <a:rPr lang="de-DE" dirty="0" err="1"/>
+              <a:t>Defining</a:t>
+            </a:r>
+            <a:r>
+              <a:rPr lang="de-DE" dirty="0"/>
+              <a:t> a GraphQL-Service</a:t>
+            </a:r>
+          </a:p>
+        </p:txBody>
+      </p:sp>
+      <p:sp>
+        <p:nvSpPr>
+          <p:cNvPr id="3" name="Content Placeholder 2">
+            <a:extLst>
+              <a:ext uri="{FF2B5EF4-FFF2-40B4-BE49-F238E27FC236}">
+                <a16:creationId xmlns:a16="http://schemas.microsoft.com/office/drawing/2014/main" id="{0B9111FA-9174-4DDF-A91F-8316FB89563E}"/>
+              </a:ext>
+            </a:extLst>
+          </p:cNvPr>
+          <p:cNvSpPr>
+            <a:spLocks noGrp="1"/>
+          </p:cNvSpPr>
           <p:nvPr>
             <p:ph idx="1"/>
           </p:nvPr>
-        </p:nvPicPr>
-        <p:blipFill>
-          <a:blip r:embed="rId2"/>
-          <a:stretch>
-            <a:fillRect/>
-          </a:stretch>
-        </p:blipFill>
-        <p:spPr>
-          <a:xfrm>
-            <a:off x="2641760" y="1560352"/>
-            <a:ext cx="7030746" cy="4968284"/>
-          </a:xfrm>
-        </p:spPr>
-      </p:pic>
-      <p:sp>
-        <p:nvSpPr>
-          <p:cNvPr id="2" name="TextBox 1">
-            <a:extLst>
-              <a:ext uri="{FF2B5EF4-FFF2-40B4-BE49-F238E27FC236}">
-                <a16:creationId xmlns:a16="http://schemas.microsoft.com/office/drawing/2014/main" id="{0D7BB3FB-77CA-4ED0-933A-957AB532F79E}"/>
-              </a:ext>
-            </a:extLst>
-          </p:cNvPr>
-          <p:cNvSpPr txBox="1"/>
-          <p:nvPr/>
-        </p:nvSpPr>
-        <p:spPr>
-          <a:xfrm>
-            <a:off x="2641760" y="6528636"/>
-            <a:ext cx="7030747" cy="261610"/>
-          </a:xfrm>
-          <a:prstGeom prst="rect">
-            <a:avLst/>
-          </a:prstGeom>
-          <a:noFill/>
-        </p:spPr>
-        <p:txBody>
-          <a:bodyPr wrap="square" rtlCol="0">
-            <a:spAutoFit/>
-          </a:bodyPr>
+        </p:nvSpPr>
+        <p:spPr/>
+        <p:txBody>
+          <a:bodyPr/>
           <a:lstStyle/>
           <a:p>
-            <a:pPr algn="r"/>
-            <a:r>
-              <a:rPr lang="de-DE" sz="1100" dirty="0"/>
-              <a:t>https://cdn-images-1.medium.com/max/2000/1*HaEeoGrja2IGUxzvmj5Vnw.png</a:t>
-            </a:r>
+            <a:r>
+              <a:rPr lang="de-DE" dirty="0"/>
+              <a:t>The </a:t>
+            </a:r>
+            <a:r>
+              <a:rPr lang="de-DE" dirty="0" err="1"/>
+              <a:t>main</a:t>
+            </a:r>
+            <a:r>
+              <a:rPr lang="de-DE" dirty="0"/>
+              <a:t> </a:t>
+            </a:r>
+            <a:r>
+              <a:rPr lang="de-DE" dirty="0" err="1"/>
+              <a:t>parts</a:t>
+            </a:r>
+            <a:r>
+              <a:rPr lang="de-DE" dirty="0"/>
+              <a:t> </a:t>
+            </a:r>
+            <a:r>
+              <a:rPr lang="de-DE" dirty="0" err="1"/>
+              <a:t>of</a:t>
+            </a:r>
+            <a:r>
+              <a:rPr lang="de-DE" dirty="0"/>
+              <a:t> </a:t>
+            </a:r>
+            <a:r>
+              <a:rPr lang="de-DE" dirty="0" err="1"/>
+              <a:t>every</a:t>
+            </a:r>
+            <a:r>
+              <a:rPr lang="de-DE" dirty="0"/>
+              <a:t> GraphQL-Service </a:t>
+            </a:r>
+            <a:r>
+              <a:rPr lang="de-DE" dirty="0" err="1"/>
+              <a:t>are</a:t>
+            </a:r>
+            <a:r>
+              <a:rPr lang="de-DE" dirty="0"/>
+              <a:t>: </a:t>
+            </a:r>
+          </a:p>
+          <a:p>
+            <a:pPr lvl="1"/>
+            <a:r>
+              <a:rPr lang="de-DE" dirty="0" err="1"/>
+              <a:t>the</a:t>
+            </a:r>
+            <a:r>
+              <a:rPr lang="de-DE" dirty="0"/>
+              <a:t> </a:t>
+            </a:r>
+            <a:r>
+              <a:rPr lang="de-DE" dirty="0" err="1"/>
+              <a:t>schema</a:t>
+            </a:r>
+            <a:r>
+              <a:rPr lang="de-DE" dirty="0"/>
+              <a:t> </a:t>
+            </a:r>
+          </a:p>
+          <a:p>
+            <a:pPr lvl="1"/>
+            <a:r>
+              <a:rPr lang="de-DE" dirty="0" err="1"/>
+              <a:t>the</a:t>
+            </a:r>
+            <a:r>
+              <a:rPr lang="de-DE" dirty="0"/>
+              <a:t> </a:t>
+            </a:r>
+            <a:r>
+              <a:rPr lang="de-DE" dirty="0" err="1"/>
+              <a:t>resolvers</a:t>
+            </a:r>
+            <a:endParaRPr lang="de-DE" dirty="0"/>
           </a:p>
         </p:txBody>
       </p:sp>
     </p:spTree>
     <p:extLst>
       <p:ext uri="{BB962C8B-B14F-4D97-AF65-F5344CB8AC3E}">
-        <p14:creationId xmlns:p14="http://schemas.microsoft.com/office/powerpoint/2010/main" val="1523763258"/>
+        <p14:creationId xmlns:p14="http://schemas.microsoft.com/office/powerpoint/2010/main" val="962269378"/>
       </p:ext>
     </p:extLst>
   </p:cSld>

--- a/slides.pptx
+++ b/slides.pptx
@@ -346,7 +346,7 @@
           <a:p>
             <a:fld id="{1CD59365-9390-448B-903E-53945CFD64CE}" type="datetimeFigureOut">
               <a:rPr lang="de-DE" smtClean="0"/>
-              <a:t>03.05.2018</a:t>
+              <a:t>04.05.2018</a:t>
             </a:fld>
             <a:endParaRPr lang="de-DE"/>
           </a:p>
@@ -558,7 +558,7 @@
           <a:p>
             <a:fld id="{D7791AF5-2225-4A4D-834B-215359DFD297}" type="datetimeFigureOut">
               <a:rPr lang="de-DE" smtClean="0"/>
-              <a:t>03.05.2018</a:t>
+              <a:t>04.05.2018</a:t>
             </a:fld>
             <a:endParaRPr lang="de-DE"/>
           </a:p>
@@ -780,7 +780,7 @@
           <a:p>
             <a:fld id="{D7791AF5-2225-4A4D-834B-215359DFD297}" type="datetimeFigureOut">
               <a:rPr lang="de-DE" smtClean="0"/>
-              <a:t>03.05.2018</a:t>
+              <a:t>04.05.2018</a:t>
             </a:fld>
             <a:endParaRPr lang="de-DE"/>
           </a:p>
@@ -992,7 +992,7 @@
           <a:p>
             <a:fld id="{D7791AF5-2225-4A4D-834B-215359DFD297}" type="datetimeFigureOut">
               <a:rPr lang="de-DE" smtClean="0"/>
-              <a:t>03.05.2018</a:t>
+              <a:t>04.05.2018</a:t>
             </a:fld>
             <a:endParaRPr lang="de-DE"/>
           </a:p>
@@ -1280,7 +1280,7 @@
           <a:p>
             <a:fld id="{D7791AF5-2225-4A4D-834B-215359DFD297}" type="datetimeFigureOut">
               <a:rPr lang="de-DE" smtClean="0"/>
-              <a:t>03.05.2018</a:t>
+              <a:t>04.05.2018</a:t>
             </a:fld>
             <a:endParaRPr lang="de-DE"/>
           </a:p>
@@ -1560,7 +1560,7 @@
           <a:p>
             <a:fld id="{D7791AF5-2225-4A4D-834B-215359DFD297}" type="datetimeFigureOut">
               <a:rPr lang="de-DE" smtClean="0"/>
-              <a:t>03.05.2018</a:t>
+              <a:t>04.05.2018</a:t>
             </a:fld>
             <a:endParaRPr lang="de-DE"/>
           </a:p>
@@ -1987,7 +1987,7 @@
           <a:p>
             <a:fld id="{D7791AF5-2225-4A4D-834B-215359DFD297}" type="datetimeFigureOut">
               <a:rPr lang="de-DE" smtClean="0"/>
-              <a:t>03.05.2018</a:t>
+              <a:t>04.05.2018</a:t>
             </a:fld>
             <a:endParaRPr lang="de-DE"/>
           </a:p>
@@ -2141,7 +2141,7 @@
           <a:p>
             <a:fld id="{D7791AF5-2225-4A4D-834B-215359DFD297}" type="datetimeFigureOut">
               <a:rPr lang="de-DE" smtClean="0"/>
-              <a:t>03.05.2018</a:t>
+              <a:t>04.05.2018</a:t>
             </a:fld>
             <a:endParaRPr lang="de-DE"/>
           </a:p>
@@ -2266,7 +2266,7 @@
           <a:p>
             <a:fld id="{D7791AF5-2225-4A4D-834B-215359DFD297}" type="datetimeFigureOut">
               <a:rPr lang="de-DE" smtClean="0"/>
-              <a:t>03.05.2018</a:t>
+              <a:t>04.05.2018</a:t>
             </a:fld>
             <a:endParaRPr lang="de-DE"/>
           </a:p>
@@ -2591,7 +2591,7 @@
           <a:p>
             <a:fld id="{D7791AF5-2225-4A4D-834B-215359DFD297}" type="datetimeFigureOut">
               <a:rPr lang="de-DE" smtClean="0"/>
-              <a:t>03.05.2018</a:t>
+              <a:t>04.05.2018</a:t>
             </a:fld>
             <a:endParaRPr lang="de-DE"/>
           </a:p>
@@ -2892,7 +2892,7 @@
           <a:p>
             <a:fld id="{D7791AF5-2225-4A4D-834B-215359DFD297}" type="datetimeFigureOut">
               <a:rPr lang="de-DE" smtClean="0"/>
-              <a:t>03.05.2018</a:t>
+              <a:t>04.05.2018</a:t>
             </a:fld>
             <a:endParaRPr lang="de-DE"/>
           </a:p>
@@ -3146,7 +3146,7 @@
             <a:fld id="{D7791AF5-2225-4A4D-834B-215359DFD297}" type="datetimeFigureOut">
               <a:rPr lang="de-DE" smtClean="0"/>
               <a:pPr/>
-              <a:t>03.05.2018</a:t>
+              <a:t>04.05.2018</a:t>
             </a:fld>
             <a:endParaRPr lang="de-DE"/>
           </a:p>
@@ -5213,6 +5213,24 @@
             <a:r>
               <a:rPr lang="en-US" sz="1800" dirty="0" err="1">
                 <a:solidFill>
+                  <a:srgbClr val="CC0000"/>
+                </a:solidFill>
+                <a:latin typeface="Consolas" panose="020B0609020204030204" pitchFamily="49" charset="0"/>
+              </a:rPr>
+              <a:t>async</a:t>
+            </a:r>
+            <a:r>
+              <a:rPr lang="en-US" sz="1800" dirty="0">
+                <a:solidFill>
+                  <a:srgbClr val="CC0000"/>
+                </a:solidFill>
+                <a:latin typeface="Consolas" panose="020B0609020204030204" pitchFamily="49" charset="0"/>
+              </a:rPr>
+              <a:t> function </a:t>
+            </a:r>
+            <a:r>
+              <a:rPr lang="en-US" sz="1800" dirty="0">
+                <a:solidFill>
                   <a:schemeClr val="tx1">
                     <a:lumMod val="65000"/>
                     <a:lumOff val="35000"/>
@@ -5220,8 +5238,13 @@
                 </a:solidFill>
                 <a:latin typeface="Consolas" panose="020B0609020204030204" pitchFamily="49" charset="0"/>
               </a:rPr>
-              <a:t>getAuthor</a:t>
-            </a:r>
+              <a:t>(parent, { id }, context){</a:t>
+            </a:r>
+          </a:p>
+          <a:p>
+            <a:pPr marL="0" indent="0">
+              <a:buNone/>
+            </a:pPr>
             <a:r>
               <a:rPr lang="en-US" sz="1800" dirty="0">
                 <a:solidFill>
@@ -5232,10 +5255,19 @@
                 </a:solidFill>
                 <a:latin typeface="Consolas" panose="020B0609020204030204" pitchFamily="49" charset="0"/>
               </a:rPr>
-              <a:t>(_, </a:t>
-            </a:r>
-            <a:r>
-              <a:rPr lang="en-US" sz="1800" dirty="0" err="1">
+              <a:t>   </a:t>
+            </a:r>
+            <a:r>
+              <a:rPr lang="en-US" sz="1800" dirty="0">
+                <a:solidFill>
+                  <a:srgbClr val="CC0000"/>
+                </a:solidFill>
+                <a:latin typeface="Consolas" panose="020B0609020204030204" pitchFamily="49" charset="0"/>
+              </a:rPr>
+              <a:t>return</a:t>
+            </a:r>
+            <a:r>
+              <a:rPr lang="en-US" sz="1800" dirty="0">
                 <a:solidFill>
                   <a:schemeClr val="tx1">
                     <a:lumMod val="65000"/>
@@ -5244,10 +5276,10 @@
                 </a:solidFill>
                 <a:latin typeface="Consolas" panose="020B0609020204030204" pitchFamily="49" charset="0"/>
               </a:rPr>
-              <a:t>args</a:t>
-            </a:r>
-            <a:r>
-              <a:rPr lang="en-US" sz="1800" dirty="0">
+              <a:t> </a:t>
+            </a:r>
+            <a:r>
+              <a:rPr lang="en-US" sz="1800" dirty="0" err="1">
                 <a:solidFill>
                   <a:schemeClr val="tx1">
                     <a:lumMod val="65000"/>
@@ -5256,13 +5288,8 @@
                 </a:solidFill>
                 <a:latin typeface="Consolas" panose="020B0609020204030204" pitchFamily="49" charset="0"/>
               </a:rPr>
-              <a:t>){</a:t>
-            </a:r>
-          </a:p>
-          <a:p>
-            <a:pPr marL="0" indent="0">
-              <a:buNone/>
-            </a:pPr>
+              <a:t>context.sql.raw</a:t>
+            </a:r>
             <a:r>
               <a:rPr lang="en-US" sz="1800" dirty="0">
                 <a:solidFill>
@@ -5273,31 +5300,7 @@
                 </a:solidFill>
                 <a:latin typeface="Consolas" panose="020B0609020204030204" pitchFamily="49" charset="0"/>
               </a:rPr>
-              <a:t>   return </a:t>
-            </a:r>
-            <a:r>
-              <a:rPr lang="en-US" sz="1800" dirty="0" err="1">
-                <a:solidFill>
-                  <a:schemeClr val="tx1">
-                    <a:lumMod val="65000"/>
-                    <a:lumOff val="35000"/>
-                  </a:schemeClr>
-                </a:solidFill>
-                <a:latin typeface="Consolas" panose="020B0609020204030204" pitchFamily="49" charset="0"/>
-              </a:rPr>
-              <a:t>sql.raw</a:t>
-            </a:r>
-            <a:r>
-              <a:rPr lang="en-US" sz="1800" dirty="0">
-                <a:solidFill>
-                  <a:schemeClr val="tx1">
-                    <a:lumMod val="65000"/>
-                    <a:lumOff val="35000"/>
-                  </a:schemeClr>
-                </a:solidFill>
-                <a:latin typeface="Consolas" panose="020B0609020204030204" pitchFamily="49" charset="0"/>
-              </a:rPr>
-              <a:t>('SELECT * FROM authors WHERE id = %s', args.id);</a:t>
+              <a:t>('SELECT * FROM authors WHERE id = %s’, id);</a:t>
             </a:r>
           </a:p>
           <a:p>
@@ -5336,6 +5339,24 @@
               <a:buNone/>
             </a:pPr>
             <a:r>
+              <a:rPr lang="en-US" sz="1800" dirty="0" err="1">
+                <a:solidFill>
+                  <a:srgbClr val="CC0000"/>
+                </a:solidFill>
+                <a:latin typeface="Consolas" panose="020B0609020204030204" pitchFamily="49" charset="0"/>
+              </a:rPr>
+              <a:t>async</a:t>
+            </a:r>
+            <a:r>
+              <a:rPr lang="en-US" sz="1800" dirty="0">
+                <a:solidFill>
+                  <a:srgbClr val="CC0000"/>
+                </a:solidFill>
+                <a:latin typeface="Consolas" panose="020B0609020204030204" pitchFamily="49" charset="0"/>
+              </a:rPr>
+              <a:t> function </a:t>
+            </a:r>
+            <a:r>
               <a:rPr lang="en-US" sz="1800" dirty="0">
                 <a:solidFill>
                   <a:schemeClr val="tx1">
@@ -5345,7 +5366,7 @@
                 </a:solidFill>
                 <a:latin typeface="Consolas" panose="020B0609020204030204" pitchFamily="49" charset="0"/>
               </a:rPr>
-              <a:t>posts(author){</a:t>
+              <a:t>(parent, { author }, context){</a:t>
             </a:r>
           </a:p>
           <a:p>
@@ -5362,7 +5383,28 @@
                 </a:solidFill>
                 <a:latin typeface="Consolas" panose="020B0609020204030204" pitchFamily="49" charset="0"/>
               </a:rPr>
-              <a:t>   return request(`https://api.blog.io/</a:t>
+              <a:t>   </a:t>
+            </a:r>
+            <a:r>
+              <a:rPr lang="en-US" sz="1800" dirty="0">
+                <a:solidFill>
+                  <a:srgbClr val="CC0000"/>
+                </a:solidFill>
+                <a:latin typeface="Consolas" panose="020B0609020204030204" pitchFamily="49" charset="0"/>
+              </a:rPr>
+              <a:t>return</a:t>
+            </a:r>
+            <a:r>
+              <a:rPr lang="en-US" sz="1800" dirty="0">
+                <a:solidFill>
+                  <a:schemeClr val="tx1">
+                    <a:lumMod val="65000"/>
+                    <a:lumOff val="35000"/>
+                  </a:schemeClr>
+                </a:solidFill>
+                <a:latin typeface="Consolas" panose="020B0609020204030204" pitchFamily="49" charset="0"/>
+              </a:rPr>
+              <a:t> request(`https://api.blog.io/</a:t>
             </a:r>
             <a:r>
               <a:rPr lang="en-US" sz="1800" dirty="0" err="1">
@@ -7308,7 +7350,7 @@
                 </a:solidFill>
                 <a:latin typeface="Consolas" panose="020B0609020204030204" pitchFamily="49" charset="0"/>
               </a:rPr>
-              <a:t>GET \</a:t>
+              <a:t>GET /</a:t>
             </a:r>
             <a:r>
               <a:rPr lang="de-DE" sz="1800" dirty="0" err="1">
@@ -7330,7 +7372,7 @@
                 </a:solidFill>
                 <a:latin typeface="Consolas" panose="020B0609020204030204" pitchFamily="49" charset="0"/>
               </a:rPr>
-              <a:t>\</a:t>
+              <a:t>/</a:t>
             </a:r>
             <a:r>
               <a:rPr lang="de-DE" sz="1800" dirty="0" err="1">
@@ -7352,7 +7394,7 @@
                 </a:solidFill>
                 <a:latin typeface="Consolas" panose="020B0609020204030204" pitchFamily="49" charset="0"/>
               </a:rPr>
-              <a:t>\</a:t>
+              <a:t>/</a:t>
             </a:r>
             <a:r>
               <a:rPr lang="de-DE" sz="1800" dirty="0" err="1">
@@ -7374,7 +7416,7 @@
                 </a:solidFill>
                 <a:latin typeface="Consolas" panose="020B0609020204030204" pitchFamily="49" charset="0"/>
               </a:rPr>
-              <a:t>\</a:t>
+              <a:t>/</a:t>
             </a:r>
             <a:r>
               <a:rPr lang="de-DE" sz="1800" dirty="0" err="1">
@@ -7488,7 +7530,7 @@
                 </a:solidFill>
                 <a:latin typeface="Consolas" panose="020B0609020204030204" pitchFamily="49" charset="0"/>
               </a:rPr>
-              <a:t>POST \</a:t>
+              <a:t>POST /</a:t>
             </a:r>
             <a:r>
               <a:rPr lang="de-DE" sz="1800" dirty="0" err="1">
@@ -7510,7 +7552,7 @@
                 </a:solidFill>
                 <a:latin typeface="Consolas" panose="020B0609020204030204" pitchFamily="49" charset="0"/>
               </a:rPr>
-              <a:t>\</a:t>
+              <a:t>/</a:t>
             </a:r>
             <a:r>
               <a:rPr lang="de-DE" sz="1800" dirty="0" err="1">
@@ -7532,7 +7574,7 @@
                 </a:solidFill>
                 <a:latin typeface="Consolas" panose="020B0609020204030204" pitchFamily="49" charset="0"/>
               </a:rPr>
-              <a:t>\</a:t>
+              <a:t>/</a:t>
             </a:r>
             <a:r>
               <a:rPr lang="de-DE" sz="1800" dirty="0" err="1">
@@ -7554,7 +7596,7 @@
                 </a:solidFill>
                 <a:latin typeface="Consolas" panose="020B0609020204030204" pitchFamily="49" charset="0"/>
               </a:rPr>
-              <a:t>\</a:t>
+              <a:t>/</a:t>
             </a:r>
             <a:r>
               <a:rPr lang="de-DE" sz="1800" dirty="0" err="1">

--- a/slides.pptx
+++ b/slides.pptx
@@ -901,7 +901,14 @@
         <p:spPr/>
         <p:txBody>
           <a:bodyPr/>
-          <a:lstStyle/>
+          <a:lstStyle>
+            <a:lvl1pPr>
+              <a:defRPr>
+                <a:latin typeface="Roboto Thin" panose="02000000000000000000" pitchFamily="2" charset="0"/>
+                <a:ea typeface="Roboto Thin" panose="02000000000000000000" pitchFamily="2" charset="0"/>
+              </a:defRPr>
+            </a:lvl1pPr>
+          </a:lstStyle>
           <a:p>
             <a:r>
               <a:rPr lang="en-US"/>
@@ -930,7 +937,38 @@
         <p:spPr/>
         <p:txBody>
           <a:bodyPr/>
-          <a:lstStyle/>
+          <a:lstStyle>
+            <a:lvl1pPr>
+              <a:defRPr>
+                <a:latin typeface="Roboto Light" panose="02000000000000000000" pitchFamily="2" charset="0"/>
+                <a:ea typeface="Roboto Light" panose="02000000000000000000" pitchFamily="2" charset="0"/>
+              </a:defRPr>
+            </a:lvl1pPr>
+            <a:lvl2pPr>
+              <a:defRPr>
+                <a:latin typeface="Roboto Light" panose="02000000000000000000" pitchFamily="2" charset="0"/>
+                <a:ea typeface="Roboto Light" panose="02000000000000000000" pitchFamily="2" charset="0"/>
+              </a:defRPr>
+            </a:lvl2pPr>
+            <a:lvl3pPr>
+              <a:defRPr>
+                <a:latin typeface="Roboto Light" panose="02000000000000000000" pitchFamily="2" charset="0"/>
+                <a:ea typeface="Roboto Light" panose="02000000000000000000" pitchFamily="2" charset="0"/>
+              </a:defRPr>
+            </a:lvl3pPr>
+            <a:lvl4pPr>
+              <a:defRPr>
+                <a:latin typeface="Roboto Light" panose="02000000000000000000" pitchFamily="2" charset="0"/>
+                <a:ea typeface="Roboto Light" panose="02000000000000000000" pitchFamily="2" charset="0"/>
+              </a:defRPr>
+            </a:lvl4pPr>
+            <a:lvl5pPr>
+              <a:defRPr>
+                <a:latin typeface="Roboto Light" panose="02000000000000000000" pitchFamily="2" charset="0"/>
+                <a:ea typeface="Roboto Light" panose="02000000000000000000" pitchFamily="2" charset="0"/>
+              </a:defRPr>
+            </a:lvl5pPr>
+          </a:lstStyle>
           <a:p>
             <a:pPr lvl="0"/>
             <a:r>
@@ -3286,8 +3324,8 @@
           <a:solidFill>
             <a:srgbClr val="E10098"/>
           </a:solidFill>
-          <a:latin typeface="+mj-lt"/>
-          <a:ea typeface="+mj-ea"/>
+          <a:latin typeface="Roboto Thin" panose="02000000000000000000" pitchFamily="2" charset="0"/>
+          <a:ea typeface="Roboto Thin" panose="02000000000000000000" pitchFamily="2" charset="0"/>
           <a:cs typeface="+mj-cs"/>
         </a:defRPr>
       </a:lvl1pPr>
@@ -3306,8 +3344,8 @@
           <a:solidFill>
             <a:srgbClr val="E10098"/>
           </a:solidFill>
-          <a:latin typeface="+mn-lt"/>
-          <a:ea typeface="+mn-ea"/>
+          <a:latin typeface="Roboto Light" panose="02000000000000000000" pitchFamily="2" charset="0"/>
+          <a:ea typeface="Roboto Light" panose="02000000000000000000" pitchFamily="2" charset="0"/>
           <a:cs typeface="+mn-cs"/>
         </a:defRPr>
       </a:lvl1pPr>
@@ -3324,8 +3362,8 @@
           <a:solidFill>
             <a:srgbClr val="E10098"/>
           </a:solidFill>
-          <a:latin typeface="+mn-lt"/>
-          <a:ea typeface="+mn-ea"/>
+          <a:latin typeface="Roboto Light" panose="02000000000000000000" pitchFamily="2" charset="0"/>
+          <a:ea typeface="Roboto Light" panose="02000000000000000000" pitchFamily="2" charset="0"/>
           <a:cs typeface="+mn-cs"/>
         </a:defRPr>
       </a:lvl2pPr>
@@ -3342,8 +3380,8 @@
           <a:solidFill>
             <a:srgbClr val="E10098"/>
           </a:solidFill>
-          <a:latin typeface="+mn-lt"/>
-          <a:ea typeface="+mn-ea"/>
+          <a:latin typeface="Roboto Light" panose="02000000000000000000" pitchFamily="2" charset="0"/>
+          <a:ea typeface="Roboto Light" panose="02000000000000000000" pitchFamily="2" charset="0"/>
           <a:cs typeface="+mn-cs"/>
         </a:defRPr>
       </a:lvl3pPr>
@@ -3360,8 +3398,8 @@
           <a:solidFill>
             <a:srgbClr val="E10098"/>
           </a:solidFill>
-          <a:latin typeface="+mn-lt"/>
-          <a:ea typeface="+mn-ea"/>
+          <a:latin typeface="Roboto Light" panose="02000000000000000000" pitchFamily="2" charset="0"/>
+          <a:ea typeface="Roboto Light" panose="02000000000000000000" pitchFamily="2" charset="0"/>
           <a:cs typeface="+mn-cs"/>
         </a:defRPr>
       </a:lvl4pPr>
@@ -3378,8 +3416,8 @@
           <a:solidFill>
             <a:srgbClr val="E10098"/>
           </a:solidFill>
-          <a:latin typeface="+mn-lt"/>
-          <a:ea typeface="+mn-ea"/>
+          <a:latin typeface="Roboto Light" panose="02000000000000000000" pitchFamily="2" charset="0"/>
+          <a:ea typeface="Roboto Light" panose="02000000000000000000" pitchFamily="2" charset="0"/>
           <a:cs typeface="+mn-cs"/>
         </a:defRPr>
       </a:lvl5pPr>
@@ -3552,7 +3590,7 @@
       </a:lvl9pPr>
     </p:otherStyle>
   </p:txStyles>
-  <p:extLst>
+  <p:extLst mod="1">
     <p:ext uri="{27BBF7A9-308A-43DC-89C8-2F10F3537804}">
       <p15:sldGuideLst xmlns:p15="http://schemas.microsoft.com/office/powerpoint/2012/main"/>
     </p:ext>

--- a/slides.pptx
+++ b/slides.pptx
@@ -904,17 +904,17 @@
           <a:lstStyle>
             <a:lvl1pPr>
               <a:defRPr>
-                <a:latin typeface="Roboto Thin" panose="02000000000000000000" pitchFamily="2" charset="0"/>
-                <a:ea typeface="Roboto Thin" panose="02000000000000000000" pitchFamily="2" charset="0"/>
+                <a:latin typeface="Roboto" panose="02000000000000000000" pitchFamily="2" charset="0"/>
+                <a:ea typeface="Roboto" panose="02000000000000000000" pitchFamily="2" charset="0"/>
               </a:defRPr>
             </a:lvl1pPr>
           </a:lstStyle>
           <a:p>
             <a:r>
-              <a:rPr lang="en-US"/>
+              <a:rPr lang="en-US" dirty="0"/>
               <a:t>Click to edit Master title style</a:t>
             </a:r>
-            <a:endParaRPr lang="de-DE"/>
+            <a:endParaRPr lang="de-DE" dirty="0"/>
           </a:p>
         </p:txBody>
       </p:sp>
@@ -3324,8 +3324,8 @@
           <a:solidFill>
             <a:srgbClr val="E10098"/>
           </a:solidFill>
-          <a:latin typeface="Roboto Thin" panose="02000000000000000000" pitchFamily="2" charset="0"/>
-          <a:ea typeface="Roboto Thin" panose="02000000000000000000" pitchFamily="2" charset="0"/>
+          <a:latin typeface="Roboto" panose="02000000000000000000" pitchFamily="2" charset="0"/>
+          <a:ea typeface="Roboto" panose="02000000000000000000" pitchFamily="2" charset="0"/>
           <a:cs typeface="+mj-cs"/>
         </a:defRPr>
       </a:lvl1pPr>
@@ -3846,7 +3846,7 @@
             </a:r>
             <a:r>
               <a:rPr lang="de-DE" dirty="0" err="1"/>
-              <a:t>relationsships</a:t>
+              <a:t>relationships</a:t>
             </a:r>
             <a:r>
               <a:rPr lang="de-DE" dirty="0"/>

--- a/slides.pptx
+++ b/slides.pptx
@@ -1345,7 +1345,7 @@
           <a:bodyPr/>
           <a:lstStyle/>
           <a:p>
-            <a:endParaRPr lang="de-DE"/>
+            <a:endParaRPr lang="de-DE" dirty="0"/>
           </a:p>
         </p:txBody>
       </p:sp>
@@ -1374,6 +1374,168 @@
               <a:rPr lang="de-DE" smtClean="0"/>
               <a:t>‹#›</a:t>
             </a:fld>
+            <a:endParaRPr lang="de-DE"/>
+          </a:p>
+        </p:txBody>
+      </p:sp>
+      <p:sp>
+        <p:nvSpPr>
+          <p:cNvPr id="7" name="Rectangle 6">
+            <a:extLst>
+              <a:ext uri="{FF2B5EF4-FFF2-40B4-BE49-F238E27FC236}">
+                <a16:creationId xmlns:a16="http://schemas.microsoft.com/office/drawing/2014/main" id="{7830A0AE-EC3E-476F-822E-85CC79295B49}"/>
+              </a:ext>
+            </a:extLst>
+          </p:cNvPr>
+          <p:cNvSpPr/>
+          <p:nvPr userDrawn="1"/>
+        </p:nvSpPr>
+        <p:spPr>
+          <a:xfrm>
+            <a:off x="2541" y="6799812"/>
+            <a:ext cx="4071850" cy="58186"/>
+          </a:xfrm>
+          <a:prstGeom prst="rect">
+            <a:avLst/>
+          </a:prstGeom>
+          <a:solidFill>
+            <a:srgbClr val="E10098"/>
+          </a:solidFill>
+          <a:ln>
+            <a:solidFill>
+              <a:srgbClr val="E10098"/>
+            </a:solidFill>
+          </a:ln>
+        </p:spPr>
+        <p:style>
+          <a:lnRef idx="2">
+            <a:schemeClr val="accent1">
+              <a:shade val="50000"/>
+            </a:schemeClr>
+          </a:lnRef>
+          <a:fillRef idx="1">
+            <a:schemeClr val="accent1"/>
+          </a:fillRef>
+          <a:effectRef idx="0">
+            <a:schemeClr val="accent1"/>
+          </a:effectRef>
+          <a:fontRef idx="minor">
+            <a:schemeClr val="lt1"/>
+          </a:fontRef>
+        </p:style>
+        <p:txBody>
+          <a:bodyPr rtlCol="0" anchor="ctr"/>
+          <a:lstStyle/>
+          <a:p>
+            <a:pPr algn="ctr"/>
+            <a:endParaRPr lang="de-DE"/>
+          </a:p>
+        </p:txBody>
+      </p:sp>
+      <p:sp>
+        <p:nvSpPr>
+          <p:cNvPr id="8" name="Rectangle 7">
+            <a:extLst>
+              <a:ext uri="{FF2B5EF4-FFF2-40B4-BE49-F238E27FC236}">
+                <a16:creationId xmlns:a16="http://schemas.microsoft.com/office/drawing/2014/main" id="{56CE8854-8727-4376-B4DA-04AE0ADB8C37}"/>
+              </a:ext>
+            </a:extLst>
+          </p:cNvPr>
+          <p:cNvSpPr/>
+          <p:nvPr userDrawn="1"/>
+        </p:nvSpPr>
+        <p:spPr>
+          <a:xfrm>
+            <a:off x="4053725" y="6799813"/>
+            <a:ext cx="4071850" cy="58186"/>
+          </a:xfrm>
+          <a:prstGeom prst="rect">
+            <a:avLst/>
+          </a:prstGeom>
+          <a:solidFill>
+            <a:srgbClr val="FF43C0"/>
+          </a:solidFill>
+          <a:ln>
+            <a:solidFill>
+              <a:srgbClr val="FF43C0"/>
+            </a:solidFill>
+          </a:ln>
+        </p:spPr>
+        <p:style>
+          <a:lnRef idx="2">
+            <a:schemeClr val="accent1">
+              <a:shade val="50000"/>
+            </a:schemeClr>
+          </a:lnRef>
+          <a:fillRef idx="1">
+            <a:schemeClr val="accent1"/>
+          </a:fillRef>
+          <a:effectRef idx="0">
+            <a:schemeClr val="accent1"/>
+          </a:effectRef>
+          <a:fontRef idx="minor">
+            <a:schemeClr val="lt1"/>
+          </a:fontRef>
+        </p:style>
+        <p:txBody>
+          <a:bodyPr rtlCol="0" anchor="ctr"/>
+          <a:lstStyle/>
+          <a:p>
+            <a:pPr algn="ctr"/>
+            <a:endParaRPr lang="de-DE"/>
+          </a:p>
+        </p:txBody>
+      </p:sp>
+      <p:sp>
+        <p:nvSpPr>
+          <p:cNvPr id="9" name="Rectangle 8">
+            <a:extLst>
+              <a:ext uri="{FF2B5EF4-FFF2-40B4-BE49-F238E27FC236}">
+                <a16:creationId xmlns:a16="http://schemas.microsoft.com/office/drawing/2014/main" id="{3763BED1-CD2D-4EEC-9DE6-10DD4BA317BD}"/>
+              </a:ext>
+            </a:extLst>
+          </p:cNvPr>
+          <p:cNvSpPr/>
+          <p:nvPr userDrawn="1"/>
+        </p:nvSpPr>
+        <p:spPr>
+          <a:xfrm>
+            <a:off x="8120150" y="6799811"/>
+            <a:ext cx="4071850" cy="58186"/>
+          </a:xfrm>
+          <a:prstGeom prst="rect">
+            <a:avLst/>
+          </a:prstGeom>
+          <a:solidFill>
+            <a:srgbClr val="FF8BD8"/>
+          </a:solidFill>
+          <a:ln>
+            <a:solidFill>
+              <a:srgbClr val="FF8BD8"/>
+            </a:solidFill>
+          </a:ln>
+        </p:spPr>
+        <p:style>
+          <a:lnRef idx="2">
+            <a:schemeClr val="accent1">
+              <a:shade val="50000"/>
+            </a:schemeClr>
+          </a:lnRef>
+          <a:fillRef idx="1">
+            <a:schemeClr val="accent1"/>
+          </a:fillRef>
+          <a:effectRef idx="0">
+            <a:schemeClr val="accent1"/>
+          </a:effectRef>
+          <a:fontRef idx="minor">
+            <a:schemeClr val="lt1"/>
+          </a:fontRef>
+        </p:style>
+        <p:txBody>
+          <a:bodyPr rtlCol="0" anchor="ctr"/>
+          <a:lstStyle/>
+          <a:p>
+            <a:pPr algn="ctr"/>
             <a:endParaRPr lang="de-DE"/>
           </a:p>
         </p:txBody>

--- a/slides.pptx
+++ b/slides.pptx
@@ -5604,7 +5604,31 @@
                 </a:solidFill>
                 <a:latin typeface="Consolas" panose="020B0609020204030204" pitchFamily="49" charset="0"/>
               </a:rPr>
-              <a:t> request(`https://api.blog.io/</a:t>
+              <a:t> </a:t>
+            </a:r>
+            <a:r>
+              <a:rPr lang="en-US" sz="1800" dirty="0" err="1">
+                <a:solidFill>
+                  <a:schemeClr val="tx1">
+                    <a:lumMod val="65000"/>
+                    <a:lumOff val="35000"/>
+                  </a:schemeClr>
+                </a:solidFill>
+                <a:latin typeface="Consolas" panose="020B0609020204030204" pitchFamily="49" charset="0"/>
+              </a:rPr>
+              <a:t>context.request</a:t>
+            </a:r>
+            <a:r>
+              <a:rPr lang="en-US" sz="1800" dirty="0">
+                <a:solidFill>
+                  <a:schemeClr val="tx1">
+                    <a:lumMod val="65000"/>
+                    <a:lumOff val="35000"/>
+                  </a:schemeClr>
+                </a:solidFill>
+                <a:latin typeface="Consolas" panose="020B0609020204030204" pitchFamily="49" charset="0"/>
+              </a:rPr>
+              <a:t>(`https://api.blog.io/</a:t>
             </a:r>
             <a:r>
               <a:rPr lang="en-US" sz="1800" dirty="0" err="1">
